--- a/Project/Submission/201801015_ProjectPPT.pptx
+++ b/Project/Submission/201801015_ProjectPPT.pptx
@@ -18,35 +18,36 @@
     <p:sldId id="263" r:id="rId13"/>
     <p:sldId id="264" r:id="rId14"/>
     <p:sldId id="265" r:id="rId15"/>
+    <p:sldId id="266" r:id="rId16"/>
   </p:sldIdLst>
   <p:sldSz cy="5143500" cx="9144000"/>
   <p:notesSz cx="6858000" cy="9144000"/>
   <p:embeddedFontLst>
     <p:embeddedFont>
       <p:font typeface="Montserrat"/>
-      <p:regular r:id="rId16"/>
-      <p:bold r:id="rId17"/>
-      <p:italic r:id="rId18"/>
-      <p:boldItalic r:id="rId19"/>
+      <p:regular r:id="rId17"/>
+      <p:bold r:id="rId18"/>
+      <p:italic r:id="rId19"/>
+      <p:boldItalic r:id="rId20"/>
     </p:embeddedFont>
     <p:embeddedFont>
       <p:font typeface="Lato"/>
-      <p:regular r:id="rId20"/>
-      <p:bold r:id="rId21"/>
-      <p:italic r:id="rId22"/>
-      <p:boldItalic r:id="rId23"/>
+      <p:regular r:id="rId21"/>
+      <p:bold r:id="rId22"/>
+      <p:italic r:id="rId23"/>
+      <p:boldItalic r:id="rId24"/>
     </p:embeddedFont>
     <p:embeddedFont>
       <p:font typeface="Lora"/>
-      <p:regular r:id="rId24"/>
-      <p:bold r:id="rId25"/>
-      <p:italic r:id="rId26"/>
-      <p:boldItalic r:id="rId27"/>
+      <p:regular r:id="rId25"/>
+      <p:bold r:id="rId26"/>
+      <p:italic r:id="rId27"/>
+      <p:boldItalic r:id="rId28"/>
     </p:embeddedFont>
     <p:embeddedFont>
       <p:font typeface="Oswald"/>
-      <p:regular r:id="rId28"/>
-      <p:bold r:id="rId29"/>
+      <p:regular r:id="rId29"/>
+      <p:bold r:id="rId30"/>
     </p:embeddedFont>
   </p:embeddedFontLst>
   <p:defaultTextStyle>
@@ -841,7 +842,7 @@
       </p:grpSpPr>
       <p:sp>
         <p:nvSpPr>
-          <p:cNvPr id="219" name="Google Shape;219;gad97714769_5_25:notes"/>
+          <p:cNvPr id="219" name="Google Shape;219;gb25ab7a251_1_0:notes"/>
           <p:cNvSpPr/>
           <p:nvPr>
             <p:ph idx="2" type="sldImg"/>
@@ -876,7 +877,106 @@
       </p:sp>
       <p:sp>
         <p:nvSpPr>
-          <p:cNvPr id="220" name="Google Shape;220;gad97714769_5_25:notes"/>
+          <p:cNvPr id="220" name="Google Shape;220;gb25ab7a251_1_0:notes"/>
+          <p:cNvSpPr txBox="1"/>
+          <p:nvPr>
+            <p:ph idx="1" type="body"/>
+          </p:nvPr>
+        </p:nvSpPr>
+        <p:spPr>
+          <a:xfrm>
+            <a:off x="685800" y="4343400"/>
+            <a:ext cx="5486400" cy="4114800"/>
+          </a:xfrm>
+          <a:prstGeom prst="rect">
+            <a:avLst/>
+          </a:prstGeom>
+        </p:spPr>
+        <p:txBody>
+          <a:bodyPr anchorCtr="0" anchor="t" bIns="91425" lIns="91425" spcFirstLastPara="1" rIns="91425" wrap="square" tIns="91425">
+            <a:noAutofit/>
+          </a:bodyPr>
+          <a:lstStyle/>
+          <a:p>
+            <a:pPr indent="0" lvl="0" marL="0" rtl="0" algn="l">
+              <a:spcBef>
+                <a:spcPts val="0"/>
+              </a:spcBef>
+              <a:spcAft>
+                <a:spcPts val="0"/>
+              </a:spcAft>
+              <a:buNone/>
+            </a:pPr>
+            <a:r>
+              <a:t/>
+            </a:r>
+            <a:endParaRPr/>
+          </a:p>
+        </p:txBody>
+      </p:sp>
+    </p:spTree>
+  </p:cSld>
+  <p:clrMapOvr>
+    <a:masterClrMapping/>
+  </p:clrMapOvr>
+</p:notes>
+</file>
+
+<file path=ppt/notesSlides/notesSlide11.xml><?xml version="1.0" encoding="utf-8"?>
+<p:notes xmlns:a="http://schemas.openxmlformats.org/drawingml/2006/main" xmlns:r="http://schemas.openxmlformats.org/officeDocument/2006/relationships" xmlns:mc="http://schemas.openxmlformats.org/markup-compatibility/2006" xmlns:mv="urn:schemas-microsoft-com:mac:vml" xmlns:p="http://schemas.openxmlformats.org/presentationml/2006/main" xmlns:c="http://schemas.openxmlformats.org/drawingml/2006/chart" xmlns:dgm="http://schemas.openxmlformats.org/drawingml/2006/diagram" xmlns:o="urn:schemas-microsoft-com:office:office" xmlns:v="urn:schemas-microsoft-com:vml" xmlns:pvml="urn:schemas-microsoft-com:office:powerpoint" xmlns:com="http://schemas.openxmlformats.org/drawingml/2006/compatibility" xmlns:p14="http://schemas.microsoft.com/office/powerpoint/2010/main" xmlns:p15="http://schemas.microsoft.com/office/powerpoint/2012/main" xmlns:ahyp="http://schemas.microsoft.com/office/drawing/2018/hyperlinkcolor" showMasterPhAnim="0" showMasterSp="0">
+  <p:cSld>
+    <p:spTree>
+      <p:nvGrpSpPr>
+        <p:cNvPr id="230" name="Shape 230"/>
+        <p:cNvGrpSpPr/>
+        <p:nvPr/>
+      </p:nvGrpSpPr>
+      <p:grpSpPr>
+        <a:xfrm>
+          <a:off x="0" y="0"/>
+          <a:ext cx="0" cy="0"/>
+          <a:chOff x="0" y="0"/>
+          <a:chExt cx="0" cy="0"/>
+        </a:xfrm>
+      </p:grpSpPr>
+      <p:sp>
+        <p:nvSpPr>
+          <p:cNvPr id="231" name="Google Shape;231;gad97714769_5_25:notes"/>
+          <p:cNvSpPr/>
+          <p:nvPr>
+            <p:ph idx="2" type="sldImg"/>
+          </p:nvPr>
+        </p:nvSpPr>
+        <p:spPr>
+          <a:xfrm>
+            <a:off x="381300" y="685800"/>
+            <a:ext cx="6096000" cy="3429000"/>
+          </a:xfrm>
+          <a:custGeom>
+            <a:rect b="b" l="l" r="r" t="t"/>
+            <a:pathLst>
+              <a:path extrusionOk="0" h="120000" w="120000">
+                <a:moveTo>
+                  <a:pt x="0" y="0"/>
+                </a:moveTo>
+                <a:lnTo>
+                  <a:pt x="120000" y="0"/>
+                </a:lnTo>
+                <a:lnTo>
+                  <a:pt x="120000" y="120000"/>
+                </a:lnTo>
+                <a:lnTo>
+                  <a:pt x="0" y="120000"/>
+                </a:lnTo>
+                <a:close/>
+              </a:path>
+            </a:pathLst>
+          </a:custGeom>
+        </p:spPr>
+      </p:sp>
+      <p:sp>
+        <p:nvSpPr>
+          <p:cNvPr id="232" name="Google Shape;232;gad97714769_5_25:notes"/>
           <p:cNvSpPr txBox="1"/>
           <p:nvPr>
             <p:ph idx="1" type="body"/>
@@ -10272,6 +10372,886 @@
       <p:sp>
         <p:nvSpPr>
           <p:cNvPr id="222" name="Google Shape;222;p22"/>
+          <p:cNvSpPr txBox="1"/>
+          <p:nvPr>
+            <p:ph type="title"/>
+          </p:nvPr>
+        </p:nvSpPr>
+        <p:spPr>
+          <a:xfrm>
+            <a:off x="1297500" y="228425"/>
+            <a:ext cx="7038900" cy="535500"/>
+          </a:xfrm>
+          <a:prstGeom prst="rect">
+            <a:avLst/>
+          </a:prstGeom>
+        </p:spPr>
+        <p:txBody>
+          <a:bodyPr anchorCtr="0" anchor="t" bIns="91425" lIns="91425" spcFirstLastPara="1" rIns="91425" wrap="square" tIns="91425">
+            <a:noAutofit/>
+          </a:bodyPr>
+          <a:lstStyle/>
+          <a:p>
+            <a:pPr indent="0" lvl="0" marL="0" rtl="0" algn="ctr">
+              <a:spcBef>
+                <a:spcPts val="0"/>
+              </a:spcBef>
+              <a:spcAft>
+                <a:spcPts val="0"/>
+              </a:spcAft>
+              <a:buNone/>
+            </a:pPr>
+            <a:r>
+              <a:rPr b="1" lang="en">
+                <a:latin typeface="Lora"/>
+                <a:ea typeface="Lora"/>
+                <a:cs typeface="Lora"/>
+                <a:sym typeface="Lora"/>
+              </a:rPr>
+              <a:t>Section 5: Numerical Integration</a:t>
+            </a:r>
+            <a:endParaRPr b="1">
+              <a:latin typeface="Lora"/>
+              <a:ea typeface="Lora"/>
+              <a:cs typeface="Lora"/>
+              <a:sym typeface="Lora"/>
+            </a:endParaRPr>
+          </a:p>
+          <a:p>
+            <a:pPr indent="0" lvl="0" marL="0" rtl="0" algn="ctr">
+              <a:spcBef>
+                <a:spcPts val="0"/>
+              </a:spcBef>
+              <a:spcAft>
+                <a:spcPts val="0"/>
+              </a:spcAft>
+              <a:buNone/>
+            </a:pPr>
+            <a:r>
+              <a:t/>
+            </a:r>
+            <a:endParaRPr b="1">
+              <a:latin typeface="Lora"/>
+              <a:ea typeface="Lora"/>
+              <a:cs typeface="Lora"/>
+              <a:sym typeface="Lora"/>
+            </a:endParaRPr>
+          </a:p>
+        </p:txBody>
+      </p:sp>
+      <p:sp>
+        <p:nvSpPr>
+          <p:cNvPr id="223" name="Google Shape;223;p22"/>
+          <p:cNvSpPr txBox="1"/>
+          <p:nvPr>
+            <p:ph idx="1" type="body"/>
+          </p:nvPr>
+        </p:nvSpPr>
+        <p:spPr>
+          <a:xfrm>
+            <a:off x="5093950" y="715075"/>
+            <a:ext cx="3888000" cy="1093200"/>
+          </a:xfrm>
+          <a:prstGeom prst="rect">
+            <a:avLst/>
+          </a:prstGeom>
+        </p:spPr>
+        <p:txBody>
+          <a:bodyPr anchorCtr="0" anchor="t" bIns="91425" lIns="91425" spcFirstLastPara="1" rIns="91425" wrap="square" tIns="91425">
+            <a:noAutofit/>
+          </a:bodyPr>
+          <a:lstStyle/>
+          <a:p>
+            <a:pPr indent="0" lvl="0" marL="0" rtl="0" algn="l">
+              <a:spcBef>
+                <a:spcPts val="0"/>
+              </a:spcBef>
+              <a:spcAft>
+                <a:spcPts val="1600"/>
+              </a:spcAft>
+              <a:buNone/>
+            </a:pPr>
+            <a:r>
+              <a:rPr b="1" lang="en"/>
+              <a:t>Problem: </a:t>
+            </a:r>
+            <a:r>
+              <a:rPr lang="en"/>
+              <a:t>To </a:t>
+            </a:r>
+            <a:r>
+              <a:rPr lang="en"/>
+              <a:t>evaluated integral of various mathematically and physically significant equations using various numerical methods and compared their performance with actual values.</a:t>
+            </a:r>
+            <a:endParaRPr/>
+          </a:p>
+        </p:txBody>
+      </p:sp>
+      <p:pic>
+        <p:nvPicPr>
+          <p:cNvPr id="224" name="Google Shape;224;p22"/>
+          <p:cNvPicPr preferRelativeResize="0"/>
+          <p:nvPr/>
+        </p:nvPicPr>
+        <p:blipFill>
+          <a:blip r:embed="rId3">
+            <a:alphaModFix/>
+          </a:blip>
+          <a:stretch>
+            <a:fillRect/>
+          </a:stretch>
+        </p:blipFill>
+        <p:spPr>
+          <a:xfrm>
+            <a:off x="1590541" y="823488"/>
+            <a:ext cx="2102859" cy="535500"/>
+          </a:xfrm>
+          <a:prstGeom prst="rect">
+            <a:avLst/>
+          </a:prstGeom>
+          <a:noFill/>
+          <a:ln>
+            <a:noFill/>
+          </a:ln>
+        </p:spPr>
+      </p:pic>
+      <p:pic>
+        <p:nvPicPr>
+          <p:cNvPr id="225" name="Google Shape;225;p22"/>
+          <p:cNvPicPr preferRelativeResize="0"/>
+          <p:nvPr/>
+        </p:nvPicPr>
+        <p:blipFill rotWithShape="1">
+          <a:blip r:embed="rId4">
+            <a:alphaModFix/>
+          </a:blip>
+          <a:srcRect b="3038" l="0" r="0" t="3765"/>
+          <a:stretch/>
+        </p:blipFill>
+        <p:spPr>
+          <a:xfrm>
+            <a:off x="253475" y="1418550"/>
+            <a:ext cx="4673525" cy="3185425"/>
+          </a:xfrm>
+          <a:prstGeom prst="rect">
+            <a:avLst/>
+          </a:prstGeom>
+          <a:noFill/>
+          <a:ln>
+            <a:noFill/>
+          </a:ln>
+        </p:spPr>
+      </p:pic>
+      <p:pic>
+        <p:nvPicPr>
+          <p:cNvPr id="226" name="Google Shape;226;p22"/>
+          <p:cNvPicPr preferRelativeResize="0"/>
+          <p:nvPr/>
+        </p:nvPicPr>
+        <p:blipFill>
+          <a:blip r:embed="rId5">
+            <a:alphaModFix/>
+          </a:blip>
+          <a:stretch>
+            <a:fillRect/>
+          </a:stretch>
+        </p:blipFill>
+        <p:spPr>
+          <a:xfrm>
+            <a:off x="253463" y="1418555"/>
+            <a:ext cx="4673525" cy="3494865"/>
+          </a:xfrm>
+          <a:prstGeom prst="rect">
+            <a:avLst/>
+          </a:prstGeom>
+          <a:noFill/>
+          <a:ln>
+            <a:noFill/>
+          </a:ln>
+        </p:spPr>
+      </p:pic>
+      <p:pic>
+        <p:nvPicPr>
+          <p:cNvPr id="227" name="Google Shape;227;p22"/>
+          <p:cNvPicPr preferRelativeResize="0"/>
+          <p:nvPr/>
+        </p:nvPicPr>
+        <p:blipFill>
+          <a:blip r:embed="rId6">
+            <a:alphaModFix/>
+          </a:blip>
+          <a:stretch>
+            <a:fillRect/>
+          </a:stretch>
+        </p:blipFill>
+        <p:spPr>
+          <a:xfrm>
+            <a:off x="253475" y="1418550"/>
+            <a:ext cx="4673525" cy="3481160"/>
+          </a:xfrm>
+          <a:prstGeom prst="rect">
+            <a:avLst/>
+          </a:prstGeom>
+          <a:noFill/>
+          <a:ln>
+            <a:noFill/>
+          </a:ln>
+        </p:spPr>
+      </p:pic>
+      <p:sp>
+        <p:nvSpPr>
+          <p:cNvPr id="228" name="Google Shape;228;p22"/>
+          <p:cNvSpPr txBox="1"/>
+          <p:nvPr>
+            <p:ph idx="1" type="body"/>
+          </p:nvPr>
+        </p:nvSpPr>
+        <p:spPr>
+          <a:xfrm>
+            <a:off x="5093950" y="1310825"/>
+            <a:ext cx="3888000" cy="2190900"/>
+          </a:xfrm>
+          <a:prstGeom prst="rect">
+            <a:avLst/>
+          </a:prstGeom>
+        </p:spPr>
+        <p:txBody>
+          <a:bodyPr anchorCtr="0" anchor="t" bIns="91425" lIns="91425" spcFirstLastPara="1" rIns="91425" wrap="square" tIns="91425">
+            <a:noAutofit/>
+          </a:bodyPr>
+          <a:lstStyle/>
+          <a:p>
+            <a:pPr indent="0" lvl="0" marL="0" rtl="0" algn="l">
+              <a:spcBef>
+                <a:spcPts val="0"/>
+              </a:spcBef>
+              <a:spcAft>
+                <a:spcPts val="0"/>
+              </a:spcAft>
+              <a:buNone/>
+            </a:pPr>
+            <a:r>
+              <a:t/>
+            </a:r>
+            <a:endParaRPr/>
+          </a:p>
+          <a:p>
+            <a:pPr indent="0" lvl="0" marL="0" rtl="0" algn="l">
+              <a:spcBef>
+                <a:spcPts val="1600"/>
+              </a:spcBef>
+              <a:spcAft>
+                <a:spcPts val="0"/>
+              </a:spcAft>
+              <a:buNone/>
+            </a:pPr>
+            <a:r>
+              <a:rPr b="1" lang="en"/>
+              <a:t>Part 1: Gamma Function</a:t>
+            </a:r>
+            <a:endParaRPr b="1"/>
+          </a:p>
+          <a:p>
+            <a:pPr indent="0" lvl="0" marL="0" rtl="0" algn="l">
+              <a:spcBef>
+                <a:spcPts val="0"/>
+              </a:spcBef>
+              <a:spcAft>
+                <a:spcPts val="0"/>
+              </a:spcAft>
+              <a:buNone/>
+            </a:pPr>
+            <a:r>
+              <a:rPr lang="en"/>
+              <a:t>Methods used:</a:t>
+            </a:r>
+            <a:endParaRPr/>
+          </a:p>
+          <a:p>
+            <a:pPr indent="-311150" lvl="0" marL="457200" rtl="0" algn="l">
+              <a:spcBef>
+                <a:spcPts val="0"/>
+              </a:spcBef>
+              <a:spcAft>
+                <a:spcPts val="0"/>
+              </a:spcAft>
+              <a:buSzPts val="1300"/>
+              <a:buAutoNum type="arabicPeriod"/>
+            </a:pPr>
+            <a:r>
+              <a:rPr lang="en"/>
+              <a:t>Simpson</a:t>
+            </a:r>
+            <a:endParaRPr/>
+          </a:p>
+          <a:p>
+            <a:pPr indent="-311150" lvl="0" marL="457200" rtl="0" algn="l">
+              <a:spcBef>
+                <a:spcPts val="0"/>
+              </a:spcBef>
+              <a:spcAft>
+                <a:spcPts val="0"/>
+              </a:spcAft>
+              <a:buSzPts val="1300"/>
+              <a:buAutoNum type="arabicPeriod"/>
+            </a:pPr>
+            <a:r>
+              <a:rPr lang="en"/>
+              <a:t>Trapezoid</a:t>
+            </a:r>
+            <a:endParaRPr/>
+          </a:p>
+          <a:p>
+            <a:pPr indent="-311150" lvl="0" marL="457200" rtl="0" algn="l">
+              <a:spcBef>
+                <a:spcPts val="0"/>
+              </a:spcBef>
+              <a:spcAft>
+                <a:spcPts val="0"/>
+              </a:spcAft>
+              <a:buSzPts val="1300"/>
+              <a:buAutoNum type="arabicPeriod"/>
+            </a:pPr>
+            <a:r>
+              <a:rPr lang="en"/>
+              <a:t>Rectangular</a:t>
+            </a:r>
+            <a:endParaRPr/>
+          </a:p>
+          <a:p>
+            <a:pPr indent="-311150" lvl="0" marL="457200" rtl="0" algn="l">
+              <a:spcBef>
+                <a:spcPts val="0"/>
+              </a:spcBef>
+              <a:spcAft>
+                <a:spcPts val="0"/>
+              </a:spcAft>
+              <a:buSzPts val="1300"/>
+              <a:buAutoNum type="arabicPeriod"/>
+            </a:pPr>
+            <a:r>
+              <a:rPr lang="en"/>
+              <a:t>Gauss 2 point</a:t>
+            </a:r>
+            <a:endParaRPr/>
+          </a:p>
+          <a:p>
+            <a:pPr indent="0" lvl="0" marL="0" rtl="0" algn="l">
+              <a:spcBef>
+                <a:spcPts val="0"/>
+              </a:spcBef>
+              <a:spcAft>
+                <a:spcPts val="0"/>
+              </a:spcAft>
+              <a:buNone/>
+            </a:pPr>
+            <a:r>
+              <a:rPr lang="en"/>
+              <a:t>Limits [0,100], steps = 100,1000.</a:t>
+            </a:r>
+            <a:endParaRPr/>
+          </a:p>
+          <a:p>
+            <a:pPr indent="0" lvl="0" marL="0" rtl="0" algn="l">
+              <a:spcBef>
+                <a:spcPts val="0"/>
+              </a:spcBef>
+              <a:spcAft>
+                <a:spcPts val="0"/>
+              </a:spcAft>
+              <a:buNone/>
+            </a:pPr>
+            <a:r>
+              <a:t/>
+            </a:r>
+            <a:endParaRPr/>
+          </a:p>
+          <a:p>
+            <a:pPr indent="0" lvl="0" marL="0" rtl="0" algn="l">
+              <a:spcBef>
+                <a:spcPts val="0"/>
+              </a:spcBef>
+              <a:spcAft>
+                <a:spcPts val="0"/>
+              </a:spcAft>
+              <a:buNone/>
+            </a:pPr>
+            <a:r>
+              <a:t/>
+            </a:r>
+            <a:endParaRPr b="1"/>
+          </a:p>
+        </p:txBody>
+      </p:sp>
+      <p:sp>
+        <p:nvSpPr>
+          <p:cNvPr id="229" name="Google Shape;229;p22"/>
+          <p:cNvSpPr txBox="1"/>
+          <p:nvPr/>
+        </p:nvSpPr>
+        <p:spPr>
+          <a:xfrm>
+            <a:off x="5093950" y="3501725"/>
+            <a:ext cx="3786300" cy="1414200"/>
+          </a:xfrm>
+          <a:prstGeom prst="rect">
+            <a:avLst/>
+          </a:prstGeom>
+          <a:noFill/>
+          <a:ln>
+            <a:noFill/>
+          </a:ln>
+        </p:spPr>
+        <p:txBody>
+          <a:bodyPr anchorCtr="0" anchor="t" bIns="91425" lIns="91425" spcFirstLastPara="1" rIns="91425" wrap="square" tIns="91425">
+            <a:noAutofit/>
+          </a:bodyPr>
+          <a:lstStyle/>
+          <a:p>
+            <a:pPr indent="0" lvl="0" marL="0" rtl="0" algn="l">
+              <a:lnSpc>
+                <a:spcPct val="115000"/>
+              </a:lnSpc>
+              <a:spcBef>
+                <a:spcPts val="0"/>
+              </a:spcBef>
+              <a:spcAft>
+                <a:spcPts val="0"/>
+              </a:spcAft>
+              <a:buNone/>
+            </a:pPr>
+            <a:r>
+              <a:rPr b="1" lang="en" sz="1300">
+                <a:solidFill>
+                  <a:schemeClr val="lt1"/>
+                </a:solidFill>
+                <a:latin typeface="Lato"/>
+                <a:ea typeface="Lato"/>
+                <a:cs typeface="Lato"/>
+                <a:sym typeface="Lato"/>
+              </a:rPr>
+              <a:t>Conclusions</a:t>
+            </a:r>
+            <a:r>
+              <a:rPr lang="en" sz="1300">
+                <a:solidFill>
+                  <a:schemeClr val="lt1"/>
+                </a:solidFill>
+                <a:latin typeface="Lato"/>
+                <a:ea typeface="Lato"/>
+                <a:cs typeface="Lato"/>
+                <a:sym typeface="Lato"/>
+              </a:rPr>
+              <a:t>: All methods converge. Increasing the steps increases accuracy of all methods. Taking larger limits calls for taking many more steps and it increases accuracy by a negligible amount so 100 is a good upper bound value.</a:t>
+            </a:r>
+            <a:endParaRPr sz="1300">
+              <a:solidFill>
+                <a:schemeClr val="lt1"/>
+              </a:solidFill>
+              <a:latin typeface="Lato"/>
+              <a:ea typeface="Lato"/>
+              <a:cs typeface="Lato"/>
+              <a:sym typeface="Lato"/>
+            </a:endParaRPr>
+          </a:p>
+          <a:p>
+            <a:pPr indent="0" lvl="0" marL="0" rtl="0" algn="l">
+              <a:spcBef>
+                <a:spcPts val="0"/>
+              </a:spcBef>
+              <a:spcAft>
+                <a:spcPts val="0"/>
+              </a:spcAft>
+              <a:buNone/>
+            </a:pPr>
+            <a:r>
+              <a:t/>
+            </a:r>
+            <a:endParaRPr>
+              <a:latin typeface="Lato"/>
+              <a:ea typeface="Lato"/>
+              <a:cs typeface="Lato"/>
+              <a:sym typeface="Lato"/>
+            </a:endParaRPr>
+          </a:p>
+        </p:txBody>
+      </p:sp>
+    </p:spTree>
+  </p:cSld>
+  <p:clrMapOvr>
+    <a:masterClrMapping/>
+  </p:clrMapOvr>
+  <p:timing>
+    <p:tnLst>
+      <p:par>
+        <p:cTn dur="indefinite" nodeType="tmRoot" restart="never">
+          <p:childTnLst>
+            <p:seq concurrent="1" nextAc="seek">
+              <p:cTn dur="indefinite" id="2" nodeType="mainSeq">
+                <p:childTnLst>
+                  <p:par>
+                    <p:cTn fill="hold">
+                      <p:stCondLst>
+                        <p:cond delay="indefinite"/>
+                      </p:stCondLst>
+                      <p:childTnLst>
+                        <p:par>
+                          <p:cTn fill="hold">
+                            <p:stCondLst>
+                              <p:cond delay="0"/>
+                            </p:stCondLst>
+                            <p:childTnLst>
+                              <p:par>
+                                <p:cTn fill="hold" nodeType="clickEffect" presetClass="entr" presetID="10" presetSubtype="0">
+                                  <p:stCondLst>
+                                    <p:cond delay="0"/>
+                                  </p:stCondLst>
+                                  <p:childTnLst>
+                                    <p:set>
+                                      <p:cBhvr>
+                                        <p:cTn dur="1" fill="hold">
+                                          <p:stCondLst>
+                                            <p:cond delay="0"/>
+                                          </p:stCondLst>
+                                        </p:cTn>
+                                        <p:tgtEl>
+                                          <p:spTgt spid="228"/>
+                                        </p:tgtEl>
+                                        <p:attrNameLst>
+                                          <p:attrName>style.visibility</p:attrName>
+                                        </p:attrNameLst>
+                                      </p:cBhvr>
+                                      <p:to>
+                                        <p:strVal val="visible"/>
+                                      </p:to>
+                                    </p:set>
+                                    <p:animEffect filter="fade" transition="in">
+                                      <p:cBhvr>
+                                        <p:cTn dur="500"/>
+                                        <p:tgtEl>
+                                          <p:spTgt spid="228"/>
+                                        </p:tgtEl>
+                                      </p:cBhvr>
+                                    </p:animEffect>
+                                  </p:childTnLst>
+                                </p:cTn>
+                              </p:par>
+                            </p:childTnLst>
+                          </p:cTn>
+                        </p:par>
+                      </p:childTnLst>
+                    </p:cTn>
+                  </p:par>
+                  <p:par>
+                    <p:cTn fill="hold">
+                      <p:stCondLst>
+                        <p:cond delay="indefinite"/>
+                      </p:stCondLst>
+                      <p:childTnLst>
+                        <p:par>
+                          <p:cTn fill="hold">
+                            <p:stCondLst>
+                              <p:cond delay="0"/>
+                            </p:stCondLst>
+                            <p:childTnLst>
+                              <p:par>
+                                <p:cTn fill="hold" nodeType="clickEffect" presetClass="entr" presetID="10" presetSubtype="0">
+                                  <p:stCondLst>
+                                    <p:cond delay="0"/>
+                                  </p:stCondLst>
+                                  <p:childTnLst>
+                                    <p:set>
+                                      <p:cBhvr>
+                                        <p:cTn dur="1" fill="hold">
+                                          <p:stCondLst>
+                                            <p:cond delay="0"/>
+                                          </p:stCondLst>
+                                        </p:cTn>
+                                        <p:tgtEl>
+                                          <p:spTgt spid="224"/>
+                                        </p:tgtEl>
+                                        <p:attrNameLst>
+                                          <p:attrName>style.visibility</p:attrName>
+                                        </p:attrNameLst>
+                                      </p:cBhvr>
+                                      <p:to>
+                                        <p:strVal val="visible"/>
+                                      </p:to>
+                                    </p:set>
+                                    <p:animEffect filter="fade" transition="in">
+                                      <p:cBhvr>
+                                        <p:cTn dur="500"/>
+                                        <p:tgtEl>
+                                          <p:spTgt spid="224"/>
+                                        </p:tgtEl>
+                                      </p:cBhvr>
+                                    </p:animEffect>
+                                  </p:childTnLst>
+                                </p:cTn>
+                              </p:par>
+                            </p:childTnLst>
+                          </p:cTn>
+                        </p:par>
+                      </p:childTnLst>
+                    </p:cTn>
+                  </p:par>
+                  <p:par>
+                    <p:cTn fill="hold">
+                      <p:stCondLst>
+                        <p:cond delay="indefinite"/>
+                      </p:stCondLst>
+                      <p:childTnLst>
+                        <p:par>
+                          <p:cTn fill="hold">
+                            <p:stCondLst>
+                              <p:cond delay="0"/>
+                            </p:stCondLst>
+                            <p:childTnLst>
+                              <p:par>
+                                <p:cTn fill="hold" nodeType="clickEffect" presetClass="entr" presetID="10" presetSubtype="0">
+                                  <p:stCondLst>
+                                    <p:cond delay="0"/>
+                                  </p:stCondLst>
+                                  <p:childTnLst>
+                                    <p:set>
+                                      <p:cBhvr>
+                                        <p:cTn dur="1" fill="hold">
+                                          <p:stCondLst>
+                                            <p:cond delay="0"/>
+                                          </p:stCondLst>
+                                        </p:cTn>
+                                        <p:tgtEl>
+                                          <p:spTgt spid="225"/>
+                                        </p:tgtEl>
+                                        <p:attrNameLst>
+                                          <p:attrName>style.visibility</p:attrName>
+                                        </p:attrNameLst>
+                                      </p:cBhvr>
+                                      <p:to>
+                                        <p:strVal val="visible"/>
+                                      </p:to>
+                                    </p:set>
+                                    <p:animEffect filter="fade" transition="in">
+                                      <p:cBhvr>
+                                        <p:cTn dur="500"/>
+                                        <p:tgtEl>
+                                          <p:spTgt spid="225"/>
+                                        </p:tgtEl>
+                                      </p:cBhvr>
+                                    </p:animEffect>
+                                  </p:childTnLst>
+                                </p:cTn>
+                              </p:par>
+                            </p:childTnLst>
+                          </p:cTn>
+                        </p:par>
+                      </p:childTnLst>
+                    </p:cTn>
+                  </p:par>
+                  <p:par>
+                    <p:cTn fill="hold">
+                      <p:stCondLst>
+                        <p:cond delay="indefinite"/>
+                      </p:stCondLst>
+                      <p:childTnLst>
+                        <p:par>
+                          <p:cTn fill="hold">
+                            <p:stCondLst>
+                              <p:cond delay="0"/>
+                            </p:stCondLst>
+                            <p:childTnLst>
+                              <p:par>
+                                <p:cTn fill="hold" nodeType="clickEffect" presetClass="entr" presetID="10" presetSubtype="0">
+                                  <p:stCondLst>
+                                    <p:cond delay="0"/>
+                                  </p:stCondLst>
+                                  <p:childTnLst>
+                                    <p:set>
+                                      <p:cBhvr>
+                                        <p:cTn dur="1" fill="hold">
+                                          <p:stCondLst>
+                                            <p:cond delay="0"/>
+                                          </p:stCondLst>
+                                        </p:cTn>
+                                        <p:tgtEl>
+                                          <p:spTgt spid="226"/>
+                                        </p:tgtEl>
+                                        <p:attrNameLst>
+                                          <p:attrName>style.visibility</p:attrName>
+                                        </p:attrNameLst>
+                                      </p:cBhvr>
+                                      <p:to>
+                                        <p:strVal val="visible"/>
+                                      </p:to>
+                                    </p:set>
+                                    <p:animEffect filter="fade" transition="in">
+                                      <p:cBhvr>
+                                        <p:cTn dur="500"/>
+                                        <p:tgtEl>
+                                          <p:spTgt spid="226"/>
+                                        </p:tgtEl>
+                                      </p:cBhvr>
+                                    </p:animEffect>
+                                  </p:childTnLst>
+                                </p:cTn>
+                              </p:par>
+                            </p:childTnLst>
+                          </p:cTn>
+                        </p:par>
+                      </p:childTnLst>
+                    </p:cTn>
+                  </p:par>
+                  <p:par>
+                    <p:cTn fill="hold">
+                      <p:stCondLst>
+                        <p:cond delay="indefinite"/>
+                      </p:stCondLst>
+                      <p:childTnLst>
+                        <p:par>
+                          <p:cTn fill="hold">
+                            <p:stCondLst>
+                              <p:cond delay="0"/>
+                            </p:stCondLst>
+                            <p:childTnLst>
+                              <p:par>
+                                <p:cTn fill="hold" nodeType="clickEffect" presetClass="entr" presetID="10" presetSubtype="0">
+                                  <p:stCondLst>
+                                    <p:cond delay="0"/>
+                                  </p:stCondLst>
+                                  <p:childTnLst>
+                                    <p:set>
+                                      <p:cBhvr>
+                                        <p:cTn dur="1" fill="hold">
+                                          <p:stCondLst>
+                                            <p:cond delay="0"/>
+                                          </p:stCondLst>
+                                        </p:cTn>
+                                        <p:tgtEl>
+                                          <p:spTgt spid="227"/>
+                                        </p:tgtEl>
+                                        <p:attrNameLst>
+                                          <p:attrName>style.visibility</p:attrName>
+                                        </p:attrNameLst>
+                                      </p:cBhvr>
+                                      <p:to>
+                                        <p:strVal val="visible"/>
+                                      </p:to>
+                                    </p:set>
+                                    <p:animEffect filter="fade" transition="in">
+                                      <p:cBhvr>
+                                        <p:cTn dur="500"/>
+                                        <p:tgtEl>
+                                          <p:spTgt spid="227"/>
+                                        </p:tgtEl>
+                                      </p:cBhvr>
+                                    </p:animEffect>
+                                  </p:childTnLst>
+                                </p:cTn>
+                              </p:par>
+                            </p:childTnLst>
+                          </p:cTn>
+                        </p:par>
+                      </p:childTnLst>
+                    </p:cTn>
+                  </p:par>
+                  <p:par>
+                    <p:cTn fill="hold">
+                      <p:stCondLst>
+                        <p:cond delay="indefinite"/>
+                      </p:stCondLst>
+                      <p:childTnLst>
+                        <p:par>
+                          <p:cTn fill="hold">
+                            <p:stCondLst>
+                              <p:cond delay="0"/>
+                            </p:stCondLst>
+                            <p:childTnLst>
+                              <p:par>
+                                <p:cTn fill="hold" nodeType="clickEffect" presetClass="entr" presetID="10" presetSubtype="0">
+                                  <p:stCondLst>
+                                    <p:cond delay="0"/>
+                                  </p:stCondLst>
+                                  <p:childTnLst>
+                                    <p:set>
+                                      <p:cBhvr>
+                                        <p:cTn dur="1" fill="hold">
+                                          <p:stCondLst>
+                                            <p:cond delay="0"/>
+                                          </p:stCondLst>
+                                        </p:cTn>
+                                        <p:tgtEl>
+                                          <p:spTgt spid="229"/>
+                                        </p:tgtEl>
+                                        <p:attrNameLst>
+                                          <p:attrName>style.visibility</p:attrName>
+                                        </p:attrNameLst>
+                                      </p:cBhvr>
+                                      <p:to>
+                                        <p:strVal val="visible"/>
+                                      </p:to>
+                                    </p:set>
+                                    <p:animEffect filter="fade" transition="in">
+                                      <p:cBhvr>
+                                        <p:cTn dur="500"/>
+                                        <p:tgtEl>
+                                          <p:spTgt spid="229"/>
+                                        </p:tgtEl>
+                                      </p:cBhvr>
+                                    </p:animEffect>
+                                  </p:childTnLst>
+                                </p:cTn>
+                              </p:par>
+                            </p:childTnLst>
+                          </p:cTn>
+                        </p:par>
+                      </p:childTnLst>
+                    </p:cTn>
+                  </p:par>
+                </p:childTnLst>
+              </p:cTn>
+              <p:prevCondLst>
+                <p:cond evt="onPrev">
+                  <p:tgtEl>
+                    <p:sldTgt/>
+                  </p:tgtEl>
+                </p:cond>
+              </p:prevCondLst>
+              <p:nextCondLst>
+                <p:cond evt="onNext">
+                  <p:tgtEl>
+                    <p:sldTgt/>
+                  </p:tgtEl>
+                </p:cond>
+              </p:nextCondLst>
+            </p:seq>
+          </p:childTnLst>
+        </p:cTn>
+      </p:par>
+    </p:tnLst>
+  </p:timing>
+</p:sld>
+</file>
+
+<file path=ppt/slides/slide11.xml><?xml version="1.0" encoding="utf-8"?>
+<p:sld xmlns:a="http://schemas.openxmlformats.org/drawingml/2006/main" xmlns:r="http://schemas.openxmlformats.org/officeDocument/2006/relationships" xmlns:mc="http://schemas.openxmlformats.org/markup-compatibility/2006" xmlns:mv="urn:schemas-microsoft-com:mac:vml" xmlns:p="http://schemas.openxmlformats.org/presentationml/2006/main" xmlns:c="http://schemas.openxmlformats.org/drawingml/2006/chart" xmlns:dgm="http://schemas.openxmlformats.org/drawingml/2006/diagram" xmlns:o="urn:schemas-microsoft-com:office:office" xmlns:v="urn:schemas-microsoft-com:vml" xmlns:pvml="urn:schemas-microsoft-com:office:powerpoint" xmlns:com="http://schemas.openxmlformats.org/drawingml/2006/compatibility" xmlns:p14="http://schemas.microsoft.com/office/powerpoint/2010/main" xmlns:p15="http://schemas.microsoft.com/office/powerpoint/2012/main" xmlns:ahyp="http://schemas.microsoft.com/office/drawing/2018/hyperlinkcolor">
+  <p:cSld>
+    <p:spTree>
+      <p:nvGrpSpPr>
+        <p:cNvPr id="233" name="Shape 233"/>
+        <p:cNvGrpSpPr/>
+        <p:nvPr/>
+      </p:nvGrpSpPr>
+      <p:grpSpPr>
+        <a:xfrm>
+          <a:off x="0" y="0"/>
+          <a:ext cx="0" cy="0"/>
+          <a:chOff x="0" y="0"/>
+          <a:chExt cx="0" cy="0"/>
+        </a:xfrm>
+      </p:grpSpPr>
+      <p:sp>
+        <p:nvSpPr>
+          <p:cNvPr id="234" name="Google Shape;234;p23"/>
           <p:cNvSpPr txBox="1"/>
           <p:nvPr>
             <p:ph type="title"/>

--- a/Project/Submission/201801015_ProjectPPT.pptx
+++ b/Project/Submission/201801015_ProjectPPT.pptx
@@ -19,35 +19,41 @@
     <p:sldId id="264" r:id="rId14"/>
     <p:sldId id="265" r:id="rId15"/>
     <p:sldId id="266" r:id="rId16"/>
+    <p:sldId id="267" r:id="rId17"/>
+    <p:sldId id="268" r:id="rId18"/>
+    <p:sldId id="269" r:id="rId19"/>
+    <p:sldId id="270" r:id="rId20"/>
+    <p:sldId id="271" r:id="rId21"/>
+    <p:sldId id="272" r:id="rId22"/>
   </p:sldIdLst>
   <p:sldSz cy="5143500" cx="9144000"/>
   <p:notesSz cx="6858000" cy="9144000"/>
   <p:embeddedFontLst>
     <p:embeddedFont>
       <p:font typeface="Montserrat"/>
-      <p:regular r:id="rId17"/>
-      <p:bold r:id="rId18"/>
-      <p:italic r:id="rId19"/>
-      <p:boldItalic r:id="rId20"/>
+      <p:regular r:id="rId23"/>
+      <p:bold r:id="rId24"/>
+      <p:italic r:id="rId25"/>
+      <p:boldItalic r:id="rId26"/>
     </p:embeddedFont>
     <p:embeddedFont>
       <p:font typeface="Lato"/>
-      <p:regular r:id="rId21"/>
-      <p:bold r:id="rId22"/>
-      <p:italic r:id="rId23"/>
-      <p:boldItalic r:id="rId24"/>
+      <p:regular r:id="rId27"/>
+      <p:bold r:id="rId28"/>
+      <p:italic r:id="rId29"/>
+      <p:boldItalic r:id="rId30"/>
     </p:embeddedFont>
     <p:embeddedFont>
       <p:font typeface="Lora"/>
-      <p:regular r:id="rId25"/>
-      <p:bold r:id="rId26"/>
-      <p:italic r:id="rId27"/>
-      <p:boldItalic r:id="rId28"/>
+      <p:regular r:id="rId31"/>
+      <p:bold r:id="rId32"/>
+      <p:italic r:id="rId33"/>
+      <p:boldItalic r:id="rId34"/>
     </p:embeddedFont>
     <p:embeddedFont>
       <p:font typeface="Oswald"/>
-      <p:regular r:id="rId29"/>
-      <p:bold r:id="rId30"/>
+      <p:regular r:id="rId35"/>
+      <p:bold r:id="rId36"/>
     </p:embeddedFont>
   </p:embeddedFontLst>
   <p:defaultTextStyle>
@@ -828,7 +834,7 @@
   <p:cSld>
     <p:spTree>
       <p:nvGrpSpPr>
-        <p:cNvPr id="218" name="Shape 218"/>
+        <p:cNvPr id="223" name="Shape 223"/>
         <p:cNvGrpSpPr/>
         <p:nvPr/>
       </p:nvGrpSpPr>
@@ -842,7 +848,7 @@
       </p:grpSpPr>
       <p:sp>
         <p:nvSpPr>
-          <p:cNvPr id="219" name="Google Shape;219;gb25ab7a251_1_0:notes"/>
+          <p:cNvPr id="224" name="Google Shape;224;gb25ab7a251_1_0:notes"/>
           <p:cNvSpPr/>
           <p:nvPr>
             <p:ph idx="2" type="sldImg"/>
@@ -877,7 +883,7 @@
       </p:sp>
       <p:sp>
         <p:nvSpPr>
-          <p:cNvPr id="220" name="Google Shape;220;gb25ab7a251_1_0:notes"/>
+          <p:cNvPr id="225" name="Google Shape;225;gb25ab7a251_1_0:notes"/>
           <p:cNvSpPr txBox="1"/>
           <p:nvPr>
             <p:ph idx="1" type="body"/>
@@ -927,7 +933,7 @@
   <p:cSld>
     <p:spTree>
       <p:nvGrpSpPr>
-        <p:cNvPr id="230" name="Shape 230"/>
+        <p:cNvPr id="235" name="Shape 235"/>
         <p:cNvGrpSpPr/>
         <p:nvPr/>
       </p:nvGrpSpPr>
@@ -941,7 +947,7 @@
       </p:grpSpPr>
       <p:sp>
         <p:nvSpPr>
-          <p:cNvPr id="231" name="Google Shape;231;gad97714769_5_25:notes"/>
+          <p:cNvPr id="236" name="Google Shape;236;gb2b4199598_0_0:notes"/>
           <p:cNvSpPr/>
           <p:nvPr>
             <p:ph idx="2" type="sldImg"/>
@@ -976,7 +982,601 @@
       </p:sp>
       <p:sp>
         <p:nvSpPr>
-          <p:cNvPr id="232" name="Google Shape;232;gad97714769_5_25:notes"/>
+          <p:cNvPr id="237" name="Google Shape;237;gb2b4199598_0_0:notes"/>
+          <p:cNvSpPr txBox="1"/>
+          <p:nvPr>
+            <p:ph idx="1" type="body"/>
+          </p:nvPr>
+        </p:nvSpPr>
+        <p:spPr>
+          <a:xfrm>
+            <a:off x="685800" y="4343400"/>
+            <a:ext cx="5486400" cy="4114800"/>
+          </a:xfrm>
+          <a:prstGeom prst="rect">
+            <a:avLst/>
+          </a:prstGeom>
+        </p:spPr>
+        <p:txBody>
+          <a:bodyPr anchorCtr="0" anchor="t" bIns="91425" lIns="91425" spcFirstLastPara="1" rIns="91425" wrap="square" tIns="91425">
+            <a:noAutofit/>
+          </a:bodyPr>
+          <a:lstStyle/>
+          <a:p>
+            <a:pPr indent="0" lvl="0" marL="0" rtl="0" algn="l">
+              <a:spcBef>
+                <a:spcPts val="0"/>
+              </a:spcBef>
+              <a:spcAft>
+                <a:spcPts val="0"/>
+              </a:spcAft>
+              <a:buNone/>
+            </a:pPr>
+            <a:r>
+              <a:t/>
+            </a:r>
+            <a:endParaRPr/>
+          </a:p>
+        </p:txBody>
+      </p:sp>
+    </p:spTree>
+  </p:cSld>
+  <p:clrMapOvr>
+    <a:masterClrMapping/>
+  </p:clrMapOvr>
+</p:notes>
+</file>
+
+<file path=ppt/notesSlides/notesSlide12.xml><?xml version="1.0" encoding="utf-8"?>
+<p:notes xmlns:a="http://schemas.openxmlformats.org/drawingml/2006/main" xmlns:r="http://schemas.openxmlformats.org/officeDocument/2006/relationships" xmlns:mc="http://schemas.openxmlformats.org/markup-compatibility/2006" xmlns:mv="urn:schemas-microsoft-com:mac:vml" xmlns:p="http://schemas.openxmlformats.org/presentationml/2006/main" xmlns:c="http://schemas.openxmlformats.org/drawingml/2006/chart" xmlns:dgm="http://schemas.openxmlformats.org/drawingml/2006/diagram" xmlns:o="urn:schemas-microsoft-com:office:office" xmlns:v="urn:schemas-microsoft-com:vml" xmlns:pvml="urn:schemas-microsoft-com:office:powerpoint" xmlns:com="http://schemas.openxmlformats.org/drawingml/2006/compatibility" xmlns:p14="http://schemas.microsoft.com/office/powerpoint/2010/main" xmlns:p15="http://schemas.microsoft.com/office/powerpoint/2012/main" xmlns:ahyp="http://schemas.microsoft.com/office/drawing/2018/hyperlinkcolor" showMasterPhAnim="0" showMasterSp="0">
+  <p:cSld>
+    <p:spTree>
+      <p:nvGrpSpPr>
+        <p:cNvPr id="243" name="Shape 243"/>
+        <p:cNvGrpSpPr/>
+        <p:nvPr/>
+      </p:nvGrpSpPr>
+      <p:grpSpPr>
+        <a:xfrm>
+          <a:off x="0" y="0"/>
+          <a:ext cx="0" cy="0"/>
+          <a:chOff x="0" y="0"/>
+          <a:chExt cx="0" cy="0"/>
+        </a:xfrm>
+      </p:grpSpPr>
+      <p:sp>
+        <p:nvSpPr>
+          <p:cNvPr id="244" name="Google Shape;244;gb25ab7a251_2_0:notes"/>
+          <p:cNvSpPr/>
+          <p:nvPr>
+            <p:ph idx="2" type="sldImg"/>
+          </p:nvPr>
+        </p:nvSpPr>
+        <p:spPr>
+          <a:xfrm>
+            <a:off x="381300" y="685800"/>
+            <a:ext cx="6096000" cy="3429000"/>
+          </a:xfrm>
+          <a:custGeom>
+            <a:rect b="b" l="l" r="r" t="t"/>
+            <a:pathLst>
+              <a:path extrusionOk="0" h="120000" w="120000">
+                <a:moveTo>
+                  <a:pt x="0" y="0"/>
+                </a:moveTo>
+                <a:lnTo>
+                  <a:pt x="120000" y="0"/>
+                </a:lnTo>
+                <a:lnTo>
+                  <a:pt x="120000" y="120000"/>
+                </a:lnTo>
+                <a:lnTo>
+                  <a:pt x="0" y="120000"/>
+                </a:lnTo>
+                <a:close/>
+              </a:path>
+            </a:pathLst>
+          </a:custGeom>
+        </p:spPr>
+      </p:sp>
+      <p:sp>
+        <p:nvSpPr>
+          <p:cNvPr id="245" name="Google Shape;245;gb25ab7a251_2_0:notes"/>
+          <p:cNvSpPr txBox="1"/>
+          <p:nvPr>
+            <p:ph idx="1" type="body"/>
+          </p:nvPr>
+        </p:nvSpPr>
+        <p:spPr>
+          <a:xfrm>
+            <a:off x="685800" y="4343400"/>
+            <a:ext cx="5486400" cy="4114800"/>
+          </a:xfrm>
+          <a:prstGeom prst="rect">
+            <a:avLst/>
+          </a:prstGeom>
+        </p:spPr>
+        <p:txBody>
+          <a:bodyPr anchorCtr="0" anchor="t" bIns="91425" lIns="91425" spcFirstLastPara="1" rIns="91425" wrap="square" tIns="91425">
+            <a:noAutofit/>
+          </a:bodyPr>
+          <a:lstStyle/>
+          <a:p>
+            <a:pPr indent="0" lvl="0" marL="0" rtl="0" algn="l">
+              <a:spcBef>
+                <a:spcPts val="0"/>
+              </a:spcBef>
+              <a:spcAft>
+                <a:spcPts val="0"/>
+              </a:spcAft>
+              <a:buNone/>
+            </a:pPr>
+            <a:r>
+              <a:t/>
+            </a:r>
+            <a:endParaRPr/>
+          </a:p>
+        </p:txBody>
+      </p:sp>
+    </p:spTree>
+  </p:cSld>
+  <p:clrMapOvr>
+    <a:masterClrMapping/>
+  </p:clrMapOvr>
+</p:notes>
+</file>
+
+<file path=ppt/notesSlides/notesSlide13.xml><?xml version="1.0" encoding="utf-8"?>
+<p:notes xmlns:a="http://schemas.openxmlformats.org/drawingml/2006/main" xmlns:r="http://schemas.openxmlformats.org/officeDocument/2006/relationships" xmlns:mc="http://schemas.openxmlformats.org/markup-compatibility/2006" xmlns:mv="urn:schemas-microsoft-com:mac:vml" xmlns:p="http://schemas.openxmlformats.org/presentationml/2006/main" xmlns:c="http://schemas.openxmlformats.org/drawingml/2006/chart" xmlns:dgm="http://schemas.openxmlformats.org/drawingml/2006/diagram" xmlns:o="urn:schemas-microsoft-com:office:office" xmlns:v="urn:schemas-microsoft-com:vml" xmlns:pvml="urn:schemas-microsoft-com:office:powerpoint" xmlns:com="http://schemas.openxmlformats.org/drawingml/2006/compatibility" xmlns:p14="http://schemas.microsoft.com/office/powerpoint/2010/main" xmlns:p15="http://schemas.microsoft.com/office/powerpoint/2012/main" xmlns:ahyp="http://schemas.microsoft.com/office/drawing/2018/hyperlinkcolor" showMasterPhAnim="0" showMasterSp="0">
+  <p:cSld>
+    <p:spTree>
+      <p:nvGrpSpPr>
+        <p:cNvPr id="253" name="Shape 253"/>
+        <p:cNvGrpSpPr/>
+        <p:nvPr/>
+      </p:nvGrpSpPr>
+      <p:grpSpPr>
+        <a:xfrm>
+          <a:off x="0" y="0"/>
+          <a:ext cx="0" cy="0"/>
+          <a:chOff x="0" y="0"/>
+          <a:chExt cx="0" cy="0"/>
+        </a:xfrm>
+      </p:grpSpPr>
+      <p:sp>
+        <p:nvSpPr>
+          <p:cNvPr id="254" name="Google Shape;254;gb25ab7a251_2_5:notes"/>
+          <p:cNvSpPr/>
+          <p:nvPr>
+            <p:ph idx="2" type="sldImg"/>
+          </p:nvPr>
+        </p:nvSpPr>
+        <p:spPr>
+          <a:xfrm>
+            <a:off x="381300" y="685800"/>
+            <a:ext cx="6096000" cy="3429000"/>
+          </a:xfrm>
+          <a:custGeom>
+            <a:rect b="b" l="l" r="r" t="t"/>
+            <a:pathLst>
+              <a:path extrusionOk="0" h="120000" w="120000">
+                <a:moveTo>
+                  <a:pt x="0" y="0"/>
+                </a:moveTo>
+                <a:lnTo>
+                  <a:pt x="120000" y="0"/>
+                </a:lnTo>
+                <a:lnTo>
+                  <a:pt x="120000" y="120000"/>
+                </a:lnTo>
+                <a:lnTo>
+                  <a:pt x="0" y="120000"/>
+                </a:lnTo>
+                <a:close/>
+              </a:path>
+            </a:pathLst>
+          </a:custGeom>
+        </p:spPr>
+      </p:sp>
+      <p:sp>
+        <p:nvSpPr>
+          <p:cNvPr id="255" name="Google Shape;255;gb25ab7a251_2_5:notes"/>
+          <p:cNvSpPr txBox="1"/>
+          <p:nvPr>
+            <p:ph idx="1" type="body"/>
+          </p:nvPr>
+        </p:nvSpPr>
+        <p:spPr>
+          <a:xfrm>
+            <a:off x="685800" y="4343400"/>
+            <a:ext cx="5486400" cy="4114800"/>
+          </a:xfrm>
+          <a:prstGeom prst="rect">
+            <a:avLst/>
+          </a:prstGeom>
+        </p:spPr>
+        <p:txBody>
+          <a:bodyPr anchorCtr="0" anchor="t" bIns="91425" lIns="91425" spcFirstLastPara="1" rIns="91425" wrap="square" tIns="91425">
+            <a:noAutofit/>
+          </a:bodyPr>
+          <a:lstStyle/>
+          <a:p>
+            <a:pPr indent="0" lvl="0" marL="0" rtl="0" algn="l">
+              <a:spcBef>
+                <a:spcPts val="0"/>
+              </a:spcBef>
+              <a:spcAft>
+                <a:spcPts val="0"/>
+              </a:spcAft>
+              <a:buNone/>
+            </a:pPr>
+            <a:r>
+              <a:t/>
+            </a:r>
+            <a:endParaRPr/>
+          </a:p>
+        </p:txBody>
+      </p:sp>
+    </p:spTree>
+  </p:cSld>
+  <p:clrMapOvr>
+    <a:masterClrMapping/>
+  </p:clrMapOvr>
+</p:notes>
+</file>
+
+<file path=ppt/notesSlides/notesSlide14.xml><?xml version="1.0" encoding="utf-8"?>
+<p:notes xmlns:a="http://schemas.openxmlformats.org/drawingml/2006/main" xmlns:r="http://schemas.openxmlformats.org/officeDocument/2006/relationships" xmlns:mc="http://schemas.openxmlformats.org/markup-compatibility/2006" xmlns:mv="urn:schemas-microsoft-com:mac:vml" xmlns:p="http://schemas.openxmlformats.org/presentationml/2006/main" xmlns:c="http://schemas.openxmlformats.org/drawingml/2006/chart" xmlns:dgm="http://schemas.openxmlformats.org/drawingml/2006/diagram" xmlns:o="urn:schemas-microsoft-com:office:office" xmlns:v="urn:schemas-microsoft-com:vml" xmlns:pvml="urn:schemas-microsoft-com:office:powerpoint" xmlns:com="http://schemas.openxmlformats.org/drawingml/2006/compatibility" xmlns:p14="http://schemas.microsoft.com/office/powerpoint/2010/main" xmlns:p15="http://schemas.microsoft.com/office/powerpoint/2012/main" xmlns:ahyp="http://schemas.microsoft.com/office/drawing/2018/hyperlinkcolor" showMasterPhAnim="0" showMasterSp="0">
+  <p:cSld>
+    <p:spTree>
+      <p:nvGrpSpPr>
+        <p:cNvPr id="263" name="Shape 263"/>
+        <p:cNvGrpSpPr/>
+        <p:nvPr/>
+      </p:nvGrpSpPr>
+      <p:grpSpPr>
+        <a:xfrm>
+          <a:off x="0" y="0"/>
+          <a:ext cx="0" cy="0"/>
+          <a:chOff x="0" y="0"/>
+          <a:chExt cx="0" cy="0"/>
+        </a:xfrm>
+      </p:grpSpPr>
+      <p:sp>
+        <p:nvSpPr>
+          <p:cNvPr id="264" name="Google Shape;264;gaa0274c61d_0_5:notes"/>
+          <p:cNvSpPr/>
+          <p:nvPr>
+            <p:ph idx="2" type="sldImg"/>
+          </p:nvPr>
+        </p:nvSpPr>
+        <p:spPr>
+          <a:xfrm>
+            <a:off x="381300" y="685800"/>
+            <a:ext cx="6096000" cy="3429000"/>
+          </a:xfrm>
+          <a:custGeom>
+            <a:rect b="b" l="l" r="r" t="t"/>
+            <a:pathLst>
+              <a:path extrusionOk="0" h="120000" w="120000">
+                <a:moveTo>
+                  <a:pt x="0" y="0"/>
+                </a:moveTo>
+                <a:lnTo>
+                  <a:pt x="120000" y="0"/>
+                </a:lnTo>
+                <a:lnTo>
+                  <a:pt x="120000" y="120000"/>
+                </a:lnTo>
+                <a:lnTo>
+                  <a:pt x="0" y="120000"/>
+                </a:lnTo>
+                <a:close/>
+              </a:path>
+            </a:pathLst>
+          </a:custGeom>
+        </p:spPr>
+      </p:sp>
+      <p:sp>
+        <p:nvSpPr>
+          <p:cNvPr id="265" name="Google Shape;265;gaa0274c61d_0_5:notes"/>
+          <p:cNvSpPr txBox="1"/>
+          <p:nvPr>
+            <p:ph idx="1" type="body"/>
+          </p:nvPr>
+        </p:nvSpPr>
+        <p:spPr>
+          <a:xfrm>
+            <a:off x="685800" y="4343400"/>
+            <a:ext cx="5486400" cy="4114800"/>
+          </a:xfrm>
+          <a:prstGeom prst="rect">
+            <a:avLst/>
+          </a:prstGeom>
+        </p:spPr>
+        <p:txBody>
+          <a:bodyPr anchorCtr="0" anchor="t" bIns="91425" lIns="91425" spcFirstLastPara="1" rIns="91425" wrap="square" tIns="91425">
+            <a:noAutofit/>
+          </a:bodyPr>
+          <a:lstStyle/>
+          <a:p>
+            <a:pPr indent="0" lvl="0" marL="0" rtl="0" algn="l">
+              <a:spcBef>
+                <a:spcPts val="0"/>
+              </a:spcBef>
+              <a:spcAft>
+                <a:spcPts val="0"/>
+              </a:spcAft>
+              <a:buNone/>
+            </a:pPr>
+            <a:r>
+              <a:t/>
+            </a:r>
+            <a:endParaRPr/>
+          </a:p>
+        </p:txBody>
+      </p:sp>
+    </p:spTree>
+  </p:cSld>
+  <p:clrMapOvr>
+    <a:masterClrMapping/>
+  </p:clrMapOvr>
+</p:notes>
+</file>
+
+<file path=ppt/notesSlides/notesSlide15.xml><?xml version="1.0" encoding="utf-8"?>
+<p:notes xmlns:a="http://schemas.openxmlformats.org/drawingml/2006/main" xmlns:r="http://schemas.openxmlformats.org/officeDocument/2006/relationships" xmlns:mc="http://schemas.openxmlformats.org/markup-compatibility/2006" xmlns:mv="urn:schemas-microsoft-com:mac:vml" xmlns:p="http://schemas.openxmlformats.org/presentationml/2006/main" xmlns:c="http://schemas.openxmlformats.org/drawingml/2006/chart" xmlns:dgm="http://schemas.openxmlformats.org/drawingml/2006/diagram" xmlns:o="urn:schemas-microsoft-com:office:office" xmlns:v="urn:schemas-microsoft-com:vml" xmlns:pvml="urn:schemas-microsoft-com:office:powerpoint" xmlns:com="http://schemas.openxmlformats.org/drawingml/2006/compatibility" xmlns:p14="http://schemas.microsoft.com/office/powerpoint/2010/main" xmlns:p15="http://schemas.microsoft.com/office/powerpoint/2012/main" xmlns:ahyp="http://schemas.microsoft.com/office/drawing/2018/hyperlinkcolor" showMasterPhAnim="0" showMasterSp="0">
+  <p:cSld>
+    <p:spTree>
+      <p:nvGrpSpPr>
+        <p:cNvPr id="273" name="Shape 273"/>
+        <p:cNvGrpSpPr/>
+        <p:nvPr/>
+      </p:nvGrpSpPr>
+      <p:grpSpPr>
+        <a:xfrm>
+          <a:off x="0" y="0"/>
+          <a:ext cx="0" cy="0"/>
+          <a:chOff x="0" y="0"/>
+          <a:chExt cx="0" cy="0"/>
+        </a:xfrm>
+      </p:grpSpPr>
+      <p:sp>
+        <p:nvSpPr>
+          <p:cNvPr id="274" name="Google Shape;274;gaa0274c61d_0_21:notes"/>
+          <p:cNvSpPr/>
+          <p:nvPr>
+            <p:ph idx="2" type="sldImg"/>
+          </p:nvPr>
+        </p:nvSpPr>
+        <p:spPr>
+          <a:xfrm>
+            <a:off x="381300" y="685800"/>
+            <a:ext cx="6096000" cy="3429000"/>
+          </a:xfrm>
+          <a:custGeom>
+            <a:rect b="b" l="l" r="r" t="t"/>
+            <a:pathLst>
+              <a:path extrusionOk="0" h="120000" w="120000">
+                <a:moveTo>
+                  <a:pt x="0" y="0"/>
+                </a:moveTo>
+                <a:lnTo>
+                  <a:pt x="120000" y="0"/>
+                </a:lnTo>
+                <a:lnTo>
+                  <a:pt x="120000" y="120000"/>
+                </a:lnTo>
+                <a:lnTo>
+                  <a:pt x="0" y="120000"/>
+                </a:lnTo>
+                <a:close/>
+              </a:path>
+            </a:pathLst>
+          </a:custGeom>
+        </p:spPr>
+      </p:sp>
+      <p:sp>
+        <p:nvSpPr>
+          <p:cNvPr id="275" name="Google Shape;275;gaa0274c61d_0_21:notes"/>
+          <p:cNvSpPr txBox="1"/>
+          <p:nvPr>
+            <p:ph idx="1" type="body"/>
+          </p:nvPr>
+        </p:nvSpPr>
+        <p:spPr>
+          <a:xfrm>
+            <a:off x="685800" y="4343400"/>
+            <a:ext cx="5486400" cy="4114800"/>
+          </a:xfrm>
+          <a:prstGeom prst="rect">
+            <a:avLst/>
+          </a:prstGeom>
+        </p:spPr>
+        <p:txBody>
+          <a:bodyPr anchorCtr="0" anchor="t" bIns="91425" lIns="91425" spcFirstLastPara="1" rIns="91425" wrap="square" tIns="91425">
+            <a:noAutofit/>
+          </a:bodyPr>
+          <a:lstStyle/>
+          <a:p>
+            <a:pPr indent="0" lvl="0" marL="0" rtl="0" algn="l">
+              <a:spcBef>
+                <a:spcPts val="0"/>
+              </a:spcBef>
+              <a:spcAft>
+                <a:spcPts val="0"/>
+              </a:spcAft>
+              <a:buNone/>
+            </a:pPr>
+            <a:r>
+              <a:t/>
+            </a:r>
+            <a:endParaRPr/>
+          </a:p>
+        </p:txBody>
+      </p:sp>
+    </p:spTree>
+  </p:cSld>
+  <p:clrMapOvr>
+    <a:masterClrMapping/>
+  </p:clrMapOvr>
+</p:notes>
+</file>
+
+<file path=ppt/notesSlides/notesSlide16.xml><?xml version="1.0" encoding="utf-8"?>
+<p:notes xmlns:a="http://schemas.openxmlformats.org/drawingml/2006/main" xmlns:r="http://schemas.openxmlformats.org/officeDocument/2006/relationships" xmlns:mc="http://schemas.openxmlformats.org/markup-compatibility/2006" xmlns:mv="urn:schemas-microsoft-com:mac:vml" xmlns:p="http://schemas.openxmlformats.org/presentationml/2006/main" xmlns:c="http://schemas.openxmlformats.org/drawingml/2006/chart" xmlns:dgm="http://schemas.openxmlformats.org/drawingml/2006/diagram" xmlns:o="urn:schemas-microsoft-com:office:office" xmlns:v="urn:schemas-microsoft-com:vml" xmlns:pvml="urn:schemas-microsoft-com:office:powerpoint" xmlns:com="http://schemas.openxmlformats.org/drawingml/2006/compatibility" xmlns:p14="http://schemas.microsoft.com/office/powerpoint/2010/main" xmlns:p15="http://schemas.microsoft.com/office/powerpoint/2012/main" xmlns:ahyp="http://schemas.microsoft.com/office/drawing/2018/hyperlinkcolor" showMasterPhAnim="0" showMasterSp="0">
+  <p:cSld>
+    <p:spTree>
+      <p:nvGrpSpPr>
+        <p:cNvPr id="282" name="Shape 282"/>
+        <p:cNvGrpSpPr/>
+        <p:nvPr/>
+      </p:nvGrpSpPr>
+      <p:grpSpPr>
+        <a:xfrm>
+          <a:off x="0" y="0"/>
+          <a:ext cx="0" cy="0"/>
+          <a:chOff x="0" y="0"/>
+          <a:chExt cx="0" cy="0"/>
+        </a:xfrm>
+      </p:grpSpPr>
+      <p:sp>
+        <p:nvSpPr>
+          <p:cNvPr id="283" name="Google Shape;283;gb2ba0f9c0b_0_0:notes"/>
+          <p:cNvSpPr/>
+          <p:nvPr>
+            <p:ph idx="2" type="sldImg"/>
+          </p:nvPr>
+        </p:nvSpPr>
+        <p:spPr>
+          <a:xfrm>
+            <a:off x="381300" y="685800"/>
+            <a:ext cx="6096000" cy="3429000"/>
+          </a:xfrm>
+          <a:custGeom>
+            <a:rect b="b" l="l" r="r" t="t"/>
+            <a:pathLst>
+              <a:path extrusionOk="0" h="120000" w="120000">
+                <a:moveTo>
+                  <a:pt x="0" y="0"/>
+                </a:moveTo>
+                <a:lnTo>
+                  <a:pt x="120000" y="0"/>
+                </a:lnTo>
+                <a:lnTo>
+                  <a:pt x="120000" y="120000"/>
+                </a:lnTo>
+                <a:lnTo>
+                  <a:pt x="0" y="120000"/>
+                </a:lnTo>
+                <a:close/>
+              </a:path>
+            </a:pathLst>
+          </a:custGeom>
+        </p:spPr>
+      </p:sp>
+      <p:sp>
+        <p:nvSpPr>
+          <p:cNvPr id="284" name="Google Shape;284;gb2ba0f9c0b_0_0:notes"/>
+          <p:cNvSpPr txBox="1"/>
+          <p:nvPr>
+            <p:ph idx="1" type="body"/>
+          </p:nvPr>
+        </p:nvSpPr>
+        <p:spPr>
+          <a:xfrm>
+            <a:off x="685800" y="4343400"/>
+            <a:ext cx="5486400" cy="4114800"/>
+          </a:xfrm>
+          <a:prstGeom prst="rect">
+            <a:avLst/>
+          </a:prstGeom>
+        </p:spPr>
+        <p:txBody>
+          <a:bodyPr anchorCtr="0" anchor="t" bIns="91425" lIns="91425" spcFirstLastPara="1" rIns="91425" wrap="square" tIns="91425">
+            <a:noAutofit/>
+          </a:bodyPr>
+          <a:lstStyle/>
+          <a:p>
+            <a:pPr indent="0" lvl="0" marL="0" rtl="0" algn="l">
+              <a:spcBef>
+                <a:spcPts val="0"/>
+              </a:spcBef>
+              <a:spcAft>
+                <a:spcPts val="0"/>
+              </a:spcAft>
+              <a:buNone/>
+            </a:pPr>
+            <a:r>
+              <a:t/>
+            </a:r>
+            <a:endParaRPr/>
+          </a:p>
+        </p:txBody>
+      </p:sp>
+    </p:spTree>
+  </p:cSld>
+  <p:clrMapOvr>
+    <a:masterClrMapping/>
+  </p:clrMapOvr>
+</p:notes>
+</file>
+
+<file path=ppt/notesSlides/notesSlide17.xml><?xml version="1.0" encoding="utf-8"?>
+<p:notes xmlns:a="http://schemas.openxmlformats.org/drawingml/2006/main" xmlns:r="http://schemas.openxmlformats.org/officeDocument/2006/relationships" xmlns:mc="http://schemas.openxmlformats.org/markup-compatibility/2006" xmlns:mv="urn:schemas-microsoft-com:mac:vml" xmlns:p="http://schemas.openxmlformats.org/presentationml/2006/main" xmlns:c="http://schemas.openxmlformats.org/drawingml/2006/chart" xmlns:dgm="http://schemas.openxmlformats.org/drawingml/2006/diagram" xmlns:o="urn:schemas-microsoft-com:office:office" xmlns:v="urn:schemas-microsoft-com:vml" xmlns:pvml="urn:schemas-microsoft-com:office:powerpoint" xmlns:com="http://schemas.openxmlformats.org/drawingml/2006/compatibility" xmlns:p14="http://schemas.microsoft.com/office/powerpoint/2010/main" xmlns:p15="http://schemas.microsoft.com/office/powerpoint/2012/main" xmlns:ahyp="http://schemas.microsoft.com/office/drawing/2018/hyperlinkcolor" showMasterPhAnim="0" showMasterSp="0">
+  <p:cSld>
+    <p:spTree>
+      <p:nvGrpSpPr>
+        <p:cNvPr id="291" name="Shape 291"/>
+        <p:cNvGrpSpPr/>
+        <p:nvPr/>
+      </p:nvGrpSpPr>
+      <p:grpSpPr>
+        <a:xfrm>
+          <a:off x="0" y="0"/>
+          <a:ext cx="0" cy="0"/>
+          <a:chOff x="0" y="0"/>
+          <a:chExt cx="0" cy="0"/>
+        </a:xfrm>
+      </p:grpSpPr>
+      <p:sp>
+        <p:nvSpPr>
+          <p:cNvPr id="292" name="Google Shape;292;gad97714769_5_25:notes"/>
+          <p:cNvSpPr/>
+          <p:nvPr>
+            <p:ph idx="2" type="sldImg"/>
+          </p:nvPr>
+        </p:nvSpPr>
+        <p:spPr>
+          <a:xfrm>
+            <a:off x="381300" y="685800"/>
+            <a:ext cx="6096000" cy="3429000"/>
+          </a:xfrm>
+          <a:custGeom>
+            <a:rect b="b" l="l" r="r" t="t"/>
+            <a:pathLst>
+              <a:path extrusionOk="0" h="120000" w="120000">
+                <a:moveTo>
+                  <a:pt x="0" y="0"/>
+                </a:moveTo>
+                <a:lnTo>
+                  <a:pt x="120000" y="0"/>
+                </a:lnTo>
+                <a:lnTo>
+                  <a:pt x="120000" y="120000"/>
+                </a:lnTo>
+                <a:lnTo>
+                  <a:pt x="0" y="120000"/>
+                </a:lnTo>
+                <a:close/>
+              </a:path>
+            </a:pathLst>
+          </a:custGeom>
+        </p:spPr>
+      </p:sp>
+      <p:sp>
+        <p:nvSpPr>
+          <p:cNvPr id="293" name="Google Shape;293;gad97714769_5_25:notes"/>
           <p:cNvSpPr txBox="1"/>
           <p:nvPr>
             <p:ph idx="1" type="body"/>
@@ -1323,7 +1923,7 @@
   <p:cSld>
     <p:spTree>
       <p:nvGrpSpPr>
-        <p:cNvPr id="164" name="Shape 164"/>
+        <p:cNvPr id="167" name="Shape 167"/>
         <p:cNvGrpSpPr/>
         <p:nvPr/>
       </p:nvGrpSpPr>
@@ -1337,7 +1937,7 @@
       </p:grpSpPr>
       <p:sp>
         <p:nvSpPr>
-          <p:cNvPr id="165" name="Google Shape;165;gad97714769_0_8:notes"/>
+          <p:cNvPr id="168" name="Google Shape;168;gad97714769_0_8:notes"/>
           <p:cNvSpPr/>
           <p:nvPr>
             <p:ph idx="2" type="sldImg"/>
@@ -1372,7 +1972,7 @@
       </p:sp>
       <p:sp>
         <p:nvSpPr>
-          <p:cNvPr id="166" name="Google Shape;166;gad97714769_0_8:notes"/>
+          <p:cNvPr id="169" name="Google Shape;169;gad97714769_0_8:notes"/>
           <p:cNvSpPr txBox="1"/>
           <p:nvPr>
             <p:ph idx="1" type="body"/>
@@ -1422,7 +2022,7 @@
   <p:cSld>
     <p:spTree>
       <p:nvGrpSpPr>
-        <p:cNvPr id="174" name="Shape 174"/>
+        <p:cNvPr id="177" name="Shape 177"/>
         <p:cNvGrpSpPr/>
         <p:nvPr/>
       </p:nvGrpSpPr>
@@ -1436,7 +2036,7 @@
       </p:grpSpPr>
       <p:sp>
         <p:nvSpPr>
-          <p:cNvPr id="175" name="Google Shape;175;gad97714769_3_139:notes"/>
+          <p:cNvPr id="178" name="Google Shape;178;gad97714769_3_139:notes"/>
           <p:cNvSpPr/>
           <p:nvPr>
             <p:ph idx="2" type="sldImg"/>
@@ -1471,7 +2071,7 @@
       </p:sp>
       <p:sp>
         <p:nvSpPr>
-          <p:cNvPr id="176" name="Google Shape;176;gad97714769_3_139:notes"/>
+          <p:cNvPr id="179" name="Google Shape;179;gad97714769_3_139:notes"/>
           <p:cNvSpPr txBox="1"/>
           <p:nvPr>
             <p:ph idx="1" type="body"/>
@@ -1521,7 +2121,7 @@
   <p:cSld>
     <p:spTree>
       <p:nvGrpSpPr>
-        <p:cNvPr id="185" name="Shape 185"/>
+        <p:cNvPr id="188" name="Shape 188"/>
         <p:cNvGrpSpPr/>
         <p:nvPr/>
       </p:nvGrpSpPr>
@@ -1535,7 +2135,7 @@
       </p:grpSpPr>
       <p:sp>
         <p:nvSpPr>
-          <p:cNvPr id="186" name="Google Shape;186;gad97714769_3_144:notes"/>
+          <p:cNvPr id="189" name="Google Shape;189;gad97714769_3_144:notes"/>
           <p:cNvSpPr/>
           <p:nvPr>
             <p:ph idx="2" type="sldImg"/>
@@ -1570,7 +2170,7 @@
       </p:sp>
       <p:sp>
         <p:nvSpPr>
-          <p:cNvPr id="187" name="Google Shape;187;gad97714769_3_144:notes"/>
+          <p:cNvPr id="190" name="Google Shape;190;gad97714769_3_144:notes"/>
           <p:cNvSpPr txBox="1"/>
           <p:nvPr>
             <p:ph idx="1" type="body"/>
@@ -1620,7 +2220,7 @@
   <p:cSld>
     <p:spTree>
       <p:nvGrpSpPr>
-        <p:cNvPr id="200" name="Shape 200"/>
+        <p:cNvPr id="203" name="Shape 203"/>
         <p:cNvGrpSpPr/>
         <p:nvPr/>
       </p:nvGrpSpPr>
@@ -1634,7 +2234,7 @@
       </p:grpSpPr>
       <p:sp>
         <p:nvSpPr>
-          <p:cNvPr id="201" name="Google Shape;201;gad97714769_3_920:notes"/>
+          <p:cNvPr id="204" name="Google Shape;204;gad97714769_3_920:notes"/>
           <p:cNvSpPr/>
           <p:nvPr>
             <p:ph idx="2" type="sldImg"/>
@@ -1669,7 +2269,7 @@
       </p:sp>
       <p:sp>
         <p:nvSpPr>
-          <p:cNvPr id="202" name="Google Shape;202;gad97714769_3_920:notes"/>
+          <p:cNvPr id="205" name="Google Shape;205;gad97714769_3_920:notes"/>
           <p:cNvSpPr txBox="1"/>
           <p:nvPr>
             <p:ph idx="1" type="body"/>
@@ -1719,7 +2319,7 @@
   <p:cSld>
     <p:spTree>
       <p:nvGrpSpPr>
-        <p:cNvPr id="206" name="Shape 206"/>
+        <p:cNvPr id="211" name="Shape 211"/>
         <p:cNvGrpSpPr/>
         <p:nvPr/>
       </p:nvGrpSpPr>
@@ -1733,7 +2333,7 @@
       </p:grpSpPr>
       <p:sp>
         <p:nvSpPr>
-          <p:cNvPr id="207" name="Google Shape;207;gad97714769_3_149:notes"/>
+          <p:cNvPr id="212" name="Google Shape;212;gad97714769_3_149:notes"/>
           <p:cNvSpPr/>
           <p:nvPr>
             <p:ph idx="2" type="sldImg"/>
@@ -1768,7 +2368,7 @@
       </p:sp>
       <p:sp>
         <p:nvSpPr>
-          <p:cNvPr id="208" name="Google Shape;208;gad97714769_3_149:notes"/>
+          <p:cNvPr id="213" name="Google Shape;213;gad97714769_3_149:notes"/>
           <p:cNvSpPr txBox="1"/>
           <p:nvPr>
             <p:ph idx="1" type="body"/>
@@ -10357,7 +10957,7 @@
   <p:cSld>
     <p:spTree>
       <p:nvGrpSpPr>
-        <p:cNvPr id="221" name="Shape 221"/>
+        <p:cNvPr id="226" name="Shape 226"/>
         <p:cNvGrpSpPr/>
         <p:nvPr/>
       </p:nvGrpSpPr>
@@ -10371,7 +10971,7 @@
       </p:grpSpPr>
       <p:sp>
         <p:nvSpPr>
-          <p:cNvPr id="222" name="Google Shape;222;p22"/>
+          <p:cNvPr id="227" name="Google Shape;227;p22"/>
           <p:cNvSpPr txBox="1"/>
           <p:nvPr>
             <p:ph type="title"/>
@@ -10441,7 +11041,7 @@
       </p:sp>
       <p:sp>
         <p:nvSpPr>
-          <p:cNvPr id="223" name="Google Shape;223;p22"/>
+          <p:cNvPr id="228" name="Google Shape;228;p22"/>
           <p:cNvSpPr txBox="1"/>
           <p:nvPr>
             <p:ph idx="1" type="body"/>
@@ -10462,7 +11062,7 @@
           </a:bodyPr>
           <a:lstStyle/>
           <a:p>
-            <a:pPr indent="0" lvl="0" marL="0" rtl="0" algn="l">
+            <a:pPr indent="0" lvl="0" marL="0" rtl="0" algn="just">
               <a:spcBef>
                 <a:spcPts val="0"/>
               </a:spcBef>
@@ -10489,7 +11089,7 @@
       </p:sp>
       <p:pic>
         <p:nvPicPr>
-          <p:cNvPr id="224" name="Google Shape;224;p22"/>
+          <p:cNvPr id="229" name="Google Shape;229;p22"/>
           <p:cNvPicPr preferRelativeResize="0"/>
           <p:nvPr/>
         </p:nvPicPr>
@@ -10517,7 +11117,7 @@
       </p:pic>
       <p:pic>
         <p:nvPicPr>
-          <p:cNvPr id="225" name="Google Shape;225;p22"/>
+          <p:cNvPr id="230" name="Google Shape;230;p22"/>
           <p:cNvPicPr preferRelativeResize="0"/>
           <p:nvPr/>
         </p:nvPicPr>
@@ -10525,7 +11125,7 @@
           <a:blip r:embed="rId4">
             <a:alphaModFix/>
           </a:blip>
-          <a:srcRect b="3038" l="0" r="0" t="3765"/>
+          <a:srcRect b="2865" l="0" r="0" t="2874"/>
           <a:stretch/>
         </p:blipFill>
         <p:spPr>
@@ -10544,21 +11144,20 @@
       </p:pic>
       <p:pic>
         <p:nvPicPr>
-          <p:cNvPr id="226" name="Google Shape;226;p22"/>
+          <p:cNvPr id="231" name="Google Shape;231;p22"/>
           <p:cNvPicPr preferRelativeResize="0"/>
           <p:nvPr/>
         </p:nvPicPr>
-        <p:blipFill>
+        <p:blipFill rotWithShape="1">
           <a:blip r:embed="rId5">
             <a:alphaModFix/>
           </a:blip>
-          <a:stretch>
-            <a:fillRect/>
-          </a:stretch>
+          <a:srcRect b="139" l="0" r="0" t="149"/>
+          <a:stretch/>
         </p:blipFill>
         <p:spPr>
           <a:xfrm>
-            <a:off x="253463" y="1418555"/>
+            <a:off x="253475" y="1418555"/>
             <a:ext cx="4673525" cy="3494865"/>
           </a:xfrm>
           <a:prstGeom prst="rect">
@@ -10572,17 +11171,16 @@
       </p:pic>
       <p:pic>
         <p:nvPicPr>
-          <p:cNvPr id="227" name="Google Shape;227;p22"/>
+          <p:cNvPr id="232" name="Google Shape;232;p22"/>
           <p:cNvPicPr preferRelativeResize="0"/>
           <p:nvPr/>
         </p:nvPicPr>
-        <p:blipFill>
+        <p:blipFill rotWithShape="1">
           <a:blip r:embed="rId6">
             <a:alphaModFix/>
           </a:blip>
-          <a:stretch>
-            <a:fillRect/>
-          </a:stretch>
+          <a:srcRect b="347" l="0" r="0" t="337"/>
+          <a:stretch/>
         </p:blipFill>
         <p:spPr>
           <a:xfrm>
@@ -10600,7 +11198,7 @@
       </p:pic>
       <p:sp>
         <p:nvSpPr>
-          <p:cNvPr id="228" name="Google Shape;228;p22"/>
+          <p:cNvPr id="233" name="Google Shape;233;p22"/>
           <p:cNvSpPr txBox="1"/>
           <p:nvPr>
             <p:ph idx="1" type="body"/>
@@ -10608,7 +11206,7 @@
         </p:nvSpPr>
         <p:spPr>
           <a:xfrm>
-            <a:off x="5093950" y="1310825"/>
+            <a:off x="5093950" y="1275900"/>
             <a:ext cx="3888000" cy="2190900"/>
           </a:xfrm>
           <a:prstGeom prst="rect">
@@ -10731,6 +11329,23 @@
             </a:pPr>
             <a:r>
               <a:rPr lang="en"/>
+              <a:t>Mid Point</a:t>
+            </a:r>
+            <a:endParaRPr/>
+          </a:p>
+          <a:p>
+            <a:pPr indent="-311150" lvl="0" marL="457200" rtl="0" algn="l">
+              <a:spcBef>
+                <a:spcPts val="0"/>
+              </a:spcBef>
+              <a:spcAft>
+                <a:spcPts val="0"/>
+              </a:spcAft>
+              <a:buSzPts val="1300"/>
+              <a:buAutoNum type="arabicPeriod"/>
+            </a:pPr>
+            <a:r>
+              <a:rPr lang="en"/>
               <a:t>Gauss 2 point</a:t>
             </a:r>
             <a:endParaRPr/>
@@ -10785,13 +11400,13 @@
       </p:sp>
       <p:sp>
         <p:nvSpPr>
-          <p:cNvPr id="229" name="Google Shape;229;p22"/>
+          <p:cNvPr id="234" name="Google Shape;234;p22"/>
           <p:cNvSpPr txBox="1"/>
           <p:nvPr/>
         </p:nvSpPr>
         <p:spPr>
           <a:xfrm>
-            <a:off x="5093950" y="3501725"/>
+            <a:off x="5093950" y="3606525"/>
             <a:ext cx="3786300" cy="1414200"/>
           </a:xfrm>
           <a:prstGeom prst="rect">
@@ -10808,7 +11423,7 @@
           </a:bodyPr>
           <a:lstStyle/>
           <a:p>
-            <a:pPr indent="0" lvl="0" marL="0" rtl="0" algn="l">
+            <a:pPr indent="0" lvl="0" marL="0" rtl="0" algn="just">
               <a:lnSpc>
                 <a:spcPct val="115000"/>
               </a:lnSpc>
@@ -10855,7 +11470,7 @@
             </a:endParaRPr>
           </a:p>
           <a:p>
-            <a:pPr indent="0" lvl="0" marL="0" rtl="0" algn="l">
+            <a:pPr indent="0" lvl="0" marL="0" rtl="0" algn="just">
               <a:spcBef>
                 <a:spcPts val="0"/>
               </a:spcBef>
@@ -10915,7 +11530,7 @@
                                           </p:stCondLst>
                                         </p:cTn>
                                         <p:tgtEl>
-                                          <p:spTgt spid="228"/>
+                                          <p:spTgt spid="233"/>
                                         </p:tgtEl>
                                         <p:attrNameLst>
                                           <p:attrName>style.visibility</p:attrName>
@@ -10929,219 +11544,7 @@
                                       <p:cBhvr>
                                         <p:cTn dur="500"/>
                                         <p:tgtEl>
-                                          <p:spTgt spid="228"/>
-                                        </p:tgtEl>
-                                      </p:cBhvr>
-                                    </p:animEffect>
-                                  </p:childTnLst>
-                                </p:cTn>
-                              </p:par>
-                            </p:childTnLst>
-                          </p:cTn>
-                        </p:par>
-                      </p:childTnLst>
-                    </p:cTn>
-                  </p:par>
-                  <p:par>
-                    <p:cTn fill="hold">
-                      <p:stCondLst>
-                        <p:cond delay="indefinite"/>
-                      </p:stCondLst>
-                      <p:childTnLst>
-                        <p:par>
-                          <p:cTn fill="hold">
-                            <p:stCondLst>
-                              <p:cond delay="0"/>
-                            </p:stCondLst>
-                            <p:childTnLst>
-                              <p:par>
-                                <p:cTn fill="hold" nodeType="clickEffect" presetClass="entr" presetID="10" presetSubtype="0">
-                                  <p:stCondLst>
-                                    <p:cond delay="0"/>
-                                  </p:stCondLst>
-                                  <p:childTnLst>
-                                    <p:set>
-                                      <p:cBhvr>
-                                        <p:cTn dur="1" fill="hold">
-                                          <p:stCondLst>
-                                            <p:cond delay="0"/>
-                                          </p:stCondLst>
-                                        </p:cTn>
-                                        <p:tgtEl>
-                                          <p:spTgt spid="224"/>
-                                        </p:tgtEl>
-                                        <p:attrNameLst>
-                                          <p:attrName>style.visibility</p:attrName>
-                                        </p:attrNameLst>
-                                      </p:cBhvr>
-                                      <p:to>
-                                        <p:strVal val="visible"/>
-                                      </p:to>
-                                    </p:set>
-                                    <p:animEffect filter="fade" transition="in">
-                                      <p:cBhvr>
-                                        <p:cTn dur="500"/>
-                                        <p:tgtEl>
-                                          <p:spTgt spid="224"/>
-                                        </p:tgtEl>
-                                      </p:cBhvr>
-                                    </p:animEffect>
-                                  </p:childTnLst>
-                                </p:cTn>
-                              </p:par>
-                            </p:childTnLst>
-                          </p:cTn>
-                        </p:par>
-                      </p:childTnLst>
-                    </p:cTn>
-                  </p:par>
-                  <p:par>
-                    <p:cTn fill="hold">
-                      <p:stCondLst>
-                        <p:cond delay="indefinite"/>
-                      </p:stCondLst>
-                      <p:childTnLst>
-                        <p:par>
-                          <p:cTn fill="hold">
-                            <p:stCondLst>
-                              <p:cond delay="0"/>
-                            </p:stCondLst>
-                            <p:childTnLst>
-                              <p:par>
-                                <p:cTn fill="hold" nodeType="clickEffect" presetClass="entr" presetID="10" presetSubtype="0">
-                                  <p:stCondLst>
-                                    <p:cond delay="0"/>
-                                  </p:stCondLst>
-                                  <p:childTnLst>
-                                    <p:set>
-                                      <p:cBhvr>
-                                        <p:cTn dur="1" fill="hold">
-                                          <p:stCondLst>
-                                            <p:cond delay="0"/>
-                                          </p:stCondLst>
-                                        </p:cTn>
-                                        <p:tgtEl>
-                                          <p:spTgt spid="225"/>
-                                        </p:tgtEl>
-                                        <p:attrNameLst>
-                                          <p:attrName>style.visibility</p:attrName>
-                                        </p:attrNameLst>
-                                      </p:cBhvr>
-                                      <p:to>
-                                        <p:strVal val="visible"/>
-                                      </p:to>
-                                    </p:set>
-                                    <p:animEffect filter="fade" transition="in">
-                                      <p:cBhvr>
-                                        <p:cTn dur="500"/>
-                                        <p:tgtEl>
-                                          <p:spTgt spid="225"/>
-                                        </p:tgtEl>
-                                      </p:cBhvr>
-                                    </p:animEffect>
-                                  </p:childTnLst>
-                                </p:cTn>
-                              </p:par>
-                            </p:childTnLst>
-                          </p:cTn>
-                        </p:par>
-                      </p:childTnLst>
-                    </p:cTn>
-                  </p:par>
-                  <p:par>
-                    <p:cTn fill="hold">
-                      <p:stCondLst>
-                        <p:cond delay="indefinite"/>
-                      </p:stCondLst>
-                      <p:childTnLst>
-                        <p:par>
-                          <p:cTn fill="hold">
-                            <p:stCondLst>
-                              <p:cond delay="0"/>
-                            </p:stCondLst>
-                            <p:childTnLst>
-                              <p:par>
-                                <p:cTn fill="hold" nodeType="clickEffect" presetClass="entr" presetID="10" presetSubtype="0">
-                                  <p:stCondLst>
-                                    <p:cond delay="0"/>
-                                  </p:stCondLst>
-                                  <p:childTnLst>
-                                    <p:set>
-                                      <p:cBhvr>
-                                        <p:cTn dur="1" fill="hold">
-                                          <p:stCondLst>
-                                            <p:cond delay="0"/>
-                                          </p:stCondLst>
-                                        </p:cTn>
-                                        <p:tgtEl>
-                                          <p:spTgt spid="226"/>
-                                        </p:tgtEl>
-                                        <p:attrNameLst>
-                                          <p:attrName>style.visibility</p:attrName>
-                                        </p:attrNameLst>
-                                      </p:cBhvr>
-                                      <p:to>
-                                        <p:strVal val="visible"/>
-                                      </p:to>
-                                    </p:set>
-                                    <p:animEffect filter="fade" transition="in">
-                                      <p:cBhvr>
-                                        <p:cTn dur="500"/>
-                                        <p:tgtEl>
-                                          <p:spTgt spid="226"/>
-                                        </p:tgtEl>
-                                      </p:cBhvr>
-                                    </p:animEffect>
-                                  </p:childTnLst>
-                                </p:cTn>
-                              </p:par>
-                            </p:childTnLst>
-                          </p:cTn>
-                        </p:par>
-                      </p:childTnLst>
-                    </p:cTn>
-                  </p:par>
-                  <p:par>
-                    <p:cTn fill="hold">
-                      <p:stCondLst>
-                        <p:cond delay="indefinite"/>
-                      </p:stCondLst>
-                      <p:childTnLst>
-                        <p:par>
-                          <p:cTn fill="hold">
-                            <p:stCondLst>
-                              <p:cond delay="0"/>
-                            </p:stCondLst>
-                            <p:childTnLst>
-                              <p:par>
-                                <p:cTn fill="hold" nodeType="clickEffect" presetClass="entr" presetID="10" presetSubtype="0">
-                                  <p:stCondLst>
-                                    <p:cond delay="0"/>
-                                  </p:stCondLst>
-                                  <p:childTnLst>
-                                    <p:set>
-                                      <p:cBhvr>
-                                        <p:cTn dur="1" fill="hold">
-                                          <p:stCondLst>
-                                            <p:cond delay="0"/>
-                                          </p:stCondLst>
-                                        </p:cTn>
-                                        <p:tgtEl>
-                                          <p:spTgt spid="227"/>
-                                        </p:tgtEl>
-                                        <p:attrNameLst>
-                                          <p:attrName>style.visibility</p:attrName>
-                                        </p:attrNameLst>
-                                      </p:cBhvr>
-                                      <p:to>
-                                        <p:strVal val="visible"/>
-                                      </p:to>
-                                    </p:set>
-                                    <p:animEffect filter="fade" transition="in">
-                                      <p:cBhvr>
-                                        <p:cTn dur="500"/>
-                                        <p:tgtEl>
-                                          <p:spTgt spid="227"/>
+                                          <p:spTgt spid="233"/>
                                         </p:tgtEl>
                                       </p:cBhvr>
                                     </p:animEffect>
@@ -11207,6 +11610,218 @@
                       </p:childTnLst>
                     </p:cTn>
                   </p:par>
+                  <p:par>
+                    <p:cTn fill="hold">
+                      <p:stCondLst>
+                        <p:cond delay="indefinite"/>
+                      </p:stCondLst>
+                      <p:childTnLst>
+                        <p:par>
+                          <p:cTn fill="hold">
+                            <p:stCondLst>
+                              <p:cond delay="0"/>
+                            </p:stCondLst>
+                            <p:childTnLst>
+                              <p:par>
+                                <p:cTn fill="hold" nodeType="clickEffect" presetClass="entr" presetID="10" presetSubtype="0">
+                                  <p:stCondLst>
+                                    <p:cond delay="0"/>
+                                  </p:stCondLst>
+                                  <p:childTnLst>
+                                    <p:set>
+                                      <p:cBhvr>
+                                        <p:cTn dur="1" fill="hold">
+                                          <p:stCondLst>
+                                            <p:cond delay="0"/>
+                                          </p:stCondLst>
+                                        </p:cTn>
+                                        <p:tgtEl>
+                                          <p:spTgt spid="230"/>
+                                        </p:tgtEl>
+                                        <p:attrNameLst>
+                                          <p:attrName>style.visibility</p:attrName>
+                                        </p:attrNameLst>
+                                      </p:cBhvr>
+                                      <p:to>
+                                        <p:strVal val="visible"/>
+                                      </p:to>
+                                    </p:set>
+                                    <p:animEffect filter="fade" transition="in">
+                                      <p:cBhvr>
+                                        <p:cTn dur="500"/>
+                                        <p:tgtEl>
+                                          <p:spTgt spid="230"/>
+                                        </p:tgtEl>
+                                      </p:cBhvr>
+                                    </p:animEffect>
+                                  </p:childTnLst>
+                                </p:cTn>
+                              </p:par>
+                            </p:childTnLst>
+                          </p:cTn>
+                        </p:par>
+                      </p:childTnLst>
+                    </p:cTn>
+                  </p:par>
+                  <p:par>
+                    <p:cTn fill="hold">
+                      <p:stCondLst>
+                        <p:cond delay="indefinite"/>
+                      </p:stCondLst>
+                      <p:childTnLst>
+                        <p:par>
+                          <p:cTn fill="hold">
+                            <p:stCondLst>
+                              <p:cond delay="0"/>
+                            </p:stCondLst>
+                            <p:childTnLst>
+                              <p:par>
+                                <p:cTn fill="hold" nodeType="clickEffect" presetClass="entr" presetID="10" presetSubtype="0">
+                                  <p:stCondLst>
+                                    <p:cond delay="0"/>
+                                  </p:stCondLst>
+                                  <p:childTnLst>
+                                    <p:set>
+                                      <p:cBhvr>
+                                        <p:cTn dur="1" fill="hold">
+                                          <p:stCondLst>
+                                            <p:cond delay="0"/>
+                                          </p:stCondLst>
+                                        </p:cTn>
+                                        <p:tgtEl>
+                                          <p:spTgt spid="231"/>
+                                        </p:tgtEl>
+                                        <p:attrNameLst>
+                                          <p:attrName>style.visibility</p:attrName>
+                                        </p:attrNameLst>
+                                      </p:cBhvr>
+                                      <p:to>
+                                        <p:strVal val="visible"/>
+                                      </p:to>
+                                    </p:set>
+                                    <p:animEffect filter="fade" transition="in">
+                                      <p:cBhvr>
+                                        <p:cTn dur="500"/>
+                                        <p:tgtEl>
+                                          <p:spTgt spid="231"/>
+                                        </p:tgtEl>
+                                      </p:cBhvr>
+                                    </p:animEffect>
+                                  </p:childTnLst>
+                                </p:cTn>
+                              </p:par>
+                            </p:childTnLst>
+                          </p:cTn>
+                        </p:par>
+                      </p:childTnLst>
+                    </p:cTn>
+                  </p:par>
+                  <p:par>
+                    <p:cTn fill="hold">
+                      <p:stCondLst>
+                        <p:cond delay="indefinite"/>
+                      </p:stCondLst>
+                      <p:childTnLst>
+                        <p:par>
+                          <p:cTn fill="hold">
+                            <p:stCondLst>
+                              <p:cond delay="0"/>
+                            </p:stCondLst>
+                            <p:childTnLst>
+                              <p:par>
+                                <p:cTn fill="hold" nodeType="clickEffect" presetClass="entr" presetID="10" presetSubtype="0">
+                                  <p:stCondLst>
+                                    <p:cond delay="0"/>
+                                  </p:stCondLst>
+                                  <p:childTnLst>
+                                    <p:set>
+                                      <p:cBhvr>
+                                        <p:cTn dur="1" fill="hold">
+                                          <p:stCondLst>
+                                            <p:cond delay="0"/>
+                                          </p:stCondLst>
+                                        </p:cTn>
+                                        <p:tgtEl>
+                                          <p:spTgt spid="232"/>
+                                        </p:tgtEl>
+                                        <p:attrNameLst>
+                                          <p:attrName>style.visibility</p:attrName>
+                                        </p:attrNameLst>
+                                      </p:cBhvr>
+                                      <p:to>
+                                        <p:strVal val="visible"/>
+                                      </p:to>
+                                    </p:set>
+                                    <p:animEffect filter="fade" transition="in">
+                                      <p:cBhvr>
+                                        <p:cTn dur="500"/>
+                                        <p:tgtEl>
+                                          <p:spTgt spid="232"/>
+                                        </p:tgtEl>
+                                      </p:cBhvr>
+                                    </p:animEffect>
+                                  </p:childTnLst>
+                                </p:cTn>
+                              </p:par>
+                            </p:childTnLst>
+                          </p:cTn>
+                        </p:par>
+                      </p:childTnLst>
+                    </p:cTn>
+                  </p:par>
+                  <p:par>
+                    <p:cTn fill="hold">
+                      <p:stCondLst>
+                        <p:cond delay="indefinite"/>
+                      </p:stCondLst>
+                      <p:childTnLst>
+                        <p:par>
+                          <p:cTn fill="hold">
+                            <p:stCondLst>
+                              <p:cond delay="0"/>
+                            </p:stCondLst>
+                            <p:childTnLst>
+                              <p:par>
+                                <p:cTn fill="hold" nodeType="clickEffect" presetClass="entr" presetID="10" presetSubtype="0">
+                                  <p:stCondLst>
+                                    <p:cond delay="0"/>
+                                  </p:stCondLst>
+                                  <p:childTnLst>
+                                    <p:set>
+                                      <p:cBhvr>
+                                        <p:cTn dur="1" fill="hold">
+                                          <p:stCondLst>
+                                            <p:cond delay="0"/>
+                                          </p:stCondLst>
+                                        </p:cTn>
+                                        <p:tgtEl>
+                                          <p:spTgt spid="234"/>
+                                        </p:tgtEl>
+                                        <p:attrNameLst>
+                                          <p:attrName>style.visibility</p:attrName>
+                                        </p:attrNameLst>
+                                      </p:cBhvr>
+                                      <p:to>
+                                        <p:strVal val="visible"/>
+                                      </p:to>
+                                    </p:set>
+                                    <p:animEffect filter="fade" transition="in">
+                                      <p:cBhvr>
+                                        <p:cTn dur="500"/>
+                                        <p:tgtEl>
+                                          <p:spTgt spid="234"/>
+                                        </p:tgtEl>
+                                      </p:cBhvr>
+                                    </p:animEffect>
+                                  </p:childTnLst>
+                                </p:cTn>
+                              </p:par>
+                            </p:childTnLst>
+                          </p:cTn>
+                        </p:par>
+                      </p:childTnLst>
+                    </p:cTn>
+                  </p:par>
                 </p:childTnLst>
               </p:cTn>
               <p:prevCondLst>
@@ -11237,7 +11852,7 @@
   <p:cSld>
     <p:spTree>
       <p:nvGrpSpPr>
-        <p:cNvPr id="233" name="Shape 233"/>
+        <p:cNvPr id="238" name="Shape 238"/>
         <p:cNvGrpSpPr/>
         <p:nvPr/>
       </p:nvGrpSpPr>
@@ -11251,7 +11866,3735 @@
       </p:grpSpPr>
       <p:sp>
         <p:nvSpPr>
-          <p:cNvPr id="234" name="Google Shape;234;p23"/>
+          <p:cNvPr id="239" name="Google Shape;239;p23"/>
+          <p:cNvSpPr txBox="1"/>
+          <p:nvPr>
+            <p:ph idx="1" type="body"/>
+          </p:nvPr>
+        </p:nvSpPr>
+        <p:spPr>
+          <a:xfrm>
+            <a:off x="5164925" y="953600"/>
+            <a:ext cx="3654000" cy="3536100"/>
+          </a:xfrm>
+          <a:prstGeom prst="rect">
+            <a:avLst/>
+          </a:prstGeom>
+        </p:spPr>
+        <p:txBody>
+          <a:bodyPr anchorCtr="0" anchor="t" bIns="91425" lIns="91425" spcFirstLastPara="1" rIns="91425" wrap="square" tIns="91425">
+            <a:noAutofit/>
+          </a:bodyPr>
+          <a:lstStyle/>
+          <a:p>
+            <a:pPr indent="0" lvl="0" marL="0" rtl="0" algn="l">
+              <a:spcBef>
+                <a:spcPts val="0"/>
+              </a:spcBef>
+              <a:spcAft>
+                <a:spcPts val="0"/>
+              </a:spcAft>
+              <a:buNone/>
+            </a:pPr>
+            <a:r>
+              <a:rPr b="1" lang="en"/>
+              <a:t>Procedure:</a:t>
+            </a:r>
+            <a:endParaRPr b="1"/>
+          </a:p>
+          <a:p>
+            <a:pPr indent="-298450" lvl="0" marL="457200" rtl="0" algn="l">
+              <a:spcBef>
+                <a:spcPts val="1600"/>
+              </a:spcBef>
+              <a:spcAft>
+                <a:spcPts val="0"/>
+              </a:spcAft>
+              <a:buSzPts val="1100"/>
+              <a:buChar char="●"/>
+            </a:pPr>
+            <a:r>
+              <a:rPr lang="en" sz="1100"/>
+              <a:t>We use Composite Midpoint Rule, Composite Rectangular Rule, Composite Trapezium Method, Gauss 2 Point Rule and Simpson's Method to calculate the definite integral value. </a:t>
+            </a:r>
+            <a:endParaRPr sz="1100"/>
+          </a:p>
+          <a:p>
+            <a:pPr indent="-298450" lvl="0" marL="457200" rtl="0" algn="l">
+              <a:spcBef>
+                <a:spcPts val="0"/>
+              </a:spcBef>
+              <a:spcAft>
+                <a:spcPts val="0"/>
+              </a:spcAft>
+              <a:buSzPts val="1100"/>
+              <a:buChar char="●"/>
+            </a:pPr>
+            <a:r>
+              <a:rPr lang="en" sz="1100"/>
+              <a:t>The upper limit of the integral is varied from 0.5 to 10  in increments of 0.5 for the error plot. Step size is kept constant. For the net integral plot (ref. report), the maximum upper limit is taken as 50. This has been done for better visualization. </a:t>
+            </a:r>
+            <a:endParaRPr sz="1100"/>
+          </a:p>
+          <a:p>
+            <a:pPr indent="0" lvl="0" marL="0" rtl="0" algn="l">
+              <a:spcBef>
+                <a:spcPts val="1600"/>
+              </a:spcBef>
+              <a:spcAft>
+                <a:spcPts val="0"/>
+              </a:spcAft>
+              <a:buNone/>
+            </a:pPr>
+            <a:r>
+              <a:rPr b="1" lang="en"/>
+              <a:t>Conclusion:</a:t>
+            </a:r>
+            <a:endParaRPr b="1"/>
+          </a:p>
+          <a:p>
+            <a:pPr indent="-298450" lvl="0" marL="457200" rtl="0" algn="l">
+              <a:lnSpc>
+                <a:spcPct val="100000"/>
+              </a:lnSpc>
+              <a:spcBef>
+                <a:spcPts val="1600"/>
+              </a:spcBef>
+              <a:spcAft>
+                <a:spcPts val="0"/>
+              </a:spcAft>
+              <a:buSzPts val="1100"/>
+              <a:buChar char="●"/>
+            </a:pPr>
+            <a:r>
+              <a:rPr lang="en" sz="1100"/>
+              <a:t>All the methods give a very close approximation of the actual integral. </a:t>
+            </a:r>
+            <a:endParaRPr sz="1100"/>
+          </a:p>
+          <a:p>
+            <a:pPr indent="-298450" lvl="0" marL="457200" rtl="0" algn="l">
+              <a:spcBef>
+                <a:spcPts val="0"/>
+              </a:spcBef>
+              <a:spcAft>
+                <a:spcPts val="0"/>
+              </a:spcAft>
+              <a:buSzPts val="1100"/>
+              <a:buChar char="●"/>
+            </a:pPr>
+            <a:r>
+              <a:rPr lang="en" sz="1100"/>
+              <a:t>The rectangular method gives maximum error. </a:t>
+            </a:r>
+            <a:endParaRPr sz="1100"/>
+          </a:p>
+          <a:p>
+            <a:pPr indent="-298450" lvl="0" marL="457200" rtl="0" algn="l">
+              <a:spcBef>
+                <a:spcPts val="0"/>
+              </a:spcBef>
+              <a:spcAft>
+                <a:spcPts val="0"/>
+              </a:spcAft>
+              <a:buSzPts val="1100"/>
+              <a:buChar char="●"/>
+            </a:pPr>
+            <a:r>
+              <a:rPr lang="en" sz="1100"/>
+              <a:t>Gauss two point rule gave the minimum error.</a:t>
+            </a:r>
+            <a:endParaRPr sz="1100"/>
+          </a:p>
+          <a:p>
+            <a:pPr indent="-298450" lvl="0" marL="457200" rtl="0" algn="l">
+              <a:spcBef>
+                <a:spcPts val="0"/>
+              </a:spcBef>
+              <a:spcAft>
+                <a:spcPts val="0"/>
+              </a:spcAft>
+              <a:buSzPts val="1100"/>
+              <a:buChar char="●"/>
+            </a:pPr>
+            <a:r>
+              <a:rPr lang="en" sz="1100"/>
+              <a:t>Rest of the methods lie between these two thresholds.</a:t>
+            </a:r>
+            <a:endParaRPr sz="1100"/>
+          </a:p>
+        </p:txBody>
+      </p:sp>
+      <p:sp>
+        <p:nvSpPr>
+          <p:cNvPr id="240" name="Google Shape;240;p23"/>
+          <p:cNvSpPr txBox="1"/>
+          <p:nvPr/>
+        </p:nvSpPr>
+        <p:spPr>
+          <a:xfrm>
+            <a:off x="0" y="203600"/>
+            <a:ext cx="9012000" cy="750000"/>
+          </a:xfrm>
+          <a:prstGeom prst="rect">
+            <a:avLst/>
+          </a:prstGeom>
+          <a:noFill/>
+          <a:ln>
+            <a:noFill/>
+          </a:ln>
+        </p:spPr>
+        <p:txBody>
+          <a:bodyPr anchorCtr="0" anchor="t" bIns="91425" lIns="91425" spcFirstLastPara="1" rIns="91425" wrap="square" tIns="91425">
+            <a:noAutofit/>
+          </a:bodyPr>
+          <a:lstStyle/>
+          <a:p>
+            <a:pPr indent="0" lvl="0" marL="0" rtl="0" algn="ctr">
+              <a:spcBef>
+                <a:spcPts val="0"/>
+              </a:spcBef>
+              <a:spcAft>
+                <a:spcPts val="0"/>
+              </a:spcAft>
+              <a:buNone/>
+            </a:pPr>
+            <a:r>
+              <a:rPr b="1" lang="en" sz="2400">
+                <a:solidFill>
+                  <a:schemeClr val="lt1"/>
+                </a:solidFill>
+                <a:latin typeface="Lora"/>
+                <a:ea typeface="Lora"/>
+                <a:cs typeface="Lora"/>
+                <a:sym typeface="Lora"/>
+              </a:rPr>
+              <a:t>Section 5: Numerical Integration</a:t>
+            </a:r>
+            <a:endParaRPr b="1" sz="2400">
+              <a:solidFill>
+                <a:schemeClr val="lt1"/>
+              </a:solidFill>
+              <a:latin typeface="Lora"/>
+              <a:ea typeface="Lora"/>
+              <a:cs typeface="Lora"/>
+              <a:sym typeface="Lora"/>
+            </a:endParaRPr>
+          </a:p>
+          <a:p>
+            <a:pPr indent="0" lvl="0" marL="0" rtl="0" algn="ctr">
+              <a:spcBef>
+                <a:spcPts val="0"/>
+              </a:spcBef>
+              <a:spcAft>
+                <a:spcPts val="0"/>
+              </a:spcAft>
+              <a:buNone/>
+            </a:pPr>
+            <a:r>
+              <a:rPr b="1" lang="en" sz="2000">
+                <a:solidFill>
+                  <a:schemeClr val="lt1"/>
+                </a:solidFill>
+                <a:latin typeface="Lora"/>
+                <a:ea typeface="Lora"/>
+                <a:cs typeface="Lora"/>
+                <a:sym typeface="Lora"/>
+              </a:rPr>
+              <a:t>Part 2: Complex Functions </a:t>
+            </a:r>
+            <a:endParaRPr b="1" sz="2000">
+              <a:solidFill>
+                <a:schemeClr val="lt1"/>
+              </a:solidFill>
+              <a:latin typeface="Lora"/>
+              <a:ea typeface="Lora"/>
+              <a:cs typeface="Lora"/>
+              <a:sym typeface="Lora"/>
+            </a:endParaRPr>
+          </a:p>
+          <a:p>
+            <a:pPr indent="0" lvl="0" marL="0" rtl="0" algn="ctr">
+              <a:spcBef>
+                <a:spcPts val="0"/>
+              </a:spcBef>
+              <a:spcAft>
+                <a:spcPts val="0"/>
+              </a:spcAft>
+              <a:buNone/>
+            </a:pPr>
+            <a:r>
+              <a:t/>
+            </a:r>
+            <a:endParaRPr b="1" sz="2400">
+              <a:solidFill>
+                <a:schemeClr val="lt1"/>
+              </a:solidFill>
+              <a:latin typeface="Lora"/>
+              <a:ea typeface="Lora"/>
+              <a:cs typeface="Lora"/>
+              <a:sym typeface="Lora"/>
+            </a:endParaRPr>
+          </a:p>
+        </p:txBody>
+      </p:sp>
+      <p:pic>
+        <p:nvPicPr>
+          <p:cNvPr id="241" name="Google Shape;241;p23"/>
+          <p:cNvPicPr preferRelativeResize="0"/>
+          <p:nvPr/>
+        </p:nvPicPr>
+        <p:blipFill>
+          <a:blip r:embed="rId3">
+            <a:alphaModFix/>
+          </a:blip>
+          <a:stretch>
+            <a:fillRect/>
+          </a:stretch>
+        </p:blipFill>
+        <p:spPr>
+          <a:xfrm>
+            <a:off x="1288250" y="1095275"/>
+            <a:ext cx="2771775" cy="390525"/>
+          </a:xfrm>
+          <a:prstGeom prst="rect">
+            <a:avLst/>
+          </a:prstGeom>
+          <a:noFill/>
+          <a:ln>
+            <a:noFill/>
+          </a:ln>
+        </p:spPr>
+      </p:pic>
+      <p:pic>
+        <p:nvPicPr>
+          <p:cNvPr id="242" name="Google Shape;242;p23"/>
+          <p:cNvPicPr preferRelativeResize="0"/>
+          <p:nvPr/>
+        </p:nvPicPr>
+        <p:blipFill>
+          <a:blip r:embed="rId4">
+            <a:alphaModFix/>
+          </a:blip>
+          <a:stretch>
+            <a:fillRect/>
+          </a:stretch>
+        </p:blipFill>
+        <p:spPr>
+          <a:xfrm>
+            <a:off x="152400" y="1638200"/>
+            <a:ext cx="4658926" cy="3151675"/>
+          </a:xfrm>
+          <a:prstGeom prst="rect">
+            <a:avLst/>
+          </a:prstGeom>
+          <a:noFill/>
+          <a:ln>
+            <a:noFill/>
+          </a:ln>
+        </p:spPr>
+      </p:pic>
+    </p:spTree>
+  </p:cSld>
+  <p:clrMapOvr>
+    <a:masterClrMapping/>
+  </p:clrMapOvr>
+</p:sld>
+</file>
+
+<file path=ppt/slides/slide12.xml><?xml version="1.0" encoding="utf-8"?>
+<p:sld xmlns:a="http://schemas.openxmlformats.org/drawingml/2006/main" xmlns:r="http://schemas.openxmlformats.org/officeDocument/2006/relationships" xmlns:mc="http://schemas.openxmlformats.org/markup-compatibility/2006" xmlns:mv="urn:schemas-microsoft-com:mac:vml" xmlns:p="http://schemas.openxmlformats.org/presentationml/2006/main" xmlns:c="http://schemas.openxmlformats.org/drawingml/2006/chart" xmlns:dgm="http://schemas.openxmlformats.org/drawingml/2006/diagram" xmlns:o="urn:schemas-microsoft-com:office:office" xmlns:v="urn:schemas-microsoft-com:vml" xmlns:pvml="urn:schemas-microsoft-com:office:powerpoint" xmlns:com="http://schemas.openxmlformats.org/drawingml/2006/compatibility" xmlns:p14="http://schemas.microsoft.com/office/powerpoint/2010/main" xmlns:p15="http://schemas.microsoft.com/office/powerpoint/2012/main" xmlns:ahyp="http://schemas.microsoft.com/office/drawing/2018/hyperlinkcolor">
+  <p:cSld>
+    <p:spTree>
+      <p:nvGrpSpPr>
+        <p:cNvPr id="246" name="Shape 246"/>
+        <p:cNvGrpSpPr/>
+        <p:nvPr/>
+      </p:nvGrpSpPr>
+      <p:grpSpPr>
+        <a:xfrm>
+          <a:off x="0" y="0"/>
+          <a:ext cx="0" cy="0"/>
+          <a:chOff x="0" y="0"/>
+          <a:chExt cx="0" cy="0"/>
+        </a:xfrm>
+      </p:grpSpPr>
+      <p:sp>
+        <p:nvSpPr>
+          <p:cNvPr id="247" name="Google Shape;247;p24"/>
+          <p:cNvSpPr txBox="1"/>
+          <p:nvPr>
+            <p:ph idx="1" type="body"/>
+          </p:nvPr>
+        </p:nvSpPr>
+        <p:spPr>
+          <a:xfrm>
+            <a:off x="723325" y="1425175"/>
+            <a:ext cx="3605700" cy="3253500"/>
+          </a:xfrm>
+          <a:prstGeom prst="rect">
+            <a:avLst/>
+          </a:prstGeom>
+        </p:spPr>
+        <p:txBody>
+          <a:bodyPr anchorCtr="0" anchor="t" bIns="91425" lIns="91425" spcFirstLastPara="1" rIns="91425" wrap="square" tIns="91425">
+            <a:noAutofit/>
+          </a:bodyPr>
+          <a:lstStyle/>
+          <a:p>
+            <a:pPr indent="-311150" lvl="0" marL="457200" rtl="0" algn="l">
+              <a:lnSpc>
+                <a:spcPct val="115000"/>
+              </a:lnSpc>
+              <a:spcBef>
+                <a:spcPts val="0"/>
+              </a:spcBef>
+              <a:spcAft>
+                <a:spcPts val="0"/>
+              </a:spcAft>
+              <a:buClr>
+                <a:srgbClr val="FFFFFF"/>
+              </a:buClr>
+              <a:buSzPts val="1300"/>
+              <a:buChar char="●"/>
+            </a:pPr>
+            <a:r>
+              <a:rPr lang="en">
+                <a:solidFill>
+                  <a:srgbClr val="FFFFFF"/>
+                </a:solidFill>
+              </a:rPr>
+              <a:t>We use Composite Midpoint Rule, Composite Rectangular Rule, Composite Trapezium Method, Gauss 2 Point Rule and Simpson's Method to calculate the value. </a:t>
+            </a:r>
+            <a:endParaRPr>
+              <a:solidFill>
+                <a:srgbClr val="FFFFFF"/>
+              </a:solidFill>
+            </a:endParaRPr>
+          </a:p>
+          <a:p>
+            <a:pPr indent="-311150" lvl="0" marL="457200" rtl="0" algn="l">
+              <a:lnSpc>
+                <a:spcPct val="115000"/>
+              </a:lnSpc>
+              <a:spcBef>
+                <a:spcPts val="0"/>
+              </a:spcBef>
+              <a:spcAft>
+                <a:spcPts val="0"/>
+              </a:spcAft>
+              <a:buClr>
+                <a:srgbClr val="FFFFFF"/>
+              </a:buClr>
+              <a:buSzPts val="1300"/>
+              <a:buChar char="●"/>
+            </a:pPr>
+            <a:r>
+              <a:rPr lang="en">
+                <a:solidFill>
+                  <a:srgbClr val="FFFFFF"/>
+                </a:solidFill>
+              </a:rPr>
+              <a:t>The upper limit of the integral is varied from 9 to 4𝜋 in increments of 0.1.</a:t>
+            </a:r>
+            <a:endParaRPr>
+              <a:solidFill>
+                <a:srgbClr val="FFFFFF"/>
+              </a:solidFill>
+            </a:endParaRPr>
+          </a:p>
+          <a:p>
+            <a:pPr indent="-311150" lvl="0" marL="457200" rtl="0" algn="l">
+              <a:lnSpc>
+                <a:spcPct val="115000"/>
+              </a:lnSpc>
+              <a:spcBef>
+                <a:spcPts val="0"/>
+              </a:spcBef>
+              <a:spcAft>
+                <a:spcPts val="0"/>
+              </a:spcAft>
+              <a:buClr>
+                <a:srgbClr val="FFFFFF"/>
+              </a:buClr>
+              <a:buSzPts val="1300"/>
+              <a:buChar char="●"/>
+            </a:pPr>
+            <a:r>
+              <a:rPr lang="en">
+                <a:solidFill>
+                  <a:srgbClr val="FFFFFF"/>
+                </a:solidFill>
+              </a:rPr>
+              <a:t>A</a:t>
+            </a:r>
+            <a:r>
+              <a:rPr lang="en">
+                <a:solidFill>
+                  <a:srgbClr val="FFFFFF"/>
+                </a:solidFill>
+              </a:rPr>
+              <a:t>ll the methods give a very close approximation of the actual integral. </a:t>
+            </a:r>
+            <a:endParaRPr>
+              <a:solidFill>
+                <a:srgbClr val="FFFFFF"/>
+              </a:solidFill>
+            </a:endParaRPr>
+          </a:p>
+          <a:p>
+            <a:pPr indent="-311150" lvl="0" marL="457200" rtl="0" algn="l">
+              <a:lnSpc>
+                <a:spcPct val="115000"/>
+              </a:lnSpc>
+              <a:spcBef>
+                <a:spcPts val="0"/>
+              </a:spcBef>
+              <a:spcAft>
+                <a:spcPts val="0"/>
+              </a:spcAft>
+              <a:buClr>
+                <a:srgbClr val="FFFFFF"/>
+              </a:buClr>
+              <a:buSzPts val="1300"/>
+              <a:buChar char="●"/>
+            </a:pPr>
+            <a:r>
+              <a:rPr lang="en">
+                <a:solidFill>
+                  <a:srgbClr val="FFFFFF"/>
+                </a:solidFill>
+              </a:rPr>
+              <a:t>The rectangular method gives maximum error. </a:t>
+            </a:r>
+            <a:endParaRPr>
+              <a:solidFill>
+                <a:srgbClr val="FFFFFF"/>
+              </a:solidFill>
+            </a:endParaRPr>
+          </a:p>
+        </p:txBody>
+      </p:sp>
+      <p:sp>
+        <p:nvSpPr>
+          <p:cNvPr id="248" name="Google Shape;248;p24"/>
+          <p:cNvSpPr txBox="1"/>
+          <p:nvPr/>
+        </p:nvSpPr>
+        <p:spPr>
+          <a:xfrm>
+            <a:off x="1118000" y="185275"/>
+            <a:ext cx="4357800" cy="1044900"/>
+          </a:xfrm>
+          <a:prstGeom prst="rect">
+            <a:avLst/>
+          </a:prstGeom>
+          <a:noFill/>
+          <a:ln>
+            <a:noFill/>
+          </a:ln>
+        </p:spPr>
+        <p:txBody>
+          <a:bodyPr anchorCtr="0" anchor="t" bIns="91425" lIns="91425" spcFirstLastPara="1" rIns="91425" wrap="square" tIns="91425">
+            <a:noAutofit/>
+          </a:bodyPr>
+          <a:lstStyle/>
+          <a:p>
+            <a:pPr indent="0" lvl="0" marL="0" rtl="0" algn="l">
+              <a:lnSpc>
+                <a:spcPct val="115000"/>
+              </a:lnSpc>
+              <a:spcBef>
+                <a:spcPts val="0"/>
+              </a:spcBef>
+              <a:spcAft>
+                <a:spcPts val="0"/>
+              </a:spcAft>
+              <a:buNone/>
+            </a:pPr>
+            <a:r>
+              <a:rPr b="1" lang="en" sz="1700">
+                <a:solidFill>
+                  <a:srgbClr val="FFFFFF"/>
+                </a:solidFill>
+                <a:latin typeface="Lora"/>
+                <a:ea typeface="Lora"/>
+                <a:cs typeface="Lora"/>
+                <a:sym typeface="Lora"/>
+              </a:rPr>
+              <a:t>Section 5: </a:t>
+            </a:r>
+            <a:r>
+              <a:rPr b="1" lang="en" sz="1700">
+                <a:solidFill>
+                  <a:srgbClr val="FFFFFF"/>
+                </a:solidFill>
+                <a:latin typeface="Lora"/>
+                <a:ea typeface="Lora"/>
+                <a:cs typeface="Lora"/>
+                <a:sym typeface="Lora"/>
+              </a:rPr>
+              <a:t>Numerical Integration</a:t>
+            </a:r>
+            <a:endParaRPr b="1" sz="1700">
+              <a:solidFill>
+                <a:srgbClr val="FFFFFF"/>
+              </a:solidFill>
+              <a:latin typeface="Lora"/>
+              <a:ea typeface="Lora"/>
+              <a:cs typeface="Lora"/>
+              <a:sym typeface="Lora"/>
+            </a:endParaRPr>
+          </a:p>
+          <a:p>
+            <a:pPr indent="0" lvl="0" marL="0" rtl="0" algn="l">
+              <a:lnSpc>
+                <a:spcPct val="115000"/>
+              </a:lnSpc>
+              <a:spcBef>
+                <a:spcPts val="0"/>
+              </a:spcBef>
+              <a:spcAft>
+                <a:spcPts val="0"/>
+              </a:spcAft>
+              <a:buNone/>
+            </a:pPr>
+            <a:r>
+              <a:rPr b="1" lang="en" sz="1600">
+                <a:solidFill>
+                  <a:srgbClr val="FFFFFF"/>
+                </a:solidFill>
+                <a:latin typeface="Lora"/>
+                <a:ea typeface="Lora"/>
+                <a:cs typeface="Lora"/>
+                <a:sym typeface="Lora"/>
+              </a:rPr>
+              <a:t>Part 3: Complex Functions </a:t>
+            </a:r>
+            <a:endParaRPr b="1" sz="1600">
+              <a:solidFill>
+                <a:srgbClr val="FFFFFF"/>
+              </a:solidFill>
+              <a:latin typeface="Lora"/>
+              <a:ea typeface="Lora"/>
+              <a:cs typeface="Lora"/>
+              <a:sym typeface="Lora"/>
+            </a:endParaRPr>
+          </a:p>
+        </p:txBody>
+      </p:sp>
+      <p:pic>
+        <p:nvPicPr>
+          <p:cNvPr id="249" name="Google Shape;249;p24"/>
+          <p:cNvPicPr preferRelativeResize="0"/>
+          <p:nvPr/>
+        </p:nvPicPr>
+        <p:blipFill>
+          <a:blip r:embed="rId3">
+            <a:alphaModFix/>
+          </a:blip>
+          <a:stretch>
+            <a:fillRect/>
+          </a:stretch>
+        </p:blipFill>
+        <p:spPr>
+          <a:xfrm>
+            <a:off x="4913588" y="1350550"/>
+            <a:ext cx="3451225" cy="3328104"/>
+          </a:xfrm>
+          <a:prstGeom prst="rect">
+            <a:avLst/>
+          </a:prstGeom>
+          <a:noFill/>
+          <a:ln>
+            <a:noFill/>
+          </a:ln>
+        </p:spPr>
+      </p:pic>
+      <p:pic>
+        <p:nvPicPr>
+          <p:cNvPr id="250" name="Google Shape;250;p24"/>
+          <p:cNvPicPr preferRelativeResize="0"/>
+          <p:nvPr/>
+        </p:nvPicPr>
+        <p:blipFill>
+          <a:blip r:embed="rId4">
+            <a:alphaModFix/>
+          </a:blip>
+          <a:stretch>
+            <a:fillRect/>
+          </a:stretch>
+        </p:blipFill>
+        <p:spPr>
+          <a:xfrm>
+            <a:off x="4913613" y="1336200"/>
+            <a:ext cx="3451200" cy="3356800"/>
+          </a:xfrm>
+          <a:prstGeom prst="rect">
+            <a:avLst/>
+          </a:prstGeom>
+          <a:noFill/>
+          <a:ln>
+            <a:noFill/>
+          </a:ln>
+        </p:spPr>
+      </p:pic>
+      <p:pic>
+        <p:nvPicPr>
+          <p:cNvPr id="251" name="Google Shape;251;p24"/>
+          <p:cNvPicPr preferRelativeResize="0"/>
+          <p:nvPr/>
+        </p:nvPicPr>
+        <p:blipFill>
+          <a:blip r:embed="rId5">
+            <a:alphaModFix/>
+          </a:blip>
+          <a:stretch>
+            <a:fillRect/>
+          </a:stretch>
+        </p:blipFill>
+        <p:spPr>
+          <a:xfrm>
+            <a:off x="4913612" y="1336200"/>
+            <a:ext cx="3451221" cy="3328099"/>
+          </a:xfrm>
+          <a:prstGeom prst="rect">
+            <a:avLst/>
+          </a:prstGeom>
+          <a:noFill/>
+          <a:ln>
+            <a:noFill/>
+          </a:ln>
+        </p:spPr>
+      </p:pic>
+      <p:pic>
+        <p:nvPicPr>
+          <p:cNvPr id="252" name="Google Shape;252;p24"/>
+          <p:cNvPicPr preferRelativeResize="0"/>
+          <p:nvPr/>
+        </p:nvPicPr>
+        <p:blipFill>
+          <a:blip r:embed="rId6">
+            <a:alphaModFix/>
+          </a:blip>
+          <a:stretch>
+            <a:fillRect/>
+          </a:stretch>
+        </p:blipFill>
+        <p:spPr>
+          <a:xfrm>
+            <a:off x="5429513" y="363400"/>
+            <a:ext cx="2419350" cy="866775"/>
+          </a:xfrm>
+          <a:prstGeom prst="rect">
+            <a:avLst/>
+          </a:prstGeom>
+          <a:noFill/>
+          <a:ln>
+            <a:noFill/>
+          </a:ln>
+        </p:spPr>
+      </p:pic>
+    </p:spTree>
+  </p:cSld>
+  <p:clrMapOvr>
+    <a:masterClrMapping/>
+  </p:clrMapOvr>
+  <p:timing>
+    <p:tnLst>
+      <p:par>
+        <p:cTn dur="indefinite" nodeType="tmRoot" restart="never">
+          <p:childTnLst>
+            <p:seq concurrent="1" nextAc="seek">
+              <p:cTn dur="indefinite" id="2" nodeType="mainSeq">
+                <p:childTnLst>
+                  <p:par>
+                    <p:cTn fill="hold">
+                      <p:stCondLst>
+                        <p:cond delay="indefinite"/>
+                      </p:stCondLst>
+                      <p:childTnLst>
+                        <p:par>
+                          <p:cTn fill="hold">
+                            <p:stCondLst>
+                              <p:cond delay="0"/>
+                            </p:stCondLst>
+                            <p:childTnLst>
+                              <p:par>
+                                <p:cTn fill="hold" nodeType="clickEffect" presetClass="entr" presetID="10" presetSubtype="0">
+                                  <p:stCondLst>
+                                    <p:cond delay="0"/>
+                                  </p:stCondLst>
+                                  <p:childTnLst>
+                                    <p:set>
+                                      <p:cBhvr>
+                                        <p:cTn dur="1" fill="hold">
+                                          <p:stCondLst>
+                                            <p:cond delay="0"/>
+                                          </p:stCondLst>
+                                        </p:cTn>
+                                        <p:tgtEl>
+                                          <p:spTgt spid="249"/>
+                                        </p:tgtEl>
+                                        <p:attrNameLst>
+                                          <p:attrName>style.visibility</p:attrName>
+                                        </p:attrNameLst>
+                                      </p:cBhvr>
+                                      <p:to>
+                                        <p:strVal val="visible"/>
+                                      </p:to>
+                                    </p:set>
+                                    <p:animEffect filter="fade" transition="in">
+                                      <p:cBhvr>
+                                        <p:cTn dur="500"/>
+                                        <p:tgtEl>
+                                          <p:spTgt spid="249"/>
+                                        </p:tgtEl>
+                                      </p:cBhvr>
+                                    </p:animEffect>
+                                  </p:childTnLst>
+                                </p:cTn>
+                              </p:par>
+                            </p:childTnLst>
+                          </p:cTn>
+                        </p:par>
+                      </p:childTnLst>
+                    </p:cTn>
+                  </p:par>
+                  <p:par>
+                    <p:cTn fill="hold">
+                      <p:stCondLst>
+                        <p:cond delay="indefinite"/>
+                      </p:stCondLst>
+                      <p:childTnLst>
+                        <p:par>
+                          <p:cTn fill="hold">
+                            <p:stCondLst>
+                              <p:cond delay="0"/>
+                            </p:stCondLst>
+                            <p:childTnLst>
+                              <p:par>
+                                <p:cTn fill="hold" nodeType="clickEffect" presetClass="exit" presetID="10" presetSubtype="0">
+                                  <p:stCondLst>
+                                    <p:cond delay="0"/>
+                                  </p:stCondLst>
+                                  <p:childTnLst>
+                                    <p:animEffect filter="fade" transition="out">
+                                      <p:cBhvr>
+                                        <p:cTn dur="500"/>
+                                        <p:tgtEl>
+                                          <p:spTgt spid="249"/>
+                                        </p:tgtEl>
+                                      </p:cBhvr>
+                                    </p:animEffect>
+                                    <p:set>
+                                      <p:cBhvr>
+                                        <p:cTn dur="1" fill="hold">
+                                          <p:stCondLst>
+                                            <p:cond delay="500"/>
+                                          </p:stCondLst>
+                                        </p:cTn>
+                                        <p:tgtEl>
+                                          <p:spTgt spid="249"/>
+                                        </p:tgtEl>
+                                        <p:attrNameLst>
+                                          <p:attrName>style.visibility</p:attrName>
+                                        </p:attrNameLst>
+                                      </p:cBhvr>
+                                      <p:to>
+                                        <p:strVal val="hidden"/>
+                                      </p:to>
+                                    </p:set>
+                                  </p:childTnLst>
+                                </p:cTn>
+                              </p:par>
+                            </p:childTnLst>
+                          </p:cTn>
+                        </p:par>
+                      </p:childTnLst>
+                    </p:cTn>
+                  </p:par>
+                  <p:par>
+                    <p:cTn fill="hold">
+                      <p:stCondLst>
+                        <p:cond delay="indefinite"/>
+                      </p:stCondLst>
+                      <p:childTnLst>
+                        <p:par>
+                          <p:cTn fill="hold">
+                            <p:stCondLst>
+                              <p:cond delay="0"/>
+                            </p:stCondLst>
+                            <p:childTnLst>
+                              <p:par>
+                                <p:cTn fill="hold" nodeType="clickEffect" presetClass="entr" presetID="10" presetSubtype="0">
+                                  <p:stCondLst>
+                                    <p:cond delay="0"/>
+                                  </p:stCondLst>
+                                  <p:childTnLst>
+                                    <p:set>
+                                      <p:cBhvr>
+                                        <p:cTn dur="1" fill="hold">
+                                          <p:stCondLst>
+                                            <p:cond delay="0"/>
+                                          </p:stCondLst>
+                                        </p:cTn>
+                                        <p:tgtEl>
+                                          <p:spTgt spid="251"/>
+                                        </p:tgtEl>
+                                        <p:attrNameLst>
+                                          <p:attrName>style.visibility</p:attrName>
+                                        </p:attrNameLst>
+                                      </p:cBhvr>
+                                      <p:to>
+                                        <p:strVal val="visible"/>
+                                      </p:to>
+                                    </p:set>
+                                    <p:animEffect filter="fade" transition="in">
+                                      <p:cBhvr>
+                                        <p:cTn dur="500"/>
+                                        <p:tgtEl>
+                                          <p:spTgt spid="251"/>
+                                        </p:tgtEl>
+                                      </p:cBhvr>
+                                    </p:animEffect>
+                                  </p:childTnLst>
+                                </p:cTn>
+                              </p:par>
+                            </p:childTnLst>
+                          </p:cTn>
+                        </p:par>
+                      </p:childTnLst>
+                    </p:cTn>
+                  </p:par>
+                  <p:par>
+                    <p:cTn fill="hold">
+                      <p:stCondLst>
+                        <p:cond delay="indefinite"/>
+                      </p:stCondLst>
+                      <p:childTnLst>
+                        <p:par>
+                          <p:cTn fill="hold">
+                            <p:stCondLst>
+                              <p:cond delay="0"/>
+                            </p:stCondLst>
+                            <p:childTnLst>
+                              <p:par>
+                                <p:cTn fill="hold" nodeType="clickEffect" presetClass="exit" presetID="10" presetSubtype="0">
+                                  <p:stCondLst>
+                                    <p:cond delay="0"/>
+                                  </p:stCondLst>
+                                  <p:childTnLst>
+                                    <p:animEffect filter="fade" transition="out">
+                                      <p:cBhvr>
+                                        <p:cTn dur="500"/>
+                                        <p:tgtEl>
+                                          <p:spTgt spid="251"/>
+                                        </p:tgtEl>
+                                      </p:cBhvr>
+                                    </p:animEffect>
+                                    <p:set>
+                                      <p:cBhvr>
+                                        <p:cTn dur="1" fill="hold">
+                                          <p:stCondLst>
+                                            <p:cond delay="500"/>
+                                          </p:stCondLst>
+                                        </p:cTn>
+                                        <p:tgtEl>
+                                          <p:spTgt spid="251"/>
+                                        </p:tgtEl>
+                                        <p:attrNameLst>
+                                          <p:attrName>style.visibility</p:attrName>
+                                        </p:attrNameLst>
+                                      </p:cBhvr>
+                                      <p:to>
+                                        <p:strVal val="hidden"/>
+                                      </p:to>
+                                    </p:set>
+                                  </p:childTnLst>
+                                </p:cTn>
+                              </p:par>
+                            </p:childTnLst>
+                          </p:cTn>
+                        </p:par>
+                      </p:childTnLst>
+                    </p:cTn>
+                  </p:par>
+                  <p:par>
+                    <p:cTn fill="hold">
+                      <p:stCondLst>
+                        <p:cond delay="indefinite"/>
+                      </p:stCondLst>
+                      <p:childTnLst>
+                        <p:par>
+                          <p:cTn fill="hold">
+                            <p:stCondLst>
+                              <p:cond delay="0"/>
+                            </p:stCondLst>
+                            <p:childTnLst>
+                              <p:par>
+                                <p:cTn fill="hold" nodeType="clickEffect" presetClass="entr" presetID="10" presetSubtype="0">
+                                  <p:stCondLst>
+                                    <p:cond delay="0"/>
+                                  </p:stCondLst>
+                                  <p:childTnLst>
+                                    <p:set>
+                                      <p:cBhvr>
+                                        <p:cTn dur="1" fill="hold">
+                                          <p:stCondLst>
+                                            <p:cond delay="0"/>
+                                          </p:stCondLst>
+                                        </p:cTn>
+                                        <p:tgtEl>
+                                          <p:spTgt spid="250"/>
+                                        </p:tgtEl>
+                                        <p:attrNameLst>
+                                          <p:attrName>style.visibility</p:attrName>
+                                        </p:attrNameLst>
+                                      </p:cBhvr>
+                                      <p:to>
+                                        <p:strVal val="visible"/>
+                                      </p:to>
+                                    </p:set>
+                                    <p:animEffect filter="fade" transition="in">
+                                      <p:cBhvr>
+                                        <p:cTn dur="500"/>
+                                        <p:tgtEl>
+                                          <p:spTgt spid="250"/>
+                                        </p:tgtEl>
+                                      </p:cBhvr>
+                                    </p:animEffect>
+                                  </p:childTnLst>
+                                </p:cTn>
+                              </p:par>
+                            </p:childTnLst>
+                          </p:cTn>
+                        </p:par>
+                      </p:childTnLst>
+                    </p:cTn>
+                  </p:par>
+                </p:childTnLst>
+              </p:cTn>
+              <p:prevCondLst>
+                <p:cond evt="onPrev">
+                  <p:tgtEl>
+                    <p:sldTgt/>
+                  </p:tgtEl>
+                </p:cond>
+              </p:prevCondLst>
+              <p:nextCondLst>
+                <p:cond evt="onNext">
+                  <p:tgtEl>
+                    <p:sldTgt/>
+                  </p:tgtEl>
+                </p:cond>
+              </p:nextCondLst>
+            </p:seq>
+          </p:childTnLst>
+        </p:cTn>
+      </p:par>
+    </p:tnLst>
+  </p:timing>
+</p:sld>
+</file>
+
+<file path=ppt/slides/slide13.xml><?xml version="1.0" encoding="utf-8"?>
+<p:sld xmlns:a="http://schemas.openxmlformats.org/drawingml/2006/main" xmlns:r="http://schemas.openxmlformats.org/officeDocument/2006/relationships" xmlns:mc="http://schemas.openxmlformats.org/markup-compatibility/2006" xmlns:mv="urn:schemas-microsoft-com:mac:vml" xmlns:p="http://schemas.openxmlformats.org/presentationml/2006/main" xmlns:c="http://schemas.openxmlformats.org/drawingml/2006/chart" xmlns:dgm="http://schemas.openxmlformats.org/drawingml/2006/diagram" xmlns:o="urn:schemas-microsoft-com:office:office" xmlns:v="urn:schemas-microsoft-com:vml" xmlns:pvml="urn:schemas-microsoft-com:office:powerpoint" xmlns:com="http://schemas.openxmlformats.org/drawingml/2006/compatibility" xmlns:p14="http://schemas.microsoft.com/office/powerpoint/2010/main" xmlns:p15="http://schemas.microsoft.com/office/powerpoint/2012/main" xmlns:ahyp="http://schemas.microsoft.com/office/drawing/2018/hyperlinkcolor">
+  <p:cSld>
+    <p:spTree>
+      <p:nvGrpSpPr>
+        <p:cNvPr id="256" name="Shape 256"/>
+        <p:cNvGrpSpPr/>
+        <p:nvPr/>
+      </p:nvGrpSpPr>
+      <p:grpSpPr>
+        <a:xfrm>
+          <a:off x="0" y="0"/>
+          <a:ext cx="0" cy="0"/>
+          <a:chOff x="0" y="0"/>
+          <a:chExt cx="0" cy="0"/>
+        </a:xfrm>
+      </p:grpSpPr>
+      <p:sp>
+        <p:nvSpPr>
+          <p:cNvPr id="257" name="Google Shape;257;p25"/>
+          <p:cNvSpPr txBox="1"/>
+          <p:nvPr>
+            <p:ph idx="1" type="body"/>
+          </p:nvPr>
+        </p:nvSpPr>
+        <p:spPr>
+          <a:xfrm>
+            <a:off x="4822025" y="1178725"/>
+            <a:ext cx="4007700" cy="3621900"/>
+          </a:xfrm>
+          <a:prstGeom prst="rect">
+            <a:avLst/>
+          </a:prstGeom>
+        </p:spPr>
+        <p:txBody>
+          <a:bodyPr anchorCtr="0" anchor="t" bIns="91425" lIns="91425" spcFirstLastPara="1" rIns="91425" wrap="square" tIns="91425">
+            <a:noAutofit/>
+          </a:bodyPr>
+          <a:lstStyle/>
+          <a:p>
+            <a:pPr indent="0" lvl="0" marL="0" rtl="0" algn="l">
+              <a:spcBef>
+                <a:spcPts val="0"/>
+              </a:spcBef>
+              <a:spcAft>
+                <a:spcPts val="0"/>
+              </a:spcAft>
+              <a:buNone/>
+            </a:pPr>
+            <a:r>
+              <a:rPr b="1" lang="en"/>
+              <a:t>Motivation: </a:t>
+            </a:r>
+            <a:r>
+              <a:rPr lang="en"/>
+              <a:t>There are various functions which cannot be evaluated using elementary integrals but it is possible to get the value using definite integral in terms of famous mathematical constants.</a:t>
+            </a:r>
+            <a:endParaRPr/>
+          </a:p>
+          <a:p>
+            <a:pPr indent="0" lvl="0" marL="0" rtl="0" algn="l">
+              <a:spcBef>
+                <a:spcPts val="1600"/>
+              </a:spcBef>
+              <a:spcAft>
+                <a:spcPts val="0"/>
+              </a:spcAft>
+              <a:buNone/>
+            </a:pPr>
+            <a:r>
+              <a:rPr b="1" lang="en"/>
+              <a:t>Solution: </a:t>
+            </a:r>
+            <a:r>
+              <a:rPr lang="en"/>
+              <a:t>5 methods were used to evaluate the integral.</a:t>
+            </a:r>
+            <a:endParaRPr/>
+          </a:p>
+          <a:p>
+            <a:pPr indent="0" lvl="0" marL="0" rtl="0" algn="l">
+              <a:spcBef>
+                <a:spcPts val="1600"/>
+              </a:spcBef>
+              <a:spcAft>
+                <a:spcPts val="1600"/>
+              </a:spcAft>
+              <a:buNone/>
+            </a:pPr>
+            <a:r>
+              <a:rPr b="1" lang="en"/>
+              <a:t>Conclusion: </a:t>
+            </a:r>
+            <a:r>
+              <a:rPr lang="en"/>
+              <a:t>All the methods converged to the given constant value of the integral as and when the upper limit was increased. At around b= 10 the value obtained was  within 10</a:t>
+            </a:r>
+            <a:r>
+              <a:rPr baseline="30000" lang="en"/>
+              <a:t>.-6 </a:t>
+            </a:r>
+            <a:r>
+              <a:rPr lang="en"/>
+              <a:t> of the actual value. Gauss 2 point method gave the best result whereas the results of rectangular method deviated a lot from the actual value but eventually it converged.</a:t>
+            </a:r>
+            <a:endParaRPr/>
+          </a:p>
+        </p:txBody>
+      </p:sp>
+      <p:sp>
+        <p:nvSpPr>
+          <p:cNvPr id="258" name="Google Shape;258;p25"/>
+          <p:cNvSpPr txBox="1"/>
+          <p:nvPr/>
+        </p:nvSpPr>
+        <p:spPr>
+          <a:xfrm>
+            <a:off x="0" y="203600"/>
+            <a:ext cx="9012000" cy="750000"/>
+          </a:xfrm>
+          <a:prstGeom prst="rect">
+            <a:avLst/>
+          </a:prstGeom>
+          <a:noFill/>
+          <a:ln>
+            <a:noFill/>
+          </a:ln>
+        </p:spPr>
+        <p:txBody>
+          <a:bodyPr anchorCtr="0" anchor="t" bIns="91425" lIns="91425" spcFirstLastPara="1" rIns="91425" wrap="square" tIns="91425">
+            <a:noAutofit/>
+          </a:bodyPr>
+          <a:lstStyle/>
+          <a:p>
+            <a:pPr indent="0" lvl="0" marL="0" rtl="0" algn="ctr">
+              <a:spcBef>
+                <a:spcPts val="0"/>
+              </a:spcBef>
+              <a:spcAft>
+                <a:spcPts val="0"/>
+              </a:spcAft>
+              <a:buNone/>
+            </a:pPr>
+            <a:r>
+              <a:rPr b="1" lang="en" sz="2000">
+                <a:solidFill>
+                  <a:schemeClr val="lt1"/>
+                </a:solidFill>
+                <a:latin typeface="Lora"/>
+                <a:ea typeface="Lora"/>
+                <a:cs typeface="Lora"/>
+                <a:sym typeface="Lora"/>
+              </a:rPr>
+              <a:t>Section 5: Numerical Integration</a:t>
+            </a:r>
+            <a:endParaRPr b="1" sz="2000">
+              <a:solidFill>
+                <a:schemeClr val="lt1"/>
+              </a:solidFill>
+              <a:latin typeface="Lora"/>
+              <a:ea typeface="Lora"/>
+              <a:cs typeface="Lora"/>
+              <a:sym typeface="Lora"/>
+            </a:endParaRPr>
+          </a:p>
+          <a:p>
+            <a:pPr indent="0" lvl="0" marL="0" rtl="0" algn="ctr">
+              <a:spcBef>
+                <a:spcPts val="0"/>
+              </a:spcBef>
+              <a:spcAft>
+                <a:spcPts val="0"/>
+              </a:spcAft>
+              <a:buNone/>
+            </a:pPr>
+            <a:r>
+              <a:rPr b="1" lang="en" sz="1800">
+                <a:solidFill>
+                  <a:schemeClr val="lt1"/>
+                </a:solidFill>
+                <a:latin typeface="Lora"/>
+                <a:ea typeface="Lora"/>
+                <a:cs typeface="Lora"/>
+                <a:sym typeface="Lora"/>
+              </a:rPr>
+              <a:t>Part 4: Notable Exceptions with Definite Integrals</a:t>
+            </a:r>
+            <a:endParaRPr b="1" sz="1800">
+              <a:solidFill>
+                <a:schemeClr val="lt1"/>
+              </a:solidFill>
+              <a:latin typeface="Lora"/>
+              <a:ea typeface="Lora"/>
+              <a:cs typeface="Lora"/>
+              <a:sym typeface="Lora"/>
+            </a:endParaRPr>
+          </a:p>
+          <a:p>
+            <a:pPr indent="0" lvl="0" marL="0" rtl="0" algn="ctr">
+              <a:spcBef>
+                <a:spcPts val="0"/>
+              </a:spcBef>
+              <a:spcAft>
+                <a:spcPts val="0"/>
+              </a:spcAft>
+              <a:buNone/>
+            </a:pPr>
+            <a:r>
+              <a:t/>
+            </a:r>
+            <a:endParaRPr b="1" sz="2400">
+              <a:solidFill>
+                <a:schemeClr val="lt1"/>
+              </a:solidFill>
+              <a:latin typeface="Lora"/>
+              <a:ea typeface="Lora"/>
+              <a:cs typeface="Lora"/>
+              <a:sym typeface="Lora"/>
+            </a:endParaRPr>
+          </a:p>
+        </p:txBody>
+      </p:sp>
+      <p:pic>
+        <p:nvPicPr>
+          <p:cNvPr id="259" name="Google Shape;259;p25"/>
+          <p:cNvPicPr preferRelativeResize="0"/>
+          <p:nvPr/>
+        </p:nvPicPr>
+        <p:blipFill>
+          <a:blip r:embed="rId3">
+            <a:alphaModFix/>
+          </a:blip>
+          <a:stretch>
+            <a:fillRect/>
+          </a:stretch>
+        </p:blipFill>
+        <p:spPr>
+          <a:xfrm>
+            <a:off x="1266825" y="1178725"/>
+            <a:ext cx="3305175" cy="476250"/>
+          </a:xfrm>
+          <a:prstGeom prst="rect">
+            <a:avLst/>
+          </a:prstGeom>
+          <a:noFill/>
+          <a:ln>
+            <a:noFill/>
+          </a:ln>
+        </p:spPr>
+      </p:pic>
+      <p:pic>
+        <p:nvPicPr>
+          <p:cNvPr id="260" name="Google Shape;260;p25"/>
+          <p:cNvPicPr preferRelativeResize="0"/>
+          <p:nvPr/>
+        </p:nvPicPr>
+        <p:blipFill>
+          <a:blip r:embed="rId4">
+            <a:alphaModFix/>
+          </a:blip>
+          <a:stretch>
+            <a:fillRect/>
+          </a:stretch>
+        </p:blipFill>
+        <p:spPr>
+          <a:xfrm>
+            <a:off x="1177525" y="1816170"/>
+            <a:ext cx="3483776" cy="2917850"/>
+          </a:xfrm>
+          <a:prstGeom prst="rect">
+            <a:avLst/>
+          </a:prstGeom>
+          <a:noFill/>
+          <a:ln>
+            <a:noFill/>
+          </a:ln>
+        </p:spPr>
+      </p:pic>
+      <p:pic>
+        <p:nvPicPr>
+          <p:cNvPr id="261" name="Google Shape;261;p25"/>
+          <p:cNvPicPr preferRelativeResize="0"/>
+          <p:nvPr/>
+        </p:nvPicPr>
+        <p:blipFill>
+          <a:blip r:embed="rId5">
+            <a:alphaModFix/>
+          </a:blip>
+          <a:stretch>
+            <a:fillRect/>
+          </a:stretch>
+        </p:blipFill>
+        <p:spPr>
+          <a:xfrm>
+            <a:off x="1215681" y="1816170"/>
+            <a:ext cx="3407469" cy="2853925"/>
+          </a:xfrm>
+          <a:prstGeom prst="rect">
+            <a:avLst/>
+          </a:prstGeom>
+          <a:noFill/>
+          <a:ln>
+            <a:noFill/>
+          </a:ln>
+        </p:spPr>
+      </p:pic>
+      <p:pic>
+        <p:nvPicPr>
+          <p:cNvPr id="262" name="Google Shape;262;p25"/>
+          <p:cNvPicPr preferRelativeResize="0"/>
+          <p:nvPr/>
+        </p:nvPicPr>
+        <p:blipFill>
+          <a:blip r:embed="rId6">
+            <a:alphaModFix/>
+          </a:blip>
+          <a:stretch>
+            <a:fillRect/>
+          </a:stretch>
+        </p:blipFill>
+        <p:spPr>
+          <a:xfrm>
+            <a:off x="1215681" y="1816182"/>
+            <a:ext cx="3407469" cy="2853925"/>
+          </a:xfrm>
+          <a:prstGeom prst="rect">
+            <a:avLst/>
+          </a:prstGeom>
+          <a:noFill/>
+          <a:ln>
+            <a:noFill/>
+          </a:ln>
+        </p:spPr>
+      </p:pic>
+    </p:spTree>
+  </p:cSld>
+  <p:clrMapOvr>
+    <a:masterClrMapping/>
+  </p:clrMapOvr>
+  <p:timing>
+    <p:tnLst>
+      <p:par>
+        <p:cTn dur="indefinite" nodeType="tmRoot" restart="never">
+          <p:childTnLst>
+            <p:seq concurrent="1" nextAc="seek">
+              <p:cTn dur="indefinite" id="2" nodeType="mainSeq">
+                <p:childTnLst>
+                  <p:par>
+                    <p:cTn fill="hold">
+                      <p:stCondLst>
+                        <p:cond delay="indefinite"/>
+                      </p:stCondLst>
+                      <p:childTnLst>
+                        <p:par>
+                          <p:cTn fill="hold">
+                            <p:stCondLst>
+                              <p:cond delay="0"/>
+                            </p:stCondLst>
+                            <p:childTnLst>
+                              <p:par>
+                                <p:cTn fill="hold" nodeType="clickEffect" presetClass="entr" presetID="10" presetSubtype="0">
+                                  <p:stCondLst>
+                                    <p:cond delay="0"/>
+                                  </p:stCondLst>
+                                  <p:childTnLst>
+                                    <p:set>
+                                      <p:cBhvr>
+                                        <p:cTn dur="1" fill="hold">
+                                          <p:stCondLst>
+                                            <p:cond delay="0"/>
+                                          </p:stCondLst>
+                                        </p:cTn>
+                                        <p:tgtEl>
+                                          <p:spTgt spid="261"/>
+                                        </p:tgtEl>
+                                        <p:attrNameLst>
+                                          <p:attrName>style.visibility</p:attrName>
+                                        </p:attrNameLst>
+                                      </p:cBhvr>
+                                      <p:to>
+                                        <p:strVal val="visible"/>
+                                      </p:to>
+                                    </p:set>
+                                    <p:animEffect filter="fade" transition="in">
+                                      <p:cBhvr>
+                                        <p:cTn dur="200"/>
+                                        <p:tgtEl>
+                                          <p:spTgt spid="261"/>
+                                        </p:tgtEl>
+                                      </p:cBhvr>
+                                    </p:animEffect>
+                                  </p:childTnLst>
+                                </p:cTn>
+                              </p:par>
+                            </p:childTnLst>
+                          </p:cTn>
+                        </p:par>
+                      </p:childTnLst>
+                    </p:cTn>
+                  </p:par>
+                  <p:par>
+                    <p:cTn fill="hold">
+                      <p:stCondLst>
+                        <p:cond delay="indefinite"/>
+                      </p:stCondLst>
+                      <p:childTnLst>
+                        <p:par>
+                          <p:cTn fill="hold">
+                            <p:stCondLst>
+                              <p:cond delay="0"/>
+                            </p:stCondLst>
+                            <p:childTnLst>
+                              <p:par>
+                                <p:cTn fill="hold" nodeType="clickEffect" presetClass="exit" presetID="10" presetSubtype="0">
+                                  <p:stCondLst>
+                                    <p:cond delay="0"/>
+                                  </p:stCondLst>
+                                  <p:childTnLst>
+                                    <p:animEffect filter="fade" transition="out">
+                                      <p:cBhvr>
+                                        <p:cTn dur="300"/>
+                                        <p:tgtEl>
+                                          <p:spTgt spid="261"/>
+                                        </p:tgtEl>
+                                      </p:cBhvr>
+                                    </p:animEffect>
+                                    <p:set>
+                                      <p:cBhvr>
+                                        <p:cTn dur="1" fill="hold">
+                                          <p:stCondLst>
+                                            <p:cond delay="300"/>
+                                          </p:stCondLst>
+                                        </p:cTn>
+                                        <p:tgtEl>
+                                          <p:spTgt spid="261"/>
+                                        </p:tgtEl>
+                                        <p:attrNameLst>
+                                          <p:attrName>style.visibility</p:attrName>
+                                        </p:attrNameLst>
+                                      </p:cBhvr>
+                                      <p:to>
+                                        <p:strVal val="hidden"/>
+                                      </p:to>
+                                    </p:set>
+                                  </p:childTnLst>
+                                </p:cTn>
+                              </p:par>
+                              <p:par>
+                                <p:cTn fill="hold" nodeType="withEffect" presetClass="entr" presetID="10" presetSubtype="0">
+                                  <p:stCondLst>
+                                    <p:cond delay="0"/>
+                                  </p:stCondLst>
+                                  <p:childTnLst>
+                                    <p:set>
+                                      <p:cBhvr>
+                                        <p:cTn dur="1" fill="hold">
+                                          <p:stCondLst>
+                                            <p:cond delay="0"/>
+                                          </p:stCondLst>
+                                        </p:cTn>
+                                        <p:tgtEl>
+                                          <p:spTgt spid="262"/>
+                                        </p:tgtEl>
+                                        <p:attrNameLst>
+                                          <p:attrName>style.visibility</p:attrName>
+                                        </p:attrNameLst>
+                                      </p:cBhvr>
+                                      <p:to>
+                                        <p:strVal val="visible"/>
+                                      </p:to>
+                                    </p:set>
+                                    <p:animEffect filter="fade" transition="in">
+                                      <p:cBhvr>
+                                        <p:cTn dur="300"/>
+                                        <p:tgtEl>
+                                          <p:spTgt spid="262"/>
+                                        </p:tgtEl>
+                                      </p:cBhvr>
+                                    </p:animEffect>
+                                  </p:childTnLst>
+                                </p:cTn>
+                              </p:par>
+                            </p:childTnLst>
+                          </p:cTn>
+                        </p:par>
+                      </p:childTnLst>
+                    </p:cTn>
+                  </p:par>
+                  <p:par>
+                    <p:cTn fill="hold">
+                      <p:stCondLst>
+                        <p:cond delay="indefinite"/>
+                      </p:stCondLst>
+                      <p:childTnLst>
+                        <p:par>
+                          <p:cTn fill="hold">
+                            <p:stCondLst>
+                              <p:cond delay="0"/>
+                            </p:stCondLst>
+                            <p:childTnLst>
+                              <p:par>
+                                <p:cTn fill="hold" nodeType="clickEffect" presetClass="exit" presetID="10" presetSubtype="0">
+                                  <p:stCondLst>
+                                    <p:cond delay="0"/>
+                                  </p:stCondLst>
+                                  <p:childTnLst>
+                                    <p:animEffect filter="fade" transition="out">
+                                      <p:cBhvr>
+                                        <p:cTn dur="200"/>
+                                        <p:tgtEl>
+                                          <p:spTgt spid="262"/>
+                                        </p:tgtEl>
+                                      </p:cBhvr>
+                                    </p:animEffect>
+                                    <p:set>
+                                      <p:cBhvr>
+                                        <p:cTn dur="1" fill="hold">
+                                          <p:stCondLst>
+                                            <p:cond delay="200"/>
+                                          </p:stCondLst>
+                                        </p:cTn>
+                                        <p:tgtEl>
+                                          <p:spTgt spid="262"/>
+                                        </p:tgtEl>
+                                        <p:attrNameLst>
+                                          <p:attrName>style.visibility</p:attrName>
+                                        </p:attrNameLst>
+                                      </p:cBhvr>
+                                      <p:to>
+                                        <p:strVal val="hidden"/>
+                                      </p:to>
+                                    </p:set>
+                                  </p:childTnLst>
+                                </p:cTn>
+                              </p:par>
+                              <p:par>
+                                <p:cTn fill="hold" nodeType="withEffect" presetClass="entr" presetID="10" presetSubtype="0">
+                                  <p:stCondLst>
+                                    <p:cond delay="0"/>
+                                  </p:stCondLst>
+                                  <p:childTnLst>
+                                    <p:set>
+                                      <p:cBhvr>
+                                        <p:cTn dur="1" fill="hold">
+                                          <p:stCondLst>
+                                            <p:cond delay="0"/>
+                                          </p:stCondLst>
+                                        </p:cTn>
+                                        <p:tgtEl>
+                                          <p:spTgt spid="260"/>
+                                        </p:tgtEl>
+                                        <p:attrNameLst>
+                                          <p:attrName>style.visibility</p:attrName>
+                                        </p:attrNameLst>
+                                      </p:cBhvr>
+                                      <p:to>
+                                        <p:strVal val="visible"/>
+                                      </p:to>
+                                    </p:set>
+                                    <p:animEffect filter="fade" transition="in">
+                                      <p:cBhvr>
+                                        <p:cTn dur="300"/>
+                                        <p:tgtEl>
+                                          <p:spTgt spid="260"/>
+                                        </p:tgtEl>
+                                      </p:cBhvr>
+                                    </p:animEffect>
+                                  </p:childTnLst>
+                                </p:cTn>
+                              </p:par>
+                            </p:childTnLst>
+                          </p:cTn>
+                        </p:par>
+                      </p:childTnLst>
+                    </p:cTn>
+                  </p:par>
+                </p:childTnLst>
+              </p:cTn>
+              <p:prevCondLst>
+                <p:cond evt="onPrev">
+                  <p:tgtEl>
+                    <p:sldTgt/>
+                  </p:tgtEl>
+                </p:cond>
+              </p:prevCondLst>
+              <p:nextCondLst>
+                <p:cond evt="onNext">
+                  <p:tgtEl>
+                    <p:sldTgt/>
+                  </p:tgtEl>
+                </p:cond>
+              </p:nextCondLst>
+            </p:seq>
+          </p:childTnLst>
+        </p:cTn>
+      </p:par>
+    </p:tnLst>
+  </p:timing>
+</p:sld>
+</file>
+
+<file path=ppt/slides/slide14.xml><?xml version="1.0" encoding="utf-8"?>
+<p:sld xmlns:a="http://schemas.openxmlformats.org/drawingml/2006/main" xmlns:r="http://schemas.openxmlformats.org/officeDocument/2006/relationships" xmlns:mc="http://schemas.openxmlformats.org/markup-compatibility/2006" xmlns:mv="urn:schemas-microsoft-com:mac:vml" xmlns:p="http://schemas.openxmlformats.org/presentationml/2006/main" xmlns:c="http://schemas.openxmlformats.org/drawingml/2006/chart" xmlns:dgm="http://schemas.openxmlformats.org/drawingml/2006/diagram" xmlns:o="urn:schemas-microsoft-com:office:office" xmlns:v="urn:schemas-microsoft-com:vml" xmlns:pvml="urn:schemas-microsoft-com:office:powerpoint" xmlns:com="http://schemas.openxmlformats.org/drawingml/2006/compatibility" xmlns:p14="http://schemas.microsoft.com/office/powerpoint/2010/main" xmlns:p15="http://schemas.microsoft.com/office/powerpoint/2012/main" xmlns:ahyp="http://schemas.microsoft.com/office/drawing/2018/hyperlinkcolor">
+  <p:cSld>
+    <p:spTree>
+      <p:nvGrpSpPr>
+        <p:cNvPr id="266" name="Shape 266"/>
+        <p:cNvGrpSpPr/>
+        <p:nvPr/>
+      </p:nvGrpSpPr>
+      <p:grpSpPr>
+        <a:xfrm>
+          <a:off x="0" y="0"/>
+          <a:ext cx="0" cy="0"/>
+          <a:chOff x="0" y="0"/>
+          <a:chExt cx="0" cy="0"/>
+        </a:xfrm>
+      </p:grpSpPr>
+      <p:sp>
+        <p:nvSpPr>
+          <p:cNvPr id="267" name="Google Shape;267;p26"/>
+          <p:cNvSpPr txBox="1"/>
+          <p:nvPr>
+            <p:ph idx="1" type="body"/>
+          </p:nvPr>
+        </p:nvSpPr>
+        <p:spPr>
+          <a:xfrm>
+            <a:off x="723325" y="1425175"/>
+            <a:ext cx="3605700" cy="3253500"/>
+          </a:xfrm>
+          <a:prstGeom prst="rect">
+            <a:avLst/>
+          </a:prstGeom>
+        </p:spPr>
+        <p:txBody>
+          <a:bodyPr anchorCtr="0" anchor="t" bIns="91425" lIns="91425" spcFirstLastPara="1" rIns="91425" wrap="square" tIns="91425">
+            <a:noAutofit/>
+          </a:bodyPr>
+          <a:lstStyle/>
+          <a:p>
+            <a:pPr indent="-311150" lvl="0" marL="457200" rtl="0" algn="l">
+              <a:lnSpc>
+                <a:spcPct val="115000"/>
+              </a:lnSpc>
+              <a:spcBef>
+                <a:spcPts val="0"/>
+              </a:spcBef>
+              <a:spcAft>
+                <a:spcPts val="0"/>
+              </a:spcAft>
+              <a:buClr>
+                <a:srgbClr val="FFFFFF"/>
+              </a:buClr>
+              <a:buSzPts val="1300"/>
+              <a:buChar char="●"/>
+            </a:pPr>
+            <a:r>
+              <a:rPr lang="en">
+                <a:solidFill>
+                  <a:srgbClr val="FFFFFF"/>
+                </a:solidFill>
+              </a:rPr>
+              <a:t>We use Composite Midpoint Rule, Composite Rectangular Rule, Composite Trapezium Method, Gauss 2 Point Rule and Simpson's Method to calculate the value for m = 110 kg, k = 0.18 kg m</a:t>
+            </a:r>
+            <a:r>
+              <a:rPr baseline="30000" lang="en">
+                <a:solidFill>
+                  <a:srgbClr val="FFFFFF"/>
+                </a:solidFill>
+              </a:rPr>
+              <a:t>-1 </a:t>
+            </a:r>
+            <a:r>
+              <a:rPr lang="en">
+                <a:solidFill>
+                  <a:srgbClr val="FFFFFF"/>
+                </a:solidFill>
+              </a:rPr>
+              <a:t>, and g</a:t>
+            </a:r>
+            <a:r>
+              <a:rPr lang="en">
+                <a:solidFill>
+                  <a:srgbClr val="FFFFFF"/>
+                </a:solidFill>
+              </a:rPr>
+              <a:t> = 9.8 ms</a:t>
+            </a:r>
+            <a:r>
+              <a:rPr baseline="30000" lang="en">
+                <a:solidFill>
+                  <a:srgbClr val="FFFFFF"/>
+                </a:solidFill>
+              </a:rPr>
+              <a:t>-2</a:t>
+            </a:r>
+            <a:endParaRPr baseline="30000">
+              <a:solidFill>
+                <a:srgbClr val="FFFFFF"/>
+              </a:solidFill>
+            </a:endParaRPr>
+          </a:p>
+          <a:p>
+            <a:pPr indent="-311150" lvl="0" marL="457200" rtl="0" algn="l">
+              <a:lnSpc>
+                <a:spcPct val="115000"/>
+              </a:lnSpc>
+              <a:spcBef>
+                <a:spcPts val="0"/>
+              </a:spcBef>
+              <a:spcAft>
+                <a:spcPts val="0"/>
+              </a:spcAft>
+              <a:buClr>
+                <a:srgbClr val="FFFFFF"/>
+              </a:buClr>
+              <a:buSzPts val="1300"/>
+              <a:buChar char="●"/>
+            </a:pPr>
+            <a:r>
+              <a:rPr lang="en">
+                <a:solidFill>
+                  <a:srgbClr val="FFFFFF"/>
+                </a:solidFill>
+              </a:rPr>
+              <a:t>The upper limit of the integral is varied from 0.5 to 10  in increments of 0.1.</a:t>
+            </a:r>
+            <a:endParaRPr>
+              <a:solidFill>
+                <a:srgbClr val="FFFFFF"/>
+              </a:solidFill>
+            </a:endParaRPr>
+          </a:p>
+          <a:p>
+            <a:pPr indent="-311150" lvl="0" marL="457200" rtl="0" algn="l">
+              <a:lnSpc>
+                <a:spcPct val="115000"/>
+              </a:lnSpc>
+              <a:spcBef>
+                <a:spcPts val="0"/>
+              </a:spcBef>
+              <a:spcAft>
+                <a:spcPts val="0"/>
+              </a:spcAft>
+              <a:buClr>
+                <a:srgbClr val="FFFFFF"/>
+              </a:buClr>
+              <a:buSzPts val="1300"/>
+              <a:buChar char="●"/>
+            </a:pPr>
+            <a:r>
+              <a:rPr lang="en">
+                <a:solidFill>
+                  <a:srgbClr val="FFFFFF"/>
+                </a:solidFill>
+              </a:rPr>
+              <a:t>All the methods give a very close approximation of the actual integral. </a:t>
+            </a:r>
+            <a:endParaRPr>
+              <a:solidFill>
+                <a:srgbClr val="FFFFFF"/>
+              </a:solidFill>
+            </a:endParaRPr>
+          </a:p>
+          <a:p>
+            <a:pPr indent="-311150" lvl="0" marL="457200" rtl="0" algn="l">
+              <a:lnSpc>
+                <a:spcPct val="115000"/>
+              </a:lnSpc>
+              <a:spcBef>
+                <a:spcPts val="0"/>
+              </a:spcBef>
+              <a:spcAft>
+                <a:spcPts val="0"/>
+              </a:spcAft>
+              <a:buClr>
+                <a:srgbClr val="FFFFFF"/>
+              </a:buClr>
+              <a:buSzPts val="1300"/>
+              <a:buChar char="●"/>
+            </a:pPr>
+            <a:r>
+              <a:rPr lang="en">
+                <a:solidFill>
+                  <a:srgbClr val="FFFFFF"/>
+                </a:solidFill>
+              </a:rPr>
+              <a:t>The rectangular method gives maximum error. </a:t>
+            </a:r>
+            <a:endParaRPr>
+              <a:solidFill>
+                <a:srgbClr val="FFFFFF"/>
+              </a:solidFill>
+            </a:endParaRPr>
+          </a:p>
+        </p:txBody>
+      </p:sp>
+      <p:sp>
+        <p:nvSpPr>
+          <p:cNvPr id="268" name="Google Shape;268;p26"/>
+          <p:cNvSpPr txBox="1"/>
+          <p:nvPr/>
+        </p:nvSpPr>
+        <p:spPr>
+          <a:xfrm>
+            <a:off x="1118000" y="185275"/>
+            <a:ext cx="4357800" cy="1044900"/>
+          </a:xfrm>
+          <a:prstGeom prst="rect">
+            <a:avLst/>
+          </a:prstGeom>
+          <a:noFill/>
+          <a:ln>
+            <a:noFill/>
+          </a:ln>
+        </p:spPr>
+        <p:txBody>
+          <a:bodyPr anchorCtr="0" anchor="t" bIns="91425" lIns="91425" spcFirstLastPara="1" rIns="91425" wrap="square" tIns="91425">
+            <a:noAutofit/>
+          </a:bodyPr>
+          <a:lstStyle/>
+          <a:p>
+            <a:pPr indent="0" lvl="0" marL="0" rtl="0" algn="l">
+              <a:lnSpc>
+                <a:spcPct val="115000"/>
+              </a:lnSpc>
+              <a:spcBef>
+                <a:spcPts val="0"/>
+              </a:spcBef>
+              <a:spcAft>
+                <a:spcPts val="0"/>
+              </a:spcAft>
+              <a:buNone/>
+            </a:pPr>
+            <a:r>
+              <a:rPr b="1" lang="en" sz="1700">
+                <a:solidFill>
+                  <a:srgbClr val="FFFFFF"/>
+                </a:solidFill>
+                <a:latin typeface="Lora"/>
+                <a:ea typeface="Lora"/>
+                <a:cs typeface="Lora"/>
+                <a:sym typeface="Lora"/>
+              </a:rPr>
+              <a:t>Section 5: Numerical Integration</a:t>
+            </a:r>
+            <a:endParaRPr b="1" sz="1700">
+              <a:solidFill>
+                <a:srgbClr val="FFFFFF"/>
+              </a:solidFill>
+              <a:latin typeface="Lora"/>
+              <a:ea typeface="Lora"/>
+              <a:cs typeface="Lora"/>
+              <a:sym typeface="Lora"/>
+            </a:endParaRPr>
+          </a:p>
+          <a:p>
+            <a:pPr indent="0" lvl="0" marL="0" rtl="0" algn="l">
+              <a:lnSpc>
+                <a:spcPct val="115000"/>
+              </a:lnSpc>
+              <a:spcBef>
+                <a:spcPts val="0"/>
+              </a:spcBef>
+              <a:spcAft>
+                <a:spcPts val="0"/>
+              </a:spcAft>
+              <a:buNone/>
+            </a:pPr>
+            <a:r>
+              <a:rPr b="1" lang="en" sz="1600">
+                <a:solidFill>
+                  <a:srgbClr val="FFFFFF"/>
+                </a:solidFill>
+                <a:latin typeface="Lora"/>
+                <a:ea typeface="Lora"/>
+                <a:cs typeface="Lora"/>
+                <a:sym typeface="Lora"/>
+              </a:rPr>
+              <a:t>Part 5: Velocity equation for freely falling body under influence of air resistance</a:t>
+            </a:r>
+            <a:endParaRPr b="1" sz="1600">
+              <a:solidFill>
+                <a:srgbClr val="FFFFFF"/>
+              </a:solidFill>
+              <a:latin typeface="Lora"/>
+              <a:ea typeface="Lora"/>
+              <a:cs typeface="Lora"/>
+              <a:sym typeface="Lora"/>
+            </a:endParaRPr>
+          </a:p>
+        </p:txBody>
+      </p:sp>
+      <p:pic>
+        <p:nvPicPr>
+          <p:cNvPr id="269" name="Google Shape;269;p26"/>
+          <p:cNvPicPr preferRelativeResize="0"/>
+          <p:nvPr/>
+        </p:nvPicPr>
+        <p:blipFill rotWithShape="1">
+          <a:blip r:embed="rId3">
+            <a:alphaModFix/>
+          </a:blip>
+          <a:srcRect b="0" l="8751" r="8760" t="0"/>
+          <a:stretch/>
+        </p:blipFill>
+        <p:spPr>
+          <a:xfrm>
+            <a:off x="4913588" y="1350550"/>
+            <a:ext cx="3451225" cy="3328104"/>
+          </a:xfrm>
+          <a:prstGeom prst="rect">
+            <a:avLst/>
+          </a:prstGeom>
+          <a:noFill/>
+          <a:ln>
+            <a:noFill/>
+          </a:ln>
+        </p:spPr>
+      </p:pic>
+      <p:pic>
+        <p:nvPicPr>
+          <p:cNvPr id="270" name="Google Shape;270;p26"/>
+          <p:cNvPicPr preferRelativeResize="0"/>
+          <p:nvPr/>
+        </p:nvPicPr>
+        <p:blipFill rotWithShape="1">
+          <a:blip r:embed="rId4">
+            <a:alphaModFix/>
+          </a:blip>
+          <a:srcRect b="0" l="7250" r="7250" t="0"/>
+          <a:stretch/>
+        </p:blipFill>
+        <p:spPr>
+          <a:xfrm>
+            <a:off x="4913613" y="1373525"/>
+            <a:ext cx="3451200" cy="3356800"/>
+          </a:xfrm>
+          <a:prstGeom prst="rect">
+            <a:avLst/>
+          </a:prstGeom>
+          <a:noFill/>
+          <a:ln>
+            <a:noFill/>
+          </a:ln>
+        </p:spPr>
+      </p:pic>
+      <p:pic>
+        <p:nvPicPr>
+          <p:cNvPr id="271" name="Google Shape;271;p26"/>
+          <p:cNvPicPr preferRelativeResize="0"/>
+          <p:nvPr/>
+        </p:nvPicPr>
+        <p:blipFill rotWithShape="1">
+          <a:blip r:embed="rId5">
+            <a:alphaModFix/>
+          </a:blip>
+          <a:srcRect b="0" l="7351" r="7360" t="0"/>
+          <a:stretch/>
+        </p:blipFill>
+        <p:spPr>
+          <a:xfrm>
+            <a:off x="4913612" y="1387875"/>
+            <a:ext cx="3451221" cy="3328099"/>
+          </a:xfrm>
+          <a:prstGeom prst="rect">
+            <a:avLst/>
+          </a:prstGeom>
+          <a:noFill/>
+          <a:ln>
+            <a:noFill/>
+          </a:ln>
+        </p:spPr>
+      </p:pic>
+      <p:pic>
+        <p:nvPicPr>
+          <p:cNvPr id="272" name="Google Shape;272;p26"/>
+          <p:cNvPicPr preferRelativeResize="0"/>
+          <p:nvPr/>
+        </p:nvPicPr>
+        <p:blipFill>
+          <a:blip r:embed="rId6">
+            <a:alphaModFix/>
+          </a:blip>
+          <a:stretch>
+            <a:fillRect/>
+          </a:stretch>
+        </p:blipFill>
+        <p:spPr>
+          <a:xfrm>
+            <a:off x="5499412" y="727099"/>
+            <a:ext cx="2279625" cy="401850"/>
+          </a:xfrm>
+          <a:prstGeom prst="rect">
+            <a:avLst/>
+          </a:prstGeom>
+          <a:noFill/>
+          <a:ln>
+            <a:noFill/>
+          </a:ln>
+        </p:spPr>
+      </p:pic>
+    </p:spTree>
+  </p:cSld>
+  <p:clrMapOvr>
+    <a:masterClrMapping/>
+  </p:clrMapOvr>
+  <p:timing>
+    <p:tnLst>
+      <p:par>
+        <p:cTn dur="indefinite" nodeType="tmRoot" restart="never">
+          <p:childTnLst>
+            <p:seq concurrent="1" nextAc="seek">
+              <p:cTn dur="indefinite" id="2" nodeType="mainSeq">
+                <p:childTnLst>
+                  <p:par>
+                    <p:cTn fill="hold">
+                      <p:stCondLst>
+                        <p:cond delay="indefinite"/>
+                      </p:stCondLst>
+                      <p:childTnLst>
+                        <p:par>
+                          <p:cTn fill="hold">
+                            <p:stCondLst>
+                              <p:cond delay="0"/>
+                            </p:stCondLst>
+                            <p:childTnLst>
+                              <p:par>
+                                <p:cTn fill="hold" nodeType="clickEffect" presetClass="entr" presetID="10" presetSubtype="0">
+                                  <p:stCondLst>
+                                    <p:cond delay="0"/>
+                                  </p:stCondLst>
+                                  <p:childTnLst>
+                                    <p:set>
+                                      <p:cBhvr>
+                                        <p:cTn dur="1" fill="hold">
+                                          <p:stCondLst>
+                                            <p:cond delay="0"/>
+                                          </p:stCondLst>
+                                        </p:cTn>
+                                        <p:tgtEl>
+                                          <p:spTgt spid="269"/>
+                                        </p:tgtEl>
+                                        <p:attrNameLst>
+                                          <p:attrName>style.visibility</p:attrName>
+                                        </p:attrNameLst>
+                                      </p:cBhvr>
+                                      <p:to>
+                                        <p:strVal val="visible"/>
+                                      </p:to>
+                                    </p:set>
+                                    <p:animEffect filter="fade" transition="in">
+                                      <p:cBhvr>
+                                        <p:cTn dur="500"/>
+                                        <p:tgtEl>
+                                          <p:spTgt spid="269"/>
+                                        </p:tgtEl>
+                                      </p:cBhvr>
+                                    </p:animEffect>
+                                  </p:childTnLst>
+                                </p:cTn>
+                              </p:par>
+                            </p:childTnLst>
+                          </p:cTn>
+                        </p:par>
+                      </p:childTnLst>
+                    </p:cTn>
+                  </p:par>
+                  <p:par>
+                    <p:cTn fill="hold">
+                      <p:stCondLst>
+                        <p:cond delay="indefinite"/>
+                      </p:stCondLst>
+                      <p:childTnLst>
+                        <p:par>
+                          <p:cTn fill="hold">
+                            <p:stCondLst>
+                              <p:cond delay="0"/>
+                            </p:stCondLst>
+                            <p:childTnLst>
+                              <p:par>
+                                <p:cTn fill="hold" nodeType="clickEffect" presetClass="exit" presetID="10" presetSubtype="0">
+                                  <p:stCondLst>
+                                    <p:cond delay="0"/>
+                                  </p:stCondLst>
+                                  <p:childTnLst>
+                                    <p:animEffect filter="fade" transition="out">
+                                      <p:cBhvr>
+                                        <p:cTn dur="500"/>
+                                        <p:tgtEl>
+                                          <p:spTgt spid="269"/>
+                                        </p:tgtEl>
+                                      </p:cBhvr>
+                                    </p:animEffect>
+                                    <p:set>
+                                      <p:cBhvr>
+                                        <p:cTn dur="1" fill="hold">
+                                          <p:stCondLst>
+                                            <p:cond delay="500"/>
+                                          </p:stCondLst>
+                                        </p:cTn>
+                                        <p:tgtEl>
+                                          <p:spTgt spid="269"/>
+                                        </p:tgtEl>
+                                        <p:attrNameLst>
+                                          <p:attrName>style.visibility</p:attrName>
+                                        </p:attrNameLst>
+                                      </p:cBhvr>
+                                      <p:to>
+                                        <p:strVal val="hidden"/>
+                                      </p:to>
+                                    </p:set>
+                                  </p:childTnLst>
+                                </p:cTn>
+                              </p:par>
+                            </p:childTnLst>
+                          </p:cTn>
+                        </p:par>
+                      </p:childTnLst>
+                    </p:cTn>
+                  </p:par>
+                  <p:par>
+                    <p:cTn fill="hold">
+                      <p:stCondLst>
+                        <p:cond delay="indefinite"/>
+                      </p:stCondLst>
+                      <p:childTnLst>
+                        <p:par>
+                          <p:cTn fill="hold">
+                            <p:stCondLst>
+                              <p:cond delay="0"/>
+                            </p:stCondLst>
+                            <p:childTnLst>
+                              <p:par>
+                                <p:cTn fill="hold" nodeType="clickEffect" presetClass="entr" presetID="10" presetSubtype="0">
+                                  <p:stCondLst>
+                                    <p:cond delay="0"/>
+                                  </p:stCondLst>
+                                  <p:childTnLst>
+                                    <p:set>
+                                      <p:cBhvr>
+                                        <p:cTn dur="1" fill="hold">
+                                          <p:stCondLst>
+                                            <p:cond delay="0"/>
+                                          </p:stCondLst>
+                                        </p:cTn>
+                                        <p:tgtEl>
+                                          <p:spTgt spid="271"/>
+                                        </p:tgtEl>
+                                        <p:attrNameLst>
+                                          <p:attrName>style.visibility</p:attrName>
+                                        </p:attrNameLst>
+                                      </p:cBhvr>
+                                      <p:to>
+                                        <p:strVal val="visible"/>
+                                      </p:to>
+                                    </p:set>
+                                    <p:animEffect filter="fade" transition="in">
+                                      <p:cBhvr>
+                                        <p:cTn dur="500"/>
+                                        <p:tgtEl>
+                                          <p:spTgt spid="271"/>
+                                        </p:tgtEl>
+                                      </p:cBhvr>
+                                    </p:animEffect>
+                                  </p:childTnLst>
+                                </p:cTn>
+                              </p:par>
+                            </p:childTnLst>
+                          </p:cTn>
+                        </p:par>
+                      </p:childTnLst>
+                    </p:cTn>
+                  </p:par>
+                  <p:par>
+                    <p:cTn fill="hold">
+                      <p:stCondLst>
+                        <p:cond delay="indefinite"/>
+                      </p:stCondLst>
+                      <p:childTnLst>
+                        <p:par>
+                          <p:cTn fill="hold">
+                            <p:stCondLst>
+                              <p:cond delay="0"/>
+                            </p:stCondLst>
+                            <p:childTnLst>
+                              <p:par>
+                                <p:cTn fill="hold" nodeType="clickEffect" presetClass="exit" presetID="10" presetSubtype="0">
+                                  <p:stCondLst>
+                                    <p:cond delay="0"/>
+                                  </p:stCondLst>
+                                  <p:childTnLst>
+                                    <p:animEffect filter="fade" transition="out">
+                                      <p:cBhvr>
+                                        <p:cTn dur="500"/>
+                                        <p:tgtEl>
+                                          <p:spTgt spid="271"/>
+                                        </p:tgtEl>
+                                      </p:cBhvr>
+                                    </p:animEffect>
+                                    <p:set>
+                                      <p:cBhvr>
+                                        <p:cTn dur="1" fill="hold">
+                                          <p:stCondLst>
+                                            <p:cond delay="500"/>
+                                          </p:stCondLst>
+                                        </p:cTn>
+                                        <p:tgtEl>
+                                          <p:spTgt spid="271"/>
+                                        </p:tgtEl>
+                                        <p:attrNameLst>
+                                          <p:attrName>style.visibility</p:attrName>
+                                        </p:attrNameLst>
+                                      </p:cBhvr>
+                                      <p:to>
+                                        <p:strVal val="hidden"/>
+                                      </p:to>
+                                    </p:set>
+                                  </p:childTnLst>
+                                </p:cTn>
+                              </p:par>
+                            </p:childTnLst>
+                          </p:cTn>
+                        </p:par>
+                      </p:childTnLst>
+                    </p:cTn>
+                  </p:par>
+                  <p:par>
+                    <p:cTn fill="hold">
+                      <p:stCondLst>
+                        <p:cond delay="indefinite"/>
+                      </p:stCondLst>
+                      <p:childTnLst>
+                        <p:par>
+                          <p:cTn fill="hold">
+                            <p:stCondLst>
+                              <p:cond delay="0"/>
+                            </p:stCondLst>
+                            <p:childTnLst>
+                              <p:par>
+                                <p:cTn fill="hold" nodeType="clickEffect" presetClass="entr" presetID="10" presetSubtype="0">
+                                  <p:stCondLst>
+                                    <p:cond delay="0"/>
+                                  </p:stCondLst>
+                                  <p:childTnLst>
+                                    <p:set>
+                                      <p:cBhvr>
+                                        <p:cTn dur="1" fill="hold">
+                                          <p:stCondLst>
+                                            <p:cond delay="0"/>
+                                          </p:stCondLst>
+                                        </p:cTn>
+                                        <p:tgtEl>
+                                          <p:spTgt spid="270"/>
+                                        </p:tgtEl>
+                                        <p:attrNameLst>
+                                          <p:attrName>style.visibility</p:attrName>
+                                        </p:attrNameLst>
+                                      </p:cBhvr>
+                                      <p:to>
+                                        <p:strVal val="visible"/>
+                                      </p:to>
+                                    </p:set>
+                                    <p:animEffect filter="fade" transition="in">
+                                      <p:cBhvr>
+                                        <p:cTn dur="500"/>
+                                        <p:tgtEl>
+                                          <p:spTgt spid="270"/>
+                                        </p:tgtEl>
+                                      </p:cBhvr>
+                                    </p:animEffect>
+                                  </p:childTnLst>
+                                </p:cTn>
+                              </p:par>
+                            </p:childTnLst>
+                          </p:cTn>
+                        </p:par>
+                      </p:childTnLst>
+                    </p:cTn>
+                  </p:par>
+                </p:childTnLst>
+              </p:cTn>
+              <p:prevCondLst>
+                <p:cond evt="onPrev">
+                  <p:tgtEl>
+                    <p:sldTgt/>
+                  </p:tgtEl>
+                </p:cond>
+              </p:prevCondLst>
+              <p:nextCondLst>
+                <p:cond evt="onNext">
+                  <p:tgtEl>
+                    <p:sldTgt/>
+                  </p:tgtEl>
+                </p:cond>
+              </p:nextCondLst>
+            </p:seq>
+          </p:childTnLst>
+        </p:cTn>
+      </p:par>
+    </p:tnLst>
+  </p:timing>
+</p:sld>
+</file>
+
+<file path=ppt/slides/slide15.xml><?xml version="1.0" encoding="utf-8"?>
+<p:sld xmlns:a="http://schemas.openxmlformats.org/drawingml/2006/main" xmlns:r="http://schemas.openxmlformats.org/officeDocument/2006/relationships" xmlns:mc="http://schemas.openxmlformats.org/markup-compatibility/2006" xmlns:mv="urn:schemas-microsoft-com:mac:vml" xmlns:p="http://schemas.openxmlformats.org/presentationml/2006/main" xmlns:c="http://schemas.openxmlformats.org/drawingml/2006/chart" xmlns:dgm="http://schemas.openxmlformats.org/drawingml/2006/diagram" xmlns:o="urn:schemas-microsoft-com:office:office" xmlns:v="urn:schemas-microsoft-com:vml" xmlns:pvml="urn:schemas-microsoft-com:office:powerpoint" xmlns:com="http://schemas.openxmlformats.org/drawingml/2006/compatibility" xmlns:p14="http://schemas.microsoft.com/office/powerpoint/2010/main" xmlns:p15="http://schemas.microsoft.com/office/powerpoint/2012/main" xmlns:ahyp="http://schemas.microsoft.com/office/drawing/2018/hyperlinkcolor">
+  <p:cSld>
+    <p:spTree>
+      <p:nvGrpSpPr>
+        <p:cNvPr id="276" name="Shape 276"/>
+        <p:cNvGrpSpPr/>
+        <p:nvPr/>
+      </p:nvGrpSpPr>
+      <p:grpSpPr>
+        <a:xfrm>
+          <a:off x="0" y="0"/>
+          <a:ext cx="0" cy="0"/>
+          <a:chOff x="0" y="0"/>
+          <a:chExt cx="0" cy="0"/>
+        </a:xfrm>
+      </p:grpSpPr>
+      <p:sp>
+        <p:nvSpPr>
+          <p:cNvPr id="277" name="Google Shape;277;p27"/>
+          <p:cNvSpPr txBox="1"/>
+          <p:nvPr>
+            <p:ph idx="1" type="body"/>
+          </p:nvPr>
+        </p:nvSpPr>
+        <p:spPr>
+          <a:xfrm>
+            <a:off x="723325" y="1425175"/>
+            <a:ext cx="3605700" cy="3253500"/>
+          </a:xfrm>
+          <a:prstGeom prst="rect">
+            <a:avLst/>
+          </a:prstGeom>
+        </p:spPr>
+        <p:txBody>
+          <a:bodyPr anchorCtr="0" anchor="t" bIns="91425" lIns="91425" spcFirstLastPara="1" rIns="91425" wrap="square" tIns="91425">
+            <a:noAutofit/>
+          </a:bodyPr>
+          <a:lstStyle/>
+          <a:p>
+            <a:pPr indent="-311150" lvl="0" marL="457200" rtl="0" algn="l">
+              <a:lnSpc>
+                <a:spcPct val="115000"/>
+              </a:lnSpc>
+              <a:spcBef>
+                <a:spcPts val="0"/>
+              </a:spcBef>
+              <a:spcAft>
+                <a:spcPts val="0"/>
+              </a:spcAft>
+              <a:buClr>
+                <a:srgbClr val="FFFFFF"/>
+              </a:buClr>
+              <a:buSzPts val="1300"/>
+              <a:buChar char="●"/>
+            </a:pPr>
+            <a:r>
+              <a:rPr lang="en">
+                <a:solidFill>
+                  <a:srgbClr val="FFFFFF"/>
+                </a:solidFill>
+              </a:rPr>
+              <a:t>Here we take a homogeneous differential equation and solve it using various methods - Euler method, Runge Kutta order 2 and Runge Kutta order 4.</a:t>
+            </a:r>
+            <a:endParaRPr>
+              <a:solidFill>
+                <a:srgbClr val="FFFFFF"/>
+              </a:solidFill>
+            </a:endParaRPr>
+          </a:p>
+          <a:p>
+            <a:pPr indent="-311150" lvl="0" marL="457200" rtl="0" algn="l">
+              <a:lnSpc>
+                <a:spcPct val="115000"/>
+              </a:lnSpc>
+              <a:spcBef>
+                <a:spcPts val="0"/>
+              </a:spcBef>
+              <a:spcAft>
+                <a:spcPts val="0"/>
+              </a:spcAft>
+              <a:buClr>
+                <a:srgbClr val="FFFFFF"/>
+              </a:buClr>
+              <a:buSzPts val="1300"/>
+              <a:buChar char="●"/>
+            </a:pPr>
+            <a:r>
+              <a:rPr lang="en">
+                <a:solidFill>
+                  <a:srgbClr val="FFFFFF"/>
+                </a:solidFill>
+              </a:rPr>
+              <a:t>S</a:t>
+            </a:r>
+            <a:r>
+              <a:rPr lang="en">
+                <a:solidFill>
+                  <a:srgbClr val="FFFFFF"/>
+                </a:solidFill>
+              </a:rPr>
+              <a:t>tep size h=0.01 and total number of steps n= 100</a:t>
+            </a:r>
+            <a:endParaRPr>
+              <a:solidFill>
+                <a:srgbClr val="FFFFFF"/>
+              </a:solidFill>
+            </a:endParaRPr>
+          </a:p>
+          <a:p>
+            <a:pPr indent="-311150" lvl="0" marL="457200" rtl="0" algn="l">
+              <a:lnSpc>
+                <a:spcPct val="115000"/>
+              </a:lnSpc>
+              <a:spcBef>
+                <a:spcPts val="0"/>
+              </a:spcBef>
+              <a:spcAft>
+                <a:spcPts val="0"/>
+              </a:spcAft>
+              <a:buClr>
+                <a:srgbClr val="FFFFFF"/>
+              </a:buClr>
+              <a:buSzPts val="1300"/>
+              <a:buChar char="●"/>
+            </a:pPr>
+            <a:r>
+              <a:rPr lang="en">
+                <a:solidFill>
+                  <a:srgbClr val="FFFFFF"/>
+                </a:solidFill>
+              </a:rPr>
+              <a:t>Euler method has the maximum error while Runge-Kutta order 2 and Runge Kutta order 4 give relatively less error</a:t>
+            </a:r>
+            <a:endParaRPr>
+              <a:solidFill>
+                <a:srgbClr val="FFFFFF"/>
+              </a:solidFill>
+            </a:endParaRPr>
+          </a:p>
+        </p:txBody>
+      </p:sp>
+      <p:sp>
+        <p:nvSpPr>
+          <p:cNvPr id="278" name="Google Shape;278;p27"/>
+          <p:cNvSpPr txBox="1"/>
+          <p:nvPr/>
+        </p:nvSpPr>
+        <p:spPr>
+          <a:xfrm>
+            <a:off x="1118000" y="185275"/>
+            <a:ext cx="4357800" cy="1044900"/>
+          </a:xfrm>
+          <a:prstGeom prst="rect">
+            <a:avLst/>
+          </a:prstGeom>
+          <a:noFill/>
+          <a:ln>
+            <a:noFill/>
+          </a:ln>
+        </p:spPr>
+        <p:txBody>
+          <a:bodyPr anchorCtr="0" anchor="t" bIns="91425" lIns="91425" spcFirstLastPara="1" rIns="91425" wrap="square" tIns="91425">
+            <a:noAutofit/>
+          </a:bodyPr>
+          <a:lstStyle/>
+          <a:p>
+            <a:pPr indent="0" lvl="0" marL="0" rtl="0" algn="l">
+              <a:lnSpc>
+                <a:spcPct val="115000"/>
+              </a:lnSpc>
+              <a:spcBef>
+                <a:spcPts val="0"/>
+              </a:spcBef>
+              <a:spcAft>
+                <a:spcPts val="0"/>
+              </a:spcAft>
+              <a:buNone/>
+            </a:pPr>
+            <a:r>
+              <a:rPr b="1" lang="en" sz="1900">
+                <a:solidFill>
+                  <a:srgbClr val="FFFFFF"/>
+                </a:solidFill>
+                <a:latin typeface="Lora"/>
+                <a:ea typeface="Lora"/>
+                <a:cs typeface="Lora"/>
+                <a:sym typeface="Lora"/>
+              </a:rPr>
+              <a:t>Section 6:</a:t>
+            </a:r>
+            <a:r>
+              <a:rPr b="1" lang="en" sz="1600">
+                <a:solidFill>
+                  <a:srgbClr val="FFFFFF"/>
+                </a:solidFill>
+                <a:latin typeface="Lora"/>
+                <a:ea typeface="Lora"/>
+                <a:cs typeface="Lora"/>
+                <a:sym typeface="Lora"/>
+              </a:rPr>
+              <a:t> </a:t>
+            </a:r>
+            <a:r>
+              <a:rPr b="1" lang="en" sz="1900">
+                <a:solidFill>
+                  <a:schemeClr val="lt1"/>
+                </a:solidFill>
+                <a:latin typeface="Lora"/>
+                <a:ea typeface="Lora"/>
+                <a:cs typeface="Lora"/>
+                <a:sym typeface="Lora"/>
+              </a:rPr>
+              <a:t>Solution to Ordinary Differential Equations</a:t>
+            </a:r>
+            <a:endParaRPr b="1" sz="1900">
+              <a:solidFill>
+                <a:schemeClr val="lt1"/>
+              </a:solidFill>
+              <a:latin typeface="Lora"/>
+              <a:ea typeface="Lora"/>
+              <a:cs typeface="Lora"/>
+              <a:sym typeface="Lora"/>
+            </a:endParaRPr>
+          </a:p>
+          <a:p>
+            <a:pPr indent="0" lvl="0" marL="0" rtl="0" algn="l">
+              <a:lnSpc>
+                <a:spcPct val="115000"/>
+              </a:lnSpc>
+              <a:spcBef>
+                <a:spcPts val="0"/>
+              </a:spcBef>
+              <a:spcAft>
+                <a:spcPts val="0"/>
+              </a:spcAft>
+              <a:buNone/>
+            </a:pPr>
+            <a:r>
+              <a:rPr b="1" lang="en" sz="1600">
+                <a:solidFill>
+                  <a:srgbClr val="FFFFFF"/>
+                </a:solidFill>
+                <a:latin typeface="Lora"/>
+                <a:ea typeface="Lora"/>
+                <a:cs typeface="Lora"/>
+                <a:sym typeface="Lora"/>
+              </a:rPr>
+              <a:t>Part 1: </a:t>
+            </a:r>
+            <a:endParaRPr b="1" sz="1600">
+              <a:solidFill>
+                <a:srgbClr val="FFFFFF"/>
+              </a:solidFill>
+              <a:latin typeface="Lora"/>
+              <a:ea typeface="Lora"/>
+              <a:cs typeface="Lora"/>
+              <a:sym typeface="Lora"/>
+            </a:endParaRPr>
+          </a:p>
+        </p:txBody>
+      </p:sp>
+      <p:pic>
+        <p:nvPicPr>
+          <p:cNvPr id="279" name="Google Shape;279;p27"/>
+          <p:cNvPicPr preferRelativeResize="0"/>
+          <p:nvPr/>
+        </p:nvPicPr>
+        <p:blipFill rotWithShape="1">
+          <a:blip r:embed="rId3">
+            <a:alphaModFix/>
+          </a:blip>
+          <a:srcRect b="0" l="7000" r="6992" t="0"/>
+          <a:stretch/>
+        </p:blipFill>
+        <p:spPr>
+          <a:xfrm>
+            <a:off x="4913588" y="1350550"/>
+            <a:ext cx="3451225" cy="3328103"/>
+          </a:xfrm>
+          <a:prstGeom prst="rect">
+            <a:avLst/>
+          </a:prstGeom>
+          <a:noFill/>
+          <a:ln>
+            <a:noFill/>
+          </a:ln>
+        </p:spPr>
+      </p:pic>
+      <p:pic>
+        <p:nvPicPr>
+          <p:cNvPr id="280" name="Google Shape;280;p27"/>
+          <p:cNvPicPr preferRelativeResize="0"/>
+          <p:nvPr/>
+        </p:nvPicPr>
+        <p:blipFill rotWithShape="1">
+          <a:blip r:embed="rId4">
+            <a:alphaModFix/>
+          </a:blip>
+          <a:srcRect b="0" l="7805" r="7805" t="0"/>
+          <a:stretch/>
+        </p:blipFill>
+        <p:spPr>
+          <a:xfrm>
+            <a:off x="4913612" y="1350550"/>
+            <a:ext cx="3451221" cy="3328100"/>
+          </a:xfrm>
+          <a:prstGeom prst="rect">
+            <a:avLst/>
+          </a:prstGeom>
+          <a:noFill/>
+          <a:ln>
+            <a:noFill/>
+          </a:ln>
+        </p:spPr>
+      </p:pic>
+      <p:pic>
+        <p:nvPicPr>
+          <p:cNvPr id="281" name="Google Shape;281;p27"/>
+          <p:cNvPicPr preferRelativeResize="0"/>
+          <p:nvPr/>
+        </p:nvPicPr>
+        <p:blipFill>
+          <a:blip r:embed="rId5">
+            <a:alphaModFix/>
+          </a:blip>
+          <a:stretch>
+            <a:fillRect/>
+          </a:stretch>
+        </p:blipFill>
+        <p:spPr>
+          <a:xfrm>
+            <a:off x="5494237" y="555100"/>
+            <a:ext cx="2289951" cy="675075"/>
+          </a:xfrm>
+          <a:prstGeom prst="rect">
+            <a:avLst/>
+          </a:prstGeom>
+          <a:noFill/>
+          <a:ln>
+            <a:noFill/>
+          </a:ln>
+        </p:spPr>
+      </p:pic>
+    </p:spTree>
+  </p:cSld>
+  <p:clrMapOvr>
+    <a:masterClrMapping/>
+  </p:clrMapOvr>
+  <p:timing>
+    <p:tnLst>
+      <p:par>
+        <p:cTn dur="indefinite" nodeType="tmRoot" restart="never">
+          <p:childTnLst>
+            <p:seq concurrent="1" nextAc="seek">
+              <p:cTn dur="indefinite" id="2" nodeType="mainSeq">
+                <p:childTnLst>
+                  <p:par>
+                    <p:cTn fill="hold">
+                      <p:stCondLst>
+                        <p:cond delay="indefinite"/>
+                      </p:stCondLst>
+                      <p:childTnLst>
+                        <p:par>
+                          <p:cTn fill="hold">
+                            <p:stCondLst>
+                              <p:cond delay="0"/>
+                            </p:stCondLst>
+                            <p:childTnLst>
+                              <p:par>
+                                <p:cTn fill="hold" nodeType="clickEffect" presetClass="entr" presetID="10" presetSubtype="0">
+                                  <p:stCondLst>
+                                    <p:cond delay="0"/>
+                                  </p:stCondLst>
+                                  <p:childTnLst>
+                                    <p:set>
+                                      <p:cBhvr>
+                                        <p:cTn dur="1" fill="hold">
+                                          <p:stCondLst>
+                                            <p:cond delay="0"/>
+                                          </p:stCondLst>
+                                        </p:cTn>
+                                        <p:tgtEl>
+                                          <p:spTgt spid="279"/>
+                                        </p:tgtEl>
+                                        <p:attrNameLst>
+                                          <p:attrName>style.visibility</p:attrName>
+                                        </p:attrNameLst>
+                                      </p:cBhvr>
+                                      <p:to>
+                                        <p:strVal val="visible"/>
+                                      </p:to>
+                                    </p:set>
+                                    <p:animEffect filter="fade" transition="in">
+                                      <p:cBhvr>
+                                        <p:cTn dur="500"/>
+                                        <p:tgtEl>
+                                          <p:spTgt spid="279"/>
+                                        </p:tgtEl>
+                                      </p:cBhvr>
+                                    </p:animEffect>
+                                  </p:childTnLst>
+                                </p:cTn>
+                              </p:par>
+                            </p:childTnLst>
+                          </p:cTn>
+                        </p:par>
+                      </p:childTnLst>
+                    </p:cTn>
+                  </p:par>
+                  <p:par>
+                    <p:cTn fill="hold">
+                      <p:stCondLst>
+                        <p:cond delay="indefinite"/>
+                      </p:stCondLst>
+                      <p:childTnLst>
+                        <p:par>
+                          <p:cTn fill="hold">
+                            <p:stCondLst>
+                              <p:cond delay="0"/>
+                            </p:stCondLst>
+                            <p:childTnLst>
+                              <p:par>
+                                <p:cTn fill="hold" nodeType="clickEffect" presetClass="exit" presetID="10" presetSubtype="0">
+                                  <p:stCondLst>
+                                    <p:cond delay="0"/>
+                                  </p:stCondLst>
+                                  <p:childTnLst>
+                                    <p:animEffect filter="fade" transition="out">
+                                      <p:cBhvr>
+                                        <p:cTn dur="500"/>
+                                        <p:tgtEl>
+                                          <p:spTgt spid="279"/>
+                                        </p:tgtEl>
+                                      </p:cBhvr>
+                                    </p:animEffect>
+                                    <p:set>
+                                      <p:cBhvr>
+                                        <p:cTn dur="1" fill="hold">
+                                          <p:stCondLst>
+                                            <p:cond delay="500"/>
+                                          </p:stCondLst>
+                                        </p:cTn>
+                                        <p:tgtEl>
+                                          <p:spTgt spid="279"/>
+                                        </p:tgtEl>
+                                        <p:attrNameLst>
+                                          <p:attrName>style.visibility</p:attrName>
+                                        </p:attrNameLst>
+                                      </p:cBhvr>
+                                      <p:to>
+                                        <p:strVal val="hidden"/>
+                                      </p:to>
+                                    </p:set>
+                                  </p:childTnLst>
+                                </p:cTn>
+                              </p:par>
+                            </p:childTnLst>
+                          </p:cTn>
+                        </p:par>
+                      </p:childTnLst>
+                    </p:cTn>
+                  </p:par>
+                  <p:par>
+                    <p:cTn fill="hold">
+                      <p:stCondLst>
+                        <p:cond delay="indefinite"/>
+                      </p:stCondLst>
+                      <p:childTnLst>
+                        <p:par>
+                          <p:cTn fill="hold">
+                            <p:stCondLst>
+                              <p:cond delay="0"/>
+                            </p:stCondLst>
+                            <p:childTnLst>
+                              <p:par>
+                                <p:cTn fill="hold" nodeType="clickEffect" presetClass="entr" presetID="10" presetSubtype="0">
+                                  <p:stCondLst>
+                                    <p:cond delay="0"/>
+                                  </p:stCondLst>
+                                  <p:childTnLst>
+                                    <p:set>
+                                      <p:cBhvr>
+                                        <p:cTn dur="1" fill="hold">
+                                          <p:stCondLst>
+                                            <p:cond delay="0"/>
+                                          </p:stCondLst>
+                                        </p:cTn>
+                                        <p:tgtEl>
+                                          <p:spTgt spid="280"/>
+                                        </p:tgtEl>
+                                        <p:attrNameLst>
+                                          <p:attrName>style.visibility</p:attrName>
+                                        </p:attrNameLst>
+                                      </p:cBhvr>
+                                      <p:to>
+                                        <p:strVal val="visible"/>
+                                      </p:to>
+                                    </p:set>
+                                    <p:animEffect filter="fade" transition="in">
+                                      <p:cBhvr>
+                                        <p:cTn dur="500"/>
+                                        <p:tgtEl>
+                                          <p:spTgt spid="280"/>
+                                        </p:tgtEl>
+                                      </p:cBhvr>
+                                    </p:animEffect>
+                                  </p:childTnLst>
+                                </p:cTn>
+                              </p:par>
+                            </p:childTnLst>
+                          </p:cTn>
+                        </p:par>
+                      </p:childTnLst>
+                    </p:cTn>
+                  </p:par>
+                  <p:par>
+                    <p:cTn fill="hold">
+                      <p:stCondLst>
+                        <p:cond delay="indefinite"/>
+                      </p:stCondLst>
+                      <p:childTnLst>
+                        <p:par>
+                          <p:cTn fill="hold">
+                            <p:stCondLst>
+                              <p:cond delay="0"/>
+                            </p:stCondLst>
+                            <p:childTnLst>
+                              <p:par>
+                                <p:cTn fill="hold" nodeType="clickEffect" presetClass="exit" presetID="10" presetSubtype="0">
+                                  <p:stCondLst>
+                                    <p:cond delay="0"/>
+                                  </p:stCondLst>
+                                  <p:childTnLst>
+                                    <p:animEffect filter="fade" transition="out">
+                                      <p:cBhvr>
+                                        <p:cTn dur="500"/>
+                                        <p:tgtEl>
+                                          <p:spTgt spid="280"/>
+                                        </p:tgtEl>
+                                      </p:cBhvr>
+                                    </p:animEffect>
+                                    <p:set>
+                                      <p:cBhvr>
+                                        <p:cTn dur="1" fill="hold">
+                                          <p:stCondLst>
+                                            <p:cond delay="500"/>
+                                          </p:stCondLst>
+                                        </p:cTn>
+                                        <p:tgtEl>
+                                          <p:spTgt spid="280"/>
+                                        </p:tgtEl>
+                                        <p:attrNameLst>
+                                          <p:attrName>style.visibility</p:attrName>
+                                        </p:attrNameLst>
+                                      </p:cBhvr>
+                                      <p:to>
+                                        <p:strVal val="hidden"/>
+                                      </p:to>
+                                    </p:set>
+                                  </p:childTnLst>
+                                </p:cTn>
+                              </p:par>
+                            </p:childTnLst>
+                          </p:cTn>
+                        </p:par>
+                      </p:childTnLst>
+                    </p:cTn>
+                  </p:par>
+                </p:childTnLst>
+              </p:cTn>
+              <p:prevCondLst>
+                <p:cond evt="onPrev">
+                  <p:tgtEl>
+                    <p:sldTgt/>
+                  </p:tgtEl>
+                </p:cond>
+              </p:prevCondLst>
+              <p:nextCondLst>
+                <p:cond evt="onNext">
+                  <p:tgtEl>
+                    <p:sldTgt/>
+                  </p:tgtEl>
+                </p:cond>
+              </p:nextCondLst>
+            </p:seq>
+          </p:childTnLst>
+        </p:cTn>
+      </p:par>
+    </p:tnLst>
+  </p:timing>
+</p:sld>
+</file>
+
+<file path=ppt/slides/slide16.xml><?xml version="1.0" encoding="utf-8"?>
+<p:sld xmlns:a="http://schemas.openxmlformats.org/drawingml/2006/main" xmlns:r="http://schemas.openxmlformats.org/officeDocument/2006/relationships" xmlns:mc="http://schemas.openxmlformats.org/markup-compatibility/2006" xmlns:mv="urn:schemas-microsoft-com:mac:vml" xmlns:p="http://schemas.openxmlformats.org/presentationml/2006/main" xmlns:c="http://schemas.openxmlformats.org/drawingml/2006/chart" xmlns:dgm="http://schemas.openxmlformats.org/drawingml/2006/diagram" xmlns:o="urn:schemas-microsoft-com:office:office" xmlns:v="urn:schemas-microsoft-com:vml" xmlns:pvml="urn:schemas-microsoft-com:office:powerpoint" xmlns:com="http://schemas.openxmlformats.org/drawingml/2006/compatibility" xmlns:p14="http://schemas.microsoft.com/office/powerpoint/2010/main" xmlns:p15="http://schemas.microsoft.com/office/powerpoint/2012/main" xmlns:ahyp="http://schemas.microsoft.com/office/drawing/2018/hyperlinkcolor">
+  <p:cSld>
+    <p:spTree>
+      <p:nvGrpSpPr>
+        <p:cNvPr id="285" name="Shape 285"/>
+        <p:cNvGrpSpPr/>
+        <p:nvPr/>
+      </p:nvGrpSpPr>
+      <p:grpSpPr>
+        <a:xfrm>
+          <a:off x="0" y="0"/>
+          <a:ext cx="0" cy="0"/>
+          <a:chOff x="0" y="0"/>
+          <a:chExt cx="0" cy="0"/>
+        </a:xfrm>
+      </p:grpSpPr>
+      <p:sp>
+        <p:nvSpPr>
+          <p:cNvPr id="286" name="Google Shape;286;p28"/>
+          <p:cNvSpPr txBox="1"/>
+          <p:nvPr>
+            <p:ph idx="1" type="body"/>
+          </p:nvPr>
+        </p:nvSpPr>
+        <p:spPr>
+          <a:xfrm>
+            <a:off x="4822025" y="1178725"/>
+            <a:ext cx="4007700" cy="3621900"/>
+          </a:xfrm>
+          <a:prstGeom prst="rect">
+            <a:avLst/>
+          </a:prstGeom>
+        </p:spPr>
+        <p:txBody>
+          <a:bodyPr anchorCtr="0" anchor="t" bIns="91425" lIns="91425" spcFirstLastPara="1" rIns="91425" wrap="square" tIns="91425">
+            <a:noAutofit/>
+          </a:bodyPr>
+          <a:lstStyle/>
+          <a:p>
+            <a:pPr indent="0" lvl="0" marL="0" rtl="0" algn="l">
+              <a:lnSpc>
+                <a:spcPct val="100000"/>
+              </a:lnSpc>
+              <a:spcBef>
+                <a:spcPts val="0"/>
+              </a:spcBef>
+              <a:spcAft>
+                <a:spcPts val="0"/>
+              </a:spcAft>
+              <a:buNone/>
+            </a:pPr>
+            <a:r>
+              <a:rPr lang="en"/>
+              <a:t>We used the differential equation of a unit circle with different initial values to retrieve the circle.</a:t>
+            </a:r>
+            <a:endParaRPr/>
+          </a:p>
+          <a:p>
+            <a:pPr indent="0" lvl="0" marL="0" rtl="0" algn="l">
+              <a:lnSpc>
+                <a:spcPct val="100000"/>
+              </a:lnSpc>
+              <a:spcBef>
+                <a:spcPts val="0"/>
+              </a:spcBef>
+              <a:spcAft>
+                <a:spcPts val="0"/>
+              </a:spcAft>
+              <a:buNone/>
+            </a:pPr>
+            <a:r>
+              <a:t/>
+            </a:r>
+            <a:endParaRPr/>
+          </a:p>
+          <a:p>
+            <a:pPr indent="0" lvl="0" marL="0" rtl="0" algn="l">
+              <a:lnSpc>
+                <a:spcPct val="100000"/>
+              </a:lnSpc>
+              <a:spcBef>
+                <a:spcPts val="0"/>
+              </a:spcBef>
+              <a:spcAft>
+                <a:spcPts val="0"/>
+              </a:spcAft>
+              <a:buNone/>
+            </a:pPr>
+            <a:r>
+              <a:rPr b="1" lang="en"/>
+              <a:t>Solution: </a:t>
+            </a:r>
+            <a:r>
+              <a:rPr lang="en"/>
+              <a:t>3 methods were used to evaluate the integral.</a:t>
+            </a:r>
+            <a:endParaRPr/>
+          </a:p>
+          <a:p>
+            <a:pPr indent="-311150" lvl="0" marL="457200" rtl="0" algn="l">
+              <a:spcBef>
+                <a:spcPts val="0"/>
+              </a:spcBef>
+              <a:spcAft>
+                <a:spcPts val="0"/>
+              </a:spcAft>
+              <a:buSzPts val="1300"/>
+              <a:buChar char="●"/>
+            </a:pPr>
+            <a:r>
+              <a:rPr lang="en"/>
+              <a:t>x</a:t>
+            </a:r>
+            <a:r>
+              <a:rPr baseline="-25000" lang="en"/>
+              <a:t>0</a:t>
+            </a:r>
+            <a:r>
+              <a:rPr lang="en"/>
+              <a:t> = 0 and </a:t>
+            </a:r>
+            <a:r>
+              <a:rPr lang="en"/>
+              <a:t>y</a:t>
+            </a:r>
+            <a:r>
+              <a:rPr baseline="-25000" lang="en"/>
+              <a:t>0</a:t>
+            </a:r>
+            <a:r>
+              <a:rPr lang="en"/>
+              <a:t>=1 for the first quadrant </a:t>
+            </a:r>
+            <a:endParaRPr/>
+          </a:p>
+          <a:p>
+            <a:pPr indent="-311150" lvl="0" marL="457200" rtl="0" algn="l">
+              <a:lnSpc>
+                <a:spcPct val="100000"/>
+              </a:lnSpc>
+              <a:spcBef>
+                <a:spcPts val="0"/>
+              </a:spcBef>
+              <a:spcAft>
+                <a:spcPts val="0"/>
+              </a:spcAft>
+              <a:buSzPts val="1300"/>
+              <a:buChar char="●"/>
+            </a:pPr>
+            <a:r>
+              <a:rPr lang="en"/>
+              <a:t>x</a:t>
+            </a:r>
+            <a:r>
+              <a:rPr baseline="-25000" lang="en"/>
+              <a:t>0</a:t>
+            </a:r>
+            <a:r>
+              <a:rPr lang="en"/>
+              <a:t> = 0 and </a:t>
+            </a:r>
+            <a:r>
+              <a:rPr lang="en"/>
+              <a:t>y</a:t>
+            </a:r>
+            <a:r>
+              <a:rPr baseline="-25000" lang="en"/>
+              <a:t>0</a:t>
+            </a:r>
+            <a:r>
+              <a:rPr lang="en"/>
+              <a:t>=-1 for the second quadrant </a:t>
+            </a:r>
+            <a:endParaRPr/>
+          </a:p>
+          <a:p>
+            <a:pPr indent="-311150" lvl="0" marL="457200" rtl="0" algn="l">
+              <a:lnSpc>
+                <a:spcPct val="100000"/>
+              </a:lnSpc>
+              <a:spcBef>
+                <a:spcPts val="0"/>
+              </a:spcBef>
+              <a:spcAft>
+                <a:spcPts val="0"/>
+              </a:spcAft>
+              <a:buSzPts val="1300"/>
+              <a:buChar char="●"/>
+            </a:pPr>
+            <a:r>
+              <a:rPr lang="en"/>
+              <a:t>x</a:t>
+            </a:r>
+            <a:r>
+              <a:rPr baseline="-25000" lang="en"/>
+              <a:t>0</a:t>
+            </a:r>
+            <a:r>
+              <a:rPr lang="en"/>
+              <a:t> = -0.99 and y</a:t>
+            </a:r>
+            <a:r>
+              <a:rPr baseline="-25000" lang="en"/>
+              <a:t>0</a:t>
+            </a:r>
+            <a:r>
+              <a:rPr lang="en"/>
+              <a:t>=(1 - x</a:t>
+            </a:r>
+            <a:r>
+              <a:rPr baseline="-25000" lang="en"/>
+              <a:t>0</a:t>
+            </a:r>
+            <a:r>
+              <a:rPr baseline="30000" lang="en"/>
+              <a:t>2</a:t>
+            </a:r>
+            <a:r>
+              <a:rPr lang="en"/>
+              <a:t> )</a:t>
+            </a:r>
+            <a:r>
+              <a:rPr baseline="30000" lang="en"/>
+              <a:t>½</a:t>
+            </a:r>
+            <a:r>
+              <a:rPr lang="en"/>
+              <a:t>  for the third quadrant </a:t>
+            </a:r>
+            <a:endParaRPr/>
+          </a:p>
+          <a:p>
+            <a:pPr indent="-311150" lvl="0" marL="457200" rtl="0" algn="l">
+              <a:lnSpc>
+                <a:spcPct val="100000"/>
+              </a:lnSpc>
+              <a:spcBef>
+                <a:spcPts val="0"/>
+              </a:spcBef>
+              <a:spcAft>
+                <a:spcPts val="0"/>
+              </a:spcAft>
+              <a:buSzPts val="1300"/>
+              <a:buChar char="●"/>
+            </a:pPr>
+            <a:r>
+              <a:rPr lang="en"/>
+              <a:t>x</a:t>
+            </a:r>
+            <a:r>
+              <a:rPr baseline="-25000" lang="en"/>
+              <a:t>0</a:t>
+            </a:r>
+            <a:r>
+              <a:rPr lang="en"/>
+              <a:t> = -0.99 and </a:t>
+            </a:r>
+            <a:r>
+              <a:rPr lang="en"/>
+              <a:t>y</a:t>
+            </a:r>
+            <a:r>
+              <a:rPr baseline="-25000" lang="en"/>
+              <a:t>0</a:t>
+            </a:r>
+            <a:r>
+              <a:rPr lang="en"/>
+              <a:t>=(1 - x</a:t>
+            </a:r>
+            <a:r>
+              <a:rPr baseline="-25000" lang="en"/>
+              <a:t>0</a:t>
+            </a:r>
+            <a:r>
+              <a:rPr baseline="30000" lang="en"/>
+              <a:t>2</a:t>
+            </a:r>
+            <a:r>
+              <a:rPr lang="en"/>
+              <a:t> )</a:t>
+            </a:r>
+            <a:r>
+              <a:rPr baseline="30000" lang="en"/>
+              <a:t>½  </a:t>
+            </a:r>
+            <a:r>
+              <a:rPr lang="en"/>
+              <a:t>for the fourth quadrant </a:t>
+            </a:r>
+            <a:endParaRPr/>
+          </a:p>
+          <a:p>
+            <a:pPr indent="0" lvl="0" marL="457200" rtl="0" algn="l">
+              <a:lnSpc>
+                <a:spcPct val="100000"/>
+              </a:lnSpc>
+              <a:spcBef>
+                <a:spcPts val="0"/>
+              </a:spcBef>
+              <a:spcAft>
+                <a:spcPts val="0"/>
+              </a:spcAft>
+              <a:buNone/>
+            </a:pPr>
+            <a:r>
+              <a:t/>
+            </a:r>
+            <a:endParaRPr/>
+          </a:p>
+          <a:p>
+            <a:pPr indent="0" lvl="0" marL="0" rtl="0" algn="l">
+              <a:spcBef>
+                <a:spcPts val="0"/>
+              </a:spcBef>
+              <a:spcAft>
+                <a:spcPts val="1600"/>
+              </a:spcAft>
+              <a:buNone/>
+            </a:pPr>
+            <a:r>
+              <a:rPr b="1" lang="en"/>
+              <a:t>Conclusion: </a:t>
+            </a:r>
+            <a:r>
+              <a:rPr lang="en"/>
+              <a:t>All the methods converged to form a unit circle centered at zero. Euler method gave the highest error for both the cases x&gt;0 and x&lt;0. Runge Kutta fourth order gave the best results.</a:t>
+            </a:r>
+            <a:endParaRPr/>
+          </a:p>
+        </p:txBody>
+      </p:sp>
+      <p:sp>
+        <p:nvSpPr>
+          <p:cNvPr id="287" name="Google Shape;287;p28"/>
+          <p:cNvSpPr txBox="1"/>
+          <p:nvPr/>
+        </p:nvSpPr>
+        <p:spPr>
+          <a:xfrm>
+            <a:off x="0" y="203600"/>
+            <a:ext cx="9012000" cy="750000"/>
+          </a:xfrm>
+          <a:prstGeom prst="rect">
+            <a:avLst/>
+          </a:prstGeom>
+          <a:noFill/>
+          <a:ln>
+            <a:noFill/>
+          </a:ln>
+        </p:spPr>
+        <p:txBody>
+          <a:bodyPr anchorCtr="0" anchor="t" bIns="91425" lIns="91425" spcFirstLastPara="1" rIns="91425" wrap="square" tIns="91425">
+            <a:noAutofit/>
+          </a:bodyPr>
+          <a:lstStyle/>
+          <a:p>
+            <a:pPr indent="0" lvl="0" marL="0" rtl="0" algn="ctr">
+              <a:spcBef>
+                <a:spcPts val="0"/>
+              </a:spcBef>
+              <a:spcAft>
+                <a:spcPts val="0"/>
+              </a:spcAft>
+              <a:buNone/>
+            </a:pPr>
+            <a:r>
+              <a:rPr b="1" lang="en" sz="2000">
+                <a:solidFill>
+                  <a:schemeClr val="lt1"/>
+                </a:solidFill>
+                <a:latin typeface="Lora"/>
+                <a:ea typeface="Lora"/>
+                <a:cs typeface="Lora"/>
+                <a:sym typeface="Lora"/>
+              </a:rPr>
+              <a:t>Section 6: Solution to Ordinary Differential Equations</a:t>
+            </a:r>
+            <a:endParaRPr b="1" sz="2000">
+              <a:solidFill>
+                <a:schemeClr val="lt1"/>
+              </a:solidFill>
+              <a:latin typeface="Lora"/>
+              <a:ea typeface="Lora"/>
+              <a:cs typeface="Lora"/>
+              <a:sym typeface="Lora"/>
+            </a:endParaRPr>
+          </a:p>
+          <a:p>
+            <a:pPr indent="0" lvl="0" marL="0" rtl="0" algn="ctr">
+              <a:spcBef>
+                <a:spcPts val="0"/>
+              </a:spcBef>
+              <a:spcAft>
+                <a:spcPts val="0"/>
+              </a:spcAft>
+              <a:buNone/>
+            </a:pPr>
+            <a:r>
+              <a:rPr b="1" lang="en" sz="1800">
+                <a:solidFill>
+                  <a:schemeClr val="lt1"/>
+                </a:solidFill>
+                <a:latin typeface="Lora"/>
+                <a:ea typeface="Lora"/>
+                <a:cs typeface="Lora"/>
+                <a:sym typeface="Lora"/>
+              </a:rPr>
+              <a:t>Part 2: Equation of unit circle</a:t>
+            </a:r>
+            <a:endParaRPr b="1" sz="1800">
+              <a:solidFill>
+                <a:schemeClr val="lt1"/>
+              </a:solidFill>
+              <a:latin typeface="Lora"/>
+              <a:ea typeface="Lora"/>
+              <a:cs typeface="Lora"/>
+              <a:sym typeface="Lora"/>
+            </a:endParaRPr>
+          </a:p>
+          <a:p>
+            <a:pPr indent="0" lvl="0" marL="0" rtl="0" algn="ctr">
+              <a:spcBef>
+                <a:spcPts val="0"/>
+              </a:spcBef>
+              <a:spcAft>
+                <a:spcPts val="0"/>
+              </a:spcAft>
+              <a:buNone/>
+            </a:pPr>
+            <a:r>
+              <a:t/>
+            </a:r>
+            <a:endParaRPr b="1" sz="2400">
+              <a:solidFill>
+                <a:schemeClr val="lt1"/>
+              </a:solidFill>
+              <a:latin typeface="Lora"/>
+              <a:ea typeface="Lora"/>
+              <a:cs typeface="Lora"/>
+              <a:sym typeface="Lora"/>
+            </a:endParaRPr>
+          </a:p>
+        </p:txBody>
+      </p:sp>
+      <p:pic>
+        <p:nvPicPr>
+          <p:cNvPr id="288" name="Google Shape;288;p28"/>
+          <p:cNvPicPr preferRelativeResize="0"/>
+          <p:nvPr/>
+        </p:nvPicPr>
+        <p:blipFill rotWithShape="1">
+          <a:blip r:embed="rId3">
+            <a:alphaModFix/>
+          </a:blip>
+          <a:srcRect b="0" l="3335" r="7243" t="0"/>
+          <a:stretch/>
+        </p:blipFill>
+        <p:spPr>
+          <a:xfrm>
+            <a:off x="1323975" y="1880100"/>
+            <a:ext cx="3190875" cy="2676525"/>
+          </a:xfrm>
+          <a:prstGeom prst="rect">
+            <a:avLst/>
+          </a:prstGeom>
+          <a:noFill/>
+          <a:ln>
+            <a:noFill/>
+          </a:ln>
+        </p:spPr>
+      </p:pic>
+      <p:pic>
+        <p:nvPicPr>
+          <p:cNvPr id="289" name="Google Shape;289;p28"/>
+          <p:cNvPicPr preferRelativeResize="0"/>
+          <p:nvPr/>
+        </p:nvPicPr>
+        <p:blipFill rotWithShape="1">
+          <a:blip r:embed="rId4">
+            <a:alphaModFix/>
+          </a:blip>
+          <a:srcRect b="970" l="2889" r="6522" t="0"/>
+          <a:stretch/>
+        </p:blipFill>
+        <p:spPr>
+          <a:xfrm>
+            <a:off x="1323975" y="1880100"/>
+            <a:ext cx="3190875" cy="2617446"/>
+          </a:xfrm>
+          <a:prstGeom prst="rect">
+            <a:avLst/>
+          </a:prstGeom>
+          <a:noFill/>
+          <a:ln>
+            <a:noFill/>
+          </a:ln>
+        </p:spPr>
+      </p:pic>
+      <p:pic>
+        <p:nvPicPr>
+          <p:cNvPr id="290" name="Google Shape;290;p28"/>
+          <p:cNvPicPr preferRelativeResize="0"/>
+          <p:nvPr/>
+        </p:nvPicPr>
+        <p:blipFill>
+          <a:blip r:embed="rId5">
+            <a:alphaModFix/>
+          </a:blip>
+          <a:stretch>
+            <a:fillRect/>
+          </a:stretch>
+        </p:blipFill>
+        <p:spPr>
+          <a:xfrm>
+            <a:off x="1914525" y="1178725"/>
+            <a:ext cx="2009775" cy="447675"/>
+          </a:xfrm>
+          <a:prstGeom prst="rect">
+            <a:avLst/>
+          </a:prstGeom>
+          <a:noFill/>
+          <a:ln>
+            <a:noFill/>
+          </a:ln>
+        </p:spPr>
+      </p:pic>
+    </p:spTree>
+  </p:cSld>
+  <p:clrMapOvr>
+    <a:masterClrMapping/>
+  </p:clrMapOvr>
+  <p:timing>
+    <p:tnLst>
+      <p:par>
+        <p:cTn dur="indefinite" nodeType="tmRoot" restart="never">
+          <p:childTnLst>
+            <p:seq concurrent="1" nextAc="seek">
+              <p:cTn dur="indefinite" id="2" nodeType="mainSeq">
+                <p:childTnLst>
+                  <p:par>
+                    <p:cTn fill="hold">
+                      <p:stCondLst>
+                        <p:cond delay="indefinite"/>
+                      </p:stCondLst>
+                      <p:childTnLst>
+                        <p:par>
+                          <p:cTn fill="hold">
+                            <p:stCondLst>
+                              <p:cond delay="0"/>
+                            </p:stCondLst>
+                            <p:childTnLst>
+                              <p:par>
+                                <p:cTn fill="hold" nodeType="clickEffect" presetClass="entr" presetID="10" presetSubtype="0">
+                                  <p:stCondLst>
+                                    <p:cond delay="0"/>
+                                  </p:stCondLst>
+                                  <p:childTnLst>
+                                    <p:set>
+                                      <p:cBhvr>
+                                        <p:cTn dur="1" fill="hold">
+                                          <p:stCondLst>
+                                            <p:cond delay="0"/>
+                                          </p:stCondLst>
+                                        </p:cTn>
+                                        <p:tgtEl>
+                                          <p:spTgt spid="288"/>
+                                        </p:tgtEl>
+                                        <p:attrNameLst>
+                                          <p:attrName>style.visibility</p:attrName>
+                                        </p:attrNameLst>
+                                      </p:cBhvr>
+                                      <p:to>
+                                        <p:strVal val="visible"/>
+                                      </p:to>
+                                    </p:set>
+                                    <p:animEffect filter="fade" transition="in">
+                                      <p:cBhvr>
+                                        <p:cTn dur="300"/>
+                                        <p:tgtEl>
+                                          <p:spTgt spid="288"/>
+                                        </p:tgtEl>
+                                      </p:cBhvr>
+                                    </p:animEffect>
+                                  </p:childTnLst>
+                                </p:cTn>
+                              </p:par>
+                            </p:childTnLst>
+                          </p:cTn>
+                        </p:par>
+                      </p:childTnLst>
+                    </p:cTn>
+                  </p:par>
+                  <p:par>
+                    <p:cTn fill="hold">
+                      <p:stCondLst>
+                        <p:cond delay="indefinite"/>
+                      </p:stCondLst>
+                      <p:childTnLst>
+                        <p:par>
+                          <p:cTn fill="hold">
+                            <p:stCondLst>
+                              <p:cond delay="0"/>
+                            </p:stCondLst>
+                            <p:childTnLst>
+                              <p:par>
+                                <p:cTn fill="hold" nodeType="clickEffect" presetClass="exit" presetID="10" presetSubtype="0">
+                                  <p:stCondLst>
+                                    <p:cond delay="0"/>
+                                  </p:stCondLst>
+                                  <p:childTnLst>
+                                    <p:animEffect filter="fade" transition="out">
+                                      <p:cBhvr>
+                                        <p:cTn dur="300"/>
+                                        <p:tgtEl>
+                                          <p:spTgt spid="288"/>
+                                        </p:tgtEl>
+                                      </p:cBhvr>
+                                    </p:animEffect>
+                                    <p:set>
+                                      <p:cBhvr>
+                                        <p:cTn dur="1" fill="hold">
+                                          <p:stCondLst>
+                                            <p:cond delay="300"/>
+                                          </p:stCondLst>
+                                        </p:cTn>
+                                        <p:tgtEl>
+                                          <p:spTgt spid="288"/>
+                                        </p:tgtEl>
+                                        <p:attrNameLst>
+                                          <p:attrName>style.visibility</p:attrName>
+                                        </p:attrNameLst>
+                                      </p:cBhvr>
+                                      <p:to>
+                                        <p:strVal val="hidden"/>
+                                      </p:to>
+                                    </p:set>
+                                  </p:childTnLst>
+                                </p:cTn>
+                              </p:par>
+                            </p:childTnLst>
+                          </p:cTn>
+                        </p:par>
+                      </p:childTnLst>
+                    </p:cTn>
+                  </p:par>
+                  <p:par>
+                    <p:cTn fill="hold">
+                      <p:stCondLst>
+                        <p:cond delay="indefinite"/>
+                      </p:stCondLst>
+                      <p:childTnLst>
+                        <p:par>
+                          <p:cTn fill="hold">
+                            <p:stCondLst>
+                              <p:cond delay="0"/>
+                            </p:stCondLst>
+                            <p:childTnLst>
+                              <p:par>
+                                <p:cTn fill="hold" nodeType="clickEffect" presetClass="entr" presetID="10" presetSubtype="0">
+                                  <p:stCondLst>
+                                    <p:cond delay="0"/>
+                                  </p:stCondLst>
+                                  <p:childTnLst>
+                                    <p:set>
+                                      <p:cBhvr>
+                                        <p:cTn dur="1" fill="hold">
+                                          <p:stCondLst>
+                                            <p:cond delay="0"/>
+                                          </p:stCondLst>
+                                        </p:cTn>
+                                        <p:tgtEl>
+                                          <p:spTgt spid="289"/>
+                                        </p:tgtEl>
+                                        <p:attrNameLst>
+                                          <p:attrName>style.visibility</p:attrName>
+                                        </p:attrNameLst>
+                                      </p:cBhvr>
+                                      <p:to>
+                                        <p:strVal val="visible"/>
+                                      </p:to>
+                                    </p:set>
+                                    <p:animEffect filter="fade" transition="in">
+                                      <p:cBhvr>
+                                        <p:cTn dur="300"/>
+                                        <p:tgtEl>
+                                          <p:spTgt spid="289"/>
+                                        </p:tgtEl>
+                                      </p:cBhvr>
+                                    </p:animEffect>
+                                  </p:childTnLst>
+                                </p:cTn>
+                              </p:par>
+                            </p:childTnLst>
+                          </p:cTn>
+                        </p:par>
+                      </p:childTnLst>
+                    </p:cTn>
+                  </p:par>
+                  <p:par>
+                    <p:cTn fill="hold">
+                      <p:stCondLst>
+                        <p:cond delay="indefinite"/>
+                      </p:stCondLst>
+                      <p:childTnLst>
+                        <p:par>
+                          <p:cTn fill="hold">
+                            <p:stCondLst>
+                              <p:cond delay="0"/>
+                            </p:stCondLst>
+                            <p:childTnLst>
+                              <p:par>
+                                <p:cTn fill="hold" nodeType="clickEffect" presetClass="exit" presetID="10" presetSubtype="0">
+                                  <p:stCondLst>
+                                    <p:cond delay="0"/>
+                                  </p:stCondLst>
+                                  <p:childTnLst>
+                                    <p:animEffect filter="fade" transition="out">
+                                      <p:cBhvr>
+                                        <p:cTn dur="300"/>
+                                        <p:tgtEl>
+                                          <p:spTgt spid="289"/>
+                                        </p:tgtEl>
+                                      </p:cBhvr>
+                                    </p:animEffect>
+                                    <p:set>
+                                      <p:cBhvr>
+                                        <p:cTn dur="1" fill="hold">
+                                          <p:stCondLst>
+                                            <p:cond delay="300"/>
+                                          </p:stCondLst>
+                                        </p:cTn>
+                                        <p:tgtEl>
+                                          <p:spTgt spid="289"/>
+                                        </p:tgtEl>
+                                        <p:attrNameLst>
+                                          <p:attrName>style.visibility</p:attrName>
+                                        </p:attrNameLst>
+                                      </p:cBhvr>
+                                      <p:to>
+                                        <p:strVal val="hidden"/>
+                                      </p:to>
+                                    </p:set>
+                                  </p:childTnLst>
+                                </p:cTn>
+                              </p:par>
+                            </p:childTnLst>
+                          </p:cTn>
+                        </p:par>
+                      </p:childTnLst>
+                    </p:cTn>
+                  </p:par>
+                </p:childTnLst>
+              </p:cTn>
+              <p:prevCondLst>
+                <p:cond evt="onPrev">
+                  <p:tgtEl>
+                    <p:sldTgt/>
+                  </p:tgtEl>
+                </p:cond>
+              </p:prevCondLst>
+              <p:nextCondLst>
+                <p:cond evt="onNext">
+                  <p:tgtEl>
+                    <p:sldTgt/>
+                  </p:tgtEl>
+                </p:cond>
+              </p:nextCondLst>
+            </p:seq>
+          </p:childTnLst>
+        </p:cTn>
+      </p:par>
+    </p:tnLst>
+  </p:timing>
+</p:sld>
+</file>
+
+<file path=ppt/slides/slide17.xml><?xml version="1.0" encoding="utf-8"?>
+<p:sld xmlns:a="http://schemas.openxmlformats.org/drawingml/2006/main" xmlns:r="http://schemas.openxmlformats.org/officeDocument/2006/relationships" xmlns:mc="http://schemas.openxmlformats.org/markup-compatibility/2006" xmlns:mv="urn:schemas-microsoft-com:mac:vml" xmlns:p="http://schemas.openxmlformats.org/presentationml/2006/main" xmlns:c="http://schemas.openxmlformats.org/drawingml/2006/chart" xmlns:dgm="http://schemas.openxmlformats.org/drawingml/2006/diagram" xmlns:o="urn:schemas-microsoft-com:office:office" xmlns:v="urn:schemas-microsoft-com:vml" xmlns:pvml="urn:schemas-microsoft-com:office:powerpoint" xmlns:com="http://schemas.openxmlformats.org/drawingml/2006/compatibility" xmlns:p14="http://schemas.microsoft.com/office/powerpoint/2010/main" xmlns:p15="http://schemas.microsoft.com/office/powerpoint/2012/main" xmlns:ahyp="http://schemas.microsoft.com/office/drawing/2018/hyperlinkcolor">
+  <p:cSld>
+    <p:spTree>
+      <p:nvGrpSpPr>
+        <p:cNvPr id="294" name="Shape 294"/>
+        <p:cNvGrpSpPr/>
+        <p:nvPr/>
+      </p:nvGrpSpPr>
+      <p:grpSpPr>
+        <a:xfrm>
+          <a:off x="0" y="0"/>
+          <a:ext cx="0" cy="0"/>
+          <a:chOff x="0" y="0"/>
+          <a:chExt cx="0" cy="0"/>
+        </a:xfrm>
+      </p:grpSpPr>
+      <p:sp>
+        <p:nvSpPr>
+          <p:cNvPr id="295" name="Google Shape;295;p29"/>
           <p:cNvSpPr txBox="1"/>
           <p:nvPr>
             <p:ph type="title"/>
@@ -12505,8 +16848,8 @@
         </p:nvSpPr>
         <p:spPr>
           <a:xfrm>
-            <a:off x="5625375" y="1101025"/>
-            <a:ext cx="3319200" cy="3713400"/>
+            <a:off x="5492275" y="964400"/>
+            <a:ext cx="3551700" cy="3849900"/>
           </a:xfrm>
           <a:prstGeom prst="rect">
             <a:avLst/>
@@ -12581,7 +16924,7 @@
             </a:r>
             <a:r>
               <a:rPr lang="en"/>
-              <a:t>).</a:t>
+              <a:t>). When compared with iterative methods we saw that while richardson and Gauss-Seidel performed better Jacobi was worse off then all the Gauss Elimination techniques.</a:t>
             </a:r>
             <a:endParaRPr/>
           </a:p>
@@ -12629,7 +16972,7 @@
         </p:blipFill>
         <p:spPr>
           <a:xfrm>
-            <a:off x="1768602" y="1074725"/>
+            <a:off x="1723677" y="1062675"/>
             <a:ext cx="3452300" cy="3018146"/>
           </a:xfrm>
           <a:prstGeom prst="rect">
@@ -12678,13 +17021,94 @@
           <a:blip r:embed="rId6">
             <a:alphaModFix/>
           </a:blip>
-          <a:srcRect b="0" l="0" r="6147" t="0"/>
+          <a:srcRect b="0" l="3069" r="5313" t="0"/>
           <a:stretch/>
         </p:blipFill>
         <p:spPr>
           <a:xfrm>
-            <a:off x="1642650" y="1101025"/>
-            <a:ext cx="3578250" cy="3018150"/>
+            <a:off x="1723675" y="1101025"/>
+            <a:ext cx="3609493" cy="2979800"/>
+          </a:xfrm>
+          <a:prstGeom prst="rect">
+            <a:avLst/>
+          </a:prstGeom>
+          <a:noFill/>
+          <a:ln>
+            <a:noFill/>
+          </a:ln>
+        </p:spPr>
+      </p:pic>
+      <p:pic>
+        <p:nvPicPr>
+          <p:cNvPr id="164" name="Google Shape;164;p16"/>
+          <p:cNvPicPr preferRelativeResize="0"/>
+          <p:nvPr/>
+        </p:nvPicPr>
+        <p:blipFill rotWithShape="1">
+          <a:blip r:embed="rId7">
+            <a:alphaModFix/>
+          </a:blip>
+          <a:srcRect b="0" l="5938" r="5947" t="0"/>
+          <a:stretch/>
+        </p:blipFill>
+        <p:spPr>
+          <a:xfrm>
+            <a:off x="1723675" y="1074725"/>
+            <a:ext cx="3609500" cy="3061221"/>
+          </a:xfrm>
+          <a:prstGeom prst="rect">
+            <a:avLst/>
+          </a:prstGeom>
+          <a:noFill/>
+          <a:ln>
+            <a:noFill/>
+          </a:ln>
+        </p:spPr>
+      </p:pic>
+      <p:pic>
+        <p:nvPicPr>
+          <p:cNvPr id="165" name="Google Shape;165;p16"/>
+          <p:cNvPicPr preferRelativeResize="0"/>
+          <p:nvPr/>
+        </p:nvPicPr>
+        <p:blipFill rotWithShape="1">
+          <a:blip r:embed="rId8">
+            <a:alphaModFix/>
+          </a:blip>
+          <a:srcRect b="0" l="3190" r="5651" t="0"/>
+          <a:stretch/>
+        </p:blipFill>
+        <p:spPr>
+          <a:xfrm>
+            <a:off x="1657350" y="1101025"/>
+            <a:ext cx="3723202" cy="3069425"/>
+          </a:xfrm>
+          <a:prstGeom prst="rect">
+            <a:avLst/>
+          </a:prstGeom>
+          <a:noFill/>
+          <a:ln>
+            <a:noFill/>
+          </a:ln>
+        </p:spPr>
+      </p:pic>
+      <p:pic>
+        <p:nvPicPr>
+          <p:cNvPr id="166" name="Google Shape;166;p16"/>
+          <p:cNvPicPr preferRelativeResize="0"/>
+          <p:nvPr/>
+        </p:nvPicPr>
+        <p:blipFill rotWithShape="1">
+          <a:blip r:embed="rId9">
+            <a:alphaModFix/>
+          </a:blip>
+          <a:srcRect b="0" l="5622" r="5131" t="0"/>
+          <a:stretch/>
+        </p:blipFill>
+        <p:spPr>
+          <a:xfrm>
+            <a:off x="1391850" y="1062675"/>
+            <a:ext cx="3941325" cy="3300558"/>
           </a:xfrm>
           <a:prstGeom prst="rect">
             <a:avLst/>
@@ -13092,1079 +17516,6 @@
                             </p:stCondLst>
                             <p:childTnLst>
                               <p:par>
-                                <p:cTn fill="hold" nodeType="clickEffect" presetClass="entr" presetID="10" presetSubtype="0">
-                                  <p:stCondLst>
-                                    <p:cond delay="0"/>
-                                  </p:stCondLst>
-                                  <p:childTnLst>
-                                    <p:set>
-                                      <p:cBhvr>
-                                        <p:cTn dur="1" fill="hold">
-                                          <p:stCondLst>
-                                            <p:cond delay="0"/>
-                                          </p:stCondLst>
-                                        </p:cTn>
-                                        <p:tgtEl>
-                                          <p:spTgt spid="163"/>
-                                        </p:tgtEl>
-                                        <p:attrNameLst>
-                                          <p:attrName>style.visibility</p:attrName>
-                                        </p:attrNameLst>
-                                      </p:cBhvr>
-                                      <p:to>
-                                        <p:strVal val="visible"/>
-                                      </p:to>
-                                    </p:set>
-                                    <p:animEffect filter="fade" transition="in">
-                                      <p:cBhvr>
-                                        <p:cTn dur="300"/>
-                                        <p:tgtEl>
-                                          <p:spTgt spid="163"/>
-                                        </p:tgtEl>
-                                      </p:cBhvr>
-                                    </p:animEffect>
-                                  </p:childTnLst>
-                                </p:cTn>
-                              </p:par>
-                            </p:childTnLst>
-                          </p:cTn>
-                        </p:par>
-                      </p:childTnLst>
-                    </p:cTn>
-                  </p:par>
-                </p:childTnLst>
-              </p:cTn>
-              <p:prevCondLst>
-                <p:cond evt="onPrev">
-                  <p:tgtEl>
-                    <p:sldTgt/>
-                  </p:tgtEl>
-                </p:cond>
-              </p:prevCondLst>
-              <p:nextCondLst>
-                <p:cond evt="onNext">
-                  <p:tgtEl>
-                    <p:sldTgt/>
-                  </p:tgtEl>
-                </p:cond>
-              </p:nextCondLst>
-            </p:seq>
-          </p:childTnLst>
-        </p:cTn>
-      </p:par>
-    </p:tnLst>
-  </p:timing>
-</p:sld>
-</file>
-
-<file path=ppt/slides/slide5.xml><?xml version="1.0" encoding="utf-8"?>
-<p:sld xmlns:a="http://schemas.openxmlformats.org/drawingml/2006/main" xmlns:r="http://schemas.openxmlformats.org/officeDocument/2006/relationships" xmlns:mc="http://schemas.openxmlformats.org/markup-compatibility/2006" xmlns:mv="urn:schemas-microsoft-com:mac:vml" xmlns:p="http://schemas.openxmlformats.org/presentationml/2006/main" xmlns:c="http://schemas.openxmlformats.org/drawingml/2006/chart" xmlns:dgm="http://schemas.openxmlformats.org/drawingml/2006/diagram" xmlns:o="urn:schemas-microsoft-com:office:office" xmlns:v="urn:schemas-microsoft-com:vml" xmlns:pvml="urn:schemas-microsoft-com:office:powerpoint" xmlns:com="http://schemas.openxmlformats.org/drawingml/2006/compatibility" xmlns:p14="http://schemas.microsoft.com/office/powerpoint/2010/main" xmlns:p15="http://schemas.microsoft.com/office/powerpoint/2012/main" xmlns:ahyp="http://schemas.microsoft.com/office/drawing/2018/hyperlinkcolor">
-  <p:cSld>
-    <p:spTree>
-      <p:nvGrpSpPr>
-        <p:cNvPr id="167" name="Shape 167"/>
-        <p:cNvGrpSpPr/>
-        <p:nvPr/>
-      </p:nvGrpSpPr>
-      <p:grpSpPr>
-        <a:xfrm>
-          <a:off x="0" y="0"/>
-          <a:ext cx="0" cy="0"/>
-          <a:chOff x="0" y="0"/>
-          <a:chExt cx="0" cy="0"/>
-        </a:xfrm>
-      </p:grpSpPr>
-      <p:sp>
-        <p:nvSpPr>
-          <p:cNvPr id="168" name="Google Shape;168;p17"/>
-          <p:cNvSpPr txBox="1"/>
-          <p:nvPr>
-            <p:ph idx="4294967295" type="body"/>
-          </p:nvPr>
-        </p:nvSpPr>
-        <p:spPr>
-          <a:xfrm>
-            <a:off x="562575" y="1628450"/>
-            <a:ext cx="2169900" cy="3168900"/>
-          </a:xfrm>
-          <a:prstGeom prst="rect">
-            <a:avLst/>
-          </a:prstGeom>
-        </p:spPr>
-        <p:txBody>
-          <a:bodyPr anchorCtr="0" anchor="t" bIns="91425" lIns="91425" spcFirstLastPara="1" rIns="91425" wrap="square" tIns="91425">
-            <a:noAutofit/>
-          </a:bodyPr>
-          <a:lstStyle/>
-          <a:p>
-            <a:pPr indent="0" lvl="0" marL="0" rtl="0" algn="l">
-              <a:lnSpc>
-                <a:spcPct val="115000"/>
-              </a:lnSpc>
-              <a:spcBef>
-                <a:spcPts val="0"/>
-              </a:spcBef>
-              <a:spcAft>
-                <a:spcPts val="0"/>
-              </a:spcAft>
-              <a:buNone/>
-            </a:pPr>
-            <a:r>
-              <a:rPr b="1" lang="en">
-                <a:solidFill>
-                  <a:srgbClr val="FFFFFF"/>
-                </a:solidFill>
-                <a:latin typeface="Lora"/>
-                <a:ea typeface="Lora"/>
-                <a:cs typeface="Lora"/>
-                <a:sym typeface="Lora"/>
-              </a:rPr>
-              <a:t>Part 2: Perturbation Effect of Pivoting</a:t>
-            </a:r>
-            <a:endParaRPr b="1">
-              <a:solidFill>
-                <a:srgbClr val="FFFFFF"/>
-              </a:solidFill>
-              <a:latin typeface="Lora"/>
-              <a:ea typeface="Lora"/>
-              <a:cs typeface="Lora"/>
-              <a:sym typeface="Lora"/>
-            </a:endParaRPr>
-          </a:p>
-          <a:p>
-            <a:pPr indent="-298450" lvl="0" marL="457200" rtl="0" algn="l">
-              <a:lnSpc>
-                <a:spcPct val="115000"/>
-              </a:lnSpc>
-              <a:spcBef>
-                <a:spcPts val="1600"/>
-              </a:spcBef>
-              <a:spcAft>
-                <a:spcPts val="0"/>
-              </a:spcAft>
-              <a:buClr>
-                <a:srgbClr val="FFFFFF"/>
-              </a:buClr>
-              <a:buSzPts val="1100"/>
-              <a:buChar char="●"/>
-            </a:pPr>
-            <a:r>
-              <a:rPr lang="en" sz="1100">
-                <a:solidFill>
-                  <a:srgbClr val="FFFFFF"/>
-                </a:solidFill>
-              </a:rPr>
-              <a:t>Here we have added noise in the parameters A and b (keeping the other same as original) </a:t>
-            </a:r>
-            <a:r>
-              <a:rPr lang="en" sz="1100">
-                <a:solidFill>
-                  <a:srgbClr val="FFFFFF"/>
-                </a:solidFill>
-              </a:rPr>
-              <a:t>observed</a:t>
-            </a:r>
-            <a:r>
-              <a:rPr lang="en" sz="1100">
-                <a:solidFill>
-                  <a:srgbClr val="FFFFFF"/>
-                </a:solidFill>
-              </a:rPr>
-              <a:t> their effect on the solution x.</a:t>
-            </a:r>
-            <a:endParaRPr sz="1100">
-              <a:solidFill>
-                <a:srgbClr val="FFFFFF"/>
-              </a:solidFill>
-            </a:endParaRPr>
-          </a:p>
-          <a:p>
-            <a:pPr indent="-298450" lvl="0" marL="457200" rtl="0" algn="l">
-              <a:lnSpc>
-                <a:spcPct val="115000"/>
-              </a:lnSpc>
-              <a:spcBef>
-                <a:spcPts val="0"/>
-              </a:spcBef>
-              <a:spcAft>
-                <a:spcPts val="0"/>
-              </a:spcAft>
-              <a:buClr>
-                <a:srgbClr val="FFFFFF"/>
-              </a:buClr>
-              <a:buSzPts val="1100"/>
-              <a:buChar char="●"/>
-            </a:pPr>
-            <a:r>
-              <a:rPr lang="en" sz="1100">
-                <a:solidFill>
-                  <a:srgbClr val="FFFFFF"/>
-                </a:solidFill>
-              </a:rPr>
-              <a:t>It is clear from these graphs that as the percentage noise added increases, the mean of error also increases.</a:t>
-            </a:r>
-            <a:endParaRPr sz="1100">
-              <a:solidFill>
-                <a:srgbClr val="FFFFFF"/>
-              </a:solidFill>
-            </a:endParaRPr>
-          </a:p>
-        </p:txBody>
-      </p:sp>
-      <p:pic>
-        <p:nvPicPr>
-          <p:cNvPr id="169" name="Google Shape;169;p17"/>
-          <p:cNvPicPr preferRelativeResize="0"/>
-          <p:nvPr/>
-        </p:nvPicPr>
-        <p:blipFill>
-          <a:blip r:embed="rId3">
-            <a:alphaModFix/>
-          </a:blip>
-          <a:stretch>
-            <a:fillRect/>
-          </a:stretch>
-        </p:blipFill>
-        <p:spPr>
-          <a:xfrm>
-            <a:off x="2830850" y="2571750"/>
-            <a:ext cx="3044050" cy="2225594"/>
-          </a:xfrm>
-          <a:prstGeom prst="rect">
-            <a:avLst/>
-          </a:prstGeom>
-          <a:noFill/>
-          <a:ln cap="flat" cmpd="sng" w="9525">
-            <a:solidFill>
-              <a:schemeClr val="dk2"/>
-            </a:solidFill>
-            <a:prstDash val="solid"/>
-            <a:round/>
-            <a:headEnd len="sm" w="sm" type="none"/>
-            <a:tailEnd len="sm" w="sm" type="none"/>
-          </a:ln>
-        </p:spPr>
-      </p:pic>
-      <p:pic>
-        <p:nvPicPr>
-          <p:cNvPr id="170" name="Google Shape;170;p17"/>
-          <p:cNvPicPr preferRelativeResize="0"/>
-          <p:nvPr/>
-        </p:nvPicPr>
-        <p:blipFill>
-          <a:blip r:embed="rId4">
-            <a:alphaModFix/>
-          </a:blip>
-          <a:stretch>
-            <a:fillRect/>
-          </a:stretch>
-        </p:blipFill>
-        <p:spPr>
-          <a:xfrm>
-            <a:off x="5874900" y="346139"/>
-            <a:ext cx="3044050" cy="2225612"/>
-          </a:xfrm>
-          <a:prstGeom prst="rect">
-            <a:avLst/>
-          </a:prstGeom>
-          <a:noFill/>
-          <a:ln cap="flat" cmpd="sng" w="9525">
-            <a:solidFill>
-              <a:schemeClr val="dk2"/>
-            </a:solidFill>
-            <a:prstDash val="solid"/>
-            <a:round/>
-            <a:headEnd len="sm" w="sm" type="none"/>
-            <a:tailEnd len="sm" w="sm" type="none"/>
-          </a:ln>
-        </p:spPr>
-      </p:pic>
-      <p:pic>
-        <p:nvPicPr>
-          <p:cNvPr id="171" name="Google Shape;171;p17"/>
-          <p:cNvPicPr preferRelativeResize="0"/>
-          <p:nvPr/>
-        </p:nvPicPr>
-        <p:blipFill>
-          <a:blip r:embed="rId5">
-            <a:alphaModFix/>
-          </a:blip>
-          <a:stretch>
-            <a:fillRect/>
-          </a:stretch>
-        </p:blipFill>
-        <p:spPr>
-          <a:xfrm>
-            <a:off x="5874900" y="2571750"/>
-            <a:ext cx="3044050" cy="2225597"/>
-          </a:xfrm>
-          <a:prstGeom prst="rect">
-            <a:avLst/>
-          </a:prstGeom>
-          <a:noFill/>
-          <a:ln cap="flat" cmpd="sng" w="9525">
-            <a:solidFill>
-              <a:schemeClr val="dk2"/>
-            </a:solidFill>
-            <a:prstDash val="solid"/>
-            <a:round/>
-            <a:headEnd len="sm" w="sm" type="none"/>
-            <a:tailEnd len="sm" w="sm" type="none"/>
-          </a:ln>
-        </p:spPr>
-      </p:pic>
-      <p:pic>
-        <p:nvPicPr>
-          <p:cNvPr id="172" name="Google Shape;172;p17"/>
-          <p:cNvPicPr preferRelativeResize="0"/>
-          <p:nvPr/>
-        </p:nvPicPr>
-        <p:blipFill>
-          <a:blip r:embed="rId6">
-            <a:alphaModFix/>
-          </a:blip>
-          <a:stretch>
-            <a:fillRect/>
-          </a:stretch>
-        </p:blipFill>
-        <p:spPr>
-          <a:xfrm>
-            <a:off x="2830843" y="346149"/>
-            <a:ext cx="3044045" cy="2225600"/>
-          </a:xfrm>
-          <a:prstGeom prst="rect">
-            <a:avLst/>
-          </a:prstGeom>
-          <a:noFill/>
-          <a:ln cap="flat" cmpd="sng" w="9525">
-            <a:solidFill>
-              <a:schemeClr val="dk2"/>
-            </a:solidFill>
-            <a:prstDash val="solid"/>
-            <a:round/>
-            <a:headEnd len="sm" w="sm" type="none"/>
-            <a:tailEnd len="sm" w="sm" type="none"/>
-          </a:ln>
-        </p:spPr>
-      </p:pic>
-      <p:sp>
-        <p:nvSpPr>
-          <p:cNvPr id="173" name="Google Shape;173;p17"/>
-          <p:cNvSpPr txBox="1"/>
-          <p:nvPr/>
-        </p:nvSpPr>
-        <p:spPr>
-          <a:xfrm>
-            <a:off x="1107275" y="583550"/>
-            <a:ext cx="1723500" cy="1044900"/>
-          </a:xfrm>
-          <a:prstGeom prst="rect">
-            <a:avLst/>
-          </a:prstGeom>
-          <a:noFill/>
-          <a:ln>
-            <a:noFill/>
-          </a:ln>
-        </p:spPr>
-        <p:txBody>
-          <a:bodyPr anchorCtr="0" anchor="t" bIns="91425" lIns="91425" spcFirstLastPara="1" rIns="91425" wrap="square" tIns="91425">
-            <a:noAutofit/>
-          </a:bodyPr>
-          <a:lstStyle/>
-          <a:p>
-            <a:pPr indent="0" lvl="0" marL="0" rtl="0" algn="l">
-              <a:lnSpc>
-                <a:spcPct val="115000"/>
-              </a:lnSpc>
-              <a:spcBef>
-                <a:spcPts val="0"/>
-              </a:spcBef>
-              <a:spcAft>
-                <a:spcPts val="0"/>
-              </a:spcAft>
-              <a:buNone/>
-            </a:pPr>
-            <a:r>
-              <a:rPr b="1" lang="en" sz="1600">
-                <a:solidFill>
-                  <a:srgbClr val="FFFFFF"/>
-                </a:solidFill>
-                <a:latin typeface="Lora"/>
-                <a:ea typeface="Lora"/>
-                <a:cs typeface="Lora"/>
-                <a:sym typeface="Lora"/>
-              </a:rPr>
-              <a:t>Section 2: Gaussian Elimination</a:t>
-            </a:r>
-            <a:endParaRPr sz="1600">
-              <a:latin typeface="Lato"/>
-              <a:ea typeface="Lato"/>
-              <a:cs typeface="Lato"/>
-              <a:sym typeface="Lato"/>
-            </a:endParaRPr>
-          </a:p>
-        </p:txBody>
-      </p:sp>
-    </p:spTree>
-  </p:cSld>
-  <p:clrMapOvr>
-    <a:masterClrMapping/>
-  </p:clrMapOvr>
-</p:sld>
-</file>
-
-<file path=ppt/slides/slide6.xml><?xml version="1.0" encoding="utf-8"?>
-<p:sld xmlns:a="http://schemas.openxmlformats.org/drawingml/2006/main" xmlns:r="http://schemas.openxmlformats.org/officeDocument/2006/relationships" xmlns:mc="http://schemas.openxmlformats.org/markup-compatibility/2006" xmlns:mv="urn:schemas-microsoft-com:mac:vml" xmlns:p="http://schemas.openxmlformats.org/presentationml/2006/main" xmlns:c="http://schemas.openxmlformats.org/drawingml/2006/chart" xmlns:dgm="http://schemas.openxmlformats.org/drawingml/2006/diagram" xmlns:o="urn:schemas-microsoft-com:office:office" xmlns:v="urn:schemas-microsoft-com:vml" xmlns:pvml="urn:schemas-microsoft-com:office:powerpoint" xmlns:com="http://schemas.openxmlformats.org/drawingml/2006/compatibility" xmlns:p14="http://schemas.microsoft.com/office/powerpoint/2010/main" xmlns:p15="http://schemas.microsoft.com/office/powerpoint/2012/main" xmlns:ahyp="http://schemas.microsoft.com/office/drawing/2018/hyperlinkcolor">
-  <p:cSld>
-    <p:spTree>
-      <p:nvGrpSpPr>
-        <p:cNvPr id="177" name="Shape 177"/>
-        <p:cNvGrpSpPr/>
-        <p:nvPr/>
-      </p:nvGrpSpPr>
-      <p:grpSpPr>
-        <a:xfrm>
-          <a:off x="0" y="0"/>
-          <a:ext cx="0" cy="0"/>
-          <a:chOff x="0" y="0"/>
-          <a:chExt cx="0" cy="0"/>
-        </a:xfrm>
-      </p:grpSpPr>
-      <p:sp>
-        <p:nvSpPr>
-          <p:cNvPr id="178" name="Google Shape;178;p18"/>
-          <p:cNvSpPr txBox="1"/>
-          <p:nvPr>
-            <p:ph type="title"/>
-          </p:nvPr>
-        </p:nvSpPr>
-        <p:spPr>
-          <a:xfrm>
-            <a:off x="1297500" y="189600"/>
-            <a:ext cx="7038900" cy="914100"/>
-          </a:xfrm>
-          <a:prstGeom prst="rect">
-            <a:avLst/>
-          </a:prstGeom>
-        </p:spPr>
-        <p:txBody>
-          <a:bodyPr anchorCtr="0" anchor="t" bIns="91425" lIns="91425" spcFirstLastPara="1" rIns="91425" wrap="square" tIns="91425">
-            <a:noAutofit/>
-          </a:bodyPr>
-          <a:lstStyle/>
-          <a:p>
-            <a:pPr indent="0" lvl="0" marL="0" rtl="0" algn="ctr">
-              <a:lnSpc>
-                <a:spcPct val="115000"/>
-              </a:lnSpc>
-              <a:spcBef>
-                <a:spcPts val="0"/>
-              </a:spcBef>
-              <a:spcAft>
-                <a:spcPts val="0"/>
-              </a:spcAft>
-              <a:buNone/>
-            </a:pPr>
-            <a:r>
-              <a:rPr b="1" lang="en">
-                <a:latin typeface="Lora"/>
-                <a:ea typeface="Lora"/>
-                <a:cs typeface="Lora"/>
-                <a:sym typeface="Lora"/>
-              </a:rPr>
-              <a:t>Section 2: Gaussian Elimination</a:t>
-            </a:r>
-            <a:endParaRPr b="1">
-              <a:latin typeface="Lora"/>
-              <a:ea typeface="Lora"/>
-              <a:cs typeface="Lora"/>
-              <a:sym typeface="Lora"/>
-            </a:endParaRPr>
-          </a:p>
-          <a:p>
-            <a:pPr indent="0" lvl="0" marL="0" rtl="0" algn="ctr">
-              <a:lnSpc>
-                <a:spcPct val="115000"/>
-              </a:lnSpc>
-              <a:spcBef>
-                <a:spcPts val="0"/>
-              </a:spcBef>
-              <a:spcAft>
-                <a:spcPts val="0"/>
-              </a:spcAft>
-              <a:buNone/>
-            </a:pPr>
-            <a:r>
-              <a:rPr b="1" lang="en" sz="2000">
-                <a:latin typeface="Lora"/>
-                <a:ea typeface="Lora"/>
-                <a:cs typeface="Lora"/>
-                <a:sym typeface="Lora"/>
-              </a:rPr>
-              <a:t>Part 3: </a:t>
-            </a:r>
-            <a:r>
-              <a:rPr b="1" lang="en" sz="2000">
-                <a:latin typeface="Lora"/>
-                <a:ea typeface="Lora"/>
-                <a:cs typeface="Lora"/>
-                <a:sym typeface="Lora"/>
-              </a:rPr>
-              <a:t>Analysis of Vandermonde Matrices</a:t>
-            </a:r>
-            <a:endParaRPr sz="2000"/>
-          </a:p>
-        </p:txBody>
-      </p:sp>
-      <p:sp>
-        <p:nvSpPr>
-          <p:cNvPr id="179" name="Google Shape;179;p18"/>
-          <p:cNvSpPr txBox="1"/>
-          <p:nvPr>
-            <p:ph idx="1" type="body"/>
-          </p:nvPr>
-        </p:nvSpPr>
-        <p:spPr>
-          <a:xfrm>
-            <a:off x="323000" y="873300"/>
-            <a:ext cx="8669100" cy="4146900"/>
-          </a:xfrm>
-          <a:prstGeom prst="rect">
-            <a:avLst/>
-          </a:prstGeom>
-        </p:spPr>
-        <p:txBody>
-          <a:bodyPr anchorCtr="0" anchor="t" bIns="91425" lIns="91425" spcFirstLastPara="1" rIns="91425" wrap="square" tIns="91425">
-            <a:noAutofit/>
-          </a:bodyPr>
-          <a:lstStyle/>
-          <a:p>
-            <a:pPr indent="0" lvl="0" marL="0" rtl="0" algn="l">
-              <a:spcBef>
-                <a:spcPts val="0"/>
-              </a:spcBef>
-              <a:spcAft>
-                <a:spcPts val="1600"/>
-              </a:spcAft>
-              <a:buNone/>
-            </a:pPr>
-            <a:r>
-              <a:t/>
-            </a:r>
-            <a:endParaRPr/>
-          </a:p>
-        </p:txBody>
-      </p:sp>
-      <p:pic>
-        <p:nvPicPr>
-          <p:cNvPr id="180" name="Google Shape;180;p18"/>
-          <p:cNvPicPr preferRelativeResize="0"/>
-          <p:nvPr/>
-        </p:nvPicPr>
-        <p:blipFill rotWithShape="1">
-          <a:blip r:embed="rId3">
-            <a:alphaModFix/>
-          </a:blip>
-          <a:srcRect b="0" l="8010" r="6409" t="0"/>
-          <a:stretch/>
-        </p:blipFill>
-        <p:spPr>
-          <a:xfrm>
-            <a:off x="442825" y="1066700"/>
-            <a:ext cx="4021899" cy="2289700"/>
-          </a:xfrm>
-          <a:prstGeom prst="rect">
-            <a:avLst/>
-          </a:prstGeom>
-          <a:noFill/>
-          <a:ln>
-            <a:noFill/>
-          </a:ln>
-        </p:spPr>
-      </p:pic>
-      <p:pic>
-        <p:nvPicPr>
-          <p:cNvPr id="181" name="Google Shape;181;p18"/>
-          <p:cNvPicPr preferRelativeResize="0"/>
-          <p:nvPr/>
-        </p:nvPicPr>
-        <p:blipFill rotWithShape="1">
-          <a:blip r:embed="rId4">
-            <a:alphaModFix/>
-          </a:blip>
-          <a:srcRect b="0" l="8057" r="6676" t="0"/>
-          <a:stretch/>
-        </p:blipFill>
-        <p:spPr>
-          <a:xfrm>
-            <a:off x="544600" y="1080250"/>
-            <a:ext cx="4071300" cy="2081765"/>
-          </a:xfrm>
-          <a:prstGeom prst="rect">
-            <a:avLst/>
-          </a:prstGeom>
-          <a:noFill/>
-          <a:ln>
-            <a:noFill/>
-          </a:ln>
-        </p:spPr>
-      </p:pic>
-      <p:pic>
-        <p:nvPicPr>
-          <p:cNvPr id="182" name="Google Shape;182;p18"/>
-          <p:cNvPicPr preferRelativeResize="0"/>
-          <p:nvPr/>
-        </p:nvPicPr>
-        <p:blipFill>
-          <a:blip r:embed="rId5">
-            <a:alphaModFix/>
-          </a:blip>
-          <a:stretch>
-            <a:fillRect/>
-          </a:stretch>
-        </p:blipFill>
-        <p:spPr>
-          <a:xfrm>
-            <a:off x="442825" y="1142901"/>
-            <a:ext cx="4071310" cy="2050250"/>
-          </a:xfrm>
-          <a:prstGeom prst="rect">
-            <a:avLst/>
-          </a:prstGeom>
-          <a:noFill/>
-          <a:ln>
-            <a:noFill/>
-          </a:ln>
-        </p:spPr>
-      </p:pic>
-      <p:pic>
-        <p:nvPicPr>
-          <p:cNvPr id="183" name="Google Shape;183;p18"/>
-          <p:cNvPicPr preferRelativeResize="0"/>
-          <p:nvPr/>
-        </p:nvPicPr>
-        <p:blipFill rotWithShape="1">
-          <a:blip r:embed="rId6">
-            <a:alphaModFix/>
-          </a:blip>
-          <a:srcRect b="0" l="0" r="7295" t="0"/>
-          <a:stretch/>
-        </p:blipFill>
-        <p:spPr>
-          <a:xfrm>
-            <a:off x="676025" y="1031350"/>
-            <a:ext cx="3385200" cy="2884075"/>
-          </a:xfrm>
-          <a:prstGeom prst="rect">
-            <a:avLst/>
-          </a:prstGeom>
-          <a:noFill/>
-          <a:ln>
-            <a:noFill/>
-          </a:ln>
-        </p:spPr>
-      </p:pic>
-      <p:sp>
-        <p:nvSpPr>
-          <p:cNvPr id="184" name="Google Shape;184;p18"/>
-          <p:cNvSpPr txBox="1"/>
-          <p:nvPr/>
-        </p:nvSpPr>
-        <p:spPr>
-          <a:xfrm>
-            <a:off x="4811325" y="1103700"/>
-            <a:ext cx="3954000" cy="3686100"/>
-          </a:xfrm>
-          <a:prstGeom prst="rect">
-            <a:avLst/>
-          </a:prstGeom>
-          <a:noFill/>
-          <a:ln>
-            <a:noFill/>
-          </a:ln>
-        </p:spPr>
-        <p:txBody>
-          <a:bodyPr anchorCtr="0" anchor="t" bIns="91425" lIns="91425" spcFirstLastPara="1" rIns="91425" wrap="square" tIns="91425">
-            <a:noAutofit/>
-          </a:bodyPr>
-          <a:lstStyle/>
-          <a:p>
-            <a:pPr indent="-311150" lvl="0" marL="457200" rtl="0" algn="l">
-              <a:spcBef>
-                <a:spcPts val="0"/>
-              </a:spcBef>
-              <a:spcAft>
-                <a:spcPts val="0"/>
-              </a:spcAft>
-              <a:buClr>
-                <a:srgbClr val="FFFFFF"/>
-              </a:buClr>
-              <a:buSzPts val="1300"/>
-              <a:buFont typeface="Lato"/>
-              <a:buChar char="●"/>
-            </a:pPr>
-            <a:r>
-              <a:rPr lang="en" sz="1300">
-                <a:solidFill>
-                  <a:srgbClr val="FFFFFF"/>
-                </a:solidFill>
-                <a:latin typeface="Lato"/>
-                <a:ea typeface="Lato"/>
-                <a:cs typeface="Lato"/>
-                <a:sym typeface="Lato"/>
-              </a:rPr>
-              <a:t>Vandermonde Matrices are inherently ill-conditioned.</a:t>
-            </a:r>
-            <a:endParaRPr sz="1300">
-              <a:solidFill>
-                <a:srgbClr val="FFFFFF"/>
-              </a:solidFill>
-              <a:latin typeface="Lato"/>
-              <a:ea typeface="Lato"/>
-              <a:cs typeface="Lato"/>
-              <a:sym typeface="Lato"/>
-            </a:endParaRPr>
-          </a:p>
-          <a:p>
-            <a:pPr indent="-311150" lvl="0" marL="457200" rtl="0" algn="l">
-              <a:spcBef>
-                <a:spcPts val="0"/>
-              </a:spcBef>
-              <a:spcAft>
-                <a:spcPts val="0"/>
-              </a:spcAft>
-              <a:buClr>
-                <a:srgbClr val="FFFFFF"/>
-              </a:buClr>
-              <a:buSzPts val="1300"/>
-              <a:buFont typeface="Lato"/>
-              <a:buChar char="●"/>
-            </a:pPr>
-            <a:r>
-              <a:rPr lang="en" sz="1300">
-                <a:solidFill>
-                  <a:srgbClr val="FFFFFF"/>
-                </a:solidFill>
-                <a:latin typeface="Lato"/>
-                <a:ea typeface="Lato"/>
-                <a:cs typeface="Lato"/>
-                <a:sym typeface="Lato"/>
-              </a:rPr>
-              <a:t>Experiment 1 : Varying Noise in requirement vector </a:t>
-            </a:r>
-            <a:endParaRPr sz="1300">
-              <a:solidFill>
-                <a:srgbClr val="FFFFFF"/>
-              </a:solidFill>
-              <a:latin typeface="Lato"/>
-              <a:ea typeface="Lato"/>
-              <a:cs typeface="Lato"/>
-              <a:sym typeface="Lato"/>
-            </a:endParaRPr>
-          </a:p>
-          <a:p>
-            <a:pPr indent="-311150" lvl="0" marL="457200" rtl="0" algn="l">
-              <a:spcBef>
-                <a:spcPts val="0"/>
-              </a:spcBef>
-              <a:spcAft>
-                <a:spcPts val="0"/>
-              </a:spcAft>
-              <a:buClr>
-                <a:srgbClr val="FFFFFF"/>
-              </a:buClr>
-              <a:buSzPts val="1300"/>
-              <a:buFont typeface="Lato"/>
-              <a:buChar char="●"/>
-            </a:pPr>
-            <a:r>
-              <a:rPr lang="en" sz="1300">
-                <a:solidFill>
-                  <a:srgbClr val="FFFFFF"/>
-                </a:solidFill>
-                <a:latin typeface="Lato"/>
-                <a:ea typeface="Lato"/>
-                <a:cs typeface="Lato"/>
-                <a:sym typeface="Lato"/>
-              </a:rPr>
-              <a:t>Experiment 2 : Varying Dimension of Vandermonde Matrix</a:t>
-            </a:r>
-            <a:endParaRPr sz="1300">
-              <a:solidFill>
-                <a:srgbClr val="FFFFFF"/>
-              </a:solidFill>
-              <a:latin typeface="Lato"/>
-              <a:ea typeface="Lato"/>
-              <a:cs typeface="Lato"/>
-              <a:sym typeface="Lato"/>
-            </a:endParaRPr>
-          </a:p>
-          <a:p>
-            <a:pPr indent="-311150" lvl="0" marL="457200" rtl="0" algn="l">
-              <a:spcBef>
-                <a:spcPts val="0"/>
-              </a:spcBef>
-              <a:spcAft>
-                <a:spcPts val="0"/>
-              </a:spcAft>
-              <a:buClr>
-                <a:srgbClr val="FFFFFF"/>
-              </a:buClr>
-              <a:buSzPts val="1300"/>
-              <a:buFont typeface="Lato"/>
-              <a:buChar char="●"/>
-            </a:pPr>
-            <a:r>
-              <a:rPr lang="en" sz="1300">
-                <a:solidFill>
-                  <a:srgbClr val="FFFFFF"/>
-                </a:solidFill>
-                <a:latin typeface="Lato"/>
-                <a:ea typeface="Lato"/>
-                <a:cs typeface="Lato"/>
-                <a:sym typeface="Lato"/>
-              </a:rPr>
-              <a:t>Perform above two with Basic Gauss Elimination and Partial Pivoting</a:t>
-            </a:r>
-            <a:endParaRPr sz="1300">
-              <a:solidFill>
-                <a:srgbClr val="FFFFFF"/>
-              </a:solidFill>
-              <a:latin typeface="Lato"/>
-              <a:ea typeface="Lato"/>
-              <a:cs typeface="Lato"/>
-              <a:sym typeface="Lato"/>
-            </a:endParaRPr>
-          </a:p>
-          <a:p>
-            <a:pPr indent="-311150" lvl="0" marL="457200" rtl="0" algn="l">
-              <a:spcBef>
-                <a:spcPts val="0"/>
-              </a:spcBef>
-              <a:spcAft>
-                <a:spcPts val="0"/>
-              </a:spcAft>
-              <a:buClr>
-                <a:srgbClr val="FFFFFF"/>
-              </a:buClr>
-              <a:buSzPts val="1300"/>
-              <a:buFont typeface="Lato"/>
-              <a:buChar char="●"/>
-            </a:pPr>
-            <a:r>
-              <a:rPr lang="en" sz="1300">
-                <a:solidFill>
-                  <a:srgbClr val="FFFFFF"/>
-                </a:solidFill>
-                <a:latin typeface="Lato"/>
-                <a:ea typeface="Lato"/>
-                <a:cs typeface="Lato"/>
-                <a:sym typeface="Lato"/>
-              </a:rPr>
-              <a:t>Analyze error vector, mean and standard deviation</a:t>
-            </a:r>
-            <a:endParaRPr sz="1300">
-              <a:solidFill>
-                <a:srgbClr val="FFFFFF"/>
-              </a:solidFill>
-              <a:latin typeface="Lato"/>
-              <a:ea typeface="Lato"/>
-              <a:cs typeface="Lato"/>
-              <a:sym typeface="Lato"/>
-            </a:endParaRPr>
-          </a:p>
-          <a:p>
-            <a:pPr indent="-311150" lvl="0" marL="457200" rtl="0" algn="l">
-              <a:spcBef>
-                <a:spcPts val="0"/>
-              </a:spcBef>
-              <a:spcAft>
-                <a:spcPts val="0"/>
-              </a:spcAft>
-              <a:buClr>
-                <a:srgbClr val="FFFFFF"/>
-              </a:buClr>
-              <a:buSzPts val="1300"/>
-              <a:buFont typeface="Lato"/>
-              <a:buChar char="●"/>
-            </a:pPr>
-            <a:r>
-              <a:rPr lang="en" sz="1300">
-                <a:solidFill>
-                  <a:srgbClr val="FFFFFF"/>
-                </a:solidFill>
-                <a:latin typeface="Lato"/>
-                <a:ea typeface="Lato"/>
-                <a:cs typeface="Lato"/>
-                <a:sym typeface="Lato"/>
-              </a:rPr>
-              <a:t>Error increases significantly with increase in noise highlighting ill-conditioned behavior.</a:t>
-            </a:r>
-            <a:endParaRPr sz="1300">
-              <a:solidFill>
-                <a:srgbClr val="FFFFFF"/>
-              </a:solidFill>
-              <a:latin typeface="Lato"/>
-              <a:ea typeface="Lato"/>
-              <a:cs typeface="Lato"/>
-              <a:sym typeface="Lato"/>
-            </a:endParaRPr>
-          </a:p>
-          <a:p>
-            <a:pPr indent="-311150" lvl="0" marL="457200" rtl="0" algn="l">
-              <a:spcBef>
-                <a:spcPts val="0"/>
-              </a:spcBef>
-              <a:spcAft>
-                <a:spcPts val="0"/>
-              </a:spcAft>
-              <a:buClr>
-                <a:srgbClr val="FFFFFF"/>
-              </a:buClr>
-              <a:buSzPts val="1300"/>
-              <a:buFont typeface="Lato"/>
-              <a:buChar char="●"/>
-            </a:pPr>
-            <a:r>
-              <a:rPr lang="en" sz="1300">
-                <a:solidFill>
-                  <a:srgbClr val="FFFFFF"/>
-                </a:solidFill>
-                <a:latin typeface="Lato"/>
-                <a:ea typeface="Lato"/>
-                <a:cs typeface="Lato"/>
-                <a:sym typeface="Lato"/>
-              </a:rPr>
-              <a:t>Error increases with increase in size of matrix.</a:t>
-            </a:r>
-            <a:endParaRPr sz="1300">
-              <a:solidFill>
-                <a:srgbClr val="FFFFFF"/>
-              </a:solidFill>
-              <a:latin typeface="Lato"/>
-              <a:ea typeface="Lato"/>
-              <a:cs typeface="Lato"/>
-              <a:sym typeface="Lato"/>
-            </a:endParaRPr>
-          </a:p>
-          <a:p>
-            <a:pPr indent="-311150" lvl="0" marL="457200" rtl="0" algn="l">
-              <a:spcBef>
-                <a:spcPts val="0"/>
-              </a:spcBef>
-              <a:spcAft>
-                <a:spcPts val="0"/>
-              </a:spcAft>
-              <a:buClr>
-                <a:srgbClr val="FFFFFF"/>
-              </a:buClr>
-              <a:buSzPts val="1300"/>
-              <a:buFont typeface="Lato"/>
-              <a:buChar char="●"/>
-            </a:pPr>
-            <a:r>
-              <a:rPr lang="en" sz="1300">
-                <a:solidFill>
-                  <a:srgbClr val="FFFFFF"/>
-                </a:solidFill>
-                <a:latin typeface="Lato"/>
-                <a:ea typeface="Lato"/>
-                <a:cs typeface="Lato"/>
-                <a:sym typeface="Lato"/>
-              </a:rPr>
-              <a:t>Anomalies exist on account of random matrices.</a:t>
-            </a:r>
-            <a:endParaRPr sz="1300">
-              <a:solidFill>
-                <a:srgbClr val="FFFFFF"/>
-              </a:solidFill>
-              <a:latin typeface="Lato"/>
-              <a:ea typeface="Lato"/>
-              <a:cs typeface="Lato"/>
-              <a:sym typeface="Lato"/>
-            </a:endParaRPr>
-          </a:p>
-        </p:txBody>
-      </p:sp>
-    </p:spTree>
-  </p:cSld>
-  <p:clrMapOvr>
-    <a:masterClrMapping/>
-  </p:clrMapOvr>
-  <p:timing>
-    <p:tnLst>
-      <p:par>
-        <p:cTn dur="indefinite" nodeType="tmRoot" restart="never">
-          <p:childTnLst>
-            <p:seq concurrent="1" nextAc="seek">
-              <p:cTn dur="indefinite" id="2" nodeType="mainSeq">
-                <p:childTnLst>
-                  <p:par>
-                    <p:cTn fill="hold">
-                      <p:stCondLst>
-                        <p:cond delay="indefinite"/>
-                      </p:stCondLst>
-                      <p:childTnLst>
-                        <p:par>
-                          <p:cTn fill="hold">
-                            <p:stCondLst>
-                              <p:cond delay="0"/>
-                            </p:stCondLst>
-                            <p:childTnLst>
-                              <p:par>
-                                <p:cTn fill="hold" nodeType="clickEffect" presetClass="entr" presetID="10" presetSubtype="0">
-                                  <p:stCondLst>
-                                    <p:cond delay="0"/>
-                                  </p:stCondLst>
-                                  <p:childTnLst>
-                                    <p:set>
-                                      <p:cBhvr>
-                                        <p:cTn dur="1" fill="hold">
-                                          <p:stCondLst>
-                                            <p:cond delay="0"/>
-                                          </p:stCondLst>
-                                        </p:cTn>
-                                        <p:tgtEl>
-                                          <p:spTgt spid="180"/>
-                                        </p:tgtEl>
-                                        <p:attrNameLst>
-                                          <p:attrName>style.visibility</p:attrName>
-                                        </p:attrNameLst>
-                                      </p:cBhvr>
-                                      <p:to>
-                                        <p:strVal val="visible"/>
-                                      </p:to>
-                                    </p:set>
-                                    <p:animEffect filter="fade" transition="in">
-                                      <p:cBhvr>
-                                        <p:cTn dur="300"/>
-                                        <p:tgtEl>
-                                          <p:spTgt spid="180"/>
-                                        </p:tgtEl>
-                                      </p:cBhvr>
-                                    </p:animEffect>
-                                  </p:childTnLst>
-                                </p:cTn>
-                              </p:par>
-                            </p:childTnLst>
-                          </p:cTn>
-                        </p:par>
-                      </p:childTnLst>
-                    </p:cTn>
-                  </p:par>
-                  <p:par>
-                    <p:cTn fill="hold">
-                      <p:stCondLst>
-                        <p:cond delay="indefinite"/>
-                      </p:stCondLst>
-                      <p:childTnLst>
-                        <p:par>
-                          <p:cTn fill="hold">
-                            <p:stCondLst>
-                              <p:cond delay="0"/>
-                            </p:stCondLst>
-                            <p:childTnLst>
-                              <p:par>
                                 <p:cTn fill="hold" nodeType="clickEffect" presetClass="exit" presetID="10" presetSubtype="0">
                                   <p:stCondLst>
                                     <p:cond delay="0"/>
@@ -14174,7 +17525,7 @@
                                       <p:cBhvr>
                                         <p:cTn dur="300"/>
                                         <p:tgtEl>
-                                          <p:spTgt spid="180"/>
+                                          <p:spTgt spid="163"/>
                                         </p:tgtEl>
                                       </p:cBhvr>
                                     </p:animEffect>
@@ -14186,7 +17537,7 @@
                                           </p:stCondLst>
                                         </p:cTn>
                                         <p:tgtEl>
-                                          <p:spTgt spid="180"/>
+                                          <p:spTgt spid="163"/>
                                         </p:tgtEl>
                                         <p:attrNameLst>
                                           <p:attrName>style.visibility</p:attrName>
@@ -14231,7 +17582,7 @@
                                           </p:stCondLst>
                                         </p:cTn>
                                         <p:tgtEl>
-                                          <p:spTgt spid="181"/>
+                                          <p:spTgt spid="164"/>
                                         </p:tgtEl>
                                         <p:attrNameLst>
                                           <p:attrName>style.visibility</p:attrName>
@@ -14245,7 +17596,7 @@
                                       <p:cBhvr>
                                         <p:cTn dur="300"/>
                                         <p:tgtEl>
-                                          <p:spTgt spid="181"/>
+                                          <p:spTgt spid="164"/>
                                         </p:tgtEl>
                                       </p:cBhvr>
                                     </p:animEffect>
@@ -14280,7 +17631,7 @@
                                       <p:cBhvr>
                                         <p:cTn dur="300"/>
                                         <p:tgtEl>
-                                          <p:spTgt spid="181"/>
+                                          <p:spTgt spid="164"/>
                                         </p:tgtEl>
                                       </p:cBhvr>
                                     </p:animEffect>
@@ -14292,7 +17643,7 @@
                                           </p:stCondLst>
                                         </p:cTn>
                                         <p:tgtEl>
-                                          <p:spTgt spid="181"/>
+                                          <p:spTgt spid="164"/>
                                         </p:tgtEl>
                                         <p:attrNameLst>
                                           <p:attrName>style.visibility</p:attrName>
@@ -14337,7 +17688,7 @@
                                           </p:stCondLst>
                                         </p:cTn>
                                         <p:tgtEl>
-                                          <p:spTgt spid="182"/>
+                                          <p:spTgt spid="165"/>
                                         </p:tgtEl>
                                         <p:attrNameLst>
                                           <p:attrName>style.visibility</p:attrName>
@@ -14349,9 +17700,9 @@
                                     </p:set>
                                     <p:animEffect filter="fade" transition="in">
                                       <p:cBhvr>
-                                        <p:cTn dur="400"/>
+                                        <p:cTn dur="300"/>
                                         <p:tgtEl>
-                                          <p:spTgt spid="182"/>
+                                          <p:spTgt spid="165"/>
                                         </p:tgtEl>
                                       </p:cBhvr>
                                     </p:animEffect>
@@ -14384,9 +17735,9 @@
                                   <p:childTnLst>
                                     <p:animEffect filter="fade" transition="out">
                                       <p:cBhvr>
-                                        <p:cTn dur="500"/>
+                                        <p:cTn dur="300"/>
                                         <p:tgtEl>
-                                          <p:spTgt spid="182"/>
+                                          <p:spTgt spid="165"/>
                                         </p:tgtEl>
                                       </p:cBhvr>
                                     </p:animEffect>
@@ -14394,11 +17745,11 @@
                                       <p:cBhvr>
                                         <p:cTn dur="1" fill="hold">
                                           <p:stCondLst>
-                                            <p:cond delay="500"/>
+                                            <p:cond delay="300"/>
                                           </p:stCondLst>
                                         </p:cTn>
                                         <p:tgtEl>
-                                          <p:spTgt spid="182"/>
+                                          <p:spTgt spid="165"/>
                                         </p:tgtEl>
                                         <p:attrNameLst>
                                           <p:attrName>style.visibility</p:attrName>
@@ -14417,6 +17768,1079 @@
                       </p:childTnLst>
                     </p:cTn>
                   </p:par>
+                  <p:par>
+                    <p:cTn fill="hold">
+                      <p:stCondLst>
+                        <p:cond delay="indefinite"/>
+                      </p:stCondLst>
+                      <p:childTnLst>
+                        <p:par>
+                          <p:cTn fill="hold">
+                            <p:stCondLst>
+                              <p:cond delay="0"/>
+                            </p:stCondLst>
+                            <p:childTnLst>
+                              <p:par>
+                                <p:cTn fill="hold" nodeType="clickEffect" presetClass="entr" presetID="10" presetSubtype="0">
+                                  <p:stCondLst>
+                                    <p:cond delay="0"/>
+                                  </p:stCondLst>
+                                  <p:childTnLst>
+                                    <p:set>
+                                      <p:cBhvr>
+                                        <p:cTn dur="1" fill="hold">
+                                          <p:stCondLst>
+                                            <p:cond delay="0"/>
+                                          </p:stCondLst>
+                                        </p:cTn>
+                                        <p:tgtEl>
+                                          <p:spTgt spid="166"/>
+                                        </p:tgtEl>
+                                        <p:attrNameLst>
+                                          <p:attrName>style.visibility</p:attrName>
+                                        </p:attrNameLst>
+                                      </p:cBhvr>
+                                      <p:to>
+                                        <p:strVal val="visible"/>
+                                      </p:to>
+                                    </p:set>
+                                    <p:animEffect filter="fade" transition="in">
+                                      <p:cBhvr>
+                                        <p:cTn dur="300"/>
+                                        <p:tgtEl>
+                                          <p:spTgt spid="166"/>
+                                        </p:tgtEl>
+                                      </p:cBhvr>
+                                    </p:animEffect>
+                                  </p:childTnLst>
+                                </p:cTn>
+                              </p:par>
+                            </p:childTnLst>
+                          </p:cTn>
+                        </p:par>
+                      </p:childTnLst>
+                    </p:cTn>
+                  </p:par>
+                  <p:par>
+                    <p:cTn fill="hold">
+                      <p:stCondLst>
+                        <p:cond delay="indefinite"/>
+                      </p:stCondLst>
+                      <p:childTnLst>
+                        <p:par>
+                          <p:cTn fill="hold">
+                            <p:stCondLst>
+                              <p:cond delay="0"/>
+                            </p:stCondLst>
+                            <p:childTnLst>
+                              <p:par>
+                                <p:cTn fill="hold" nodeType="clickEffect" presetClass="exit" presetID="10" presetSubtype="0">
+                                  <p:stCondLst>
+                                    <p:cond delay="0"/>
+                                  </p:stCondLst>
+                                  <p:childTnLst>
+                                    <p:animEffect filter="fade" transition="out">
+                                      <p:cBhvr>
+                                        <p:cTn dur="300"/>
+                                        <p:tgtEl>
+                                          <p:spTgt spid="166"/>
+                                        </p:tgtEl>
+                                      </p:cBhvr>
+                                    </p:animEffect>
+                                    <p:set>
+                                      <p:cBhvr>
+                                        <p:cTn dur="1" fill="hold">
+                                          <p:stCondLst>
+                                            <p:cond delay="300"/>
+                                          </p:stCondLst>
+                                        </p:cTn>
+                                        <p:tgtEl>
+                                          <p:spTgt spid="166"/>
+                                        </p:tgtEl>
+                                        <p:attrNameLst>
+                                          <p:attrName>style.visibility</p:attrName>
+                                        </p:attrNameLst>
+                                      </p:cBhvr>
+                                      <p:to>
+                                        <p:strVal val="hidden"/>
+                                      </p:to>
+                                    </p:set>
+                                  </p:childTnLst>
+                                </p:cTn>
+                              </p:par>
+                            </p:childTnLst>
+                          </p:cTn>
+                        </p:par>
+                      </p:childTnLst>
+                    </p:cTn>
+                  </p:par>
+                </p:childTnLst>
+              </p:cTn>
+              <p:prevCondLst>
+                <p:cond evt="onPrev">
+                  <p:tgtEl>
+                    <p:sldTgt/>
+                  </p:tgtEl>
+                </p:cond>
+              </p:prevCondLst>
+              <p:nextCondLst>
+                <p:cond evt="onNext">
+                  <p:tgtEl>
+                    <p:sldTgt/>
+                  </p:tgtEl>
+                </p:cond>
+              </p:nextCondLst>
+            </p:seq>
+          </p:childTnLst>
+        </p:cTn>
+      </p:par>
+    </p:tnLst>
+  </p:timing>
+</p:sld>
+</file>
+
+<file path=ppt/slides/slide5.xml><?xml version="1.0" encoding="utf-8"?>
+<p:sld xmlns:a="http://schemas.openxmlformats.org/drawingml/2006/main" xmlns:r="http://schemas.openxmlformats.org/officeDocument/2006/relationships" xmlns:mc="http://schemas.openxmlformats.org/markup-compatibility/2006" xmlns:mv="urn:schemas-microsoft-com:mac:vml" xmlns:p="http://schemas.openxmlformats.org/presentationml/2006/main" xmlns:c="http://schemas.openxmlformats.org/drawingml/2006/chart" xmlns:dgm="http://schemas.openxmlformats.org/drawingml/2006/diagram" xmlns:o="urn:schemas-microsoft-com:office:office" xmlns:v="urn:schemas-microsoft-com:vml" xmlns:pvml="urn:schemas-microsoft-com:office:powerpoint" xmlns:com="http://schemas.openxmlformats.org/drawingml/2006/compatibility" xmlns:p14="http://schemas.microsoft.com/office/powerpoint/2010/main" xmlns:p15="http://schemas.microsoft.com/office/powerpoint/2012/main" xmlns:ahyp="http://schemas.microsoft.com/office/drawing/2018/hyperlinkcolor">
+  <p:cSld>
+    <p:spTree>
+      <p:nvGrpSpPr>
+        <p:cNvPr id="170" name="Shape 170"/>
+        <p:cNvGrpSpPr/>
+        <p:nvPr/>
+      </p:nvGrpSpPr>
+      <p:grpSpPr>
+        <a:xfrm>
+          <a:off x="0" y="0"/>
+          <a:ext cx="0" cy="0"/>
+          <a:chOff x="0" y="0"/>
+          <a:chExt cx="0" cy="0"/>
+        </a:xfrm>
+      </p:grpSpPr>
+      <p:sp>
+        <p:nvSpPr>
+          <p:cNvPr id="171" name="Google Shape;171;p17"/>
+          <p:cNvSpPr txBox="1"/>
+          <p:nvPr>
+            <p:ph idx="4294967295" type="body"/>
+          </p:nvPr>
+        </p:nvSpPr>
+        <p:spPr>
+          <a:xfrm>
+            <a:off x="562575" y="1628450"/>
+            <a:ext cx="2169900" cy="3168900"/>
+          </a:xfrm>
+          <a:prstGeom prst="rect">
+            <a:avLst/>
+          </a:prstGeom>
+        </p:spPr>
+        <p:txBody>
+          <a:bodyPr anchorCtr="0" anchor="t" bIns="91425" lIns="91425" spcFirstLastPara="1" rIns="91425" wrap="square" tIns="91425">
+            <a:noAutofit/>
+          </a:bodyPr>
+          <a:lstStyle/>
+          <a:p>
+            <a:pPr indent="0" lvl="0" marL="0" rtl="0" algn="l">
+              <a:lnSpc>
+                <a:spcPct val="115000"/>
+              </a:lnSpc>
+              <a:spcBef>
+                <a:spcPts val="0"/>
+              </a:spcBef>
+              <a:spcAft>
+                <a:spcPts val="0"/>
+              </a:spcAft>
+              <a:buNone/>
+            </a:pPr>
+            <a:r>
+              <a:rPr b="1" lang="en">
+                <a:solidFill>
+                  <a:srgbClr val="FFFFFF"/>
+                </a:solidFill>
+                <a:latin typeface="Lora"/>
+                <a:ea typeface="Lora"/>
+                <a:cs typeface="Lora"/>
+                <a:sym typeface="Lora"/>
+              </a:rPr>
+              <a:t>Part 2: Perturbation Effect of Pivoting</a:t>
+            </a:r>
+            <a:endParaRPr b="1">
+              <a:solidFill>
+                <a:srgbClr val="FFFFFF"/>
+              </a:solidFill>
+              <a:latin typeface="Lora"/>
+              <a:ea typeface="Lora"/>
+              <a:cs typeface="Lora"/>
+              <a:sym typeface="Lora"/>
+            </a:endParaRPr>
+          </a:p>
+          <a:p>
+            <a:pPr indent="-298450" lvl="0" marL="457200" rtl="0" algn="l">
+              <a:lnSpc>
+                <a:spcPct val="115000"/>
+              </a:lnSpc>
+              <a:spcBef>
+                <a:spcPts val="1600"/>
+              </a:spcBef>
+              <a:spcAft>
+                <a:spcPts val="0"/>
+              </a:spcAft>
+              <a:buClr>
+                <a:srgbClr val="FFFFFF"/>
+              </a:buClr>
+              <a:buSzPts val="1100"/>
+              <a:buChar char="●"/>
+            </a:pPr>
+            <a:r>
+              <a:rPr lang="en" sz="1100">
+                <a:solidFill>
+                  <a:srgbClr val="FFFFFF"/>
+                </a:solidFill>
+              </a:rPr>
+              <a:t>Here we have added noise in the parameters A and b (keeping the other same as original) </a:t>
+            </a:r>
+            <a:r>
+              <a:rPr lang="en" sz="1100">
+                <a:solidFill>
+                  <a:srgbClr val="FFFFFF"/>
+                </a:solidFill>
+              </a:rPr>
+              <a:t>observed</a:t>
+            </a:r>
+            <a:r>
+              <a:rPr lang="en" sz="1100">
+                <a:solidFill>
+                  <a:srgbClr val="FFFFFF"/>
+                </a:solidFill>
+              </a:rPr>
+              <a:t> their effect on the solution x.</a:t>
+            </a:r>
+            <a:endParaRPr sz="1100">
+              <a:solidFill>
+                <a:srgbClr val="FFFFFF"/>
+              </a:solidFill>
+            </a:endParaRPr>
+          </a:p>
+          <a:p>
+            <a:pPr indent="-298450" lvl="0" marL="457200" rtl="0" algn="l">
+              <a:lnSpc>
+                <a:spcPct val="115000"/>
+              </a:lnSpc>
+              <a:spcBef>
+                <a:spcPts val="0"/>
+              </a:spcBef>
+              <a:spcAft>
+                <a:spcPts val="0"/>
+              </a:spcAft>
+              <a:buClr>
+                <a:srgbClr val="FFFFFF"/>
+              </a:buClr>
+              <a:buSzPts val="1100"/>
+              <a:buChar char="●"/>
+            </a:pPr>
+            <a:r>
+              <a:rPr lang="en" sz="1100">
+                <a:solidFill>
+                  <a:srgbClr val="FFFFFF"/>
+                </a:solidFill>
+              </a:rPr>
+              <a:t>It is clear from these graphs that as the percentage noise added increases, the mean of error also increases.</a:t>
+            </a:r>
+            <a:endParaRPr sz="1100">
+              <a:solidFill>
+                <a:srgbClr val="FFFFFF"/>
+              </a:solidFill>
+            </a:endParaRPr>
+          </a:p>
+        </p:txBody>
+      </p:sp>
+      <p:pic>
+        <p:nvPicPr>
+          <p:cNvPr id="172" name="Google Shape;172;p17"/>
+          <p:cNvPicPr preferRelativeResize="0"/>
+          <p:nvPr/>
+        </p:nvPicPr>
+        <p:blipFill>
+          <a:blip r:embed="rId3">
+            <a:alphaModFix/>
+          </a:blip>
+          <a:stretch>
+            <a:fillRect/>
+          </a:stretch>
+        </p:blipFill>
+        <p:spPr>
+          <a:xfrm>
+            <a:off x="2830850" y="2571750"/>
+            <a:ext cx="3044050" cy="2225594"/>
+          </a:xfrm>
+          <a:prstGeom prst="rect">
+            <a:avLst/>
+          </a:prstGeom>
+          <a:noFill/>
+          <a:ln cap="flat" cmpd="sng" w="9525">
+            <a:solidFill>
+              <a:schemeClr val="dk2"/>
+            </a:solidFill>
+            <a:prstDash val="solid"/>
+            <a:round/>
+            <a:headEnd len="sm" w="sm" type="none"/>
+            <a:tailEnd len="sm" w="sm" type="none"/>
+          </a:ln>
+        </p:spPr>
+      </p:pic>
+      <p:pic>
+        <p:nvPicPr>
+          <p:cNvPr id="173" name="Google Shape;173;p17"/>
+          <p:cNvPicPr preferRelativeResize="0"/>
+          <p:nvPr/>
+        </p:nvPicPr>
+        <p:blipFill>
+          <a:blip r:embed="rId4">
+            <a:alphaModFix/>
+          </a:blip>
+          <a:stretch>
+            <a:fillRect/>
+          </a:stretch>
+        </p:blipFill>
+        <p:spPr>
+          <a:xfrm>
+            <a:off x="5874900" y="346139"/>
+            <a:ext cx="3044050" cy="2225612"/>
+          </a:xfrm>
+          <a:prstGeom prst="rect">
+            <a:avLst/>
+          </a:prstGeom>
+          <a:noFill/>
+          <a:ln cap="flat" cmpd="sng" w="9525">
+            <a:solidFill>
+              <a:schemeClr val="dk2"/>
+            </a:solidFill>
+            <a:prstDash val="solid"/>
+            <a:round/>
+            <a:headEnd len="sm" w="sm" type="none"/>
+            <a:tailEnd len="sm" w="sm" type="none"/>
+          </a:ln>
+        </p:spPr>
+      </p:pic>
+      <p:pic>
+        <p:nvPicPr>
+          <p:cNvPr id="174" name="Google Shape;174;p17"/>
+          <p:cNvPicPr preferRelativeResize="0"/>
+          <p:nvPr/>
+        </p:nvPicPr>
+        <p:blipFill>
+          <a:blip r:embed="rId5">
+            <a:alphaModFix/>
+          </a:blip>
+          <a:stretch>
+            <a:fillRect/>
+          </a:stretch>
+        </p:blipFill>
+        <p:spPr>
+          <a:xfrm>
+            <a:off x="5874900" y="2571750"/>
+            <a:ext cx="3044050" cy="2225597"/>
+          </a:xfrm>
+          <a:prstGeom prst="rect">
+            <a:avLst/>
+          </a:prstGeom>
+          <a:noFill/>
+          <a:ln cap="flat" cmpd="sng" w="9525">
+            <a:solidFill>
+              <a:schemeClr val="dk2"/>
+            </a:solidFill>
+            <a:prstDash val="solid"/>
+            <a:round/>
+            <a:headEnd len="sm" w="sm" type="none"/>
+            <a:tailEnd len="sm" w="sm" type="none"/>
+          </a:ln>
+        </p:spPr>
+      </p:pic>
+      <p:pic>
+        <p:nvPicPr>
+          <p:cNvPr id="175" name="Google Shape;175;p17"/>
+          <p:cNvPicPr preferRelativeResize="0"/>
+          <p:nvPr/>
+        </p:nvPicPr>
+        <p:blipFill>
+          <a:blip r:embed="rId6">
+            <a:alphaModFix/>
+          </a:blip>
+          <a:stretch>
+            <a:fillRect/>
+          </a:stretch>
+        </p:blipFill>
+        <p:spPr>
+          <a:xfrm>
+            <a:off x="2830843" y="346149"/>
+            <a:ext cx="3044045" cy="2225600"/>
+          </a:xfrm>
+          <a:prstGeom prst="rect">
+            <a:avLst/>
+          </a:prstGeom>
+          <a:noFill/>
+          <a:ln cap="flat" cmpd="sng" w="9525">
+            <a:solidFill>
+              <a:schemeClr val="dk2"/>
+            </a:solidFill>
+            <a:prstDash val="solid"/>
+            <a:round/>
+            <a:headEnd len="sm" w="sm" type="none"/>
+            <a:tailEnd len="sm" w="sm" type="none"/>
+          </a:ln>
+        </p:spPr>
+      </p:pic>
+      <p:sp>
+        <p:nvSpPr>
+          <p:cNvPr id="176" name="Google Shape;176;p17"/>
+          <p:cNvSpPr txBox="1"/>
+          <p:nvPr/>
+        </p:nvSpPr>
+        <p:spPr>
+          <a:xfrm>
+            <a:off x="1107275" y="583550"/>
+            <a:ext cx="1723500" cy="1044900"/>
+          </a:xfrm>
+          <a:prstGeom prst="rect">
+            <a:avLst/>
+          </a:prstGeom>
+          <a:noFill/>
+          <a:ln>
+            <a:noFill/>
+          </a:ln>
+        </p:spPr>
+        <p:txBody>
+          <a:bodyPr anchorCtr="0" anchor="t" bIns="91425" lIns="91425" spcFirstLastPara="1" rIns="91425" wrap="square" tIns="91425">
+            <a:noAutofit/>
+          </a:bodyPr>
+          <a:lstStyle/>
+          <a:p>
+            <a:pPr indent="0" lvl="0" marL="0" rtl="0" algn="l">
+              <a:lnSpc>
+                <a:spcPct val="115000"/>
+              </a:lnSpc>
+              <a:spcBef>
+                <a:spcPts val="0"/>
+              </a:spcBef>
+              <a:spcAft>
+                <a:spcPts val="0"/>
+              </a:spcAft>
+              <a:buNone/>
+            </a:pPr>
+            <a:r>
+              <a:rPr b="1" lang="en" sz="1600">
+                <a:solidFill>
+                  <a:srgbClr val="FFFFFF"/>
+                </a:solidFill>
+                <a:latin typeface="Lora"/>
+                <a:ea typeface="Lora"/>
+                <a:cs typeface="Lora"/>
+                <a:sym typeface="Lora"/>
+              </a:rPr>
+              <a:t>Section 2: Gaussian Elimination</a:t>
+            </a:r>
+            <a:endParaRPr sz="1600">
+              <a:latin typeface="Lato"/>
+              <a:ea typeface="Lato"/>
+              <a:cs typeface="Lato"/>
+              <a:sym typeface="Lato"/>
+            </a:endParaRPr>
+          </a:p>
+        </p:txBody>
+      </p:sp>
+    </p:spTree>
+  </p:cSld>
+  <p:clrMapOvr>
+    <a:masterClrMapping/>
+  </p:clrMapOvr>
+</p:sld>
+</file>
+
+<file path=ppt/slides/slide6.xml><?xml version="1.0" encoding="utf-8"?>
+<p:sld xmlns:a="http://schemas.openxmlformats.org/drawingml/2006/main" xmlns:r="http://schemas.openxmlformats.org/officeDocument/2006/relationships" xmlns:mc="http://schemas.openxmlformats.org/markup-compatibility/2006" xmlns:mv="urn:schemas-microsoft-com:mac:vml" xmlns:p="http://schemas.openxmlformats.org/presentationml/2006/main" xmlns:c="http://schemas.openxmlformats.org/drawingml/2006/chart" xmlns:dgm="http://schemas.openxmlformats.org/drawingml/2006/diagram" xmlns:o="urn:schemas-microsoft-com:office:office" xmlns:v="urn:schemas-microsoft-com:vml" xmlns:pvml="urn:schemas-microsoft-com:office:powerpoint" xmlns:com="http://schemas.openxmlformats.org/drawingml/2006/compatibility" xmlns:p14="http://schemas.microsoft.com/office/powerpoint/2010/main" xmlns:p15="http://schemas.microsoft.com/office/powerpoint/2012/main" xmlns:ahyp="http://schemas.microsoft.com/office/drawing/2018/hyperlinkcolor">
+  <p:cSld>
+    <p:spTree>
+      <p:nvGrpSpPr>
+        <p:cNvPr id="180" name="Shape 180"/>
+        <p:cNvGrpSpPr/>
+        <p:nvPr/>
+      </p:nvGrpSpPr>
+      <p:grpSpPr>
+        <a:xfrm>
+          <a:off x="0" y="0"/>
+          <a:ext cx="0" cy="0"/>
+          <a:chOff x="0" y="0"/>
+          <a:chExt cx="0" cy="0"/>
+        </a:xfrm>
+      </p:grpSpPr>
+      <p:sp>
+        <p:nvSpPr>
+          <p:cNvPr id="181" name="Google Shape;181;p18"/>
+          <p:cNvSpPr txBox="1"/>
+          <p:nvPr>
+            <p:ph type="title"/>
+          </p:nvPr>
+        </p:nvSpPr>
+        <p:spPr>
+          <a:xfrm>
+            <a:off x="1297500" y="189600"/>
+            <a:ext cx="7038900" cy="914100"/>
+          </a:xfrm>
+          <a:prstGeom prst="rect">
+            <a:avLst/>
+          </a:prstGeom>
+        </p:spPr>
+        <p:txBody>
+          <a:bodyPr anchorCtr="0" anchor="t" bIns="91425" lIns="91425" spcFirstLastPara="1" rIns="91425" wrap="square" tIns="91425">
+            <a:noAutofit/>
+          </a:bodyPr>
+          <a:lstStyle/>
+          <a:p>
+            <a:pPr indent="0" lvl="0" marL="0" rtl="0" algn="ctr">
+              <a:lnSpc>
+                <a:spcPct val="115000"/>
+              </a:lnSpc>
+              <a:spcBef>
+                <a:spcPts val="0"/>
+              </a:spcBef>
+              <a:spcAft>
+                <a:spcPts val="0"/>
+              </a:spcAft>
+              <a:buNone/>
+            </a:pPr>
+            <a:r>
+              <a:rPr b="1" lang="en">
+                <a:latin typeface="Lora"/>
+                <a:ea typeface="Lora"/>
+                <a:cs typeface="Lora"/>
+                <a:sym typeface="Lora"/>
+              </a:rPr>
+              <a:t>Section 2: Gaussian Elimination</a:t>
+            </a:r>
+            <a:endParaRPr b="1">
+              <a:latin typeface="Lora"/>
+              <a:ea typeface="Lora"/>
+              <a:cs typeface="Lora"/>
+              <a:sym typeface="Lora"/>
+            </a:endParaRPr>
+          </a:p>
+          <a:p>
+            <a:pPr indent="0" lvl="0" marL="0" rtl="0" algn="ctr">
+              <a:lnSpc>
+                <a:spcPct val="115000"/>
+              </a:lnSpc>
+              <a:spcBef>
+                <a:spcPts val="0"/>
+              </a:spcBef>
+              <a:spcAft>
+                <a:spcPts val="0"/>
+              </a:spcAft>
+              <a:buNone/>
+            </a:pPr>
+            <a:r>
+              <a:rPr b="1" lang="en" sz="2000">
+                <a:latin typeface="Lora"/>
+                <a:ea typeface="Lora"/>
+                <a:cs typeface="Lora"/>
+                <a:sym typeface="Lora"/>
+              </a:rPr>
+              <a:t>Part 3: </a:t>
+            </a:r>
+            <a:r>
+              <a:rPr b="1" lang="en" sz="2000">
+                <a:latin typeface="Lora"/>
+                <a:ea typeface="Lora"/>
+                <a:cs typeface="Lora"/>
+                <a:sym typeface="Lora"/>
+              </a:rPr>
+              <a:t>Analysis of Vandermonde Matrices</a:t>
+            </a:r>
+            <a:endParaRPr sz="2000"/>
+          </a:p>
+        </p:txBody>
+      </p:sp>
+      <p:sp>
+        <p:nvSpPr>
+          <p:cNvPr id="182" name="Google Shape;182;p18"/>
+          <p:cNvSpPr txBox="1"/>
+          <p:nvPr>
+            <p:ph idx="1" type="body"/>
+          </p:nvPr>
+        </p:nvSpPr>
+        <p:spPr>
+          <a:xfrm>
+            <a:off x="323000" y="873300"/>
+            <a:ext cx="8669100" cy="4146900"/>
+          </a:xfrm>
+          <a:prstGeom prst="rect">
+            <a:avLst/>
+          </a:prstGeom>
+        </p:spPr>
+        <p:txBody>
+          <a:bodyPr anchorCtr="0" anchor="t" bIns="91425" lIns="91425" spcFirstLastPara="1" rIns="91425" wrap="square" tIns="91425">
+            <a:noAutofit/>
+          </a:bodyPr>
+          <a:lstStyle/>
+          <a:p>
+            <a:pPr indent="0" lvl="0" marL="0" rtl="0" algn="l">
+              <a:spcBef>
+                <a:spcPts val="0"/>
+              </a:spcBef>
+              <a:spcAft>
+                <a:spcPts val="1600"/>
+              </a:spcAft>
+              <a:buNone/>
+            </a:pPr>
+            <a:r>
+              <a:t/>
+            </a:r>
+            <a:endParaRPr/>
+          </a:p>
+        </p:txBody>
+      </p:sp>
+      <p:pic>
+        <p:nvPicPr>
+          <p:cNvPr id="183" name="Google Shape;183;p18"/>
+          <p:cNvPicPr preferRelativeResize="0"/>
+          <p:nvPr/>
+        </p:nvPicPr>
+        <p:blipFill rotWithShape="1">
+          <a:blip r:embed="rId3">
+            <a:alphaModFix/>
+          </a:blip>
+          <a:srcRect b="0" l="8010" r="6409" t="0"/>
+          <a:stretch/>
+        </p:blipFill>
+        <p:spPr>
+          <a:xfrm>
+            <a:off x="442825" y="1066700"/>
+            <a:ext cx="4021899" cy="2289700"/>
+          </a:xfrm>
+          <a:prstGeom prst="rect">
+            <a:avLst/>
+          </a:prstGeom>
+          <a:noFill/>
+          <a:ln>
+            <a:noFill/>
+          </a:ln>
+        </p:spPr>
+      </p:pic>
+      <p:pic>
+        <p:nvPicPr>
+          <p:cNvPr id="184" name="Google Shape;184;p18"/>
+          <p:cNvPicPr preferRelativeResize="0"/>
+          <p:nvPr/>
+        </p:nvPicPr>
+        <p:blipFill rotWithShape="1">
+          <a:blip r:embed="rId4">
+            <a:alphaModFix/>
+          </a:blip>
+          <a:srcRect b="0" l="8057" r="6676" t="0"/>
+          <a:stretch/>
+        </p:blipFill>
+        <p:spPr>
+          <a:xfrm>
+            <a:off x="544600" y="1080250"/>
+            <a:ext cx="4071300" cy="2081765"/>
+          </a:xfrm>
+          <a:prstGeom prst="rect">
+            <a:avLst/>
+          </a:prstGeom>
+          <a:noFill/>
+          <a:ln>
+            <a:noFill/>
+          </a:ln>
+        </p:spPr>
+      </p:pic>
+      <p:pic>
+        <p:nvPicPr>
+          <p:cNvPr id="185" name="Google Shape;185;p18"/>
+          <p:cNvPicPr preferRelativeResize="0"/>
+          <p:nvPr/>
+        </p:nvPicPr>
+        <p:blipFill>
+          <a:blip r:embed="rId5">
+            <a:alphaModFix/>
+          </a:blip>
+          <a:stretch>
+            <a:fillRect/>
+          </a:stretch>
+        </p:blipFill>
+        <p:spPr>
+          <a:xfrm>
+            <a:off x="442825" y="1142901"/>
+            <a:ext cx="4071310" cy="2050250"/>
+          </a:xfrm>
+          <a:prstGeom prst="rect">
+            <a:avLst/>
+          </a:prstGeom>
+          <a:noFill/>
+          <a:ln>
+            <a:noFill/>
+          </a:ln>
+        </p:spPr>
+      </p:pic>
+      <p:pic>
+        <p:nvPicPr>
+          <p:cNvPr id="186" name="Google Shape;186;p18"/>
+          <p:cNvPicPr preferRelativeResize="0"/>
+          <p:nvPr/>
+        </p:nvPicPr>
+        <p:blipFill rotWithShape="1">
+          <a:blip r:embed="rId6">
+            <a:alphaModFix/>
+          </a:blip>
+          <a:srcRect b="0" l="0" r="7295" t="0"/>
+          <a:stretch/>
+        </p:blipFill>
+        <p:spPr>
+          <a:xfrm>
+            <a:off x="676025" y="1031350"/>
+            <a:ext cx="3385200" cy="2884075"/>
+          </a:xfrm>
+          <a:prstGeom prst="rect">
+            <a:avLst/>
+          </a:prstGeom>
+          <a:noFill/>
+          <a:ln>
+            <a:noFill/>
+          </a:ln>
+        </p:spPr>
+      </p:pic>
+      <p:sp>
+        <p:nvSpPr>
+          <p:cNvPr id="187" name="Google Shape;187;p18"/>
+          <p:cNvSpPr txBox="1"/>
+          <p:nvPr/>
+        </p:nvSpPr>
+        <p:spPr>
+          <a:xfrm>
+            <a:off x="4811325" y="1103700"/>
+            <a:ext cx="3954000" cy="3686100"/>
+          </a:xfrm>
+          <a:prstGeom prst="rect">
+            <a:avLst/>
+          </a:prstGeom>
+          <a:noFill/>
+          <a:ln>
+            <a:noFill/>
+          </a:ln>
+        </p:spPr>
+        <p:txBody>
+          <a:bodyPr anchorCtr="0" anchor="t" bIns="91425" lIns="91425" spcFirstLastPara="1" rIns="91425" wrap="square" tIns="91425">
+            <a:noAutofit/>
+          </a:bodyPr>
+          <a:lstStyle/>
+          <a:p>
+            <a:pPr indent="-311150" lvl="0" marL="457200" rtl="0" algn="l">
+              <a:spcBef>
+                <a:spcPts val="0"/>
+              </a:spcBef>
+              <a:spcAft>
+                <a:spcPts val="0"/>
+              </a:spcAft>
+              <a:buClr>
+                <a:srgbClr val="FFFFFF"/>
+              </a:buClr>
+              <a:buSzPts val="1300"/>
+              <a:buFont typeface="Lato"/>
+              <a:buChar char="●"/>
+            </a:pPr>
+            <a:r>
+              <a:rPr lang="en" sz="1300">
+                <a:solidFill>
+                  <a:srgbClr val="FFFFFF"/>
+                </a:solidFill>
+                <a:latin typeface="Lato"/>
+                <a:ea typeface="Lato"/>
+                <a:cs typeface="Lato"/>
+                <a:sym typeface="Lato"/>
+              </a:rPr>
+              <a:t>Vandermonde Matrices are inherently ill-conditioned.</a:t>
+            </a:r>
+            <a:endParaRPr sz="1300">
+              <a:solidFill>
+                <a:srgbClr val="FFFFFF"/>
+              </a:solidFill>
+              <a:latin typeface="Lato"/>
+              <a:ea typeface="Lato"/>
+              <a:cs typeface="Lato"/>
+              <a:sym typeface="Lato"/>
+            </a:endParaRPr>
+          </a:p>
+          <a:p>
+            <a:pPr indent="-311150" lvl="0" marL="457200" rtl="0" algn="l">
+              <a:spcBef>
+                <a:spcPts val="0"/>
+              </a:spcBef>
+              <a:spcAft>
+                <a:spcPts val="0"/>
+              </a:spcAft>
+              <a:buClr>
+                <a:srgbClr val="FFFFFF"/>
+              </a:buClr>
+              <a:buSzPts val="1300"/>
+              <a:buFont typeface="Lato"/>
+              <a:buChar char="●"/>
+            </a:pPr>
+            <a:r>
+              <a:rPr lang="en" sz="1300">
+                <a:solidFill>
+                  <a:srgbClr val="FFFFFF"/>
+                </a:solidFill>
+                <a:latin typeface="Lato"/>
+                <a:ea typeface="Lato"/>
+                <a:cs typeface="Lato"/>
+                <a:sym typeface="Lato"/>
+              </a:rPr>
+              <a:t>Experiment 1 : Varying Noise in requirement vector </a:t>
+            </a:r>
+            <a:endParaRPr sz="1300">
+              <a:solidFill>
+                <a:srgbClr val="FFFFFF"/>
+              </a:solidFill>
+              <a:latin typeface="Lato"/>
+              <a:ea typeface="Lato"/>
+              <a:cs typeface="Lato"/>
+              <a:sym typeface="Lato"/>
+            </a:endParaRPr>
+          </a:p>
+          <a:p>
+            <a:pPr indent="-311150" lvl="0" marL="457200" rtl="0" algn="l">
+              <a:spcBef>
+                <a:spcPts val="0"/>
+              </a:spcBef>
+              <a:spcAft>
+                <a:spcPts val="0"/>
+              </a:spcAft>
+              <a:buClr>
+                <a:srgbClr val="FFFFFF"/>
+              </a:buClr>
+              <a:buSzPts val="1300"/>
+              <a:buFont typeface="Lato"/>
+              <a:buChar char="●"/>
+            </a:pPr>
+            <a:r>
+              <a:rPr lang="en" sz="1300">
+                <a:solidFill>
+                  <a:srgbClr val="FFFFFF"/>
+                </a:solidFill>
+                <a:latin typeface="Lato"/>
+                <a:ea typeface="Lato"/>
+                <a:cs typeface="Lato"/>
+                <a:sym typeface="Lato"/>
+              </a:rPr>
+              <a:t>Experiment 2 : Varying Dimension of Vandermonde Matrix</a:t>
+            </a:r>
+            <a:endParaRPr sz="1300">
+              <a:solidFill>
+                <a:srgbClr val="FFFFFF"/>
+              </a:solidFill>
+              <a:latin typeface="Lato"/>
+              <a:ea typeface="Lato"/>
+              <a:cs typeface="Lato"/>
+              <a:sym typeface="Lato"/>
+            </a:endParaRPr>
+          </a:p>
+          <a:p>
+            <a:pPr indent="-311150" lvl="0" marL="457200" rtl="0" algn="l">
+              <a:spcBef>
+                <a:spcPts val="0"/>
+              </a:spcBef>
+              <a:spcAft>
+                <a:spcPts val="0"/>
+              </a:spcAft>
+              <a:buClr>
+                <a:srgbClr val="FFFFFF"/>
+              </a:buClr>
+              <a:buSzPts val="1300"/>
+              <a:buFont typeface="Lato"/>
+              <a:buChar char="●"/>
+            </a:pPr>
+            <a:r>
+              <a:rPr lang="en" sz="1300">
+                <a:solidFill>
+                  <a:srgbClr val="FFFFFF"/>
+                </a:solidFill>
+                <a:latin typeface="Lato"/>
+                <a:ea typeface="Lato"/>
+                <a:cs typeface="Lato"/>
+                <a:sym typeface="Lato"/>
+              </a:rPr>
+              <a:t>Perform above two with Basic Gauss Elimination and Partial Pivoting</a:t>
+            </a:r>
+            <a:endParaRPr sz="1300">
+              <a:solidFill>
+                <a:srgbClr val="FFFFFF"/>
+              </a:solidFill>
+              <a:latin typeface="Lato"/>
+              <a:ea typeface="Lato"/>
+              <a:cs typeface="Lato"/>
+              <a:sym typeface="Lato"/>
+            </a:endParaRPr>
+          </a:p>
+          <a:p>
+            <a:pPr indent="-311150" lvl="0" marL="457200" rtl="0" algn="l">
+              <a:spcBef>
+                <a:spcPts val="0"/>
+              </a:spcBef>
+              <a:spcAft>
+                <a:spcPts val="0"/>
+              </a:spcAft>
+              <a:buClr>
+                <a:srgbClr val="FFFFFF"/>
+              </a:buClr>
+              <a:buSzPts val="1300"/>
+              <a:buFont typeface="Lato"/>
+              <a:buChar char="●"/>
+            </a:pPr>
+            <a:r>
+              <a:rPr lang="en" sz="1300">
+                <a:solidFill>
+                  <a:srgbClr val="FFFFFF"/>
+                </a:solidFill>
+                <a:latin typeface="Lato"/>
+                <a:ea typeface="Lato"/>
+                <a:cs typeface="Lato"/>
+                <a:sym typeface="Lato"/>
+              </a:rPr>
+              <a:t>Analyze error vector, mean and standard deviation</a:t>
+            </a:r>
+            <a:endParaRPr sz="1300">
+              <a:solidFill>
+                <a:srgbClr val="FFFFFF"/>
+              </a:solidFill>
+              <a:latin typeface="Lato"/>
+              <a:ea typeface="Lato"/>
+              <a:cs typeface="Lato"/>
+              <a:sym typeface="Lato"/>
+            </a:endParaRPr>
+          </a:p>
+          <a:p>
+            <a:pPr indent="-311150" lvl="0" marL="457200" rtl="0" algn="l">
+              <a:spcBef>
+                <a:spcPts val="0"/>
+              </a:spcBef>
+              <a:spcAft>
+                <a:spcPts val="0"/>
+              </a:spcAft>
+              <a:buClr>
+                <a:srgbClr val="FFFFFF"/>
+              </a:buClr>
+              <a:buSzPts val="1300"/>
+              <a:buFont typeface="Lato"/>
+              <a:buChar char="●"/>
+            </a:pPr>
+            <a:r>
+              <a:rPr lang="en" sz="1300">
+                <a:solidFill>
+                  <a:srgbClr val="FFFFFF"/>
+                </a:solidFill>
+                <a:latin typeface="Lato"/>
+                <a:ea typeface="Lato"/>
+                <a:cs typeface="Lato"/>
+                <a:sym typeface="Lato"/>
+              </a:rPr>
+              <a:t>Error increases significantly with increase in noise highlighting ill-conditioned behavior.</a:t>
+            </a:r>
+            <a:endParaRPr sz="1300">
+              <a:solidFill>
+                <a:srgbClr val="FFFFFF"/>
+              </a:solidFill>
+              <a:latin typeface="Lato"/>
+              <a:ea typeface="Lato"/>
+              <a:cs typeface="Lato"/>
+              <a:sym typeface="Lato"/>
+            </a:endParaRPr>
+          </a:p>
+          <a:p>
+            <a:pPr indent="-311150" lvl="0" marL="457200" rtl="0" algn="l">
+              <a:spcBef>
+                <a:spcPts val="0"/>
+              </a:spcBef>
+              <a:spcAft>
+                <a:spcPts val="0"/>
+              </a:spcAft>
+              <a:buClr>
+                <a:srgbClr val="FFFFFF"/>
+              </a:buClr>
+              <a:buSzPts val="1300"/>
+              <a:buFont typeface="Lato"/>
+              <a:buChar char="●"/>
+            </a:pPr>
+            <a:r>
+              <a:rPr lang="en" sz="1300">
+                <a:solidFill>
+                  <a:srgbClr val="FFFFFF"/>
+                </a:solidFill>
+                <a:latin typeface="Lato"/>
+                <a:ea typeface="Lato"/>
+                <a:cs typeface="Lato"/>
+                <a:sym typeface="Lato"/>
+              </a:rPr>
+              <a:t>Error increases with increase in size of matrix.</a:t>
+            </a:r>
+            <a:endParaRPr sz="1300">
+              <a:solidFill>
+                <a:srgbClr val="FFFFFF"/>
+              </a:solidFill>
+              <a:latin typeface="Lato"/>
+              <a:ea typeface="Lato"/>
+              <a:cs typeface="Lato"/>
+              <a:sym typeface="Lato"/>
+            </a:endParaRPr>
+          </a:p>
+          <a:p>
+            <a:pPr indent="-311150" lvl="0" marL="457200" rtl="0" algn="l">
+              <a:spcBef>
+                <a:spcPts val="0"/>
+              </a:spcBef>
+              <a:spcAft>
+                <a:spcPts val="0"/>
+              </a:spcAft>
+              <a:buClr>
+                <a:srgbClr val="FFFFFF"/>
+              </a:buClr>
+              <a:buSzPts val="1300"/>
+              <a:buFont typeface="Lato"/>
+              <a:buChar char="●"/>
+            </a:pPr>
+            <a:r>
+              <a:rPr lang="en" sz="1300">
+                <a:solidFill>
+                  <a:srgbClr val="FFFFFF"/>
+                </a:solidFill>
+                <a:latin typeface="Lato"/>
+                <a:ea typeface="Lato"/>
+                <a:cs typeface="Lato"/>
+                <a:sym typeface="Lato"/>
+              </a:rPr>
+              <a:t>Anomalies exist on account of random matrices.</a:t>
+            </a:r>
+            <a:endParaRPr sz="1300">
+              <a:solidFill>
+                <a:srgbClr val="FFFFFF"/>
+              </a:solidFill>
+              <a:latin typeface="Lato"/>
+              <a:ea typeface="Lato"/>
+              <a:cs typeface="Lato"/>
+              <a:sym typeface="Lato"/>
+            </a:endParaRPr>
+          </a:p>
+        </p:txBody>
+      </p:sp>
+    </p:spTree>
+  </p:cSld>
+  <p:clrMapOvr>
+    <a:masterClrMapping/>
+  </p:clrMapOvr>
+  <p:timing>
+    <p:tnLst>
+      <p:par>
+        <p:cTn dur="indefinite" nodeType="tmRoot" restart="never">
+          <p:childTnLst>
+            <p:seq concurrent="1" nextAc="seek">
+              <p:cTn dur="indefinite" id="2" nodeType="mainSeq">
+                <p:childTnLst>
                   <p:par>
                     <p:cTn fill="hold">
                       <p:stCondLst>
@@ -14523,6 +18947,324 @@
                       </p:childTnLst>
                     </p:cTn>
                   </p:par>
+                  <p:par>
+                    <p:cTn fill="hold">
+                      <p:stCondLst>
+                        <p:cond delay="indefinite"/>
+                      </p:stCondLst>
+                      <p:childTnLst>
+                        <p:par>
+                          <p:cTn fill="hold">
+                            <p:stCondLst>
+                              <p:cond delay="0"/>
+                            </p:stCondLst>
+                            <p:childTnLst>
+                              <p:par>
+                                <p:cTn fill="hold" nodeType="clickEffect" presetClass="entr" presetID="10" presetSubtype="0">
+                                  <p:stCondLst>
+                                    <p:cond delay="0"/>
+                                  </p:stCondLst>
+                                  <p:childTnLst>
+                                    <p:set>
+                                      <p:cBhvr>
+                                        <p:cTn dur="1" fill="hold">
+                                          <p:stCondLst>
+                                            <p:cond delay="0"/>
+                                          </p:stCondLst>
+                                        </p:cTn>
+                                        <p:tgtEl>
+                                          <p:spTgt spid="184"/>
+                                        </p:tgtEl>
+                                        <p:attrNameLst>
+                                          <p:attrName>style.visibility</p:attrName>
+                                        </p:attrNameLst>
+                                      </p:cBhvr>
+                                      <p:to>
+                                        <p:strVal val="visible"/>
+                                      </p:to>
+                                    </p:set>
+                                    <p:animEffect filter="fade" transition="in">
+                                      <p:cBhvr>
+                                        <p:cTn dur="300"/>
+                                        <p:tgtEl>
+                                          <p:spTgt spid="184"/>
+                                        </p:tgtEl>
+                                      </p:cBhvr>
+                                    </p:animEffect>
+                                  </p:childTnLst>
+                                </p:cTn>
+                              </p:par>
+                            </p:childTnLst>
+                          </p:cTn>
+                        </p:par>
+                      </p:childTnLst>
+                    </p:cTn>
+                  </p:par>
+                  <p:par>
+                    <p:cTn fill="hold">
+                      <p:stCondLst>
+                        <p:cond delay="indefinite"/>
+                      </p:stCondLst>
+                      <p:childTnLst>
+                        <p:par>
+                          <p:cTn fill="hold">
+                            <p:stCondLst>
+                              <p:cond delay="0"/>
+                            </p:stCondLst>
+                            <p:childTnLst>
+                              <p:par>
+                                <p:cTn fill="hold" nodeType="clickEffect" presetClass="exit" presetID="10" presetSubtype="0">
+                                  <p:stCondLst>
+                                    <p:cond delay="0"/>
+                                  </p:stCondLst>
+                                  <p:childTnLst>
+                                    <p:animEffect filter="fade" transition="out">
+                                      <p:cBhvr>
+                                        <p:cTn dur="300"/>
+                                        <p:tgtEl>
+                                          <p:spTgt spid="184"/>
+                                        </p:tgtEl>
+                                      </p:cBhvr>
+                                    </p:animEffect>
+                                    <p:set>
+                                      <p:cBhvr>
+                                        <p:cTn dur="1" fill="hold">
+                                          <p:stCondLst>
+                                            <p:cond delay="300"/>
+                                          </p:stCondLst>
+                                        </p:cTn>
+                                        <p:tgtEl>
+                                          <p:spTgt spid="184"/>
+                                        </p:tgtEl>
+                                        <p:attrNameLst>
+                                          <p:attrName>style.visibility</p:attrName>
+                                        </p:attrNameLst>
+                                      </p:cBhvr>
+                                      <p:to>
+                                        <p:strVal val="hidden"/>
+                                      </p:to>
+                                    </p:set>
+                                  </p:childTnLst>
+                                </p:cTn>
+                              </p:par>
+                            </p:childTnLst>
+                          </p:cTn>
+                        </p:par>
+                      </p:childTnLst>
+                    </p:cTn>
+                  </p:par>
+                  <p:par>
+                    <p:cTn fill="hold">
+                      <p:stCondLst>
+                        <p:cond delay="indefinite"/>
+                      </p:stCondLst>
+                      <p:childTnLst>
+                        <p:par>
+                          <p:cTn fill="hold">
+                            <p:stCondLst>
+                              <p:cond delay="0"/>
+                            </p:stCondLst>
+                            <p:childTnLst>
+                              <p:par>
+                                <p:cTn fill="hold" nodeType="clickEffect" presetClass="entr" presetID="10" presetSubtype="0">
+                                  <p:stCondLst>
+                                    <p:cond delay="0"/>
+                                  </p:stCondLst>
+                                  <p:childTnLst>
+                                    <p:set>
+                                      <p:cBhvr>
+                                        <p:cTn dur="1" fill="hold">
+                                          <p:stCondLst>
+                                            <p:cond delay="0"/>
+                                          </p:stCondLst>
+                                        </p:cTn>
+                                        <p:tgtEl>
+                                          <p:spTgt spid="185"/>
+                                        </p:tgtEl>
+                                        <p:attrNameLst>
+                                          <p:attrName>style.visibility</p:attrName>
+                                        </p:attrNameLst>
+                                      </p:cBhvr>
+                                      <p:to>
+                                        <p:strVal val="visible"/>
+                                      </p:to>
+                                    </p:set>
+                                    <p:animEffect filter="fade" transition="in">
+                                      <p:cBhvr>
+                                        <p:cTn dur="400"/>
+                                        <p:tgtEl>
+                                          <p:spTgt spid="185"/>
+                                        </p:tgtEl>
+                                      </p:cBhvr>
+                                    </p:animEffect>
+                                  </p:childTnLst>
+                                </p:cTn>
+                              </p:par>
+                            </p:childTnLst>
+                          </p:cTn>
+                        </p:par>
+                      </p:childTnLst>
+                    </p:cTn>
+                  </p:par>
+                  <p:par>
+                    <p:cTn fill="hold">
+                      <p:stCondLst>
+                        <p:cond delay="indefinite"/>
+                      </p:stCondLst>
+                      <p:childTnLst>
+                        <p:par>
+                          <p:cTn fill="hold">
+                            <p:stCondLst>
+                              <p:cond delay="0"/>
+                            </p:stCondLst>
+                            <p:childTnLst>
+                              <p:par>
+                                <p:cTn fill="hold" nodeType="clickEffect" presetClass="exit" presetID="10" presetSubtype="0">
+                                  <p:stCondLst>
+                                    <p:cond delay="0"/>
+                                  </p:stCondLst>
+                                  <p:childTnLst>
+                                    <p:animEffect filter="fade" transition="out">
+                                      <p:cBhvr>
+                                        <p:cTn dur="500"/>
+                                        <p:tgtEl>
+                                          <p:spTgt spid="185"/>
+                                        </p:tgtEl>
+                                      </p:cBhvr>
+                                    </p:animEffect>
+                                    <p:set>
+                                      <p:cBhvr>
+                                        <p:cTn dur="1" fill="hold">
+                                          <p:stCondLst>
+                                            <p:cond delay="500"/>
+                                          </p:stCondLst>
+                                        </p:cTn>
+                                        <p:tgtEl>
+                                          <p:spTgt spid="185"/>
+                                        </p:tgtEl>
+                                        <p:attrNameLst>
+                                          <p:attrName>style.visibility</p:attrName>
+                                        </p:attrNameLst>
+                                      </p:cBhvr>
+                                      <p:to>
+                                        <p:strVal val="hidden"/>
+                                      </p:to>
+                                    </p:set>
+                                  </p:childTnLst>
+                                </p:cTn>
+                              </p:par>
+                            </p:childTnLst>
+                          </p:cTn>
+                        </p:par>
+                      </p:childTnLst>
+                    </p:cTn>
+                  </p:par>
+                  <p:par>
+                    <p:cTn fill="hold">
+                      <p:stCondLst>
+                        <p:cond delay="indefinite"/>
+                      </p:stCondLst>
+                      <p:childTnLst>
+                        <p:par>
+                          <p:cTn fill="hold">
+                            <p:stCondLst>
+                              <p:cond delay="0"/>
+                            </p:stCondLst>
+                            <p:childTnLst>
+                              <p:par>
+                                <p:cTn fill="hold" nodeType="clickEffect" presetClass="entr" presetID="10" presetSubtype="0">
+                                  <p:stCondLst>
+                                    <p:cond delay="0"/>
+                                  </p:stCondLst>
+                                  <p:childTnLst>
+                                    <p:set>
+                                      <p:cBhvr>
+                                        <p:cTn dur="1" fill="hold">
+                                          <p:stCondLst>
+                                            <p:cond delay="0"/>
+                                          </p:stCondLst>
+                                        </p:cTn>
+                                        <p:tgtEl>
+                                          <p:spTgt spid="186"/>
+                                        </p:tgtEl>
+                                        <p:attrNameLst>
+                                          <p:attrName>style.visibility</p:attrName>
+                                        </p:attrNameLst>
+                                      </p:cBhvr>
+                                      <p:to>
+                                        <p:strVal val="visible"/>
+                                      </p:to>
+                                    </p:set>
+                                    <p:animEffect filter="fade" transition="in">
+                                      <p:cBhvr>
+                                        <p:cTn dur="300"/>
+                                        <p:tgtEl>
+                                          <p:spTgt spid="186"/>
+                                        </p:tgtEl>
+                                      </p:cBhvr>
+                                    </p:animEffect>
+                                  </p:childTnLst>
+                                </p:cTn>
+                              </p:par>
+                            </p:childTnLst>
+                          </p:cTn>
+                        </p:par>
+                      </p:childTnLst>
+                    </p:cTn>
+                  </p:par>
+                  <p:par>
+                    <p:cTn fill="hold">
+                      <p:stCondLst>
+                        <p:cond delay="indefinite"/>
+                      </p:stCondLst>
+                      <p:childTnLst>
+                        <p:par>
+                          <p:cTn fill="hold">
+                            <p:stCondLst>
+                              <p:cond delay="0"/>
+                            </p:stCondLst>
+                            <p:childTnLst>
+                              <p:par>
+                                <p:cTn fill="hold" nodeType="clickEffect" presetClass="exit" presetID="10" presetSubtype="0">
+                                  <p:stCondLst>
+                                    <p:cond delay="0"/>
+                                  </p:stCondLst>
+                                  <p:childTnLst>
+                                    <p:animEffect filter="fade" transition="out">
+                                      <p:cBhvr>
+                                        <p:cTn dur="300"/>
+                                        <p:tgtEl>
+                                          <p:spTgt spid="186"/>
+                                        </p:tgtEl>
+                                      </p:cBhvr>
+                                    </p:animEffect>
+                                    <p:set>
+                                      <p:cBhvr>
+                                        <p:cTn dur="1" fill="hold">
+                                          <p:stCondLst>
+                                            <p:cond delay="300"/>
+                                          </p:stCondLst>
+                                        </p:cTn>
+                                        <p:tgtEl>
+                                          <p:spTgt spid="186"/>
+                                        </p:tgtEl>
+                                        <p:attrNameLst>
+                                          <p:attrName>style.visibility</p:attrName>
+                                        </p:attrNameLst>
+                                      </p:cBhvr>
+                                      <p:to>
+                                        <p:strVal val="hidden"/>
+                                      </p:to>
+                                    </p:set>
+                                  </p:childTnLst>
+                                </p:cTn>
+                              </p:par>
+                            </p:childTnLst>
+                          </p:cTn>
+                        </p:par>
+                      </p:childTnLst>
+                    </p:cTn>
+                  </p:par>
                 </p:childTnLst>
               </p:cTn>
               <p:prevCondLst>
@@ -14553,7 +19295,7 @@
   <p:cSld>
     <p:spTree>
       <p:nvGrpSpPr>
-        <p:cNvPr id="188" name="Shape 188"/>
+        <p:cNvPr id="191" name="Shape 191"/>
         <p:cNvGrpSpPr/>
         <p:nvPr/>
       </p:nvGrpSpPr>
@@ -14567,7 +19309,7 @@
       </p:grpSpPr>
       <p:sp>
         <p:nvSpPr>
-          <p:cNvPr id="189" name="Google Shape;189;p19"/>
+          <p:cNvPr id="192" name="Google Shape;192;p19"/>
           <p:cNvSpPr txBox="1"/>
           <p:nvPr>
             <p:ph type="title"/>
@@ -14652,7 +19394,7 @@
       </p:sp>
       <p:sp>
         <p:nvSpPr>
-          <p:cNvPr id="190" name="Google Shape;190;p19"/>
+          <p:cNvPr id="193" name="Google Shape;193;p19"/>
           <p:cNvSpPr txBox="1"/>
           <p:nvPr>
             <p:ph idx="1" type="body"/>
@@ -14726,7 +19468,7 @@
       </p:sp>
       <p:pic>
         <p:nvPicPr>
-          <p:cNvPr id="191" name="Google Shape;191;p19"/>
+          <p:cNvPr id="194" name="Google Shape;194;p19"/>
           <p:cNvPicPr preferRelativeResize="0"/>
           <p:nvPr/>
         </p:nvPicPr>
@@ -14753,7 +19495,7 @@
       </p:pic>
       <p:pic>
         <p:nvPicPr>
-          <p:cNvPr id="192" name="Google Shape;192;p19"/>
+          <p:cNvPr id="195" name="Google Shape;195;p19"/>
           <p:cNvPicPr preferRelativeResize="0"/>
           <p:nvPr/>
         </p:nvPicPr>
@@ -14780,7 +19522,7 @@
       </p:pic>
       <p:pic>
         <p:nvPicPr>
-          <p:cNvPr id="193" name="Google Shape;193;p19"/>
+          <p:cNvPr id="196" name="Google Shape;196;p19"/>
           <p:cNvPicPr preferRelativeResize="0"/>
           <p:nvPr/>
         </p:nvPicPr>
@@ -14807,7 +19549,7 @@
       </p:pic>
       <p:pic>
         <p:nvPicPr>
-          <p:cNvPr id="194" name="Google Shape;194;p19"/>
+          <p:cNvPr id="197" name="Google Shape;197;p19"/>
           <p:cNvPicPr preferRelativeResize="0"/>
           <p:nvPr/>
         </p:nvPicPr>
@@ -14834,7 +19576,7 @@
       </p:pic>
       <p:pic>
         <p:nvPicPr>
-          <p:cNvPr id="195" name="Google Shape;195;p19"/>
+          <p:cNvPr id="198" name="Google Shape;198;p19"/>
           <p:cNvPicPr preferRelativeResize="0"/>
           <p:nvPr/>
         </p:nvPicPr>
@@ -14861,7 +19603,7 @@
       </p:pic>
       <p:sp>
         <p:nvSpPr>
-          <p:cNvPr id="196" name="Google Shape;196;p19"/>
+          <p:cNvPr id="199" name="Google Shape;199;p19"/>
           <p:cNvSpPr txBox="1"/>
           <p:nvPr/>
         </p:nvSpPr>
@@ -14955,7 +19697,7 @@
       </p:sp>
       <p:sp>
         <p:nvSpPr>
-          <p:cNvPr id="197" name="Google Shape;197;p19"/>
+          <p:cNvPr id="200" name="Google Shape;200;p19"/>
           <p:cNvSpPr txBox="1"/>
           <p:nvPr/>
         </p:nvSpPr>
@@ -15048,7 +19790,7 @@
       </p:sp>
       <p:sp>
         <p:nvSpPr>
-          <p:cNvPr id="198" name="Google Shape;198;p19"/>
+          <p:cNvPr id="201" name="Google Shape;201;p19"/>
           <p:cNvSpPr txBox="1"/>
           <p:nvPr/>
         </p:nvSpPr>
@@ -15168,7 +19910,7 @@
       </p:sp>
       <p:sp>
         <p:nvSpPr>
-          <p:cNvPr id="199" name="Google Shape;199;p19"/>
+          <p:cNvPr id="202" name="Google Shape;202;p19"/>
           <p:cNvSpPr txBox="1"/>
           <p:nvPr/>
         </p:nvSpPr>
@@ -15295,7 +20037,7 @@
                                           </p:stCondLst>
                                         </p:cTn>
                                         <p:tgtEl>
-                                          <p:spTgt spid="190"/>
+                                          <p:spTgt spid="193"/>
                                         </p:tgtEl>
                                         <p:attrNameLst>
                                           <p:attrName>style.visibility</p:attrName>
@@ -15308,324 +20050,6 @@
                                     <p:animEffect filter="fade" transition="in">
                                       <p:cBhvr>
                                         <p:cTn dur="100"/>
-                                        <p:tgtEl>
-                                          <p:spTgt spid="190"/>
-                                        </p:tgtEl>
-                                      </p:cBhvr>
-                                    </p:animEffect>
-                                  </p:childTnLst>
-                                </p:cTn>
-                              </p:par>
-                            </p:childTnLst>
-                          </p:cTn>
-                        </p:par>
-                      </p:childTnLst>
-                    </p:cTn>
-                  </p:par>
-                  <p:par>
-                    <p:cTn fill="hold">
-                      <p:stCondLst>
-                        <p:cond delay="indefinite"/>
-                      </p:stCondLst>
-                      <p:childTnLst>
-                        <p:par>
-                          <p:cTn fill="hold">
-                            <p:stCondLst>
-                              <p:cond delay="0"/>
-                            </p:stCondLst>
-                            <p:childTnLst>
-                              <p:par>
-                                <p:cTn fill="hold" nodeType="clickEffect" presetClass="entr" presetID="10" presetSubtype="0">
-                                  <p:stCondLst>
-                                    <p:cond delay="0"/>
-                                  </p:stCondLst>
-                                  <p:childTnLst>
-                                    <p:set>
-                                      <p:cBhvr>
-                                        <p:cTn dur="1" fill="hold">
-                                          <p:stCondLst>
-                                            <p:cond delay="0"/>
-                                          </p:stCondLst>
-                                        </p:cTn>
-                                        <p:tgtEl>
-                                          <p:spTgt spid="197"/>
-                                        </p:tgtEl>
-                                        <p:attrNameLst>
-                                          <p:attrName>style.visibility</p:attrName>
-                                        </p:attrNameLst>
-                                      </p:cBhvr>
-                                      <p:to>
-                                        <p:strVal val="visible"/>
-                                      </p:to>
-                                    </p:set>
-                                    <p:animEffect filter="fade" transition="in">
-                                      <p:cBhvr>
-                                        <p:cTn dur="100"/>
-                                        <p:tgtEl>
-                                          <p:spTgt spid="197"/>
-                                        </p:tgtEl>
-                                      </p:cBhvr>
-                                    </p:animEffect>
-                                  </p:childTnLst>
-                                </p:cTn>
-                              </p:par>
-                            </p:childTnLst>
-                          </p:cTn>
-                        </p:par>
-                      </p:childTnLst>
-                    </p:cTn>
-                  </p:par>
-                  <p:par>
-                    <p:cTn fill="hold">
-                      <p:stCondLst>
-                        <p:cond delay="indefinite"/>
-                      </p:stCondLst>
-                      <p:childTnLst>
-                        <p:par>
-                          <p:cTn fill="hold">
-                            <p:stCondLst>
-                              <p:cond delay="0"/>
-                            </p:stCondLst>
-                            <p:childTnLst>
-                              <p:par>
-                                <p:cTn fill="hold" nodeType="clickEffect" presetClass="entr" presetID="10" presetSubtype="0">
-                                  <p:stCondLst>
-                                    <p:cond delay="0"/>
-                                  </p:stCondLst>
-                                  <p:childTnLst>
-                                    <p:set>
-                                      <p:cBhvr>
-                                        <p:cTn dur="1" fill="hold">
-                                          <p:stCondLst>
-                                            <p:cond delay="0"/>
-                                          </p:stCondLst>
-                                        </p:cTn>
-                                        <p:tgtEl>
-                                          <p:spTgt spid="191"/>
-                                        </p:tgtEl>
-                                        <p:attrNameLst>
-                                          <p:attrName>style.visibility</p:attrName>
-                                        </p:attrNameLst>
-                                      </p:cBhvr>
-                                      <p:to>
-                                        <p:strVal val="visible"/>
-                                      </p:to>
-                                    </p:set>
-                                    <p:animEffect filter="fade" transition="in">
-                                      <p:cBhvr>
-                                        <p:cTn dur="300"/>
-                                        <p:tgtEl>
-                                          <p:spTgt spid="191"/>
-                                        </p:tgtEl>
-                                      </p:cBhvr>
-                                    </p:animEffect>
-                                  </p:childTnLst>
-                                </p:cTn>
-                              </p:par>
-                            </p:childTnLst>
-                          </p:cTn>
-                        </p:par>
-                      </p:childTnLst>
-                    </p:cTn>
-                  </p:par>
-                  <p:par>
-                    <p:cTn fill="hold">
-                      <p:stCondLst>
-                        <p:cond delay="indefinite"/>
-                      </p:stCondLst>
-                      <p:childTnLst>
-                        <p:par>
-                          <p:cTn fill="hold">
-                            <p:stCondLst>
-                              <p:cond delay="0"/>
-                            </p:stCondLst>
-                            <p:childTnLst>
-                              <p:par>
-                                <p:cTn fill="hold" nodeType="clickEffect" presetClass="exit" presetID="10" presetSubtype="0">
-                                  <p:stCondLst>
-                                    <p:cond delay="0"/>
-                                  </p:stCondLst>
-                                  <p:childTnLst>
-                                    <p:animEffect filter="fade" transition="out">
-                                      <p:cBhvr>
-                                        <p:cTn dur="100"/>
-                                        <p:tgtEl>
-                                          <p:spTgt spid="191"/>
-                                        </p:tgtEl>
-                                      </p:cBhvr>
-                                    </p:animEffect>
-                                    <p:set>
-                                      <p:cBhvr>
-                                        <p:cTn dur="1" fill="hold">
-                                          <p:stCondLst>
-                                            <p:cond delay="100"/>
-                                          </p:stCondLst>
-                                        </p:cTn>
-                                        <p:tgtEl>
-                                          <p:spTgt spid="191"/>
-                                        </p:tgtEl>
-                                        <p:attrNameLst>
-                                          <p:attrName>style.visibility</p:attrName>
-                                        </p:attrNameLst>
-                                      </p:cBhvr>
-                                      <p:to>
-                                        <p:strVal val="hidden"/>
-                                      </p:to>
-                                    </p:set>
-                                  </p:childTnLst>
-                                </p:cTn>
-                              </p:par>
-                            </p:childTnLst>
-                          </p:cTn>
-                        </p:par>
-                      </p:childTnLst>
-                    </p:cTn>
-                  </p:par>
-                  <p:par>
-                    <p:cTn fill="hold">
-                      <p:stCondLst>
-                        <p:cond delay="indefinite"/>
-                      </p:stCondLst>
-                      <p:childTnLst>
-                        <p:par>
-                          <p:cTn fill="hold">
-                            <p:stCondLst>
-                              <p:cond delay="0"/>
-                            </p:stCondLst>
-                            <p:childTnLst>
-                              <p:par>
-                                <p:cTn fill="hold" nodeType="clickEffect" presetClass="entr" presetID="10" presetSubtype="0">
-                                  <p:stCondLst>
-                                    <p:cond delay="0"/>
-                                  </p:stCondLst>
-                                  <p:childTnLst>
-                                    <p:set>
-                                      <p:cBhvr>
-                                        <p:cTn dur="1" fill="hold">
-                                          <p:stCondLst>
-                                            <p:cond delay="0"/>
-                                          </p:stCondLst>
-                                        </p:cTn>
-                                        <p:tgtEl>
-                                          <p:spTgt spid="198"/>
-                                        </p:tgtEl>
-                                        <p:attrNameLst>
-                                          <p:attrName>style.visibility</p:attrName>
-                                        </p:attrNameLst>
-                                      </p:cBhvr>
-                                      <p:to>
-                                        <p:strVal val="visible"/>
-                                      </p:to>
-                                    </p:set>
-                                    <p:animEffect filter="fade" transition="in">
-                                      <p:cBhvr>
-                                        <p:cTn dur="100"/>
-                                        <p:tgtEl>
-                                          <p:spTgt spid="198"/>
-                                        </p:tgtEl>
-                                      </p:cBhvr>
-                                    </p:animEffect>
-                                  </p:childTnLst>
-                                </p:cTn>
-                              </p:par>
-                            </p:childTnLst>
-                          </p:cTn>
-                        </p:par>
-                      </p:childTnLst>
-                    </p:cTn>
-                  </p:par>
-                  <p:par>
-                    <p:cTn fill="hold">
-                      <p:stCondLst>
-                        <p:cond delay="indefinite"/>
-                      </p:stCondLst>
-                      <p:childTnLst>
-                        <p:par>
-                          <p:cTn fill="hold">
-                            <p:stCondLst>
-                              <p:cond delay="0"/>
-                            </p:stCondLst>
-                            <p:childTnLst>
-                              <p:par>
-                                <p:cTn fill="hold" nodeType="clickEffect" presetClass="entr" presetID="10" presetSubtype="0">
-                                  <p:stCondLst>
-                                    <p:cond delay="0"/>
-                                  </p:stCondLst>
-                                  <p:childTnLst>
-                                    <p:set>
-                                      <p:cBhvr>
-                                        <p:cTn dur="1" fill="hold">
-                                          <p:stCondLst>
-                                            <p:cond delay="0"/>
-                                          </p:stCondLst>
-                                        </p:cTn>
-                                        <p:tgtEl>
-                                          <p:spTgt spid="192"/>
-                                        </p:tgtEl>
-                                        <p:attrNameLst>
-                                          <p:attrName>style.visibility</p:attrName>
-                                        </p:attrNameLst>
-                                      </p:cBhvr>
-                                      <p:to>
-                                        <p:strVal val="visible"/>
-                                      </p:to>
-                                    </p:set>
-                                    <p:animEffect filter="fade" transition="in">
-                                      <p:cBhvr>
-                                        <p:cTn dur="300"/>
-                                        <p:tgtEl>
-                                          <p:spTgt spid="192"/>
-                                        </p:tgtEl>
-                                      </p:cBhvr>
-                                    </p:animEffect>
-                                  </p:childTnLst>
-                                </p:cTn>
-                              </p:par>
-                            </p:childTnLst>
-                          </p:cTn>
-                        </p:par>
-                      </p:childTnLst>
-                    </p:cTn>
-                  </p:par>
-                  <p:par>
-                    <p:cTn fill="hold">
-                      <p:stCondLst>
-                        <p:cond delay="indefinite"/>
-                      </p:stCondLst>
-                      <p:childTnLst>
-                        <p:par>
-                          <p:cTn fill="hold">
-                            <p:stCondLst>
-                              <p:cond delay="0"/>
-                            </p:stCondLst>
-                            <p:childTnLst>
-                              <p:par>
-                                <p:cTn fill="hold" nodeType="clickEffect" presetClass="entr" presetID="10" presetSubtype="0">
-                                  <p:stCondLst>
-                                    <p:cond delay="0"/>
-                                  </p:stCondLst>
-                                  <p:childTnLst>
-                                    <p:set>
-                                      <p:cBhvr>
-                                        <p:cTn dur="1" fill="hold">
-                                          <p:stCondLst>
-                                            <p:cond delay="0"/>
-                                          </p:stCondLst>
-                                        </p:cTn>
-                                        <p:tgtEl>
-                                          <p:spTgt spid="193"/>
-                                        </p:tgtEl>
-                                        <p:attrNameLst>
-                                          <p:attrName>style.visibility</p:attrName>
-                                        </p:attrNameLst>
-                                      </p:cBhvr>
-                                      <p:to>
-                                        <p:strVal val="visible"/>
-                                      </p:to>
-                                    </p:set>
-                                    <p:animEffect filter="fade" transition="in">
-                                      <p:cBhvr>
-                                        <p:cTn dur="300"/>
                                         <p:tgtEl>
                                           <p:spTgt spid="193"/>
                                         </p:tgtEl>
@@ -15666,7 +20090,7 @@
                                           </p:stCondLst>
                                         </p:cTn>
                                         <p:tgtEl>
-                                          <p:spTgt spid="196"/>
+                                          <p:spTgt spid="200"/>
                                         </p:tgtEl>
                                         <p:attrNameLst>
                                           <p:attrName>style.visibility</p:attrName>
@@ -15678,9 +20102,9 @@
                                     </p:set>
                                     <p:animEffect filter="fade" transition="in">
                                       <p:cBhvr>
-                                        <p:cTn dur="1100"/>
+                                        <p:cTn dur="100"/>
                                         <p:tgtEl>
-                                          <p:spTgt spid="196"/>
+                                          <p:spTgt spid="200"/>
                                         </p:tgtEl>
                                       </p:cBhvr>
                                     </p:animEffect>
@@ -15734,6 +20158,112 @@
                                         <p:cTn dur="300"/>
                                         <p:tgtEl>
                                           <p:spTgt spid="194"/>
+                                        </p:tgtEl>
+                                      </p:cBhvr>
+                                    </p:animEffect>
+                                  </p:childTnLst>
+                                </p:cTn>
+                              </p:par>
+                            </p:childTnLst>
+                          </p:cTn>
+                        </p:par>
+                      </p:childTnLst>
+                    </p:cTn>
+                  </p:par>
+                  <p:par>
+                    <p:cTn fill="hold">
+                      <p:stCondLst>
+                        <p:cond delay="indefinite"/>
+                      </p:stCondLst>
+                      <p:childTnLst>
+                        <p:par>
+                          <p:cTn fill="hold">
+                            <p:stCondLst>
+                              <p:cond delay="0"/>
+                            </p:stCondLst>
+                            <p:childTnLst>
+                              <p:par>
+                                <p:cTn fill="hold" nodeType="clickEffect" presetClass="exit" presetID="10" presetSubtype="0">
+                                  <p:stCondLst>
+                                    <p:cond delay="0"/>
+                                  </p:stCondLst>
+                                  <p:childTnLst>
+                                    <p:animEffect filter="fade" transition="out">
+                                      <p:cBhvr>
+                                        <p:cTn dur="100"/>
+                                        <p:tgtEl>
+                                          <p:spTgt spid="194"/>
+                                        </p:tgtEl>
+                                      </p:cBhvr>
+                                    </p:animEffect>
+                                    <p:set>
+                                      <p:cBhvr>
+                                        <p:cTn dur="1" fill="hold">
+                                          <p:stCondLst>
+                                            <p:cond delay="100"/>
+                                          </p:stCondLst>
+                                        </p:cTn>
+                                        <p:tgtEl>
+                                          <p:spTgt spid="194"/>
+                                        </p:tgtEl>
+                                        <p:attrNameLst>
+                                          <p:attrName>style.visibility</p:attrName>
+                                        </p:attrNameLst>
+                                      </p:cBhvr>
+                                      <p:to>
+                                        <p:strVal val="hidden"/>
+                                      </p:to>
+                                    </p:set>
+                                  </p:childTnLst>
+                                </p:cTn>
+                              </p:par>
+                            </p:childTnLst>
+                          </p:cTn>
+                        </p:par>
+                      </p:childTnLst>
+                    </p:cTn>
+                  </p:par>
+                  <p:par>
+                    <p:cTn fill="hold">
+                      <p:stCondLst>
+                        <p:cond delay="indefinite"/>
+                      </p:stCondLst>
+                      <p:childTnLst>
+                        <p:par>
+                          <p:cTn fill="hold">
+                            <p:stCondLst>
+                              <p:cond delay="0"/>
+                            </p:stCondLst>
+                            <p:childTnLst>
+                              <p:par>
+                                <p:cTn fill="hold" nodeType="clickEffect" presetClass="entr" presetID="10" presetSubtype="0">
+                                  <p:stCondLst>
+                                    <p:cond delay="0"/>
+                                  </p:stCondLst>
+                                  <p:childTnLst>
+                                    <p:set>
+                                      <p:cBhvr>
+                                        <p:cTn dur="1" fill="hold">
+                                          <p:stCondLst>
+                                            <p:cond delay="0"/>
+                                          </p:stCondLst>
+                                        </p:cTn>
+                                        <p:tgtEl>
+                                          <p:spTgt spid="201"/>
+                                        </p:tgtEl>
+                                        <p:attrNameLst>
+                                          <p:attrName>style.visibility</p:attrName>
+                                        </p:attrNameLst>
+                                      </p:cBhvr>
+                                      <p:to>
+                                        <p:strVal val="visible"/>
+                                      </p:to>
+                                    </p:set>
+                                    <p:animEffect filter="fade" transition="in">
+                                      <p:cBhvr>
+                                        <p:cTn dur="100"/>
+                                        <p:tgtEl>
+                                          <p:spTgt spid="201"/>
                                         </p:tgtEl>
                                       </p:cBhvr>
                                     </p:animEffect>
@@ -15825,7 +20355,219 @@
                                           </p:stCondLst>
                                         </p:cTn>
                                         <p:tgtEl>
+                                          <p:spTgt spid="196"/>
+                                        </p:tgtEl>
+                                        <p:attrNameLst>
+                                          <p:attrName>style.visibility</p:attrName>
+                                        </p:attrNameLst>
+                                      </p:cBhvr>
+                                      <p:to>
+                                        <p:strVal val="visible"/>
+                                      </p:to>
+                                    </p:set>
+                                    <p:animEffect filter="fade" transition="in">
+                                      <p:cBhvr>
+                                        <p:cTn dur="300"/>
+                                        <p:tgtEl>
+                                          <p:spTgt spid="196"/>
+                                        </p:tgtEl>
+                                      </p:cBhvr>
+                                    </p:animEffect>
+                                  </p:childTnLst>
+                                </p:cTn>
+                              </p:par>
+                            </p:childTnLst>
+                          </p:cTn>
+                        </p:par>
+                      </p:childTnLst>
+                    </p:cTn>
+                  </p:par>
+                  <p:par>
+                    <p:cTn fill="hold">
+                      <p:stCondLst>
+                        <p:cond delay="indefinite"/>
+                      </p:stCondLst>
+                      <p:childTnLst>
+                        <p:par>
+                          <p:cTn fill="hold">
+                            <p:stCondLst>
+                              <p:cond delay="0"/>
+                            </p:stCondLst>
+                            <p:childTnLst>
+                              <p:par>
+                                <p:cTn fill="hold" nodeType="clickEffect" presetClass="entr" presetID="10" presetSubtype="0">
+                                  <p:stCondLst>
+                                    <p:cond delay="0"/>
+                                  </p:stCondLst>
+                                  <p:childTnLst>
+                                    <p:set>
+                                      <p:cBhvr>
+                                        <p:cTn dur="1" fill="hold">
+                                          <p:stCondLst>
+                                            <p:cond delay="0"/>
+                                          </p:stCondLst>
+                                        </p:cTn>
+                                        <p:tgtEl>
                                           <p:spTgt spid="199"/>
+                                        </p:tgtEl>
+                                        <p:attrNameLst>
+                                          <p:attrName>style.visibility</p:attrName>
+                                        </p:attrNameLst>
+                                      </p:cBhvr>
+                                      <p:to>
+                                        <p:strVal val="visible"/>
+                                      </p:to>
+                                    </p:set>
+                                    <p:animEffect filter="fade" transition="in">
+                                      <p:cBhvr>
+                                        <p:cTn dur="1100"/>
+                                        <p:tgtEl>
+                                          <p:spTgt spid="199"/>
+                                        </p:tgtEl>
+                                      </p:cBhvr>
+                                    </p:animEffect>
+                                  </p:childTnLst>
+                                </p:cTn>
+                              </p:par>
+                            </p:childTnLst>
+                          </p:cTn>
+                        </p:par>
+                      </p:childTnLst>
+                    </p:cTn>
+                  </p:par>
+                  <p:par>
+                    <p:cTn fill="hold">
+                      <p:stCondLst>
+                        <p:cond delay="indefinite"/>
+                      </p:stCondLst>
+                      <p:childTnLst>
+                        <p:par>
+                          <p:cTn fill="hold">
+                            <p:stCondLst>
+                              <p:cond delay="0"/>
+                            </p:stCondLst>
+                            <p:childTnLst>
+                              <p:par>
+                                <p:cTn fill="hold" nodeType="clickEffect" presetClass="entr" presetID="10" presetSubtype="0">
+                                  <p:stCondLst>
+                                    <p:cond delay="0"/>
+                                  </p:stCondLst>
+                                  <p:childTnLst>
+                                    <p:set>
+                                      <p:cBhvr>
+                                        <p:cTn dur="1" fill="hold">
+                                          <p:stCondLst>
+                                            <p:cond delay="0"/>
+                                          </p:stCondLst>
+                                        </p:cTn>
+                                        <p:tgtEl>
+                                          <p:spTgt spid="197"/>
+                                        </p:tgtEl>
+                                        <p:attrNameLst>
+                                          <p:attrName>style.visibility</p:attrName>
+                                        </p:attrNameLst>
+                                      </p:cBhvr>
+                                      <p:to>
+                                        <p:strVal val="visible"/>
+                                      </p:to>
+                                    </p:set>
+                                    <p:animEffect filter="fade" transition="in">
+                                      <p:cBhvr>
+                                        <p:cTn dur="300"/>
+                                        <p:tgtEl>
+                                          <p:spTgt spid="197"/>
+                                        </p:tgtEl>
+                                      </p:cBhvr>
+                                    </p:animEffect>
+                                  </p:childTnLst>
+                                </p:cTn>
+                              </p:par>
+                            </p:childTnLst>
+                          </p:cTn>
+                        </p:par>
+                      </p:childTnLst>
+                    </p:cTn>
+                  </p:par>
+                  <p:par>
+                    <p:cTn fill="hold">
+                      <p:stCondLst>
+                        <p:cond delay="indefinite"/>
+                      </p:stCondLst>
+                      <p:childTnLst>
+                        <p:par>
+                          <p:cTn fill="hold">
+                            <p:stCondLst>
+                              <p:cond delay="0"/>
+                            </p:stCondLst>
+                            <p:childTnLst>
+                              <p:par>
+                                <p:cTn fill="hold" nodeType="clickEffect" presetClass="entr" presetID="10" presetSubtype="0">
+                                  <p:stCondLst>
+                                    <p:cond delay="0"/>
+                                  </p:stCondLst>
+                                  <p:childTnLst>
+                                    <p:set>
+                                      <p:cBhvr>
+                                        <p:cTn dur="1" fill="hold">
+                                          <p:stCondLst>
+                                            <p:cond delay="0"/>
+                                          </p:stCondLst>
+                                        </p:cTn>
+                                        <p:tgtEl>
+                                          <p:spTgt spid="198"/>
+                                        </p:tgtEl>
+                                        <p:attrNameLst>
+                                          <p:attrName>style.visibility</p:attrName>
+                                        </p:attrNameLst>
+                                      </p:cBhvr>
+                                      <p:to>
+                                        <p:strVal val="visible"/>
+                                      </p:to>
+                                    </p:set>
+                                    <p:animEffect filter="fade" transition="in">
+                                      <p:cBhvr>
+                                        <p:cTn dur="300"/>
+                                        <p:tgtEl>
+                                          <p:spTgt spid="198"/>
+                                        </p:tgtEl>
+                                      </p:cBhvr>
+                                    </p:animEffect>
+                                  </p:childTnLst>
+                                </p:cTn>
+                              </p:par>
+                            </p:childTnLst>
+                          </p:cTn>
+                        </p:par>
+                      </p:childTnLst>
+                    </p:cTn>
+                  </p:par>
+                  <p:par>
+                    <p:cTn fill="hold">
+                      <p:stCondLst>
+                        <p:cond delay="indefinite"/>
+                      </p:stCondLst>
+                      <p:childTnLst>
+                        <p:par>
+                          <p:cTn fill="hold">
+                            <p:stCondLst>
+                              <p:cond delay="0"/>
+                            </p:stCondLst>
+                            <p:childTnLst>
+                              <p:par>
+                                <p:cTn fill="hold" nodeType="clickEffect" presetClass="entr" presetID="10" presetSubtype="0">
+                                  <p:stCondLst>
+                                    <p:cond delay="0"/>
+                                  </p:stCondLst>
+                                  <p:childTnLst>
+                                    <p:set>
+                                      <p:cBhvr>
+                                        <p:cTn dur="1" fill="hold">
+                                          <p:stCondLst>
+                                            <p:cond delay="0"/>
+                                          </p:stCondLst>
+                                        </p:cTn>
+                                        <p:tgtEl>
+                                          <p:spTgt spid="202"/>
                                         </p:tgtEl>
                                         <p:attrNameLst>
                                           <p:attrName>style.visibility</p:attrName>
@@ -15839,7 +20581,7 @@
                                       <p:cBhvr>
                                         <p:cTn dur="100"/>
                                         <p:tgtEl>
-                                          <p:spTgt spid="199"/>
+                                          <p:spTgt spid="202"/>
                                         </p:tgtEl>
                                       </p:cBhvr>
                                     </p:animEffect>
@@ -15882,7 +20624,7 @@
   <p:cSld>
     <p:spTree>
       <p:nvGrpSpPr>
-        <p:cNvPr id="203" name="Shape 203"/>
+        <p:cNvPr id="206" name="Shape 206"/>
         <p:cNvGrpSpPr/>
         <p:nvPr/>
       </p:nvGrpSpPr>
@@ -15896,7 +20638,7 @@
       </p:grpSpPr>
       <p:sp>
         <p:nvSpPr>
-          <p:cNvPr id="204" name="Google Shape;204;p20"/>
+          <p:cNvPr id="207" name="Google Shape;207;p20"/>
           <p:cNvSpPr txBox="1"/>
           <p:nvPr>
             <p:ph idx="1" type="body"/>
@@ -15904,7 +20646,7 @@
         </p:nvSpPr>
         <p:spPr>
           <a:xfrm>
-            <a:off x="6829025" y="673175"/>
+            <a:off x="1828438" y="296025"/>
             <a:ext cx="2226900" cy="598800"/>
           </a:xfrm>
           <a:prstGeom prst="rect">
@@ -15936,7 +20678,7 @@
       </p:sp>
       <p:pic>
         <p:nvPicPr>
-          <p:cNvPr id="205" name="Google Shape;205;p20" title="Double Pendulum Visualization CS-374">
+          <p:cNvPr id="208" name="Google Shape;208;p20" title="Double Pendulum Visualization CS-374">
             <a:hlinkClick r:id="rId3"/>
           </p:cNvPr>
           <p:cNvPicPr preferRelativeResize="0"/>
@@ -15952,8 +20694,8 @@
         </p:blipFill>
         <p:spPr>
           <a:xfrm>
-            <a:off x="1297500" y="673175"/>
-            <a:ext cx="5446667" cy="4085000"/>
+            <a:off x="218550" y="1517125"/>
+            <a:ext cx="5446675" cy="3249250"/>
           </a:xfrm>
           <a:prstGeom prst="rect">
             <a:avLst/>
@@ -15964,11 +20706,211 @@
           </a:ln>
         </p:spPr>
       </p:pic>
+      <p:pic>
+        <p:nvPicPr>
+          <p:cNvPr id="209" name="Google Shape;209;p20"/>
+          <p:cNvPicPr preferRelativeResize="0"/>
+          <p:nvPr/>
+        </p:nvPicPr>
+        <p:blipFill rotWithShape="1">
+          <a:blip r:embed="rId5">
+            <a:alphaModFix/>
+          </a:blip>
+          <a:srcRect b="35177" l="28237" r="34729" t="41945"/>
+          <a:stretch/>
+        </p:blipFill>
+        <p:spPr>
+          <a:xfrm>
+            <a:off x="5713375" y="1517125"/>
+            <a:ext cx="3386198" cy="1176649"/>
+          </a:xfrm>
+          <a:prstGeom prst="rect">
+            <a:avLst/>
+          </a:prstGeom>
+          <a:noFill/>
+          <a:ln>
+            <a:noFill/>
+          </a:ln>
+        </p:spPr>
+      </p:pic>
+      <p:sp>
+        <p:nvSpPr>
+          <p:cNvPr id="210" name="Google Shape;210;p20"/>
+          <p:cNvSpPr txBox="1"/>
+          <p:nvPr/>
+        </p:nvSpPr>
+        <p:spPr>
+          <a:xfrm>
+            <a:off x="5691700" y="2817775"/>
+            <a:ext cx="3411600" cy="1905300"/>
+          </a:xfrm>
+          <a:prstGeom prst="rect">
+            <a:avLst/>
+          </a:prstGeom>
+          <a:noFill/>
+          <a:ln>
+            <a:noFill/>
+          </a:ln>
+        </p:spPr>
+        <p:txBody>
+          <a:bodyPr anchorCtr="0" anchor="ctr" bIns="91425" lIns="91425" spcFirstLastPara="1" rIns="91425" wrap="square" tIns="91425">
+            <a:noAutofit/>
+          </a:bodyPr>
+          <a:lstStyle/>
+          <a:p>
+            <a:pPr indent="0" lvl="0" marL="0" rtl="0" algn="just">
+              <a:spcBef>
+                <a:spcPts val="0"/>
+              </a:spcBef>
+              <a:spcAft>
+                <a:spcPts val="0"/>
+              </a:spcAft>
+              <a:buNone/>
+            </a:pPr>
+            <a:r>
+              <a:rPr lang="en" sz="1100">
+                <a:solidFill>
+                  <a:schemeClr val="lt1"/>
+                </a:solidFill>
+                <a:latin typeface="Lato"/>
+                <a:ea typeface="Lato"/>
+                <a:cs typeface="Lato"/>
+                <a:sym typeface="Lato"/>
+              </a:rPr>
+              <a:t>The motion of a double pendulum is governed by two  coupled ordinary differential equations and it is chaotic. For smaller angles however, it acts like a simple pendulum. The jump in complexity is observed at the transition from a simple pendulum to a double pendulum. This is the numerical form that we can now plug into the algorithm to approximate the solution. Plot for final position(2D cartesian) of bob 2 after 2000 iterations with time step = 0.5 is shown.</a:t>
+            </a:r>
+            <a:endParaRPr>
+              <a:latin typeface="Lato"/>
+              <a:ea typeface="Lato"/>
+              <a:cs typeface="Lato"/>
+              <a:sym typeface="Lato"/>
+            </a:endParaRPr>
+          </a:p>
+        </p:txBody>
+      </p:sp>
     </p:spTree>
   </p:cSld>
   <p:clrMapOvr>
     <a:masterClrMapping/>
   </p:clrMapOvr>
+  <p:timing>
+    <p:tnLst>
+      <p:par>
+        <p:cTn dur="indefinite" nodeType="tmRoot" restart="never">
+          <p:childTnLst>
+            <p:seq concurrent="1" nextAc="seek">
+              <p:cTn dur="indefinite" id="2" nodeType="mainSeq">
+                <p:childTnLst>
+                  <p:par>
+                    <p:cTn fill="hold">
+                      <p:stCondLst>
+                        <p:cond delay="indefinite"/>
+                      </p:stCondLst>
+                      <p:childTnLst>
+                        <p:par>
+                          <p:cTn fill="hold">
+                            <p:stCondLst>
+                              <p:cond delay="0"/>
+                            </p:stCondLst>
+                            <p:childTnLst>
+                              <p:par>
+                                <p:cTn fill="hold" nodeType="clickEffect" presetClass="entr" presetID="10" presetSubtype="0">
+                                  <p:stCondLst>
+                                    <p:cond delay="0"/>
+                                  </p:stCondLst>
+                                  <p:childTnLst>
+                                    <p:set>
+                                      <p:cBhvr>
+                                        <p:cTn dur="1" fill="hold">
+                                          <p:stCondLst>
+                                            <p:cond delay="0"/>
+                                          </p:stCondLst>
+                                        </p:cTn>
+                                        <p:tgtEl>
+                                          <p:spTgt spid="209"/>
+                                        </p:tgtEl>
+                                        <p:attrNameLst>
+                                          <p:attrName>style.visibility</p:attrName>
+                                        </p:attrNameLst>
+                                      </p:cBhvr>
+                                      <p:to>
+                                        <p:strVal val="visible"/>
+                                      </p:to>
+                                    </p:set>
+                                    <p:animEffect filter="fade" transition="in">
+                                      <p:cBhvr>
+                                        <p:cTn dur="500"/>
+                                        <p:tgtEl>
+                                          <p:spTgt spid="209"/>
+                                        </p:tgtEl>
+                                      </p:cBhvr>
+                                    </p:animEffect>
+                                  </p:childTnLst>
+                                </p:cTn>
+                              </p:par>
+                              <p:par>
+                                <p:cTn fill="hold" nodeType="withEffect" presetClass="entr" presetID="10" presetSubtype="0">
+                                  <p:stCondLst>
+                                    <p:cond delay="0"/>
+                                  </p:stCondLst>
+                                  <p:childTnLst>
+                                    <p:set>
+                                      <p:cBhvr>
+                                        <p:cTn dur="1" fill="hold">
+                                          <p:stCondLst>
+                                            <p:cond delay="0"/>
+                                          </p:stCondLst>
+                                        </p:cTn>
+                                        <p:tgtEl>
+                                          <p:spTgt spid="208"/>
+                                        </p:tgtEl>
+                                        <p:attrNameLst>
+                                          <p:attrName>style.visibility</p:attrName>
+                                        </p:attrNameLst>
+                                      </p:cBhvr>
+                                      <p:to>
+                                        <p:strVal val="visible"/>
+                                      </p:to>
+                                    </p:set>
+                                    <p:animEffect filter="fade" transition="in">
+                                      <p:cBhvr>
+                                        <p:cTn dur="1000"/>
+                                        <p:tgtEl>
+                                          <p:spTgt spid="208"/>
+                                        </p:tgtEl>
+                                      </p:cBhvr>
+                                    </p:animEffect>
+                                  </p:childTnLst>
+                                </p:cTn>
+                              </p:par>
+                            </p:childTnLst>
+                          </p:cTn>
+                        </p:par>
+                      </p:childTnLst>
+                    </p:cTn>
+                  </p:par>
+                </p:childTnLst>
+              </p:cTn>
+              <p:prevCondLst>
+                <p:cond evt="onPrev">
+                  <p:tgtEl>
+                    <p:sldTgt/>
+                  </p:tgtEl>
+                </p:cond>
+              </p:prevCondLst>
+              <p:nextCondLst>
+                <p:cond evt="onNext">
+                  <p:tgtEl>
+                    <p:sldTgt/>
+                  </p:tgtEl>
+                </p:cond>
+              </p:nextCondLst>
+            </p:seq>
+          </p:childTnLst>
+        </p:cTn>
+      </p:par>
+    </p:tnLst>
+  </p:timing>
 </p:sld>
 </file>
 
@@ -15977,7 +20919,7 @@
   <p:cSld>
     <p:spTree>
       <p:nvGrpSpPr>
-        <p:cNvPr id="209" name="Shape 209"/>
+        <p:cNvPr id="214" name="Shape 214"/>
         <p:cNvGrpSpPr/>
         <p:nvPr/>
       </p:nvGrpSpPr>
@@ -15991,7 +20933,7 @@
       </p:grpSpPr>
       <p:sp>
         <p:nvSpPr>
-          <p:cNvPr id="210" name="Google Shape;210;p21"/>
+          <p:cNvPr id="215" name="Google Shape;215;p21"/>
           <p:cNvSpPr txBox="1"/>
           <p:nvPr>
             <p:ph type="title"/>
@@ -16070,7 +21012,7 @@
       </p:sp>
       <p:sp>
         <p:nvSpPr>
-          <p:cNvPr id="211" name="Google Shape;211;p21"/>
+          <p:cNvPr id="216" name="Google Shape;216;p21"/>
           <p:cNvSpPr txBox="1"/>
           <p:nvPr>
             <p:ph idx="1" type="body"/>
@@ -16286,7 +21228,7 @@
       </p:sp>
       <p:pic>
         <p:nvPicPr>
-          <p:cNvPr id="212" name="Google Shape;212;p21"/>
+          <p:cNvPr id="217" name="Google Shape;217;p21"/>
           <p:cNvPicPr preferRelativeResize="0"/>
           <p:nvPr/>
         </p:nvPicPr>
@@ -16313,7 +21255,7 @@
       </p:pic>
       <p:pic>
         <p:nvPicPr>
-          <p:cNvPr id="213" name="Google Shape;213;p21"/>
+          <p:cNvPr id="218" name="Google Shape;218;p21"/>
           <p:cNvPicPr preferRelativeResize="0"/>
           <p:nvPr/>
         </p:nvPicPr>
@@ -16340,7 +21282,7 @@
       </p:pic>
       <p:pic>
         <p:nvPicPr>
-          <p:cNvPr id="214" name="Google Shape;214;p21"/>
+          <p:cNvPr id="219" name="Google Shape;219;p21"/>
           <p:cNvPicPr preferRelativeResize="0"/>
           <p:nvPr/>
         </p:nvPicPr>
@@ -16367,7 +21309,7 @@
       </p:pic>
       <p:pic>
         <p:nvPicPr>
-          <p:cNvPr id="215" name="Google Shape;215;p21"/>
+          <p:cNvPr id="220" name="Google Shape;220;p21"/>
           <p:cNvPicPr preferRelativeResize="0"/>
           <p:nvPr/>
         </p:nvPicPr>
@@ -16394,7 +21336,7 @@
       </p:pic>
       <p:pic>
         <p:nvPicPr>
-          <p:cNvPr id="216" name="Google Shape;216;p21"/>
+          <p:cNvPr id="221" name="Google Shape;221;p21"/>
           <p:cNvPicPr preferRelativeResize="0"/>
           <p:nvPr/>
         </p:nvPicPr>
@@ -16421,7 +21363,7 @@
       </p:pic>
       <p:pic>
         <p:nvPicPr>
-          <p:cNvPr id="217" name="Google Shape;217;p21"/>
+          <p:cNvPr id="222" name="Google Shape;222;p21"/>
           <p:cNvPicPr preferRelativeResize="0"/>
           <p:nvPr/>
         </p:nvPicPr>
@@ -16485,7 +21427,7 @@
                                           </p:stCondLst>
                                         </p:cTn>
                                         <p:tgtEl>
-                                          <p:spTgt spid="214"/>
+                                          <p:spTgt spid="219"/>
                                         </p:tgtEl>
                                         <p:attrNameLst>
                                           <p:attrName>style.visibility</p:attrName>
@@ -16499,7 +21441,7 @@
                                       <p:cBhvr>
                                         <p:cTn dur="300"/>
                                         <p:tgtEl>
-                                          <p:spTgt spid="214"/>
+                                          <p:spTgt spid="219"/>
                                         </p:tgtEl>
                                       </p:cBhvr>
                                     </p:animEffect>
@@ -16534,7 +21476,7 @@
                                       <p:cBhvr>
                                         <p:cTn dur="300"/>
                                         <p:tgtEl>
-                                          <p:spTgt spid="214"/>
+                                          <p:spTgt spid="219"/>
                                         </p:tgtEl>
                                       </p:cBhvr>
                                     </p:animEffect>
@@ -16546,7 +21488,7 @@
                                           </p:stCondLst>
                                         </p:cTn>
                                         <p:tgtEl>
-                                          <p:spTgt spid="214"/>
+                                          <p:spTgt spid="219"/>
                                         </p:tgtEl>
                                         <p:attrNameLst>
                                           <p:attrName>style.visibility</p:attrName>
@@ -16591,7 +21533,7 @@
                                           </p:stCondLst>
                                         </p:cTn>
                                         <p:tgtEl>
-                                          <p:spTgt spid="215"/>
+                                          <p:spTgt spid="220"/>
                                         </p:tgtEl>
                                         <p:attrNameLst>
                                           <p:attrName>style.visibility</p:attrName>
@@ -16605,7 +21547,7 @@
                                       <p:cBhvr>
                                         <p:cTn dur="300"/>
                                         <p:tgtEl>
-                                          <p:spTgt spid="215"/>
+                                          <p:spTgt spid="220"/>
                                         </p:tgtEl>
                                       </p:cBhvr>
                                     </p:animEffect>
@@ -16640,7 +21582,7 @@
                                       <p:cBhvr>
                                         <p:cTn dur="300"/>
                                         <p:tgtEl>
-                                          <p:spTgt spid="215"/>
+                                          <p:spTgt spid="220"/>
                                         </p:tgtEl>
                                       </p:cBhvr>
                                     </p:animEffect>
@@ -16652,325 +21594,7 @@
                                           </p:stCondLst>
                                         </p:cTn>
                                         <p:tgtEl>
-                                          <p:spTgt spid="215"/>
-                                        </p:tgtEl>
-                                        <p:attrNameLst>
-                                          <p:attrName>style.visibility</p:attrName>
-                                        </p:attrNameLst>
-                                      </p:cBhvr>
-                                      <p:to>
-                                        <p:strVal val="hidden"/>
-                                      </p:to>
-                                    </p:set>
-                                  </p:childTnLst>
-                                </p:cTn>
-                              </p:par>
-                            </p:childTnLst>
-                          </p:cTn>
-                        </p:par>
-                      </p:childTnLst>
-                    </p:cTn>
-                  </p:par>
-                  <p:par>
-                    <p:cTn fill="hold">
-                      <p:stCondLst>
-                        <p:cond delay="indefinite"/>
-                      </p:stCondLst>
-                      <p:childTnLst>
-                        <p:par>
-                          <p:cTn fill="hold">
-                            <p:stCondLst>
-                              <p:cond delay="0"/>
-                            </p:stCondLst>
-                            <p:childTnLst>
-                              <p:par>
-                                <p:cTn fill="hold" nodeType="clickEffect" presetClass="entr" presetID="10" presetSubtype="0">
-                                  <p:stCondLst>
-                                    <p:cond delay="0"/>
-                                  </p:stCondLst>
-                                  <p:childTnLst>
-                                    <p:set>
-                                      <p:cBhvr>
-                                        <p:cTn dur="1" fill="hold">
-                                          <p:stCondLst>
-                                            <p:cond delay="0"/>
-                                          </p:stCondLst>
-                                        </p:cTn>
-                                        <p:tgtEl>
-                                          <p:spTgt spid="212"/>
-                                        </p:tgtEl>
-                                        <p:attrNameLst>
-                                          <p:attrName>style.visibility</p:attrName>
-                                        </p:attrNameLst>
-                                      </p:cBhvr>
-                                      <p:to>
-                                        <p:strVal val="visible"/>
-                                      </p:to>
-                                    </p:set>
-                                    <p:animEffect filter="fade" transition="in">
-                                      <p:cBhvr>
-                                        <p:cTn dur="300"/>
-                                        <p:tgtEl>
-                                          <p:spTgt spid="212"/>
-                                        </p:tgtEl>
-                                      </p:cBhvr>
-                                    </p:animEffect>
-                                  </p:childTnLst>
-                                </p:cTn>
-                              </p:par>
-                            </p:childTnLst>
-                          </p:cTn>
-                        </p:par>
-                      </p:childTnLst>
-                    </p:cTn>
-                  </p:par>
-                  <p:par>
-                    <p:cTn fill="hold">
-                      <p:stCondLst>
-                        <p:cond delay="indefinite"/>
-                      </p:stCondLst>
-                      <p:childTnLst>
-                        <p:par>
-                          <p:cTn fill="hold">
-                            <p:stCondLst>
-                              <p:cond delay="0"/>
-                            </p:stCondLst>
-                            <p:childTnLst>
-                              <p:par>
-                                <p:cTn fill="hold" nodeType="clickEffect" presetClass="exit" presetID="10" presetSubtype="0">
-                                  <p:stCondLst>
-                                    <p:cond delay="0"/>
-                                  </p:stCondLst>
-                                  <p:childTnLst>
-                                    <p:animEffect filter="fade" transition="out">
-                                      <p:cBhvr>
-                                        <p:cTn dur="300"/>
-                                        <p:tgtEl>
-                                          <p:spTgt spid="212"/>
-                                        </p:tgtEl>
-                                      </p:cBhvr>
-                                    </p:animEffect>
-                                    <p:set>
-                                      <p:cBhvr>
-                                        <p:cTn dur="1" fill="hold">
-                                          <p:stCondLst>
-                                            <p:cond delay="300"/>
-                                          </p:stCondLst>
-                                        </p:cTn>
-                                        <p:tgtEl>
-                                          <p:spTgt spid="212"/>
-                                        </p:tgtEl>
-                                        <p:attrNameLst>
-                                          <p:attrName>style.visibility</p:attrName>
-                                        </p:attrNameLst>
-                                      </p:cBhvr>
-                                      <p:to>
-                                        <p:strVal val="hidden"/>
-                                      </p:to>
-                                    </p:set>
-                                  </p:childTnLst>
-                                </p:cTn>
-                              </p:par>
-                            </p:childTnLst>
-                          </p:cTn>
-                        </p:par>
-                      </p:childTnLst>
-                    </p:cTn>
-                  </p:par>
-                  <p:par>
-                    <p:cTn fill="hold">
-                      <p:stCondLst>
-                        <p:cond delay="indefinite"/>
-                      </p:stCondLst>
-                      <p:childTnLst>
-                        <p:par>
-                          <p:cTn fill="hold">
-                            <p:stCondLst>
-                              <p:cond delay="0"/>
-                            </p:stCondLst>
-                            <p:childTnLst>
-                              <p:par>
-                                <p:cTn fill="hold" nodeType="clickEffect" presetClass="entr" presetID="10" presetSubtype="0">
-                                  <p:stCondLst>
-                                    <p:cond delay="0"/>
-                                  </p:stCondLst>
-                                  <p:childTnLst>
-                                    <p:set>
-                                      <p:cBhvr>
-                                        <p:cTn dur="1" fill="hold">
-                                          <p:stCondLst>
-                                            <p:cond delay="0"/>
-                                          </p:stCondLst>
-                                        </p:cTn>
-                                        <p:tgtEl>
-                                          <p:spTgt spid="213"/>
-                                        </p:tgtEl>
-                                        <p:attrNameLst>
-                                          <p:attrName>style.visibility</p:attrName>
-                                        </p:attrNameLst>
-                                      </p:cBhvr>
-                                      <p:to>
-                                        <p:strVal val="visible"/>
-                                      </p:to>
-                                    </p:set>
-                                    <p:animEffect filter="fade" transition="in">
-                                      <p:cBhvr>
-                                        <p:cTn dur="300"/>
-                                        <p:tgtEl>
-                                          <p:spTgt spid="213"/>
-                                        </p:tgtEl>
-                                      </p:cBhvr>
-                                    </p:animEffect>
-                                  </p:childTnLst>
-                                </p:cTn>
-                              </p:par>
-                            </p:childTnLst>
-                          </p:cTn>
-                        </p:par>
-                      </p:childTnLst>
-                    </p:cTn>
-                  </p:par>
-                  <p:par>
-                    <p:cTn fill="hold">
-                      <p:stCondLst>
-                        <p:cond delay="indefinite"/>
-                      </p:stCondLst>
-                      <p:childTnLst>
-                        <p:par>
-                          <p:cTn fill="hold">
-                            <p:stCondLst>
-                              <p:cond delay="0"/>
-                            </p:stCondLst>
-                            <p:childTnLst>
-                              <p:par>
-                                <p:cTn fill="hold" nodeType="clickEffect" presetClass="exit" presetID="10" presetSubtype="0">
-                                  <p:stCondLst>
-                                    <p:cond delay="0"/>
-                                  </p:stCondLst>
-                                  <p:childTnLst>
-                                    <p:animEffect filter="fade" transition="out">
-                                      <p:cBhvr>
-                                        <p:cTn dur="300"/>
-                                        <p:tgtEl>
-                                          <p:spTgt spid="213"/>
-                                        </p:tgtEl>
-                                      </p:cBhvr>
-                                    </p:animEffect>
-                                    <p:set>
-                                      <p:cBhvr>
-                                        <p:cTn dur="1" fill="hold">
-                                          <p:stCondLst>
-                                            <p:cond delay="300"/>
-                                          </p:stCondLst>
-                                        </p:cTn>
-                                        <p:tgtEl>
-                                          <p:spTgt spid="213"/>
-                                        </p:tgtEl>
-                                        <p:attrNameLst>
-                                          <p:attrName>style.visibility</p:attrName>
-                                        </p:attrNameLst>
-                                      </p:cBhvr>
-                                      <p:to>
-                                        <p:strVal val="hidden"/>
-                                      </p:to>
-                                    </p:set>
-                                  </p:childTnLst>
-                                </p:cTn>
-                              </p:par>
-                            </p:childTnLst>
-                          </p:cTn>
-                        </p:par>
-                      </p:childTnLst>
-                    </p:cTn>
-                  </p:par>
-                  <p:par>
-                    <p:cTn fill="hold">
-                      <p:stCondLst>
-                        <p:cond delay="indefinite"/>
-                      </p:stCondLst>
-                      <p:childTnLst>
-                        <p:par>
-                          <p:cTn fill="hold">
-                            <p:stCondLst>
-                              <p:cond delay="0"/>
-                            </p:stCondLst>
-                            <p:childTnLst>
-                              <p:par>
-                                <p:cTn fill="hold" nodeType="clickEffect" presetClass="entr" presetID="10" presetSubtype="0">
-                                  <p:stCondLst>
-                                    <p:cond delay="0"/>
-                                  </p:stCondLst>
-                                  <p:childTnLst>
-                                    <p:set>
-                                      <p:cBhvr>
-                                        <p:cTn dur="1" fill="hold">
-                                          <p:stCondLst>
-                                            <p:cond delay="0"/>
-                                          </p:stCondLst>
-                                        </p:cTn>
-                                        <p:tgtEl>
-                                          <p:spTgt spid="216"/>
-                                        </p:tgtEl>
-                                        <p:attrNameLst>
-                                          <p:attrName>style.visibility</p:attrName>
-                                        </p:attrNameLst>
-                                      </p:cBhvr>
-                                      <p:to>
-                                        <p:strVal val="visible"/>
-                                      </p:to>
-                                    </p:set>
-                                    <p:animEffect filter="fade" transition="in">
-                                      <p:cBhvr>
-                                        <p:cTn dur="300"/>
-                                        <p:tgtEl>
-                                          <p:spTgt spid="216"/>
-                                        </p:tgtEl>
-                                      </p:cBhvr>
-                                    </p:animEffect>
-                                  </p:childTnLst>
-                                </p:cTn>
-                              </p:par>
-                            </p:childTnLst>
-                          </p:cTn>
-                        </p:par>
-                      </p:childTnLst>
-                    </p:cTn>
-                  </p:par>
-                  <p:par>
-                    <p:cTn fill="hold">
-                      <p:stCondLst>
-                        <p:cond delay="indefinite"/>
-                      </p:stCondLst>
-                      <p:childTnLst>
-                        <p:par>
-                          <p:cTn fill="hold">
-                            <p:stCondLst>
-                              <p:cond delay="0"/>
-                            </p:stCondLst>
-                            <p:childTnLst>
-                              <p:par>
-                                <p:cTn fill="hold" nodeType="clickEffect" presetClass="exit" presetID="10" presetSubtype="0">
-                                  <p:stCondLst>
-                                    <p:cond delay="0"/>
-                                  </p:stCondLst>
-                                  <p:childTnLst>
-                                    <p:animEffect filter="fade" transition="out">
-                                      <p:cBhvr>
-                                        <p:cTn dur="300"/>
-                                        <p:tgtEl>
-                                          <p:spTgt spid="216"/>
-                                        </p:tgtEl>
-                                      </p:cBhvr>
-                                    </p:animEffect>
-                                    <p:set>
-                                      <p:cBhvr>
-                                        <p:cTn dur="1" fill="hold">
-                                          <p:stCondLst>
-                                            <p:cond delay="300"/>
-                                          </p:stCondLst>
-                                        </p:cTn>
-                                        <p:tgtEl>
-                                          <p:spTgt spid="216"/>
+                                          <p:spTgt spid="220"/>
                                         </p:tgtEl>
                                         <p:attrNameLst>
                                           <p:attrName>style.visibility</p:attrName>
@@ -17077,6 +21701,324 @@
                                         </p:cTn>
                                         <p:tgtEl>
                                           <p:spTgt spid="217"/>
+                                        </p:tgtEl>
+                                        <p:attrNameLst>
+                                          <p:attrName>style.visibility</p:attrName>
+                                        </p:attrNameLst>
+                                      </p:cBhvr>
+                                      <p:to>
+                                        <p:strVal val="hidden"/>
+                                      </p:to>
+                                    </p:set>
+                                  </p:childTnLst>
+                                </p:cTn>
+                              </p:par>
+                            </p:childTnLst>
+                          </p:cTn>
+                        </p:par>
+                      </p:childTnLst>
+                    </p:cTn>
+                  </p:par>
+                  <p:par>
+                    <p:cTn fill="hold">
+                      <p:stCondLst>
+                        <p:cond delay="indefinite"/>
+                      </p:stCondLst>
+                      <p:childTnLst>
+                        <p:par>
+                          <p:cTn fill="hold">
+                            <p:stCondLst>
+                              <p:cond delay="0"/>
+                            </p:stCondLst>
+                            <p:childTnLst>
+                              <p:par>
+                                <p:cTn fill="hold" nodeType="clickEffect" presetClass="entr" presetID="10" presetSubtype="0">
+                                  <p:stCondLst>
+                                    <p:cond delay="0"/>
+                                  </p:stCondLst>
+                                  <p:childTnLst>
+                                    <p:set>
+                                      <p:cBhvr>
+                                        <p:cTn dur="1" fill="hold">
+                                          <p:stCondLst>
+                                            <p:cond delay="0"/>
+                                          </p:stCondLst>
+                                        </p:cTn>
+                                        <p:tgtEl>
+                                          <p:spTgt spid="218"/>
+                                        </p:tgtEl>
+                                        <p:attrNameLst>
+                                          <p:attrName>style.visibility</p:attrName>
+                                        </p:attrNameLst>
+                                      </p:cBhvr>
+                                      <p:to>
+                                        <p:strVal val="visible"/>
+                                      </p:to>
+                                    </p:set>
+                                    <p:animEffect filter="fade" transition="in">
+                                      <p:cBhvr>
+                                        <p:cTn dur="300"/>
+                                        <p:tgtEl>
+                                          <p:spTgt spid="218"/>
+                                        </p:tgtEl>
+                                      </p:cBhvr>
+                                    </p:animEffect>
+                                  </p:childTnLst>
+                                </p:cTn>
+                              </p:par>
+                            </p:childTnLst>
+                          </p:cTn>
+                        </p:par>
+                      </p:childTnLst>
+                    </p:cTn>
+                  </p:par>
+                  <p:par>
+                    <p:cTn fill="hold">
+                      <p:stCondLst>
+                        <p:cond delay="indefinite"/>
+                      </p:stCondLst>
+                      <p:childTnLst>
+                        <p:par>
+                          <p:cTn fill="hold">
+                            <p:stCondLst>
+                              <p:cond delay="0"/>
+                            </p:stCondLst>
+                            <p:childTnLst>
+                              <p:par>
+                                <p:cTn fill="hold" nodeType="clickEffect" presetClass="exit" presetID="10" presetSubtype="0">
+                                  <p:stCondLst>
+                                    <p:cond delay="0"/>
+                                  </p:stCondLst>
+                                  <p:childTnLst>
+                                    <p:animEffect filter="fade" transition="out">
+                                      <p:cBhvr>
+                                        <p:cTn dur="300"/>
+                                        <p:tgtEl>
+                                          <p:spTgt spid="218"/>
+                                        </p:tgtEl>
+                                      </p:cBhvr>
+                                    </p:animEffect>
+                                    <p:set>
+                                      <p:cBhvr>
+                                        <p:cTn dur="1" fill="hold">
+                                          <p:stCondLst>
+                                            <p:cond delay="300"/>
+                                          </p:stCondLst>
+                                        </p:cTn>
+                                        <p:tgtEl>
+                                          <p:spTgt spid="218"/>
+                                        </p:tgtEl>
+                                        <p:attrNameLst>
+                                          <p:attrName>style.visibility</p:attrName>
+                                        </p:attrNameLst>
+                                      </p:cBhvr>
+                                      <p:to>
+                                        <p:strVal val="hidden"/>
+                                      </p:to>
+                                    </p:set>
+                                  </p:childTnLst>
+                                </p:cTn>
+                              </p:par>
+                            </p:childTnLst>
+                          </p:cTn>
+                        </p:par>
+                      </p:childTnLst>
+                    </p:cTn>
+                  </p:par>
+                  <p:par>
+                    <p:cTn fill="hold">
+                      <p:stCondLst>
+                        <p:cond delay="indefinite"/>
+                      </p:stCondLst>
+                      <p:childTnLst>
+                        <p:par>
+                          <p:cTn fill="hold">
+                            <p:stCondLst>
+                              <p:cond delay="0"/>
+                            </p:stCondLst>
+                            <p:childTnLst>
+                              <p:par>
+                                <p:cTn fill="hold" nodeType="clickEffect" presetClass="entr" presetID="10" presetSubtype="0">
+                                  <p:stCondLst>
+                                    <p:cond delay="0"/>
+                                  </p:stCondLst>
+                                  <p:childTnLst>
+                                    <p:set>
+                                      <p:cBhvr>
+                                        <p:cTn dur="1" fill="hold">
+                                          <p:stCondLst>
+                                            <p:cond delay="0"/>
+                                          </p:stCondLst>
+                                        </p:cTn>
+                                        <p:tgtEl>
+                                          <p:spTgt spid="221"/>
+                                        </p:tgtEl>
+                                        <p:attrNameLst>
+                                          <p:attrName>style.visibility</p:attrName>
+                                        </p:attrNameLst>
+                                      </p:cBhvr>
+                                      <p:to>
+                                        <p:strVal val="visible"/>
+                                      </p:to>
+                                    </p:set>
+                                    <p:animEffect filter="fade" transition="in">
+                                      <p:cBhvr>
+                                        <p:cTn dur="300"/>
+                                        <p:tgtEl>
+                                          <p:spTgt spid="221"/>
+                                        </p:tgtEl>
+                                      </p:cBhvr>
+                                    </p:animEffect>
+                                  </p:childTnLst>
+                                </p:cTn>
+                              </p:par>
+                            </p:childTnLst>
+                          </p:cTn>
+                        </p:par>
+                      </p:childTnLst>
+                    </p:cTn>
+                  </p:par>
+                  <p:par>
+                    <p:cTn fill="hold">
+                      <p:stCondLst>
+                        <p:cond delay="indefinite"/>
+                      </p:stCondLst>
+                      <p:childTnLst>
+                        <p:par>
+                          <p:cTn fill="hold">
+                            <p:stCondLst>
+                              <p:cond delay="0"/>
+                            </p:stCondLst>
+                            <p:childTnLst>
+                              <p:par>
+                                <p:cTn fill="hold" nodeType="clickEffect" presetClass="exit" presetID="10" presetSubtype="0">
+                                  <p:stCondLst>
+                                    <p:cond delay="0"/>
+                                  </p:stCondLst>
+                                  <p:childTnLst>
+                                    <p:animEffect filter="fade" transition="out">
+                                      <p:cBhvr>
+                                        <p:cTn dur="300"/>
+                                        <p:tgtEl>
+                                          <p:spTgt spid="221"/>
+                                        </p:tgtEl>
+                                      </p:cBhvr>
+                                    </p:animEffect>
+                                    <p:set>
+                                      <p:cBhvr>
+                                        <p:cTn dur="1" fill="hold">
+                                          <p:stCondLst>
+                                            <p:cond delay="300"/>
+                                          </p:stCondLst>
+                                        </p:cTn>
+                                        <p:tgtEl>
+                                          <p:spTgt spid="221"/>
+                                        </p:tgtEl>
+                                        <p:attrNameLst>
+                                          <p:attrName>style.visibility</p:attrName>
+                                        </p:attrNameLst>
+                                      </p:cBhvr>
+                                      <p:to>
+                                        <p:strVal val="hidden"/>
+                                      </p:to>
+                                    </p:set>
+                                  </p:childTnLst>
+                                </p:cTn>
+                              </p:par>
+                            </p:childTnLst>
+                          </p:cTn>
+                        </p:par>
+                      </p:childTnLst>
+                    </p:cTn>
+                  </p:par>
+                  <p:par>
+                    <p:cTn fill="hold">
+                      <p:stCondLst>
+                        <p:cond delay="indefinite"/>
+                      </p:stCondLst>
+                      <p:childTnLst>
+                        <p:par>
+                          <p:cTn fill="hold">
+                            <p:stCondLst>
+                              <p:cond delay="0"/>
+                            </p:stCondLst>
+                            <p:childTnLst>
+                              <p:par>
+                                <p:cTn fill="hold" nodeType="clickEffect" presetClass="entr" presetID="10" presetSubtype="0">
+                                  <p:stCondLst>
+                                    <p:cond delay="0"/>
+                                  </p:stCondLst>
+                                  <p:childTnLst>
+                                    <p:set>
+                                      <p:cBhvr>
+                                        <p:cTn dur="1" fill="hold">
+                                          <p:stCondLst>
+                                            <p:cond delay="0"/>
+                                          </p:stCondLst>
+                                        </p:cTn>
+                                        <p:tgtEl>
+                                          <p:spTgt spid="222"/>
+                                        </p:tgtEl>
+                                        <p:attrNameLst>
+                                          <p:attrName>style.visibility</p:attrName>
+                                        </p:attrNameLst>
+                                      </p:cBhvr>
+                                      <p:to>
+                                        <p:strVal val="visible"/>
+                                      </p:to>
+                                    </p:set>
+                                    <p:animEffect filter="fade" transition="in">
+                                      <p:cBhvr>
+                                        <p:cTn dur="300"/>
+                                        <p:tgtEl>
+                                          <p:spTgt spid="222"/>
+                                        </p:tgtEl>
+                                      </p:cBhvr>
+                                    </p:animEffect>
+                                  </p:childTnLst>
+                                </p:cTn>
+                              </p:par>
+                            </p:childTnLst>
+                          </p:cTn>
+                        </p:par>
+                      </p:childTnLst>
+                    </p:cTn>
+                  </p:par>
+                  <p:par>
+                    <p:cTn fill="hold">
+                      <p:stCondLst>
+                        <p:cond delay="indefinite"/>
+                      </p:stCondLst>
+                      <p:childTnLst>
+                        <p:par>
+                          <p:cTn fill="hold">
+                            <p:stCondLst>
+                              <p:cond delay="0"/>
+                            </p:stCondLst>
+                            <p:childTnLst>
+                              <p:par>
+                                <p:cTn fill="hold" nodeType="clickEffect" presetClass="exit" presetID="10" presetSubtype="0">
+                                  <p:stCondLst>
+                                    <p:cond delay="0"/>
+                                  </p:stCondLst>
+                                  <p:childTnLst>
+                                    <p:animEffect filter="fade" transition="out">
+                                      <p:cBhvr>
+                                        <p:cTn dur="300"/>
+                                        <p:tgtEl>
+                                          <p:spTgt spid="222"/>
+                                        </p:tgtEl>
+                                      </p:cBhvr>
+                                    </p:animEffect>
+                                    <p:set>
+                                      <p:cBhvr>
+                                        <p:cTn dur="1" fill="hold">
+                                          <p:stCondLst>
+                                            <p:cond delay="300"/>
+                                          </p:stCondLst>
+                                        </p:cTn>
+                                        <p:tgtEl>
+                                          <p:spTgt spid="222"/>
                                         </p:tgtEl>
                                         <p:attrNameLst>
                                           <p:attrName>style.visibility</p:attrName>
